--- a/presentation.pptx
+++ b/presentation.pptx
@@ -10,22 +10,22 @@
   <p:sldIdLst>
     <p:sldId id="256" r:id="rId2"/>
     <p:sldId id="257" r:id="rId3"/>
-    <p:sldId id="258" r:id="rId4"/>
-    <p:sldId id="259" r:id="rId5"/>
-    <p:sldId id="260" r:id="rId6"/>
-    <p:sldId id="261" r:id="rId7"/>
-    <p:sldId id="271" r:id="rId8"/>
-    <p:sldId id="262" r:id="rId9"/>
-    <p:sldId id="272" r:id="rId10"/>
-    <p:sldId id="273" r:id="rId11"/>
-    <p:sldId id="274" r:id="rId12"/>
-    <p:sldId id="263" r:id="rId13"/>
-    <p:sldId id="270" r:id="rId14"/>
-    <p:sldId id="264" r:id="rId15"/>
-    <p:sldId id="265" r:id="rId16"/>
-    <p:sldId id="267" r:id="rId17"/>
-    <p:sldId id="268" r:id="rId18"/>
-    <p:sldId id="275" r:id="rId19"/>
+    <p:sldId id="259" r:id="rId4"/>
+    <p:sldId id="260" r:id="rId5"/>
+    <p:sldId id="261" r:id="rId6"/>
+    <p:sldId id="271" r:id="rId7"/>
+    <p:sldId id="272" r:id="rId8"/>
+    <p:sldId id="273" r:id="rId9"/>
+    <p:sldId id="274" r:id="rId10"/>
+    <p:sldId id="263" r:id="rId11"/>
+    <p:sldId id="270" r:id="rId12"/>
+    <p:sldId id="264" r:id="rId13"/>
+    <p:sldId id="265" r:id="rId14"/>
+    <p:sldId id="267" r:id="rId15"/>
+    <p:sldId id="268" r:id="rId16"/>
+    <p:sldId id="275" r:id="rId17"/>
+    <p:sldId id="258" r:id="rId18"/>
+    <p:sldId id="262" r:id="rId19"/>
   </p:sldIdLst>
   <p:sldSz cx="12192000" cy="6858000"/>
   <p:notesSz cx="6858000" cy="9144000"/>
@@ -131,12 +131,10 @@
           <p14:sldIdLst>
             <p14:sldId id="256"/>
             <p14:sldId id="257"/>
-            <p14:sldId id="258"/>
             <p14:sldId id="259"/>
             <p14:sldId id="260"/>
             <p14:sldId id="261"/>
             <p14:sldId id="271"/>
-            <p14:sldId id="262"/>
             <p14:sldId id="272"/>
             <p14:sldId id="273"/>
             <p14:sldId id="274"/>
@@ -147,6 +145,8 @@
             <p14:sldId id="267"/>
             <p14:sldId id="268"/>
             <p14:sldId id="275"/>
+            <p14:sldId id="258"/>
+            <p14:sldId id="262"/>
           </p14:sldIdLst>
         </p14:section>
       </p14:sectionLst>
@@ -259,7 +259,7 @@
           <a:p>
             <a:fld id="{FDFDA55C-4601-4537-BB70-D29DC1815E10}" type="datetimeFigureOut">
               <a:rPr lang="en-GB" smtClean="0"/>
-              <a:t>16/01/2022</a:t>
+              <a:t>17/01/2022</a:t>
             </a:fld>
             <a:endParaRPr lang="en-GB"/>
           </a:p>
@@ -591,7 +591,7 @@
           <a:p>
             <a:r>
               <a:rPr lang="en-US" dirty="0"/>
-              <a:t>So, more important, I had to explained that the spawning algorithm is the generative process that point out the features that the Pokémon that will spawn should have</a:t>
+              <a:t>First of all, generally, a spawning algorithm is the generative process that point out which kind of element should appear based on the context of the game.</a:t>
             </a:r>
           </a:p>
         </p:txBody>
@@ -701,7 +701,7 @@
           <a:p>
             <a:fld id="{71085349-C73D-4010-B699-EBD45FD09117}" type="slidenum">
               <a:rPr lang="en-GB" smtClean="0"/>
-              <a:t>13</a:t>
+              <a:t>11</a:t>
             </a:fld>
             <a:endParaRPr lang="en-GB"/>
           </a:p>
@@ -793,7 +793,7 @@
           <a:p>
             <a:fld id="{71085349-C73D-4010-B699-EBD45FD09117}" type="slidenum">
               <a:rPr lang="en-GB" smtClean="0"/>
-              <a:t>14</a:t>
+              <a:t>12</a:t>
             </a:fld>
             <a:endParaRPr lang="en-GB"/>
           </a:p>
@@ -881,7 +881,7 @@
           <a:p>
             <a:fld id="{71085349-C73D-4010-B699-EBD45FD09117}" type="slidenum">
               <a:rPr lang="en-GB" smtClean="0"/>
-              <a:t>15</a:t>
+              <a:t>13</a:t>
             </a:fld>
             <a:endParaRPr lang="en-GB"/>
           </a:p>
@@ -965,7 +965,7 @@
           <a:p>
             <a:fld id="{71085349-C73D-4010-B699-EBD45FD09117}" type="slidenum">
               <a:rPr lang="en-GB" smtClean="0"/>
-              <a:t>18</a:t>
+              <a:t>16</a:t>
             </a:fld>
             <a:endParaRPr lang="en-GB"/>
           </a:p>
@@ -975,6 +975,178 @@
     <p:extLst>
       <p:ext uri="{BB962C8B-B14F-4D97-AF65-F5344CB8AC3E}">
         <p14:creationId xmlns:p14="http://schemas.microsoft.com/office/powerpoint/2010/main" val="1890061632"/>
+      </p:ext>
+    </p:extLst>
+  </p:cSld>
+  <p:clrMapOvr>
+    <a:masterClrMapping/>
+  </p:clrMapOvr>
+</p:notes>
+</file>
+
+<file path=ppt/notesSlides/notesSlide14.xml><?xml version="1.0" encoding="utf-8"?>
+<p:notes xmlns:a="http://schemas.openxmlformats.org/drawingml/2006/main" xmlns:r="http://schemas.openxmlformats.org/officeDocument/2006/relationships" xmlns:p="http://schemas.openxmlformats.org/presentationml/2006/main">
+  <p:cSld>
+    <p:spTree>
+      <p:nvGrpSpPr>
+        <p:cNvPr id="1" name=""/>
+        <p:cNvGrpSpPr/>
+        <p:nvPr/>
+      </p:nvGrpSpPr>
+      <p:grpSpPr>
+        <a:xfrm>
+          <a:off x="0" y="0"/>
+          <a:ext cx="0" cy="0"/>
+          <a:chOff x="0" y="0"/>
+          <a:chExt cx="0" cy="0"/>
+        </a:xfrm>
+      </p:grpSpPr>
+      <p:sp>
+        <p:nvSpPr>
+          <p:cNvPr id="2" name="Slide Image Placeholder 1"/>
+          <p:cNvSpPr>
+            <a:spLocks noGrp="1" noRot="1" noChangeAspect="1"/>
+          </p:cNvSpPr>
+          <p:nvPr>
+            <p:ph type="sldImg"/>
+          </p:nvPr>
+        </p:nvSpPr>
+        <p:spPr/>
+      </p:sp>
+      <p:sp>
+        <p:nvSpPr>
+          <p:cNvPr id="3" name="Notes Placeholder 2"/>
+          <p:cNvSpPr>
+            <a:spLocks noGrp="1"/>
+          </p:cNvSpPr>
+          <p:nvPr>
+            <p:ph type="body" idx="1"/>
+          </p:nvPr>
+        </p:nvSpPr>
+        <p:spPr/>
+        <p:txBody>
+          <a:bodyPr/>
+          <a:lstStyle/>
+          <a:p>
+            <a:endParaRPr lang="en-US" dirty="0"/>
+          </a:p>
+        </p:txBody>
+      </p:sp>
+      <p:sp>
+        <p:nvSpPr>
+          <p:cNvPr id="4" name="Slide Number Placeholder 3"/>
+          <p:cNvSpPr>
+            <a:spLocks noGrp="1"/>
+          </p:cNvSpPr>
+          <p:nvPr>
+            <p:ph type="sldNum" sz="quarter" idx="5"/>
+          </p:nvPr>
+        </p:nvSpPr>
+        <p:spPr/>
+        <p:txBody>
+          <a:bodyPr/>
+          <a:lstStyle/>
+          <a:p>
+            <a:fld id="{71085349-C73D-4010-B699-EBD45FD09117}" type="slidenum">
+              <a:rPr lang="en-GB" smtClean="0"/>
+              <a:t>17</a:t>
+            </a:fld>
+            <a:endParaRPr lang="en-GB"/>
+          </a:p>
+        </p:txBody>
+      </p:sp>
+    </p:spTree>
+    <p:extLst>
+      <p:ext uri="{BB962C8B-B14F-4D97-AF65-F5344CB8AC3E}">
+        <p14:creationId xmlns:p14="http://schemas.microsoft.com/office/powerpoint/2010/main" val="638300114"/>
+      </p:ext>
+    </p:extLst>
+  </p:cSld>
+  <p:clrMapOvr>
+    <a:masterClrMapping/>
+  </p:clrMapOvr>
+</p:notes>
+</file>
+
+<file path=ppt/notesSlides/notesSlide15.xml><?xml version="1.0" encoding="utf-8"?>
+<p:notes xmlns:a="http://schemas.openxmlformats.org/drawingml/2006/main" xmlns:r="http://schemas.openxmlformats.org/officeDocument/2006/relationships" xmlns:p="http://schemas.openxmlformats.org/presentationml/2006/main">
+  <p:cSld>
+    <p:spTree>
+      <p:nvGrpSpPr>
+        <p:cNvPr id="1" name=""/>
+        <p:cNvGrpSpPr/>
+        <p:nvPr/>
+      </p:nvGrpSpPr>
+      <p:grpSpPr>
+        <a:xfrm>
+          <a:off x="0" y="0"/>
+          <a:ext cx="0" cy="0"/>
+          <a:chOff x="0" y="0"/>
+          <a:chExt cx="0" cy="0"/>
+        </a:xfrm>
+      </p:grpSpPr>
+      <p:sp>
+        <p:nvSpPr>
+          <p:cNvPr id="2" name="Slide Image Placeholder 1"/>
+          <p:cNvSpPr>
+            <a:spLocks noGrp="1" noRot="1" noChangeAspect="1"/>
+          </p:cNvSpPr>
+          <p:nvPr>
+            <p:ph type="sldImg"/>
+          </p:nvPr>
+        </p:nvSpPr>
+        <p:spPr/>
+      </p:sp>
+      <p:sp>
+        <p:nvSpPr>
+          <p:cNvPr id="3" name="Notes Placeholder 2"/>
+          <p:cNvSpPr>
+            <a:spLocks noGrp="1"/>
+          </p:cNvSpPr>
+          <p:nvPr>
+            <p:ph type="body" idx="1"/>
+          </p:nvPr>
+        </p:nvSpPr>
+        <p:spPr/>
+        <p:txBody>
+          <a:bodyPr/>
+          <a:lstStyle/>
+          <a:p>
+            <a:r>
+              <a:rPr lang="en-US" dirty="0"/>
+              <a:t>Correspondence analysis idea</a:t>
+            </a:r>
+            <a:endParaRPr lang="en-GB" dirty="0"/>
+          </a:p>
+        </p:txBody>
+      </p:sp>
+      <p:sp>
+        <p:nvSpPr>
+          <p:cNvPr id="4" name="Slide Number Placeholder 3"/>
+          <p:cNvSpPr>
+            <a:spLocks noGrp="1"/>
+          </p:cNvSpPr>
+          <p:nvPr>
+            <p:ph type="sldNum" sz="quarter" idx="5"/>
+          </p:nvPr>
+        </p:nvSpPr>
+        <p:spPr/>
+        <p:txBody>
+          <a:bodyPr/>
+          <a:lstStyle/>
+          <a:p>
+            <a:fld id="{71085349-C73D-4010-B699-EBD45FD09117}" type="slidenum">
+              <a:rPr lang="en-GB" smtClean="0"/>
+              <a:t>18</a:t>
+            </a:fld>
+            <a:endParaRPr lang="en-GB"/>
+          </a:p>
+        </p:txBody>
+      </p:sp>
+    </p:spTree>
+    <p:extLst>
+      <p:ext uri="{BB962C8B-B14F-4D97-AF65-F5344CB8AC3E}">
+        <p14:creationId xmlns:p14="http://schemas.microsoft.com/office/powerpoint/2010/main" val="4040486307"/>
       </p:ext>
     </p:extLst>
   </p:cSld>
@@ -1028,21 +1200,6 @@
           <a:bodyPr/>
           <a:lstStyle/>
           <a:p>
-            <a:r>
-              <a:rPr lang="en-US" dirty="0"/>
-              <a:t>Basically, it takes in input many data from the real-world context like what’s the weather like or in which kind of neighborhood the player is located,</a:t>
-            </a:r>
-          </a:p>
-          <a:p>
-            <a:r>
-              <a:rPr lang="en-US" dirty="0"/>
-              <a:t>and it outputs the identification number of one of the hundreds Pokémon plus some variable attribute</a:t>
-            </a:r>
-          </a:p>
-          <a:p>
-            <a:endParaRPr lang="en-US" dirty="0"/>
-          </a:p>
-          <a:p>
             <a:pPr marL="0" marR="0" lvl="0" indent="0" algn="l" defTabSz="914400" rtl="0" eaLnBrk="1" fontAlgn="auto" latinLnBrk="0" hangingPunct="1">
               <a:lnSpc>
                 <a:spcPct val="100000"/>
@@ -1061,17 +1218,41 @@
               <a:defRPr/>
             </a:pPr>
             <a:r>
-              <a:rPr lang="en-GB" sz="1200" dirty="0">
-                <a:effectLst/>
-                <a:latin typeface="Calibri" panose="020F0502020204030204" pitchFamily="34" charset="0"/>
-                <a:ea typeface="Calibri" panose="020F0502020204030204" pitchFamily="34" charset="0"/>
-                <a:cs typeface="Times New Roman" panose="02020603050405020304" pitchFamily="18" charset="0"/>
-              </a:rPr>
-              <a:t>This generative process should not be random neither deterministic. To be more precise, </a:t>
+              <a:rPr lang="en-US" dirty="0"/>
+              <a:t>So, in our case the spawning algorithm will compute the features that the Pokémon that will spawn should have</a:t>
             </a:r>
           </a:p>
           <a:p>
             <a:endParaRPr lang="en-US" dirty="0"/>
+          </a:p>
+          <a:p>
+            <a:r>
+              <a:rPr lang="en-US" dirty="0"/>
+              <a:t>Basically, the generative model inside </a:t>
+            </a:r>
+            <a:r>
+              <a:rPr lang="en-US" dirty="0" err="1"/>
+              <a:t>Pokemon</a:t>
+            </a:r>
+            <a:r>
+              <a:rPr lang="en-US" dirty="0"/>
+              <a:t> Go takes in input many data from the real-world context like what’s the weather like or in which kind of neighborhood the player is located,</a:t>
+            </a:r>
+          </a:p>
+          <a:p>
+            <a:r>
+              <a:rPr lang="en-US" dirty="0"/>
+              <a:t>and it outputs the identification number of one of the hundreds Pokémon, plus some not-fixed attribute that could vary in a certain range.</a:t>
+            </a:r>
+          </a:p>
+          <a:p>
+            <a:endParaRPr lang="en-US" dirty="0"/>
+          </a:p>
+          <a:p>
+            <a:r>
+              <a:rPr lang="en-US" dirty="0"/>
+              <a:t>We don’t know how the generative model is, for sure it is very complex, but this project tried to provide an analysis of how should it work, trough statistical methods</a:t>
+            </a:r>
           </a:p>
         </p:txBody>
       </p:sp>
@@ -1157,29 +1338,70 @@
           <a:p>
             <a:r>
               <a:rPr lang="en-US" dirty="0"/>
-              <a:t>We don’t know</a:t>
-            </a:r>
-          </a:p>
-          <a:p>
+              <a:t>The analyses were computed over a database of 300 of thousand of observation collected around the world during August 2016</a:t>
+            </a:r>
+          </a:p>
+          <a:p>
+            <a:r>
+              <a:rPr lang="en-US" dirty="0"/>
+              <a:t>The dataset has three main features:</a:t>
+            </a:r>
+          </a:p>
+          <a:p>
+            <a:pPr marL="171450" indent="-171450">
+              <a:buFontTx/>
+              <a:buChar char="-"/>
+            </a:pPr>
+            <a:r>
+              <a:rPr lang="en-US" dirty="0"/>
+              <a:t>the id of the extracted Pokémon</a:t>
+            </a:r>
+          </a:p>
+          <a:p>
+            <a:pPr marL="171450" indent="-171450">
+              <a:buFontTx/>
+              <a:buChar char="-"/>
+            </a:pPr>
+            <a:r>
+              <a:rPr lang="en-US" dirty="0"/>
+              <a:t>the geolocation, expressed with latitude and longitude, where the Pokémon spawn</a:t>
+            </a:r>
+          </a:p>
+          <a:p>
+            <a:pPr marL="171450" indent="-171450">
+              <a:buFontTx/>
+              <a:buChar char="-"/>
+            </a:pPr>
+            <a:r>
+              <a:rPr lang="en-US" dirty="0"/>
+              <a:t>And the local timestamp, so the hour and the day of the event</a:t>
+            </a:r>
+          </a:p>
+          <a:p>
+            <a:pPr marL="171450" indent="-171450">
+              <a:buFontTx/>
+              <a:buChar char="-"/>
+            </a:pPr>
             <a:endParaRPr lang="en-US" dirty="0"/>
           </a:p>
           <a:p>
+            <a:pPr marL="0" indent="0">
+              <a:buFontTx/>
+              <a:buNone/>
+            </a:pPr>
             <a:r>
               <a:rPr lang="en-US" dirty="0"/>
-              <a:t>I would like do be straightforward, this presentation of results will be more like a presentation of fail rather than a presentation of success</a:t>
-            </a:r>
-          </a:p>
-          <a:p>
+              <a:t>Thanks to this main features we can derive other features (..bro </a:t>
+            </a:r>
+            <a:r>
+              <a:rPr lang="en-US" dirty="0" err="1"/>
+              <a:t>improvvisa</a:t>
+            </a:r>
             <a:r>
               <a:rPr lang="en-US" dirty="0"/>
-              <a:t>due to the complexity of the dataset…</a:t>
-            </a:r>
-          </a:p>
-          <a:p>
-            <a:r>
-              <a:rPr lang="en-US" dirty="0"/>
-              <a:t> … so let’s have a look </a:t>
-            </a:r>
+              <a:t>..)</a:t>
+            </a:r>
+            <a:endParaRPr lang="en-GB" dirty="0"/>
           </a:p>
         </p:txBody>
       </p:sp>
@@ -1209,7 +1431,7 @@
     </p:spTree>
     <p:extLst>
       <p:ext uri="{BB962C8B-B14F-4D97-AF65-F5344CB8AC3E}">
-        <p14:creationId xmlns:p14="http://schemas.microsoft.com/office/powerpoint/2010/main" val="638300114"/>
+        <p14:creationId xmlns:p14="http://schemas.microsoft.com/office/powerpoint/2010/main" val="2958949648"/>
       </p:ext>
     </p:extLst>
   </p:cSld>
@@ -1263,6 +1485,10 @@
           <a:bodyPr/>
           <a:lstStyle/>
           <a:p>
+            <a:r>
+              <a:rPr lang="en-US" dirty="0"/>
+              <a:t>Dimensionality reduction idea</a:t>
+            </a:r>
             <a:endParaRPr lang="en-GB" dirty="0"/>
           </a:p>
         </p:txBody>
@@ -1293,7 +1519,7 @@
     </p:spTree>
     <p:extLst>
       <p:ext uri="{BB962C8B-B14F-4D97-AF65-F5344CB8AC3E}">
-        <p14:creationId xmlns:p14="http://schemas.microsoft.com/office/powerpoint/2010/main" val="2958949648"/>
+        <p14:creationId xmlns:p14="http://schemas.microsoft.com/office/powerpoint/2010/main" val="2220255581"/>
       </p:ext>
     </p:extLst>
   </p:cSld>
@@ -1348,8 +1574,12 @@
           <a:lstStyle/>
           <a:p>
             <a:r>
+              <a:rPr lang="en-US" dirty="0" err="1"/>
+              <a:t>Dimensioanlity</a:t>
+            </a:r>
+            <a:r>
               <a:rPr lang="en-US" dirty="0"/>
-              <a:t>Dimensionality reduction idea</a:t>
+              <a:t> reduction results</a:t>
             </a:r>
             <a:endParaRPr lang="en-GB" dirty="0"/>
           </a:p>
@@ -1381,7 +1611,7 @@
     </p:spTree>
     <p:extLst>
       <p:ext uri="{BB962C8B-B14F-4D97-AF65-F5344CB8AC3E}">
-        <p14:creationId xmlns:p14="http://schemas.microsoft.com/office/powerpoint/2010/main" val="2220255581"/>
+        <p14:creationId xmlns:p14="http://schemas.microsoft.com/office/powerpoint/2010/main" val="2535548757"/>
       </p:ext>
     </p:extLst>
   </p:cSld>
@@ -1435,14 +1665,6 @@
           <a:bodyPr/>
           <a:lstStyle/>
           <a:p>
-            <a:r>
-              <a:rPr lang="en-US" dirty="0" err="1"/>
-              <a:t>Dimensioanlity</a:t>
-            </a:r>
-            <a:r>
-              <a:rPr lang="en-US" dirty="0"/>
-              <a:t> reduction results</a:t>
-            </a:r>
             <a:endParaRPr lang="en-GB" dirty="0"/>
           </a:p>
         </p:txBody>
@@ -1464,7 +1686,7 @@
           <a:p>
             <a:fld id="{71085349-C73D-4010-B699-EBD45FD09117}" type="slidenum">
               <a:rPr lang="en-GB" smtClean="0"/>
-              <a:t>6</a:t>
+              <a:t>7</a:t>
             </a:fld>
             <a:endParaRPr lang="en-GB"/>
           </a:p>
@@ -1473,7 +1695,7 @@
     </p:spTree>
     <p:extLst>
       <p:ext uri="{BB962C8B-B14F-4D97-AF65-F5344CB8AC3E}">
-        <p14:creationId xmlns:p14="http://schemas.microsoft.com/office/powerpoint/2010/main" val="2535548757"/>
+        <p14:creationId xmlns:p14="http://schemas.microsoft.com/office/powerpoint/2010/main" val="2444561676"/>
       </p:ext>
     </p:extLst>
   </p:cSld>
@@ -1529,9 +1751,23 @@
           <a:p>
             <a:r>
               <a:rPr lang="en-US" dirty="0"/>
-              <a:t>Correspondence analysis idea</a:t>
-            </a:r>
-            <a:endParaRPr lang="en-GB" dirty="0"/>
+              <a:t>An first experiment was made it </a:t>
+            </a:r>
+          </a:p>
+          <a:p>
+            <a:r>
+              <a:rPr lang="en-US" dirty="0"/>
+              <a:t>Bootstrapped</a:t>
+            </a:r>
+          </a:p>
+          <a:p>
+            <a:endParaRPr lang="en-US" dirty="0"/>
+          </a:p>
+          <a:p>
+            <a:r>
+              <a:rPr lang="en-US" dirty="0"/>
+              <a:t>How about the other type of Pokémon? </a:t>
+            </a:r>
           </a:p>
         </p:txBody>
       </p:sp>
@@ -1561,7 +1797,7 @@
     </p:spTree>
     <p:extLst>
       <p:ext uri="{BB962C8B-B14F-4D97-AF65-F5344CB8AC3E}">
-        <p14:creationId xmlns:p14="http://schemas.microsoft.com/office/powerpoint/2010/main" val="4040486307"/>
+        <p14:creationId xmlns:p14="http://schemas.microsoft.com/office/powerpoint/2010/main" val="2249494945"/>
       </p:ext>
     </p:extLst>
   </p:cSld>
@@ -1617,7 +1853,15 @@
           <a:p>
             <a:r>
               <a:rPr lang="en-US" dirty="0"/>
-              <a:t>Correspondence analysis idea</a:t>
+              <a:t>So </a:t>
+            </a:r>
+            <a:r>
+              <a:rPr lang="en-US" dirty="0" err="1"/>
+              <a:t>measurige</a:t>
+            </a:r>
+            <a:r>
+              <a:rPr lang="en-US" dirty="0"/>
+              <a:t> must be made by including as much features as possible without ending up to a multinomial of 17 variables, </a:t>
             </a:r>
             <a:endParaRPr lang="en-GB" dirty="0"/>
           </a:p>
@@ -1640,7 +1884,7 @@
           <a:p>
             <a:fld id="{71085349-C73D-4010-B699-EBD45FD09117}" type="slidenum">
               <a:rPr lang="en-GB" smtClean="0"/>
-              <a:t>11</a:t>
+              <a:t>9</a:t>
             </a:fld>
             <a:endParaRPr lang="en-GB"/>
           </a:p>
@@ -1742,7 +1986,7 @@
           <a:p>
             <a:fld id="{71085349-C73D-4010-B699-EBD45FD09117}" type="slidenum">
               <a:rPr lang="en-GB" smtClean="0"/>
-              <a:t>12</a:t>
+              <a:t>10</a:t>
             </a:fld>
             <a:endParaRPr lang="en-GB"/>
           </a:p>
@@ -1910,7 +2154,7 @@
           <a:p>
             <a:fld id="{9FB048C6-FFC6-4A89-96D6-9E90739D3D55}" type="datetimeFigureOut">
               <a:rPr lang="en-GB" smtClean="0"/>
-              <a:t>16/01/2022</a:t>
+              <a:t>17/01/2022</a:t>
             </a:fld>
             <a:endParaRPr lang="en-GB"/>
           </a:p>
@@ -2110,7 +2354,7 @@
           <a:p>
             <a:fld id="{9FB048C6-FFC6-4A89-96D6-9E90739D3D55}" type="datetimeFigureOut">
               <a:rPr lang="en-GB" smtClean="0"/>
-              <a:t>16/01/2022</a:t>
+              <a:t>17/01/2022</a:t>
             </a:fld>
             <a:endParaRPr lang="en-GB"/>
           </a:p>
@@ -2320,7 +2564,7 @@
           <a:p>
             <a:fld id="{9FB048C6-FFC6-4A89-96D6-9E90739D3D55}" type="datetimeFigureOut">
               <a:rPr lang="en-GB" smtClean="0"/>
-              <a:t>16/01/2022</a:t>
+              <a:t>17/01/2022</a:t>
             </a:fld>
             <a:endParaRPr lang="en-GB"/>
           </a:p>
@@ -2520,7 +2764,7 @@
           <a:p>
             <a:fld id="{9FB048C6-FFC6-4A89-96D6-9E90739D3D55}" type="datetimeFigureOut">
               <a:rPr lang="en-GB" smtClean="0"/>
-              <a:t>16/01/2022</a:t>
+              <a:t>17/01/2022</a:t>
             </a:fld>
             <a:endParaRPr lang="en-GB"/>
           </a:p>
@@ -2796,7 +3040,7 @@
           <a:p>
             <a:fld id="{9FB048C6-FFC6-4A89-96D6-9E90739D3D55}" type="datetimeFigureOut">
               <a:rPr lang="en-GB" smtClean="0"/>
-              <a:t>16/01/2022</a:t>
+              <a:t>17/01/2022</a:t>
             </a:fld>
             <a:endParaRPr lang="en-GB"/>
           </a:p>
@@ -3064,7 +3308,7 @@
           <a:p>
             <a:fld id="{9FB048C6-FFC6-4A89-96D6-9E90739D3D55}" type="datetimeFigureOut">
               <a:rPr lang="en-GB" smtClean="0"/>
-              <a:t>16/01/2022</a:t>
+              <a:t>17/01/2022</a:t>
             </a:fld>
             <a:endParaRPr lang="en-GB"/>
           </a:p>
@@ -3479,7 +3723,7 @@
           <a:p>
             <a:fld id="{9FB048C6-FFC6-4A89-96D6-9E90739D3D55}" type="datetimeFigureOut">
               <a:rPr lang="en-GB" smtClean="0"/>
-              <a:t>16/01/2022</a:t>
+              <a:t>17/01/2022</a:t>
             </a:fld>
             <a:endParaRPr lang="en-GB"/>
           </a:p>
@@ -3621,7 +3865,7 @@
           <a:p>
             <a:fld id="{9FB048C6-FFC6-4A89-96D6-9E90739D3D55}" type="datetimeFigureOut">
               <a:rPr lang="en-GB" smtClean="0"/>
-              <a:t>16/01/2022</a:t>
+              <a:t>17/01/2022</a:t>
             </a:fld>
             <a:endParaRPr lang="en-GB"/>
           </a:p>
@@ -3734,7 +3978,7 @@
           <a:p>
             <a:fld id="{9FB048C6-FFC6-4A89-96D6-9E90739D3D55}" type="datetimeFigureOut">
               <a:rPr lang="en-GB" smtClean="0"/>
-              <a:t>16/01/2022</a:t>
+              <a:t>17/01/2022</a:t>
             </a:fld>
             <a:endParaRPr lang="en-GB"/>
           </a:p>
@@ -4047,7 +4291,7 @@
           <a:p>
             <a:fld id="{9FB048C6-FFC6-4A89-96D6-9E90739D3D55}" type="datetimeFigureOut">
               <a:rPr lang="en-GB" smtClean="0"/>
-              <a:t>16/01/2022</a:t>
+              <a:t>17/01/2022</a:t>
             </a:fld>
             <a:endParaRPr lang="en-GB"/>
           </a:p>
@@ -4336,7 +4580,7 @@
           <a:p>
             <a:fld id="{9FB048C6-FFC6-4A89-96D6-9E90739D3D55}" type="datetimeFigureOut">
               <a:rPr lang="en-GB" smtClean="0"/>
-              <a:t>16/01/2022</a:t>
+              <a:t>17/01/2022</a:t>
             </a:fld>
             <a:endParaRPr lang="en-GB"/>
           </a:p>
@@ -4579,7 +4823,7 @@
           <a:p>
             <a:fld id="{9FB048C6-FFC6-4A89-96D6-9E90739D3D55}" type="datetimeFigureOut">
               <a:rPr lang="en-GB" smtClean="0"/>
-              <a:t>16/01/2022</a:t>
+              <a:t>17/01/2022</a:t>
             </a:fld>
             <a:endParaRPr lang="en-GB"/>
           </a:p>
@@ -5225,10 +5469,10 @@
       </p:grpSpPr>
       <p:pic>
         <p:nvPicPr>
-          <p:cNvPr id="3" name="Picture 2">
-            <a:extLst>
-              <a:ext uri="{FF2B5EF4-FFF2-40B4-BE49-F238E27FC236}">
-                <a16:creationId xmlns:a16="http://schemas.microsoft.com/office/drawing/2014/main" id="{3CF53EB1-3C1C-442B-A061-8287975ADF7B}"/>
+          <p:cNvPr id="8" name="Picture 7">
+            <a:extLst>
+              <a:ext uri="{FF2B5EF4-FFF2-40B4-BE49-F238E27FC236}">
+                <a16:creationId xmlns:a16="http://schemas.microsoft.com/office/drawing/2014/main" id="{BBDF89EF-2E57-4453-B47C-E837CF5E2BE2}"/>
               </a:ext>
             </a:extLst>
           </p:cNvPr>
@@ -5238,15 +5482,15 @@
           <p:nvPr/>
         </p:nvPicPr>
         <p:blipFill>
-          <a:blip r:embed="rId2"/>
+          <a:blip r:embed="rId3"/>
           <a:stretch>
             <a:fillRect/>
           </a:stretch>
         </p:blipFill>
         <p:spPr>
           <a:xfrm>
-            <a:off x="3071712" y="694610"/>
-            <a:ext cx="4907305" cy="4899858"/>
+            <a:off x="2991324" y="163481"/>
+            <a:ext cx="6052067" cy="5584176"/>
           </a:xfrm>
           <a:prstGeom prst="rect">
             <a:avLst/>
@@ -5258,7 +5502,7 @@
           <p:cNvPr id="5" name="Title 1">
             <a:extLst>
               <a:ext uri="{FF2B5EF4-FFF2-40B4-BE49-F238E27FC236}">
-                <a16:creationId xmlns:a16="http://schemas.microsoft.com/office/drawing/2014/main" id="{068B8638-7999-45F8-85AA-F85F3B7ED24A}"/>
+                <a16:creationId xmlns:a16="http://schemas.microsoft.com/office/drawing/2014/main" id="{CF1C0A9C-06E3-4580-9F97-4A24112D3AC9}"/>
               </a:ext>
             </a:extLst>
           </p:cNvPr>
@@ -5269,8 +5513,8 @@
         </p:nvSpPr>
         <p:spPr>
           <a:xfrm>
-            <a:off x="5044751" y="5594468"/>
-            <a:ext cx="6189348" cy="730501"/>
+            <a:off x="5019869" y="5594468"/>
+            <a:ext cx="6214230" cy="730501"/>
           </a:xfrm>
           <a:prstGeom prst="rect">
             <a:avLst/>
@@ -5301,12 +5545,4144 @@
             <a:pPr algn="r"/>
             <a:r>
               <a:rPr lang="en-US" sz="6000" dirty="0"/>
+              <a:t>correspondence &lt;</a:t>
+            </a:r>
+            <a:endParaRPr lang="en-GB" sz="6000" dirty="0"/>
+          </a:p>
+        </p:txBody>
+      </p:sp>
+      <p:sp>
+        <p:nvSpPr>
+          <p:cNvPr id="6" name="Rectangle 5">
+            <a:extLst>
+              <a:ext uri="{FF2B5EF4-FFF2-40B4-BE49-F238E27FC236}">
+                <a16:creationId xmlns:a16="http://schemas.microsoft.com/office/drawing/2014/main" id="{0B81AE6E-C918-4A83-A297-9FE6CDB76C0C}"/>
+              </a:ext>
+            </a:extLst>
+          </p:cNvPr>
+          <p:cNvSpPr/>
+          <p:nvPr/>
+        </p:nvSpPr>
+        <p:spPr>
+          <a:xfrm>
+            <a:off x="7402287" y="3186313"/>
+            <a:ext cx="1741714" cy="1146201"/>
+          </a:xfrm>
+          <a:prstGeom prst="rect">
+            <a:avLst/>
+          </a:prstGeom>
+          <a:noFill/>
+          <a:ln w="38100" cap="flat" cmpd="sng" algn="ctr">
+            <a:solidFill>
+              <a:schemeClr val="accent2"/>
+            </a:solidFill>
+            <a:prstDash val="solid"/>
+            <a:round/>
+            <a:headEnd type="none" w="med" len="med"/>
+            <a:tailEnd type="none" w="med" len="med"/>
+          </a:ln>
+        </p:spPr>
+        <p:style>
+          <a:lnRef idx="0">
+            <a:scrgbClr r="0" g="0" b="0"/>
+          </a:lnRef>
+          <a:fillRef idx="0">
+            <a:scrgbClr r="0" g="0" b="0"/>
+          </a:fillRef>
+          <a:effectRef idx="0">
+            <a:scrgbClr r="0" g="0" b="0"/>
+          </a:effectRef>
+          <a:fontRef idx="minor">
+            <a:schemeClr val="accent2"/>
+          </a:fontRef>
+        </p:style>
+        <p:txBody>
+          <a:bodyPr rtlCol="0" anchor="ctr"/>
+          <a:lstStyle/>
+          <a:p>
+            <a:pPr algn="ctr"/>
+            <a:endParaRPr lang="en-GB"/>
+          </a:p>
+        </p:txBody>
+      </p:sp>
+      <p:sp>
+        <p:nvSpPr>
+          <p:cNvPr id="10" name="Rectangle 9">
+            <a:extLst>
+              <a:ext uri="{FF2B5EF4-FFF2-40B4-BE49-F238E27FC236}">
+                <a16:creationId xmlns:a16="http://schemas.microsoft.com/office/drawing/2014/main" id="{2ACDE61B-9982-49E8-B8EA-77DD64BE0254}"/>
+              </a:ext>
+            </a:extLst>
+          </p:cNvPr>
+          <p:cNvSpPr/>
+          <p:nvPr/>
+        </p:nvSpPr>
+        <p:spPr>
+          <a:xfrm>
+            <a:off x="4223658" y="1190171"/>
+            <a:ext cx="1632857" cy="841829"/>
+          </a:xfrm>
+          <a:prstGeom prst="rect">
+            <a:avLst/>
+          </a:prstGeom>
+          <a:noFill/>
+          <a:ln w="38100" cap="flat" cmpd="sng" algn="ctr">
+            <a:solidFill>
+              <a:schemeClr val="accent1"/>
+            </a:solidFill>
+            <a:prstDash val="solid"/>
+            <a:round/>
+            <a:headEnd type="none" w="med" len="med"/>
+            <a:tailEnd type="none" w="med" len="med"/>
+          </a:ln>
+        </p:spPr>
+        <p:style>
+          <a:lnRef idx="0">
+            <a:scrgbClr r="0" g="0" b="0"/>
+          </a:lnRef>
+          <a:fillRef idx="0">
+            <a:scrgbClr r="0" g="0" b="0"/>
+          </a:fillRef>
+          <a:effectRef idx="0">
+            <a:scrgbClr r="0" g="0" b="0"/>
+          </a:effectRef>
+          <a:fontRef idx="minor">
+            <a:schemeClr val="accent2"/>
+          </a:fontRef>
+        </p:style>
+        <p:txBody>
+          <a:bodyPr rtlCol="0" anchor="ctr"/>
+          <a:lstStyle/>
+          <a:p>
+            <a:pPr algn="ctr"/>
+            <a:endParaRPr lang="en-GB"/>
+          </a:p>
+        </p:txBody>
+      </p:sp>
+      <p:sp>
+        <p:nvSpPr>
+          <p:cNvPr id="14" name="Rectangle 13">
+            <a:extLst>
+              <a:ext uri="{FF2B5EF4-FFF2-40B4-BE49-F238E27FC236}">
+                <a16:creationId xmlns:a16="http://schemas.microsoft.com/office/drawing/2014/main" id="{92143207-0D73-4C1B-B8DC-D58480339B68}"/>
+              </a:ext>
+            </a:extLst>
+          </p:cNvPr>
+          <p:cNvSpPr/>
+          <p:nvPr/>
+        </p:nvSpPr>
+        <p:spPr>
+          <a:xfrm>
+            <a:off x="5660573" y="2613212"/>
+            <a:ext cx="1117599" cy="1363701"/>
+          </a:xfrm>
+          <a:prstGeom prst="rect">
+            <a:avLst/>
+          </a:prstGeom>
+          <a:noFill/>
+          <a:ln w="38100" cap="flat" cmpd="sng" algn="ctr">
+            <a:solidFill>
+              <a:schemeClr val="accent6"/>
+            </a:solidFill>
+            <a:prstDash val="solid"/>
+            <a:round/>
+            <a:headEnd type="none" w="med" len="med"/>
+            <a:tailEnd type="none" w="med" len="med"/>
+          </a:ln>
+        </p:spPr>
+        <p:style>
+          <a:lnRef idx="0">
+            <a:scrgbClr r="0" g="0" b="0"/>
+          </a:lnRef>
+          <a:fillRef idx="0">
+            <a:scrgbClr r="0" g="0" b="0"/>
+          </a:fillRef>
+          <a:effectRef idx="0">
+            <a:scrgbClr r="0" g="0" b="0"/>
+          </a:effectRef>
+          <a:fontRef idx="minor">
+            <a:schemeClr val="accent2"/>
+          </a:fontRef>
+        </p:style>
+        <p:txBody>
+          <a:bodyPr rtlCol="0" anchor="ctr"/>
+          <a:lstStyle/>
+          <a:p>
+            <a:pPr algn="ctr"/>
+            <a:endParaRPr lang="en-GB"/>
+          </a:p>
+        </p:txBody>
+      </p:sp>
+    </p:spTree>
+    <p:extLst>
+      <p:ext uri="{BB962C8B-B14F-4D97-AF65-F5344CB8AC3E}">
+        <p14:creationId xmlns:p14="http://schemas.microsoft.com/office/powerpoint/2010/main" val="1540122101"/>
+      </p:ext>
+    </p:extLst>
+  </p:cSld>
+  <p:clrMapOvr>
+    <a:masterClrMapping/>
+  </p:clrMapOvr>
+</p:sld>
+</file>
+
+<file path=ppt/slides/slide11.xml><?xml version="1.0" encoding="utf-8"?>
+<p:sld xmlns:a="http://schemas.openxmlformats.org/drawingml/2006/main" xmlns:r="http://schemas.openxmlformats.org/officeDocument/2006/relationships" xmlns:p="http://schemas.openxmlformats.org/presentationml/2006/main">
+  <p:cSld>
+    <p:spTree>
+      <p:nvGrpSpPr>
+        <p:cNvPr id="1" name=""/>
+        <p:cNvGrpSpPr/>
+        <p:nvPr/>
+      </p:nvGrpSpPr>
+      <p:grpSpPr>
+        <a:xfrm>
+          <a:off x="0" y="0"/>
+          <a:ext cx="0" cy="0"/>
+          <a:chOff x="0" y="0"/>
+          <a:chExt cx="0" cy="0"/>
+        </a:xfrm>
+      </p:grpSpPr>
+      <p:sp>
+        <p:nvSpPr>
+          <p:cNvPr id="5" name="Title 1">
+            <a:extLst>
+              <a:ext uri="{FF2B5EF4-FFF2-40B4-BE49-F238E27FC236}">
+                <a16:creationId xmlns:a16="http://schemas.microsoft.com/office/drawing/2014/main" id="{CF1C0A9C-06E3-4580-9F97-4A24112D3AC9}"/>
+              </a:ext>
+            </a:extLst>
+          </p:cNvPr>
+          <p:cNvSpPr txBox="1">
+            <a:spLocks/>
+          </p:cNvSpPr>
+          <p:nvPr/>
+        </p:nvSpPr>
+        <p:spPr>
+          <a:xfrm>
+            <a:off x="5019869" y="5594468"/>
+            <a:ext cx="6214230" cy="730501"/>
+          </a:xfrm>
+          <a:prstGeom prst="rect">
+            <a:avLst/>
+          </a:prstGeom>
+        </p:spPr>
+        <p:txBody>
+          <a:bodyPr/>
+          <a:lstStyle>
+            <a:lvl1pPr algn="l" defTabSz="914400" rtl="0" eaLnBrk="1" latinLnBrk="0" hangingPunct="1">
+              <a:lnSpc>
+                <a:spcPct val="90000"/>
+              </a:lnSpc>
+              <a:spcBef>
+                <a:spcPct val="0"/>
+              </a:spcBef>
+              <a:buNone/>
+              <a:defRPr sz="4400" kern="1200">
+                <a:solidFill>
+                  <a:schemeClr val="tx1"/>
+                </a:solidFill>
+                <a:latin typeface="+mj-lt"/>
+                <a:ea typeface="+mj-ea"/>
+                <a:cs typeface="+mj-cs"/>
+              </a:defRPr>
+            </a:lvl1pPr>
+          </a:lstStyle>
+          <a:p>
+            <a:pPr algn="r"/>
+            <a:r>
+              <a:rPr lang="en-US" sz="6000" dirty="0"/>
+              <a:t>correspondence &lt;</a:t>
+            </a:r>
+            <a:endParaRPr lang="en-GB" sz="6000" dirty="0"/>
+          </a:p>
+        </p:txBody>
+      </p:sp>
+      <p:sp>
+        <p:nvSpPr>
+          <p:cNvPr id="10" name="Rectangle 9">
+            <a:extLst>
+              <a:ext uri="{FF2B5EF4-FFF2-40B4-BE49-F238E27FC236}">
+                <a16:creationId xmlns:a16="http://schemas.microsoft.com/office/drawing/2014/main" id="{2ACDE61B-9982-49E8-B8EA-77DD64BE0254}"/>
+              </a:ext>
+            </a:extLst>
+          </p:cNvPr>
+          <p:cNvSpPr/>
+          <p:nvPr/>
+        </p:nvSpPr>
+        <p:spPr>
+          <a:xfrm>
+            <a:off x="2906574" y="3297081"/>
+            <a:ext cx="3783248" cy="2245400"/>
+          </a:xfrm>
+          <a:prstGeom prst="rect">
+            <a:avLst/>
+          </a:prstGeom>
+          <a:noFill/>
+          <a:ln w="38100" cap="flat" cmpd="sng" algn="ctr">
+            <a:solidFill>
+              <a:schemeClr val="accent1"/>
+            </a:solidFill>
+            <a:prstDash val="solid"/>
+            <a:round/>
+            <a:headEnd type="none" w="med" len="med"/>
+            <a:tailEnd type="none" w="med" len="med"/>
+          </a:ln>
+        </p:spPr>
+        <p:style>
+          <a:lnRef idx="0">
+            <a:scrgbClr r="0" g="0" b="0"/>
+          </a:lnRef>
+          <a:fillRef idx="0">
+            <a:scrgbClr r="0" g="0" b="0"/>
+          </a:fillRef>
+          <a:effectRef idx="0">
+            <a:scrgbClr r="0" g="0" b="0"/>
+          </a:effectRef>
+          <a:fontRef idx="minor">
+            <a:schemeClr val="accent2"/>
+          </a:fontRef>
+        </p:style>
+        <p:txBody>
+          <a:bodyPr rtlCol="0" anchor="ctr"/>
+          <a:lstStyle/>
+          <a:p>
+            <a:pPr algn="ctr"/>
+            <a:endParaRPr lang="en-GB"/>
+          </a:p>
+        </p:txBody>
+      </p:sp>
+      <p:sp>
+        <p:nvSpPr>
+          <p:cNvPr id="14" name="Rectangle 13">
+            <a:extLst>
+              <a:ext uri="{FF2B5EF4-FFF2-40B4-BE49-F238E27FC236}">
+                <a16:creationId xmlns:a16="http://schemas.microsoft.com/office/drawing/2014/main" id="{92143207-0D73-4C1B-B8DC-D58480339B68}"/>
+              </a:ext>
+            </a:extLst>
+          </p:cNvPr>
+          <p:cNvSpPr/>
+          <p:nvPr/>
+        </p:nvSpPr>
+        <p:spPr>
+          <a:xfrm>
+            <a:off x="1752960" y="178124"/>
+            <a:ext cx="4184934" cy="2786745"/>
+          </a:xfrm>
+          <a:prstGeom prst="rect">
+            <a:avLst/>
+          </a:prstGeom>
+          <a:noFill/>
+          <a:ln w="38100" cap="flat" cmpd="sng" algn="ctr">
+            <a:solidFill>
+              <a:schemeClr val="accent2"/>
+            </a:solidFill>
+            <a:prstDash val="solid"/>
+            <a:round/>
+            <a:headEnd type="none" w="med" len="med"/>
+            <a:tailEnd type="none" w="med" len="med"/>
+          </a:ln>
+        </p:spPr>
+        <p:style>
+          <a:lnRef idx="0">
+            <a:scrgbClr r="0" g="0" b="0"/>
+          </a:lnRef>
+          <a:fillRef idx="0">
+            <a:scrgbClr r="0" g="0" b="0"/>
+          </a:fillRef>
+          <a:effectRef idx="0">
+            <a:scrgbClr r="0" g="0" b="0"/>
+          </a:effectRef>
+          <a:fontRef idx="minor">
+            <a:schemeClr val="accent2"/>
+          </a:fontRef>
+        </p:style>
+        <p:txBody>
+          <a:bodyPr rtlCol="0" anchor="ctr"/>
+          <a:lstStyle/>
+          <a:p>
+            <a:pPr algn="ctr"/>
+            <a:endParaRPr lang="en-GB"/>
+          </a:p>
+        </p:txBody>
+      </p:sp>
+      <p:pic>
+        <p:nvPicPr>
+          <p:cNvPr id="3" name="Picture 2">
+            <a:extLst>
+              <a:ext uri="{FF2B5EF4-FFF2-40B4-BE49-F238E27FC236}">
+                <a16:creationId xmlns:a16="http://schemas.microsoft.com/office/drawing/2014/main" id="{D6E27703-2C0B-4775-9D2D-B5C33ACD122F}"/>
+              </a:ext>
+            </a:extLst>
+          </p:cNvPr>
+          <p:cNvPicPr>
+            <a:picLocks noChangeAspect="1"/>
+          </p:cNvPicPr>
+          <p:nvPr/>
+        </p:nvPicPr>
+        <p:blipFill>
+          <a:blip r:embed="rId3"/>
+          <a:stretch>
+            <a:fillRect/>
+          </a:stretch>
+        </p:blipFill>
+        <p:spPr>
+          <a:xfrm>
+            <a:off x="3058297" y="3429000"/>
+            <a:ext cx="3479802" cy="2061494"/>
+          </a:xfrm>
+          <a:prstGeom prst="rect">
+            <a:avLst/>
+          </a:prstGeom>
+        </p:spPr>
+      </p:pic>
+      <p:pic>
+        <p:nvPicPr>
+          <p:cNvPr id="7" name="Picture 6">
+            <a:extLst>
+              <a:ext uri="{FF2B5EF4-FFF2-40B4-BE49-F238E27FC236}">
+                <a16:creationId xmlns:a16="http://schemas.microsoft.com/office/drawing/2014/main" id="{D87AA10E-FB60-45D8-A370-210FB38A2561}"/>
+              </a:ext>
+            </a:extLst>
+          </p:cNvPr>
+          <p:cNvPicPr>
+            <a:picLocks noChangeAspect="1"/>
+          </p:cNvPicPr>
+          <p:nvPr/>
+        </p:nvPicPr>
+        <p:blipFill>
+          <a:blip r:embed="rId4"/>
+          <a:stretch>
+            <a:fillRect/>
+          </a:stretch>
+        </p:blipFill>
+        <p:spPr>
+          <a:xfrm>
+            <a:off x="1942638" y="334154"/>
+            <a:ext cx="3915945" cy="2488876"/>
+          </a:xfrm>
+          <a:prstGeom prst="rect">
+            <a:avLst/>
+          </a:prstGeom>
+        </p:spPr>
+      </p:pic>
+      <p:pic>
+        <p:nvPicPr>
+          <p:cNvPr id="11" name="Picture 10">
+            <a:extLst>
+              <a:ext uri="{FF2B5EF4-FFF2-40B4-BE49-F238E27FC236}">
+                <a16:creationId xmlns:a16="http://schemas.microsoft.com/office/drawing/2014/main" id="{929417D2-4758-4E01-9A52-C8983D3E44EA}"/>
+              </a:ext>
+            </a:extLst>
+          </p:cNvPr>
+          <p:cNvPicPr>
+            <a:picLocks noChangeAspect="1"/>
+          </p:cNvPicPr>
+          <p:nvPr/>
+        </p:nvPicPr>
+        <p:blipFill>
+          <a:blip r:embed="rId5"/>
+          <a:stretch>
+            <a:fillRect/>
+          </a:stretch>
+        </p:blipFill>
+        <p:spPr>
+          <a:xfrm>
+            <a:off x="7260239" y="609358"/>
+            <a:ext cx="3207174" cy="3218587"/>
+          </a:xfrm>
+          <a:prstGeom prst="rect">
+            <a:avLst/>
+          </a:prstGeom>
+        </p:spPr>
+      </p:pic>
+      <p:sp>
+        <p:nvSpPr>
+          <p:cNvPr id="17" name="Rectangle 16">
+            <a:extLst>
+              <a:ext uri="{FF2B5EF4-FFF2-40B4-BE49-F238E27FC236}">
+                <a16:creationId xmlns:a16="http://schemas.microsoft.com/office/drawing/2014/main" id="{BB0E912D-1BD1-443B-AE38-22664F443C54}"/>
+              </a:ext>
+            </a:extLst>
+          </p:cNvPr>
+          <p:cNvSpPr/>
+          <p:nvPr/>
+        </p:nvSpPr>
+        <p:spPr>
+          <a:xfrm>
+            <a:off x="7093899" y="487037"/>
+            <a:ext cx="3560575" cy="3486838"/>
+          </a:xfrm>
+          <a:prstGeom prst="rect">
+            <a:avLst/>
+          </a:prstGeom>
+          <a:noFill/>
+          <a:ln w="38100" cap="flat" cmpd="sng" algn="ctr">
+            <a:solidFill>
+              <a:schemeClr val="accent6"/>
+            </a:solidFill>
+            <a:prstDash val="solid"/>
+            <a:round/>
+            <a:headEnd type="none" w="med" len="med"/>
+            <a:tailEnd type="none" w="med" len="med"/>
+          </a:ln>
+        </p:spPr>
+        <p:style>
+          <a:lnRef idx="0">
+            <a:scrgbClr r="0" g="0" b="0"/>
+          </a:lnRef>
+          <a:fillRef idx="0">
+            <a:scrgbClr r="0" g="0" b="0"/>
+          </a:fillRef>
+          <a:effectRef idx="0">
+            <a:scrgbClr r="0" g="0" b="0"/>
+          </a:effectRef>
+          <a:fontRef idx="minor">
+            <a:schemeClr val="accent2"/>
+          </a:fontRef>
+        </p:style>
+        <p:txBody>
+          <a:bodyPr rtlCol="0" anchor="ctr"/>
+          <a:lstStyle/>
+          <a:p>
+            <a:pPr algn="ctr"/>
+            <a:endParaRPr lang="en-GB"/>
+          </a:p>
+        </p:txBody>
+      </p:sp>
+      <p:pic>
+        <p:nvPicPr>
+          <p:cNvPr id="19" name="Picture 18" descr="A picture containing vector graphics&#10;&#10;Description automatically generated">
+            <a:extLst>
+              <a:ext uri="{FF2B5EF4-FFF2-40B4-BE49-F238E27FC236}">
+                <a16:creationId xmlns:a16="http://schemas.microsoft.com/office/drawing/2014/main" id="{12249442-D8E0-4496-8BD2-99A2AF96ABB4}"/>
+              </a:ext>
+            </a:extLst>
+          </p:cNvPr>
+          <p:cNvPicPr>
+            <a:picLocks noChangeAspect="1"/>
+          </p:cNvPicPr>
+          <p:nvPr/>
+        </p:nvPicPr>
+        <p:blipFill>
+          <a:blip r:embed="rId6">
+            <a:extLst>
+              <a:ext uri="{28A0092B-C50C-407E-A947-70E740481C1C}">
+                <a14:useLocalDpi xmlns:a14="http://schemas.microsoft.com/office/drawing/2010/main" val="0"/>
+              </a:ext>
+            </a:extLst>
+          </a:blip>
+          <a:stretch>
+            <a:fillRect/>
+          </a:stretch>
+        </p:blipFill>
+        <p:spPr>
+          <a:xfrm>
+            <a:off x="9555412" y="1968530"/>
+            <a:ext cx="1460470" cy="1460470"/>
+          </a:xfrm>
+          <a:prstGeom prst="rect">
+            <a:avLst/>
+          </a:prstGeom>
+        </p:spPr>
+      </p:pic>
+      <p:pic>
+        <p:nvPicPr>
+          <p:cNvPr id="21" name="Picture 20" descr="A picture containing vector graphics&#10;&#10;Description automatically generated">
+            <a:extLst>
+              <a:ext uri="{FF2B5EF4-FFF2-40B4-BE49-F238E27FC236}">
+                <a16:creationId xmlns:a16="http://schemas.microsoft.com/office/drawing/2014/main" id="{E7D48EC7-E7F0-4DD6-9AC3-3546610A426E}"/>
+              </a:ext>
+            </a:extLst>
+          </p:cNvPr>
+          <p:cNvPicPr>
+            <a:picLocks noChangeAspect="1"/>
+          </p:cNvPicPr>
+          <p:nvPr/>
+        </p:nvPicPr>
+        <p:blipFill>
+          <a:blip r:embed="rId7">
+            <a:extLst>
+              <a:ext uri="{28A0092B-C50C-407E-A947-70E740481C1C}">
+                <a14:useLocalDpi xmlns:a14="http://schemas.microsoft.com/office/drawing/2010/main" val="0"/>
+              </a:ext>
+            </a:extLst>
+          </a:blip>
+          <a:stretch>
+            <a:fillRect/>
+          </a:stretch>
+        </p:blipFill>
+        <p:spPr>
+          <a:xfrm>
+            <a:off x="2377035" y="4607252"/>
+            <a:ext cx="1342725" cy="1342725"/>
+          </a:xfrm>
+          <a:prstGeom prst="rect">
+            <a:avLst/>
+          </a:prstGeom>
+        </p:spPr>
+      </p:pic>
+      <p:pic>
+        <p:nvPicPr>
+          <p:cNvPr id="23" name="Picture 22" descr="A picture containing vector graphics&#10;&#10;Description automatically generated">
+            <a:extLst>
+              <a:ext uri="{FF2B5EF4-FFF2-40B4-BE49-F238E27FC236}">
+                <a16:creationId xmlns:a16="http://schemas.microsoft.com/office/drawing/2014/main" id="{D7E4E218-26B0-4024-B335-DD4293207573}"/>
+              </a:ext>
+            </a:extLst>
+          </p:cNvPr>
+          <p:cNvPicPr>
+            <a:picLocks noChangeAspect="1"/>
+          </p:cNvPicPr>
+          <p:nvPr/>
+        </p:nvPicPr>
+        <p:blipFill>
+          <a:blip r:embed="rId8">
+            <a:extLst>
+              <a:ext uri="{28A0092B-C50C-407E-A947-70E740481C1C}">
+                <a14:useLocalDpi xmlns:a14="http://schemas.microsoft.com/office/drawing/2010/main" val="0"/>
+              </a:ext>
+            </a:extLst>
+          </a:blip>
+          <a:stretch>
+            <a:fillRect/>
+          </a:stretch>
+        </p:blipFill>
+        <p:spPr>
+          <a:xfrm>
+            <a:off x="1388474" y="2432826"/>
+            <a:ext cx="1236583" cy="1236583"/>
+          </a:xfrm>
+          <a:prstGeom prst="rect">
+            <a:avLst/>
+          </a:prstGeom>
+        </p:spPr>
+      </p:pic>
+    </p:spTree>
+    <p:extLst>
+      <p:ext uri="{BB962C8B-B14F-4D97-AF65-F5344CB8AC3E}">
+        <p14:creationId xmlns:p14="http://schemas.microsoft.com/office/powerpoint/2010/main" val="3326600685"/>
+      </p:ext>
+    </p:extLst>
+  </p:cSld>
+  <p:clrMapOvr>
+    <a:masterClrMapping/>
+  </p:clrMapOvr>
+</p:sld>
+</file>
+
+<file path=ppt/slides/slide12.xml><?xml version="1.0" encoding="utf-8"?>
+<p:sld xmlns:a="http://schemas.openxmlformats.org/drawingml/2006/main" xmlns:r="http://schemas.openxmlformats.org/officeDocument/2006/relationships" xmlns:p="http://schemas.openxmlformats.org/presentationml/2006/main">
+  <p:cSld>
+    <p:spTree>
+      <p:nvGrpSpPr>
+        <p:cNvPr id="1" name=""/>
+        <p:cNvGrpSpPr/>
+        <p:nvPr/>
+      </p:nvGrpSpPr>
+      <p:grpSpPr>
+        <a:xfrm>
+          <a:off x="0" y="0"/>
+          <a:ext cx="0" cy="0"/>
+          <a:chOff x="0" y="0"/>
+          <a:chExt cx="0" cy="0"/>
+        </a:xfrm>
+      </p:grpSpPr>
+      <p:sp>
+        <p:nvSpPr>
+          <p:cNvPr id="3" name="Title 1">
+            <a:extLst>
+              <a:ext uri="{FF2B5EF4-FFF2-40B4-BE49-F238E27FC236}">
+                <a16:creationId xmlns:a16="http://schemas.microsoft.com/office/drawing/2014/main" id="{8DF06DBB-0C45-4A71-A94B-3CEAFAD70609}"/>
+              </a:ext>
+            </a:extLst>
+          </p:cNvPr>
+          <p:cNvSpPr txBox="1">
+            <a:spLocks/>
+          </p:cNvSpPr>
+          <p:nvPr/>
+        </p:nvSpPr>
+        <p:spPr>
+          <a:xfrm>
+            <a:off x="4292082" y="5594468"/>
+            <a:ext cx="6942017" cy="730501"/>
+          </a:xfrm>
+          <a:prstGeom prst="rect">
+            <a:avLst/>
+          </a:prstGeom>
+        </p:spPr>
+        <p:txBody>
+          <a:bodyPr/>
+          <a:lstStyle>
+            <a:lvl1pPr algn="l" defTabSz="914400" rtl="0" eaLnBrk="1" latinLnBrk="0" hangingPunct="1">
+              <a:lnSpc>
+                <a:spcPct val="90000"/>
+              </a:lnSpc>
+              <a:spcBef>
+                <a:spcPct val="0"/>
+              </a:spcBef>
+              <a:buNone/>
+              <a:defRPr sz="4400" kern="1200">
+                <a:solidFill>
+                  <a:schemeClr val="tx1"/>
+                </a:solidFill>
+                <a:latin typeface="+mj-lt"/>
+                <a:ea typeface="+mj-ea"/>
+                <a:cs typeface="+mj-cs"/>
+              </a:defRPr>
+            </a:lvl1pPr>
+          </a:lstStyle>
+          <a:p>
+            <a:pPr algn="r"/>
+            <a:r>
+              <a:rPr lang="en-US" sz="6000" dirty="0"/>
+              <a:t>canonical-</a:t>
+            </a:r>
+            <a:r>
+              <a:rPr lang="en-US" sz="6000" dirty="0" err="1"/>
+              <a:t>corr</a:t>
+            </a:r>
+            <a:r>
+              <a:rPr lang="en-US" sz="6000" dirty="0"/>
+              <a:t> &lt;</a:t>
+            </a:r>
+            <a:endParaRPr lang="en-GB" sz="6000" dirty="0"/>
+          </a:p>
+        </p:txBody>
+      </p:sp>
+      <p:pic>
+        <p:nvPicPr>
+          <p:cNvPr id="5" name="Picture 4">
+            <a:extLst>
+              <a:ext uri="{FF2B5EF4-FFF2-40B4-BE49-F238E27FC236}">
+                <a16:creationId xmlns:a16="http://schemas.microsoft.com/office/drawing/2014/main" id="{6529AEC4-0A7E-4E76-9DD5-54FDEFAC450C}"/>
+              </a:ext>
+            </a:extLst>
+          </p:cNvPr>
+          <p:cNvPicPr>
+            <a:picLocks noChangeAspect="1"/>
+          </p:cNvPicPr>
+          <p:nvPr/>
+        </p:nvPicPr>
+        <p:blipFill>
+          <a:blip r:embed="rId3"/>
+          <a:stretch>
+            <a:fillRect/>
+          </a:stretch>
+        </p:blipFill>
+        <p:spPr>
+          <a:xfrm>
+            <a:off x="1315784" y="288473"/>
+            <a:ext cx="7476245" cy="5235768"/>
+          </a:xfrm>
+          <a:prstGeom prst="rect">
+            <a:avLst/>
+          </a:prstGeom>
+        </p:spPr>
+      </p:pic>
+      <p:sp>
+        <p:nvSpPr>
+          <p:cNvPr id="7" name="Rectangle 6">
+            <a:extLst>
+              <a:ext uri="{FF2B5EF4-FFF2-40B4-BE49-F238E27FC236}">
+                <a16:creationId xmlns:a16="http://schemas.microsoft.com/office/drawing/2014/main" id="{61FEDF83-8BD4-43B3-B562-098310A5B218}"/>
+              </a:ext>
+            </a:extLst>
+          </p:cNvPr>
+          <p:cNvSpPr/>
+          <p:nvPr/>
+        </p:nvSpPr>
+        <p:spPr>
+          <a:xfrm>
+            <a:off x="4789716" y="4552470"/>
+            <a:ext cx="1159327" cy="498501"/>
+          </a:xfrm>
+          <a:prstGeom prst="rect">
+            <a:avLst/>
+          </a:prstGeom>
+          <a:noFill/>
+          <a:ln w="38100" cap="flat" cmpd="sng" algn="ctr">
+            <a:solidFill>
+              <a:schemeClr val="accent2"/>
+            </a:solidFill>
+            <a:prstDash val="solid"/>
+            <a:round/>
+            <a:headEnd type="none" w="med" len="med"/>
+            <a:tailEnd type="none" w="med" len="med"/>
+          </a:ln>
+        </p:spPr>
+        <p:style>
+          <a:lnRef idx="0">
+            <a:scrgbClr r="0" g="0" b="0"/>
+          </a:lnRef>
+          <a:fillRef idx="0">
+            <a:scrgbClr r="0" g="0" b="0"/>
+          </a:fillRef>
+          <a:effectRef idx="0">
+            <a:scrgbClr r="0" g="0" b="0"/>
+          </a:effectRef>
+          <a:fontRef idx="minor">
+            <a:schemeClr val="accent2"/>
+          </a:fontRef>
+        </p:style>
+        <p:txBody>
+          <a:bodyPr rtlCol="0" anchor="ctr"/>
+          <a:lstStyle/>
+          <a:p>
+            <a:pPr algn="ctr"/>
+            <a:endParaRPr lang="en-GB"/>
+          </a:p>
+        </p:txBody>
+      </p:sp>
+      <p:sp>
+        <p:nvSpPr>
+          <p:cNvPr id="9" name="Rectangle 8">
+            <a:extLst>
+              <a:ext uri="{FF2B5EF4-FFF2-40B4-BE49-F238E27FC236}">
+                <a16:creationId xmlns:a16="http://schemas.microsoft.com/office/drawing/2014/main" id="{93E89B2D-521D-4DCB-8D83-CF71DA4FC361}"/>
+              </a:ext>
+            </a:extLst>
+          </p:cNvPr>
+          <p:cNvSpPr/>
+          <p:nvPr/>
+        </p:nvSpPr>
+        <p:spPr>
+          <a:xfrm>
+            <a:off x="4169230" y="3878942"/>
+            <a:ext cx="1159328" cy="328387"/>
+          </a:xfrm>
+          <a:prstGeom prst="rect">
+            <a:avLst/>
+          </a:prstGeom>
+          <a:noFill/>
+          <a:ln w="38100" cap="flat" cmpd="sng" algn="ctr">
+            <a:solidFill>
+              <a:schemeClr val="accent1"/>
+            </a:solidFill>
+            <a:prstDash val="solid"/>
+            <a:round/>
+            <a:headEnd type="none" w="med" len="med"/>
+            <a:tailEnd type="none" w="med" len="med"/>
+          </a:ln>
+        </p:spPr>
+        <p:style>
+          <a:lnRef idx="0">
+            <a:scrgbClr r="0" g="0" b="0"/>
+          </a:lnRef>
+          <a:fillRef idx="0">
+            <a:scrgbClr r="0" g="0" b="0"/>
+          </a:fillRef>
+          <a:effectRef idx="0">
+            <a:scrgbClr r="0" g="0" b="0"/>
+          </a:effectRef>
+          <a:fontRef idx="minor">
+            <a:schemeClr val="accent2"/>
+          </a:fontRef>
+        </p:style>
+        <p:txBody>
+          <a:bodyPr rtlCol="0" anchor="ctr"/>
+          <a:lstStyle/>
+          <a:p>
+            <a:pPr algn="ctr"/>
+            <a:endParaRPr lang="en-GB"/>
+          </a:p>
+        </p:txBody>
+      </p:sp>
+      <p:sp>
+        <p:nvSpPr>
+          <p:cNvPr id="11" name="Rectangle 10">
+            <a:extLst>
+              <a:ext uri="{FF2B5EF4-FFF2-40B4-BE49-F238E27FC236}">
+                <a16:creationId xmlns:a16="http://schemas.microsoft.com/office/drawing/2014/main" id="{BA3E4B5E-0E58-429A-B922-E54CBAB121B2}"/>
+              </a:ext>
+            </a:extLst>
+          </p:cNvPr>
+          <p:cNvSpPr/>
+          <p:nvPr/>
+        </p:nvSpPr>
+        <p:spPr>
+          <a:xfrm>
+            <a:off x="4495107" y="3153656"/>
+            <a:ext cx="833452" cy="380146"/>
+          </a:xfrm>
+          <a:prstGeom prst="rect">
+            <a:avLst/>
+          </a:prstGeom>
+          <a:noFill/>
+          <a:ln w="38100" cap="flat" cmpd="sng" algn="ctr">
+            <a:solidFill>
+              <a:schemeClr val="accent6"/>
+            </a:solidFill>
+            <a:prstDash val="solid"/>
+            <a:round/>
+            <a:headEnd type="none" w="med" len="med"/>
+            <a:tailEnd type="none" w="med" len="med"/>
+          </a:ln>
+        </p:spPr>
+        <p:style>
+          <a:lnRef idx="0">
+            <a:scrgbClr r="0" g="0" b="0"/>
+          </a:lnRef>
+          <a:fillRef idx="0">
+            <a:scrgbClr r="0" g="0" b="0"/>
+          </a:fillRef>
+          <a:effectRef idx="0">
+            <a:scrgbClr r="0" g="0" b="0"/>
+          </a:effectRef>
+          <a:fontRef idx="minor">
+            <a:schemeClr val="accent2"/>
+          </a:fontRef>
+        </p:style>
+        <p:txBody>
+          <a:bodyPr rtlCol="0" anchor="ctr"/>
+          <a:lstStyle/>
+          <a:p>
+            <a:pPr algn="ctr"/>
+            <a:endParaRPr lang="en-GB"/>
+          </a:p>
+        </p:txBody>
+      </p:sp>
+    </p:spTree>
+    <p:extLst>
+      <p:ext uri="{BB962C8B-B14F-4D97-AF65-F5344CB8AC3E}">
+        <p14:creationId xmlns:p14="http://schemas.microsoft.com/office/powerpoint/2010/main" val="2272600339"/>
+      </p:ext>
+    </p:extLst>
+  </p:cSld>
+  <p:clrMapOvr>
+    <a:masterClrMapping/>
+  </p:clrMapOvr>
+</p:sld>
+</file>
+
+<file path=ppt/slides/slide13.xml><?xml version="1.0" encoding="utf-8"?>
+<p:sld xmlns:a="http://schemas.openxmlformats.org/drawingml/2006/main" xmlns:r="http://schemas.openxmlformats.org/officeDocument/2006/relationships" xmlns:p="http://schemas.openxmlformats.org/presentationml/2006/main">
+  <p:cSld>
+    <p:spTree>
+      <p:nvGrpSpPr>
+        <p:cNvPr id="1" name=""/>
+        <p:cNvGrpSpPr/>
+        <p:nvPr/>
+      </p:nvGrpSpPr>
+      <p:grpSpPr>
+        <a:xfrm>
+          <a:off x="0" y="0"/>
+          <a:ext cx="0" cy="0"/>
+          <a:chOff x="0" y="0"/>
+          <a:chExt cx="0" cy="0"/>
+        </a:xfrm>
+      </p:grpSpPr>
+      <p:sp>
+        <p:nvSpPr>
+          <p:cNvPr id="5" name="Title 1">
+            <a:extLst>
+              <a:ext uri="{FF2B5EF4-FFF2-40B4-BE49-F238E27FC236}">
+                <a16:creationId xmlns:a16="http://schemas.microsoft.com/office/drawing/2014/main" id="{ADF24C91-9937-4899-8865-64C373AFCC04}"/>
+              </a:ext>
+            </a:extLst>
+          </p:cNvPr>
+          <p:cNvSpPr txBox="1">
+            <a:spLocks/>
+          </p:cNvSpPr>
+          <p:nvPr/>
+        </p:nvSpPr>
+        <p:spPr>
+          <a:xfrm>
+            <a:off x="4914122" y="5594468"/>
+            <a:ext cx="6319977" cy="730501"/>
+          </a:xfrm>
+          <a:prstGeom prst="rect">
+            <a:avLst/>
+          </a:prstGeom>
+        </p:spPr>
+        <p:txBody>
+          <a:bodyPr/>
+          <a:lstStyle>
+            <a:lvl1pPr algn="l" defTabSz="914400" rtl="0" eaLnBrk="1" latinLnBrk="0" hangingPunct="1">
+              <a:lnSpc>
+                <a:spcPct val="90000"/>
+              </a:lnSpc>
+              <a:spcBef>
+                <a:spcPct val="0"/>
+              </a:spcBef>
+              <a:buNone/>
+              <a:defRPr sz="4400" kern="1200">
+                <a:solidFill>
+                  <a:schemeClr val="tx1"/>
+                </a:solidFill>
+                <a:latin typeface="+mj-lt"/>
+                <a:ea typeface="+mj-ea"/>
+                <a:cs typeface="+mj-cs"/>
+              </a:defRPr>
+            </a:lvl1pPr>
+          </a:lstStyle>
+          <a:p>
+            <a:pPr algn="r"/>
+            <a:r>
+              <a:rPr lang="en-US" sz="6000" dirty="0"/>
+              <a:t>canonical-</a:t>
+            </a:r>
+            <a:r>
+              <a:rPr lang="en-US" sz="6000" dirty="0" err="1"/>
+              <a:t>corr</a:t>
+            </a:r>
+            <a:r>
+              <a:rPr lang="en-US" sz="6000" dirty="0"/>
+              <a:t> &lt;</a:t>
+            </a:r>
+            <a:endParaRPr lang="en-GB" sz="6000" dirty="0"/>
+          </a:p>
+          <a:p>
+            <a:pPr algn="r"/>
+            <a:endParaRPr lang="en-GB" sz="6000" dirty="0"/>
+          </a:p>
+        </p:txBody>
+      </p:sp>
+      <p:pic>
+        <p:nvPicPr>
+          <p:cNvPr id="11" name="Picture 10">
+            <a:extLst>
+              <a:ext uri="{FF2B5EF4-FFF2-40B4-BE49-F238E27FC236}">
+                <a16:creationId xmlns:a16="http://schemas.microsoft.com/office/drawing/2014/main" id="{CD22692C-CAF8-442E-8753-3995AEC04EF7}"/>
+              </a:ext>
+            </a:extLst>
+          </p:cNvPr>
+          <p:cNvPicPr>
+            <a:picLocks noChangeAspect="1"/>
+          </p:cNvPicPr>
+          <p:nvPr/>
+        </p:nvPicPr>
+        <p:blipFill>
+          <a:blip r:embed="rId3"/>
+          <a:stretch>
+            <a:fillRect/>
+          </a:stretch>
+        </p:blipFill>
+        <p:spPr>
+          <a:xfrm>
+            <a:off x="2287504" y="936094"/>
+            <a:ext cx="3103666" cy="1650639"/>
+          </a:xfrm>
+          <a:prstGeom prst="rect">
+            <a:avLst/>
+          </a:prstGeom>
+        </p:spPr>
+      </p:pic>
+      <p:pic>
+        <p:nvPicPr>
+          <p:cNvPr id="13" name="Picture 12">
+            <a:extLst>
+              <a:ext uri="{FF2B5EF4-FFF2-40B4-BE49-F238E27FC236}">
+                <a16:creationId xmlns:a16="http://schemas.microsoft.com/office/drawing/2014/main" id="{4C31495E-346C-4F4D-B347-29B2F9EB7145}"/>
+              </a:ext>
+            </a:extLst>
+          </p:cNvPr>
+          <p:cNvPicPr>
+            <a:picLocks noChangeAspect="1"/>
+          </p:cNvPicPr>
+          <p:nvPr/>
+        </p:nvPicPr>
+        <p:blipFill>
+          <a:blip r:embed="rId4"/>
+          <a:stretch>
+            <a:fillRect/>
+          </a:stretch>
+        </p:blipFill>
+        <p:spPr>
+          <a:xfrm>
+            <a:off x="7289875" y="1712351"/>
+            <a:ext cx="2691268" cy="1874024"/>
+          </a:xfrm>
+          <a:prstGeom prst="rect">
+            <a:avLst/>
+          </a:prstGeom>
+        </p:spPr>
+      </p:pic>
+      <p:pic>
+        <p:nvPicPr>
+          <p:cNvPr id="15" name="Picture 14">
+            <a:extLst>
+              <a:ext uri="{FF2B5EF4-FFF2-40B4-BE49-F238E27FC236}">
+                <a16:creationId xmlns:a16="http://schemas.microsoft.com/office/drawing/2014/main" id="{0FA28FC8-4138-46CC-A53B-E285F30E0354}"/>
+              </a:ext>
+            </a:extLst>
+          </p:cNvPr>
+          <p:cNvPicPr>
+            <a:picLocks noChangeAspect="1"/>
+          </p:cNvPicPr>
+          <p:nvPr/>
+        </p:nvPicPr>
+        <p:blipFill>
+          <a:blip r:embed="rId5"/>
+          <a:stretch>
+            <a:fillRect/>
+          </a:stretch>
+        </p:blipFill>
+        <p:spPr>
+          <a:xfrm>
+            <a:off x="2099085" y="3531216"/>
+            <a:ext cx="3927437" cy="978154"/>
+          </a:xfrm>
+          <a:prstGeom prst="rect">
+            <a:avLst/>
+          </a:prstGeom>
+        </p:spPr>
+      </p:pic>
+      <p:sp>
+        <p:nvSpPr>
+          <p:cNvPr id="17" name="Rectangle 16">
+            <a:extLst>
+              <a:ext uri="{FF2B5EF4-FFF2-40B4-BE49-F238E27FC236}">
+                <a16:creationId xmlns:a16="http://schemas.microsoft.com/office/drawing/2014/main" id="{49253AE0-5575-4CFA-A924-C60BB82AE21D}"/>
+              </a:ext>
+            </a:extLst>
+          </p:cNvPr>
+          <p:cNvSpPr/>
+          <p:nvPr/>
+        </p:nvSpPr>
+        <p:spPr>
+          <a:xfrm>
+            <a:off x="7166697" y="1622311"/>
+            <a:ext cx="2926218" cy="2051813"/>
+          </a:xfrm>
+          <a:prstGeom prst="rect">
+            <a:avLst/>
+          </a:prstGeom>
+          <a:noFill/>
+          <a:ln w="38100" cap="flat" cmpd="sng" algn="ctr">
+            <a:solidFill>
+              <a:schemeClr val="accent6"/>
+            </a:solidFill>
+            <a:prstDash val="solid"/>
+            <a:round/>
+            <a:headEnd type="none" w="med" len="med"/>
+            <a:tailEnd type="none" w="med" len="med"/>
+          </a:ln>
+        </p:spPr>
+        <p:style>
+          <a:lnRef idx="0">
+            <a:scrgbClr r="0" g="0" b="0"/>
+          </a:lnRef>
+          <a:fillRef idx="0">
+            <a:scrgbClr r="0" g="0" b="0"/>
+          </a:fillRef>
+          <a:effectRef idx="0">
+            <a:scrgbClr r="0" g="0" b="0"/>
+          </a:effectRef>
+          <a:fontRef idx="minor">
+            <a:schemeClr val="accent2"/>
+          </a:fontRef>
+        </p:style>
+        <p:txBody>
+          <a:bodyPr rtlCol="0" anchor="ctr"/>
+          <a:lstStyle/>
+          <a:p>
+            <a:pPr algn="ctr"/>
+            <a:endParaRPr lang="en-GB"/>
+          </a:p>
+        </p:txBody>
+      </p:sp>
+      <p:sp>
+        <p:nvSpPr>
+          <p:cNvPr id="19" name="Rectangle 18">
+            <a:extLst>
+              <a:ext uri="{FF2B5EF4-FFF2-40B4-BE49-F238E27FC236}">
+                <a16:creationId xmlns:a16="http://schemas.microsoft.com/office/drawing/2014/main" id="{42B20FEE-8D9F-4A8E-8D10-5030D83C37FB}"/>
+              </a:ext>
+            </a:extLst>
+          </p:cNvPr>
+          <p:cNvSpPr/>
+          <p:nvPr/>
+        </p:nvSpPr>
+        <p:spPr>
+          <a:xfrm>
+            <a:off x="1987312" y="3429000"/>
+            <a:ext cx="4108687" cy="1176051"/>
+          </a:xfrm>
+          <a:prstGeom prst="rect">
+            <a:avLst/>
+          </a:prstGeom>
+          <a:noFill/>
+          <a:ln w="38100" cap="flat" cmpd="sng" algn="ctr">
+            <a:solidFill>
+              <a:schemeClr val="accent1"/>
+            </a:solidFill>
+            <a:prstDash val="solid"/>
+            <a:round/>
+            <a:headEnd type="none" w="med" len="med"/>
+            <a:tailEnd type="none" w="med" len="med"/>
+          </a:ln>
+        </p:spPr>
+        <p:style>
+          <a:lnRef idx="0">
+            <a:scrgbClr r="0" g="0" b="0"/>
+          </a:lnRef>
+          <a:fillRef idx="0">
+            <a:scrgbClr r="0" g="0" b="0"/>
+          </a:fillRef>
+          <a:effectRef idx="0">
+            <a:scrgbClr r="0" g="0" b="0"/>
+          </a:effectRef>
+          <a:fontRef idx="minor">
+            <a:schemeClr val="accent2"/>
+          </a:fontRef>
+        </p:style>
+        <p:txBody>
+          <a:bodyPr rtlCol="0" anchor="ctr"/>
+          <a:lstStyle/>
+          <a:p>
+            <a:pPr algn="ctr"/>
+            <a:endParaRPr lang="en-GB"/>
+          </a:p>
+        </p:txBody>
+      </p:sp>
+      <p:sp>
+        <p:nvSpPr>
+          <p:cNvPr id="21" name="Rectangle 20">
+            <a:extLst>
+              <a:ext uri="{FF2B5EF4-FFF2-40B4-BE49-F238E27FC236}">
+                <a16:creationId xmlns:a16="http://schemas.microsoft.com/office/drawing/2014/main" id="{6274BB9E-A4FD-4FFD-A46E-9542FD2377CD}"/>
+              </a:ext>
+            </a:extLst>
+          </p:cNvPr>
+          <p:cNvSpPr/>
+          <p:nvPr/>
+        </p:nvSpPr>
+        <p:spPr>
+          <a:xfrm>
+            <a:off x="2167701" y="840413"/>
+            <a:ext cx="3379292" cy="1831177"/>
+          </a:xfrm>
+          <a:prstGeom prst="rect">
+            <a:avLst/>
+          </a:prstGeom>
+          <a:noFill/>
+          <a:ln w="38100" cap="flat" cmpd="sng" algn="ctr">
+            <a:solidFill>
+              <a:schemeClr val="accent2"/>
+            </a:solidFill>
+            <a:prstDash val="solid"/>
+            <a:round/>
+            <a:headEnd type="none" w="med" len="med"/>
+            <a:tailEnd type="none" w="med" len="med"/>
+          </a:ln>
+        </p:spPr>
+        <p:style>
+          <a:lnRef idx="0">
+            <a:scrgbClr r="0" g="0" b="0"/>
+          </a:lnRef>
+          <a:fillRef idx="0">
+            <a:scrgbClr r="0" g="0" b="0"/>
+          </a:fillRef>
+          <a:effectRef idx="0">
+            <a:scrgbClr r="0" g="0" b="0"/>
+          </a:effectRef>
+          <a:fontRef idx="minor">
+            <a:schemeClr val="accent2"/>
+          </a:fontRef>
+        </p:style>
+        <p:txBody>
+          <a:bodyPr rtlCol="0" anchor="ctr"/>
+          <a:lstStyle/>
+          <a:p>
+            <a:pPr algn="ctr"/>
+            <a:endParaRPr lang="en-GB"/>
+          </a:p>
+        </p:txBody>
+      </p:sp>
+    </p:spTree>
+    <p:extLst>
+      <p:ext uri="{BB962C8B-B14F-4D97-AF65-F5344CB8AC3E}">
+        <p14:creationId xmlns:p14="http://schemas.microsoft.com/office/powerpoint/2010/main" val="3447104059"/>
+      </p:ext>
+    </p:extLst>
+  </p:cSld>
+  <p:clrMapOvr>
+    <a:masterClrMapping/>
+  </p:clrMapOvr>
+</p:sld>
+</file>
+
+<file path=ppt/slides/slide14.xml><?xml version="1.0" encoding="utf-8"?>
+<p:sld xmlns:a="http://schemas.openxmlformats.org/drawingml/2006/main" xmlns:r="http://schemas.openxmlformats.org/officeDocument/2006/relationships" xmlns:p="http://schemas.openxmlformats.org/presentationml/2006/main">
+  <p:cSld>
+    <p:spTree>
+      <p:nvGrpSpPr>
+        <p:cNvPr id="1" name=""/>
+        <p:cNvGrpSpPr/>
+        <p:nvPr/>
+      </p:nvGrpSpPr>
+      <p:grpSpPr>
+        <a:xfrm>
+          <a:off x="0" y="0"/>
+          <a:ext cx="0" cy="0"/>
+          <a:chOff x="0" y="0"/>
+          <a:chExt cx="0" cy="0"/>
+        </a:xfrm>
+      </p:grpSpPr>
+      <p:sp>
+        <p:nvSpPr>
+          <p:cNvPr id="3" name="Title 1">
+            <a:extLst>
+              <a:ext uri="{FF2B5EF4-FFF2-40B4-BE49-F238E27FC236}">
+                <a16:creationId xmlns:a16="http://schemas.microsoft.com/office/drawing/2014/main" id="{8BCC4997-1BD3-4041-803B-C42D75E0F52A}"/>
+              </a:ext>
+            </a:extLst>
+          </p:cNvPr>
+          <p:cNvSpPr txBox="1">
+            <a:spLocks/>
+          </p:cNvSpPr>
+          <p:nvPr/>
+        </p:nvSpPr>
+        <p:spPr>
+          <a:xfrm>
+            <a:off x="5231363" y="5594468"/>
+            <a:ext cx="6002736" cy="730501"/>
+          </a:xfrm>
+          <a:prstGeom prst="rect">
+            <a:avLst/>
+          </a:prstGeom>
+        </p:spPr>
+        <p:txBody>
+          <a:bodyPr/>
+          <a:lstStyle>
+            <a:lvl1pPr algn="l" defTabSz="914400" rtl="0" eaLnBrk="1" latinLnBrk="0" hangingPunct="1">
+              <a:lnSpc>
+                <a:spcPct val="90000"/>
+              </a:lnSpc>
+              <a:spcBef>
+                <a:spcPct val="0"/>
+              </a:spcBef>
+              <a:buNone/>
+              <a:defRPr sz="4400" kern="1200">
+                <a:solidFill>
+                  <a:schemeClr val="tx1"/>
+                </a:solidFill>
+                <a:latin typeface="+mj-lt"/>
+                <a:ea typeface="+mj-ea"/>
+                <a:cs typeface="+mj-cs"/>
+              </a:defRPr>
+            </a:lvl1pPr>
+          </a:lstStyle>
+          <a:p>
+            <a:pPr algn="r"/>
+            <a:r>
+              <a:rPr lang="en-US" sz="6000" dirty="0"/>
+              <a:t>end &lt;</a:t>
+            </a:r>
+            <a:endParaRPr lang="en-GB" sz="6000" dirty="0"/>
+          </a:p>
+        </p:txBody>
+      </p:sp>
+      <p:sp>
+        <p:nvSpPr>
+          <p:cNvPr id="4" name="TextBox 3">
+            <a:extLst>
+              <a:ext uri="{FF2B5EF4-FFF2-40B4-BE49-F238E27FC236}">
+                <a16:creationId xmlns:a16="http://schemas.microsoft.com/office/drawing/2014/main" id="{D17F5D03-303D-4301-82F3-0C0C061AA3E2}"/>
+              </a:ext>
+            </a:extLst>
+          </p:cNvPr>
+          <p:cNvSpPr txBox="1"/>
+          <p:nvPr/>
+        </p:nvSpPr>
+        <p:spPr>
+          <a:xfrm>
+            <a:off x="1240971" y="2500085"/>
+            <a:ext cx="9462077" cy="830997"/>
+          </a:xfrm>
+          <a:prstGeom prst="rect">
+            <a:avLst/>
+          </a:prstGeom>
+          <a:noFill/>
+        </p:spPr>
+        <p:txBody>
+          <a:bodyPr wrap="none" rtlCol="0">
+            <a:spAutoFit/>
+          </a:bodyPr>
+          <a:lstStyle/>
+          <a:p>
+            <a:r>
+              <a:rPr lang="en-GB" sz="2400" dirty="0"/>
+              <a:t>notebook		</a:t>
+            </a:r>
+            <a:r>
+              <a:rPr lang="en-GB" sz="2400" dirty="0">
+                <a:hlinkClick r:id="rId2"/>
+              </a:rPr>
+              <a:t>github.com/ranieri-unimi/spawn-em-all-manzi-2022</a:t>
+            </a:r>
+            <a:endParaRPr lang="en-GB" sz="2400" dirty="0"/>
+          </a:p>
+          <a:p>
+            <a:r>
+              <a:rPr lang="en-GB" sz="2400" dirty="0"/>
+              <a:t>dataset		</a:t>
+            </a:r>
+            <a:r>
+              <a:rPr lang="en-GB" sz="2400" dirty="0">
+                <a:hlinkClick r:id="rId3"/>
+              </a:rPr>
+              <a:t>kaggle.com/semioniy/predictemall</a:t>
+            </a:r>
+            <a:endParaRPr lang="en-GB" sz="2400" dirty="0"/>
+          </a:p>
+        </p:txBody>
+      </p:sp>
+      <p:pic>
+        <p:nvPicPr>
+          <p:cNvPr id="2" name="Picture 1">
+            <a:extLst>
+              <a:ext uri="{FF2B5EF4-FFF2-40B4-BE49-F238E27FC236}">
+                <a16:creationId xmlns:a16="http://schemas.microsoft.com/office/drawing/2014/main" id="{60DBEE4F-983C-4862-9318-6956E3DD5B62}"/>
+              </a:ext>
+            </a:extLst>
+          </p:cNvPr>
+          <p:cNvPicPr>
+            <a:picLocks noChangeAspect="1"/>
+          </p:cNvPicPr>
+          <p:nvPr/>
+        </p:nvPicPr>
+        <p:blipFill>
+          <a:blip r:embed="rId4">
+            <a:extLst>
+              <a:ext uri="{28A0092B-C50C-407E-A947-70E740481C1C}">
+                <a14:useLocalDpi xmlns:a14="http://schemas.microsoft.com/office/drawing/2010/main" val="0"/>
+              </a:ext>
+            </a:extLst>
+          </a:blip>
+          <a:stretch>
+            <a:fillRect/>
+          </a:stretch>
+        </p:blipFill>
+        <p:spPr>
+          <a:xfrm>
+            <a:off x="7560042" y="5212231"/>
+            <a:ext cx="1494973" cy="1494973"/>
+          </a:xfrm>
+          <a:prstGeom prst="rect">
+            <a:avLst/>
+          </a:prstGeom>
+        </p:spPr>
+      </p:pic>
+    </p:spTree>
+    <p:extLst>
+      <p:ext uri="{BB962C8B-B14F-4D97-AF65-F5344CB8AC3E}">
+        <p14:creationId xmlns:p14="http://schemas.microsoft.com/office/powerpoint/2010/main" val="757033059"/>
+      </p:ext>
+    </p:extLst>
+  </p:cSld>
+  <p:clrMapOvr>
+    <a:masterClrMapping/>
+  </p:clrMapOvr>
+</p:sld>
+</file>
+
+<file path=ppt/slides/slide15.xml><?xml version="1.0" encoding="utf-8"?>
+<p:sld xmlns:a="http://schemas.openxmlformats.org/drawingml/2006/main" xmlns:r="http://schemas.openxmlformats.org/officeDocument/2006/relationships" xmlns:p="http://schemas.openxmlformats.org/presentationml/2006/main">
+  <p:cSld>
+    <p:spTree>
+      <p:nvGrpSpPr>
+        <p:cNvPr id="1" name=""/>
+        <p:cNvGrpSpPr/>
+        <p:nvPr/>
+      </p:nvGrpSpPr>
+      <p:grpSpPr>
+        <a:xfrm>
+          <a:off x="0" y="0"/>
+          <a:ext cx="0" cy="0"/>
+          <a:chOff x="0" y="0"/>
+          <a:chExt cx="0" cy="0"/>
+        </a:xfrm>
+      </p:grpSpPr>
+    </p:spTree>
+    <p:extLst>
+      <p:ext uri="{BB962C8B-B14F-4D97-AF65-F5344CB8AC3E}">
+        <p14:creationId xmlns:p14="http://schemas.microsoft.com/office/powerpoint/2010/main" val="4216920237"/>
+      </p:ext>
+    </p:extLst>
+  </p:cSld>
+  <p:clrMapOvr>
+    <a:masterClrMapping/>
+  </p:clrMapOvr>
+</p:sld>
+</file>
+
+<file path=ppt/slides/slide16.xml><?xml version="1.0" encoding="utf-8"?>
+<p:sld xmlns:a="http://schemas.openxmlformats.org/drawingml/2006/main" xmlns:r="http://schemas.openxmlformats.org/officeDocument/2006/relationships" xmlns:p="http://schemas.openxmlformats.org/presentationml/2006/main">
+  <p:cSld>
+    <p:spTree>
+      <p:nvGrpSpPr>
+        <p:cNvPr id="1" name=""/>
+        <p:cNvGrpSpPr/>
+        <p:nvPr/>
+      </p:nvGrpSpPr>
+      <p:grpSpPr>
+        <a:xfrm>
+          <a:off x="0" y="0"/>
+          <a:ext cx="0" cy="0"/>
+          <a:chOff x="0" y="0"/>
+          <a:chExt cx="0" cy="0"/>
+        </a:xfrm>
+      </p:grpSpPr>
+      <p:sp>
+        <p:nvSpPr>
+          <p:cNvPr id="2" name="Title 1">
+            <a:extLst>
+              <a:ext uri="{FF2B5EF4-FFF2-40B4-BE49-F238E27FC236}">
+                <a16:creationId xmlns:a16="http://schemas.microsoft.com/office/drawing/2014/main" id="{AA5A5662-DF9F-4992-9450-997FBF73F708}"/>
+              </a:ext>
+            </a:extLst>
+          </p:cNvPr>
+          <p:cNvSpPr>
+            <a:spLocks noGrp="1"/>
+          </p:cNvSpPr>
+          <p:nvPr>
+            <p:ph type="title"/>
+          </p:nvPr>
+        </p:nvSpPr>
+        <p:spPr/>
+        <p:txBody>
+          <a:bodyPr/>
+          <a:lstStyle/>
+          <a:p>
+            <a:pPr algn="r"/>
+            <a:r>
+              <a:rPr lang="en-US" i="1" dirty="0"/>
+              <a:t>abstract &lt;</a:t>
+            </a:r>
+            <a:endParaRPr lang="en-GB" i="1" dirty="0"/>
+          </a:p>
+        </p:txBody>
+      </p:sp>
+      <p:sp>
+        <p:nvSpPr>
+          <p:cNvPr id="3" name="Content Placeholder 2">
+            <a:extLst>
+              <a:ext uri="{FF2B5EF4-FFF2-40B4-BE49-F238E27FC236}">
+                <a16:creationId xmlns:a16="http://schemas.microsoft.com/office/drawing/2014/main" id="{EA012A53-B82D-448B-8600-019E7A331EFC}"/>
+              </a:ext>
+            </a:extLst>
+          </p:cNvPr>
+          <p:cNvSpPr>
+            <a:spLocks noGrp="1"/>
+          </p:cNvSpPr>
+          <p:nvPr>
+            <p:ph idx="1"/>
+          </p:nvPr>
+        </p:nvSpPr>
+        <p:spPr/>
+        <p:txBody>
+          <a:bodyPr/>
+          <a:lstStyle/>
+          <a:p>
+            <a:pPr marL="0" indent="0" algn="r">
+              <a:lnSpc>
+                <a:spcPct val="107000"/>
+              </a:lnSpc>
+              <a:spcAft>
+                <a:spcPts val="800"/>
+              </a:spcAft>
+              <a:buNone/>
+            </a:pPr>
+            <a:r>
+              <a:rPr lang="en-GB" sz="1800" i="1" dirty="0">
+                <a:effectLst/>
+                <a:latin typeface="Calibri" panose="020F0502020204030204" pitchFamily="34" charset="0"/>
+                <a:ea typeface="Calibri" panose="020F0502020204030204" pitchFamily="34" charset="0"/>
+                <a:cs typeface="Times New Roman" panose="02020603050405020304" pitchFamily="18" charset="0"/>
+              </a:rPr>
+              <a:t>In a game design context, generating objects (like enemies, items etc.) in an automatic but sensible way is a key factor. In this project we will model multiple analyses to exploit the generative process (the so-called spawn algorithm) behind a geolocation-aware game platform (Pokémon Go).</a:t>
+            </a:r>
+            <a:endParaRPr lang="en-GB" sz="1800" dirty="0">
+              <a:effectLst/>
+              <a:latin typeface="Calibri" panose="020F0502020204030204" pitchFamily="34" charset="0"/>
+              <a:ea typeface="Calibri" panose="020F0502020204030204" pitchFamily="34" charset="0"/>
+              <a:cs typeface="Times New Roman" panose="02020603050405020304" pitchFamily="18" charset="0"/>
+            </a:endParaRPr>
+          </a:p>
+          <a:p>
+            <a:pPr marL="0" indent="0" algn="r">
+              <a:lnSpc>
+                <a:spcPct val="107000"/>
+              </a:lnSpc>
+              <a:spcAft>
+                <a:spcPts val="800"/>
+              </a:spcAft>
+              <a:buNone/>
+            </a:pPr>
+            <a:r>
+              <a:rPr lang="en-GB" sz="1800" i="1" dirty="0">
+                <a:effectLst/>
+                <a:latin typeface="Calibri" panose="020F0502020204030204" pitchFamily="34" charset="0"/>
+                <a:ea typeface="Calibri" panose="020F0502020204030204" pitchFamily="34" charset="0"/>
+                <a:cs typeface="Times New Roman" panose="02020603050405020304" pitchFamily="18" charset="0"/>
+              </a:rPr>
+              <a:t>Since the spawn algorithm is kept secret but input like neighbourhood statistics, timeslot, weather parameters and fixed-object coordinates, and output (generated-object coordinates) are observable, we will provide a valid approximation of the generating mixture working on a sample dataset made up to 300.000 observation described by more than 200 features.</a:t>
+            </a:r>
+            <a:endParaRPr lang="en-GB" sz="1800" dirty="0">
+              <a:effectLst/>
+              <a:latin typeface="Calibri" panose="020F0502020204030204" pitchFamily="34" charset="0"/>
+              <a:ea typeface="Calibri" panose="020F0502020204030204" pitchFamily="34" charset="0"/>
+              <a:cs typeface="Times New Roman" panose="02020603050405020304" pitchFamily="18" charset="0"/>
+            </a:endParaRPr>
+          </a:p>
+        </p:txBody>
+      </p:sp>
+    </p:spTree>
+    <p:extLst>
+      <p:ext uri="{BB962C8B-B14F-4D97-AF65-F5344CB8AC3E}">
+        <p14:creationId xmlns:p14="http://schemas.microsoft.com/office/powerpoint/2010/main" val="2659839386"/>
+      </p:ext>
+    </p:extLst>
+  </p:cSld>
+  <p:clrMapOvr>
+    <a:masterClrMapping/>
+  </p:clrMapOvr>
+</p:sld>
+</file>
+
+<file path=ppt/slides/slide17.xml><?xml version="1.0" encoding="utf-8"?>
+<p:sld xmlns:a="http://schemas.openxmlformats.org/drawingml/2006/main" xmlns:r="http://schemas.openxmlformats.org/officeDocument/2006/relationships" xmlns:p="http://schemas.openxmlformats.org/presentationml/2006/main" show="0">
+  <p:cSld>
+    <p:spTree>
+      <p:nvGrpSpPr>
+        <p:cNvPr id="1" name=""/>
+        <p:cNvGrpSpPr/>
+        <p:nvPr/>
+      </p:nvGrpSpPr>
+      <p:grpSpPr>
+        <a:xfrm>
+          <a:off x="0" y="0"/>
+          <a:ext cx="0" cy="0"/>
+          <a:chOff x="0" y="0"/>
+          <a:chExt cx="0" cy="0"/>
+        </a:xfrm>
+      </p:grpSpPr>
+      <p:sp>
+        <p:nvSpPr>
+          <p:cNvPr id="5" name="Title 1">
+            <a:extLst>
+              <a:ext uri="{FF2B5EF4-FFF2-40B4-BE49-F238E27FC236}">
+                <a16:creationId xmlns:a16="http://schemas.microsoft.com/office/drawing/2014/main" id="{694DC60D-F1B4-4023-AC4E-6CE3A7991193}"/>
+              </a:ext>
+            </a:extLst>
+          </p:cNvPr>
+          <p:cNvSpPr txBox="1">
+            <a:spLocks/>
+          </p:cNvSpPr>
+          <p:nvPr/>
+        </p:nvSpPr>
+        <p:spPr>
+          <a:xfrm>
+            <a:off x="8103883" y="5594468"/>
+            <a:ext cx="3130216" cy="730501"/>
+          </a:xfrm>
+          <a:prstGeom prst="rect">
+            <a:avLst/>
+          </a:prstGeom>
+        </p:spPr>
+        <p:txBody>
+          <a:bodyPr/>
+          <a:lstStyle>
+            <a:lvl1pPr algn="l" defTabSz="914400" rtl="0" eaLnBrk="1" latinLnBrk="0" hangingPunct="1">
+              <a:lnSpc>
+                <a:spcPct val="90000"/>
+              </a:lnSpc>
+              <a:spcBef>
+                <a:spcPct val="0"/>
+              </a:spcBef>
+              <a:buNone/>
+              <a:defRPr sz="4400" kern="1200">
+                <a:solidFill>
+                  <a:schemeClr val="tx1"/>
+                </a:solidFill>
+                <a:latin typeface="+mj-lt"/>
+                <a:ea typeface="+mj-ea"/>
+                <a:cs typeface="+mj-cs"/>
+              </a:defRPr>
+            </a:lvl1pPr>
+          </a:lstStyle>
+          <a:p>
+            <a:pPr algn="r"/>
+            <a:r>
+              <a:rPr lang="en-US" sz="6000" dirty="0"/>
+              <a:t>goal &lt;</a:t>
+            </a:r>
+            <a:endParaRPr lang="en-GB" sz="6000" dirty="0"/>
+          </a:p>
+        </p:txBody>
+      </p:sp>
+      <p:pic>
+        <p:nvPicPr>
+          <p:cNvPr id="7" name="Picture 6">
+            <a:extLst>
+              <a:ext uri="{FF2B5EF4-FFF2-40B4-BE49-F238E27FC236}">
+                <a16:creationId xmlns:a16="http://schemas.microsoft.com/office/drawing/2014/main" id="{4DD025F5-6DB3-4966-80FD-4037BCA04E69}"/>
+              </a:ext>
+            </a:extLst>
+          </p:cNvPr>
+          <p:cNvPicPr>
+            <a:picLocks noChangeAspect="1"/>
+          </p:cNvPicPr>
+          <p:nvPr/>
+        </p:nvPicPr>
+        <p:blipFill rotWithShape="1">
+          <a:blip r:embed="rId3">
+            <a:extLst>
+              <a:ext uri="{28A0092B-C50C-407E-A947-70E740481C1C}">
+                <a14:useLocalDpi xmlns:a14="http://schemas.microsoft.com/office/drawing/2010/main" val="0"/>
+              </a:ext>
+            </a:extLst>
+          </a:blip>
+          <a:srcRect l="30389" t="44924" r="17041"/>
+          <a:stretch/>
+        </p:blipFill>
+        <p:spPr>
+          <a:xfrm>
+            <a:off x="2387603" y="2109852"/>
+            <a:ext cx="2518229" cy="2638293"/>
+          </a:xfrm>
+          <a:prstGeom prst="rect">
+            <a:avLst/>
+          </a:prstGeom>
+        </p:spPr>
+      </p:pic>
+      <p:pic>
+        <p:nvPicPr>
+          <p:cNvPr id="9" name="Graphic 8" descr="Compass outline">
+            <a:extLst>
+              <a:ext uri="{FF2B5EF4-FFF2-40B4-BE49-F238E27FC236}">
+                <a16:creationId xmlns:a16="http://schemas.microsoft.com/office/drawing/2014/main" id="{C5B230DC-665B-46FC-B6DF-1B0CDAEC5471}"/>
+              </a:ext>
+            </a:extLst>
+          </p:cNvPr>
+          <p:cNvPicPr>
+            <a:picLocks noChangeAspect="1"/>
+          </p:cNvPicPr>
+          <p:nvPr/>
+        </p:nvPicPr>
+        <p:blipFill>
+          <a:blip r:embed="rId4">
+            <a:extLst>
+              <a:ext uri="{28A0092B-C50C-407E-A947-70E740481C1C}">
+                <a14:useLocalDpi xmlns:a14="http://schemas.microsoft.com/office/drawing/2010/main" val="0"/>
+              </a:ext>
+              <a:ext uri="{96DAC541-7B7A-43D3-8B79-37D633B846F1}">
+                <asvg:svgBlip xmlns:asvg="http://schemas.microsoft.com/office/drawing/2016/SVG/main" r:embed="rId5"/>
+              </a:ext>
+            </a:extLst>
+          </a:blip>
+          <a:stretch>
+            <a:fillRect/>
+          </a:stretch>
+        </p:blipFill>
+        <p:spPr>
+          <a:xfrm>
+            <a:off x="7910284" y="2442028"/>
+            <a:ext cx="1973943" cy="1973943"/>
+          </a:xfrm>
+          <a:prstGeom prst="rect">
+            <a:avLst/>
+          </a:prstGeom>
+        </p:spPr>
+      </p:pic>
+      <p:cxnSp>
+        <p:nvCxnSpPr>
+          <p:cNvPr id="11" name="Straight Arrow Connector 10">
+            <a:extLst>
+              <a:ext uri="{FF2B5EF4-FFF2-40B4-BE49-F238E27FC236}">
+                <a16:creationId xmlns:a16="http://schemas.microsoft.com/office/drawing/2014/main" id="{55A77AAF-0AA3-456B-AA74-B817D9304BE1}"/>
+              </a:ext>
+            </a:extLst>
+          </p:cNvPr>
+          <p:cNvCxnSpPr>
+            <a:cxnSpLocks/>
+            <a:stCxn id="7" idx="3"/>
+          </p:cNvCxnSpPr>
+          <p:nvPr/>
+        </p:nvCxnSpPr>
+        <p:spPr>
+          <a:xfrm>
+            <a:off x="4905832" y="3428999"/>
+            <a:ext cx="2510968" cy="0"/>
+          </a:xfrm>
+          <a:prstGeom prst="straightConnector1">
+            <a:avLst/>
+          </a:prstGeom>
+          <a:ln w="76200">
+            <a:solidFill>
+              <a:schemeClr val="tx1"/>
+            </a:solidFill>
+            <a:headEnd type="arrow" w="med" len="med"/>
+            <a:tailEnd type="arrow" w="med" len="med"/>
+          </a:ln>
+        </p:spPr>
+        <p:style>
+          <a:lnRef idx="3">
+            <a:schemeClr val="accent6"/>
+          </a:lnRef>
+          <a:fillRef idx="0">
+            <a:schemeClr val="accent6"/>
+          </a:fillRef>
+          <a:effectRef idx="2">
+            <a:schemeClr val="accent6"/>
+          </a:effectRef>
+          <a:fontRef idx="minor">
+            <a:schemeClr val="tx1"/>
+          </a:fontRef>
+        </p:style>
+      </p:cxnSp>
+    </p:spTree>
+    <p:extLst>
+      <p:ext uri="{BB962C8B-B14F-4D97-AF65-F5344CB8AC3E}">
+        <p14:creationId xmlns:p14="http://schemas.microsoft.com/office/powerpoint/2010/main" val="3433460728"/>
+      </p:ext>
+    </p:extLst>
+  </p:cSld>
+  <p:clrMapOvr>
+    <a:masterClrMapping/>
+  </p:clrMapOvr>
+</p:sld>
+</file>
+
+<file path=ppt/slides/slide18.xml><?xml version="1.0" encoding="utf-8"?>
+<p:sld xmlns:a="http://schemas.openxmlformats.org/drawingml/2006/main" xmlns:r="http://schemas.openxmlformats.org/officeDocument/2006/relationships" xmlns:p="http://schemas.openxmlformats.org/presentationml/2006/main" show="0">
+  <p:cSld>
+    <p:spTree>
+      <p:nvGrpSpPr>
+        <p:cNvPr id="1" name=""/>
+        <p:cNvGrpSpPr/>
+        <p:nvPr/>
+      </p:nvGrpSpPr>
+      <p:grpSpPr>
+        <a:xfrm>
+          <a:off x="0" y="0"/>
+          <a:ext cx="0" cy="0"/>
+          <a:chOff x="0" y="0"/>
+          <a:chExt cx="0" cy="0"/>
+        </a:xfrm>
+      </p:grpSpPr>
+      <p:sp>
+        <p:nvSpPr>
+          <p:cNvPr id="3" name="Title 1">
+            <a:extLst>
+              <a:ext uri="{FF2B5EF4-FFF2-40B4-BE49-F238E27FC236}">
+                <a16:creationId xmlns:a16="http://schemas.microsoft.com/office/drawing/2014/main" id="{40F4D27B-927D-4679-A5BC-067207328F17}"/>
+              </a:ext>
+            </a:extLst>
+          </p:cNvPr>
+          <p:cNvSpPr txBox="1">
+            <a:spLocks/>
+          </p:cNvSpPr>
+          <p:nvPr/>
+        </p:nvSpPr>
+        <p:spPr>
+          <a:xfrm>
+            <a:off x="5044751" y="5594468"/>
+            <a:ext cx="6189348" cy="730501"/>
+          </a:xfrm>
+          <a:prstGeom prst="rect">
+            <a:avLst/>
+          </a:prstGeom>
+        </p:spPr>
+        <p:txBody>
+          <a:bodyPr/>
+          <a:lstStyle>
+            <a:lvl1pPr algn="l" defTabSz="914400" rtl="0" eaLnBrk="1" latinLnBrk="0" hangingPunct="1">
+              <a:lnSpc>
+                <a:spcPct val="90000"/>
+              </a:lnSpc>
+              <a:spcBef>
+                <a:spcPct val="0"/>
+              </a:spcBef>
+              <a:buNone/>
+              <a:defRPr sz="4400" kern="1200">
+                <a:solidFill>
+                  <a:schemeClr val="tx1"/>
+                </a:solidFill>
+                <a:latin typeface="+mj-lt"/>
+                <a:ea typeface="+mj-ea"/>
+                <a:cs typeface="+mj-cs"/>
+              </a:defRPr>
+            </a:lvl1pPr>
+          </a:lstStyle>
+          <a:p>
+            <a:pPr algn="r"/>
+            <a:r>
+              <a:rPr lang="en-US" sz="6000" dirty="0"/>
+              <a:t>goal &lt;</a:t>
+            </a:r>
+            <a:endParaRPr lang="en-GB" sz="6000" dirty="0"/>
+          </a:p>
+        </p:txBody>
+      </p:sp>
+      <p:pic>
+        <p:nvPicPr>
+          <p:cNvPr id="5" name="Picture 4">
+            <a:extLst>
+              <a:ext uri="{FF2B5EF4-FFF2-40B4-BE49-F238E27FC236}">
+                <a16:creationId xmlns:a16="http://schemas.microsoft.com/office/drawing/2014/main" id="{73BFC95C-80A8-4FA3-8020-70E520245889}"/>
+              </a:ext>
+            </a:extLst>
+          </p:cNvPr>
+          <p:cNvPicPr>
+            <a:picLocks noChangeAspect="1"/>
+          </p:cNvPicPr>
+          <p:nvPr/>
+        </p:nvPicPr>
+        <p:blipFill rotWithShape="1">
+          <a:blip r:embed="rId3">
+            <a:extLst>
+              <a:ext uri="{28A0092B-C50C-407E-A947-70E740481C1C}">
+                <a14:useLocalDpi xmlns:a14="http://schemas.microsoft.com/office/drawing/2010/main" val="0"/>
+              </a:ext>
+            </a:extLst>
+          </a:blip>
+          <a:srcRect l="30389" t="44924" r="22495" b="9737"/>
+          <a:stretch/>
+        </p:blipFill>
+        <p:spPr>
+          <a:xfrm>
+            <a:off x="2090065" y="1950195"/>
+            <a:ext cx="2256968" cy="2171863"/>
+          </a:xfrm>
+          <a:prstGeom prst="rect">
+            <a:avLst/>
+          </a:prstGeom>
+        </p:spPr>
+      </p:pic>
+      <p:pic>
+        <p:nvPicPr>
+          <p:cNvPr id="12" name="Picture 11">
+            <a:extLst>
+              <a:ext uri="{FF2B5EF4-FFF2-40B4-BE49-F238E27FC236}">
+                <a16:creationId xmlns:a16="http://schemas.microsoft.com/office/drawing/2014/main" id="{76A3C472-1DA8-4879-A073-78794084FF6E}"/>
+              </a:ext>
+            </a:extLst>
+          </p:cNvPr>
+          <p:cNvPicPr>
+            <a:picLocks noChangeAspect="1"/>
+          </p:cNvPicPr>
+          <p:nvPr/>
+        </p:nvPicPr>
+        <p:blipFill rotWithShape="1">
+          <a:blip r:embed="rId4">
+            <a:extLst>
+              <a:ext uri="{BEBA8EAE-BF5A-486C-A8C5-ECC9F3942E4B}">
+                <a14:imgProps xmlns:a14="http://schemas.microsoft.com/office/drawing/2010/main">
+                  <a14:imgLayer r:embed="rId5">
+                    <a14:imgEffect>
+                      <a14:artisticChalkSketch/>
+                    </a14:imgEffect>
+                  </a14:imgLayer>
+                </a14:imgProps>
+              </a:ext>
+              <a:ext uri="{28A0092B-C50C-407E-A947-70E740481C1C}">
+                <a14:useLocalDpi xmlns:a14="http://schemas.microsoft.com/office/drawing/2010/main" val="0"/>
+              </a:ext>
+            </a:extLst>
+          </a:blip>
+          <a:srcRect l="30389" t="44924" r="52341" b="9737"/>
+          <a:stretch/>
+        </p:blipFill>
+        <p:spPr>
+          <a:xfrm>
+            <a:off x="2090065" y="1950195"/>
+            <a:ext cx="827310" cy="2171863"/>
+          </a:xfrm>
+          <a:prstGeom prst="rect">
+            <a:avLst/>
+          </a:prstGeom>
+        </p:spPr>
+      </p:pic>
+      <p:pic>
+        <p:nvPicPr>
+          <p:cNvPr id="14" name="Graphic 13" descr="Compass outline">
+            <a:extLst>
+              <a:ext uri="{FF2B5EF4-FFF2-40B4-BE49-F238E27FC236}">
+                <a16:creationId xmlns:a16="http://schemas.microsoft.com/office/drawing/2014/main" id="{A678B9BE-A528-42D0-8128-D30CDA0E201F}"/>
+              </a:ext>
+            </a:extLst>
+          </p:cNvPr>
+          <p:cNvPicPr>
+            <a:picLocks noChangeAspect="1"/>
+          </p:cNvPicPr>
+          <p:nvPr/>
+        </p:nvPicPr>
+        <p:blipFill>
+          <a:blip r:embed="rId6">
+            <a:extLst>
+              <a:ext uri="{28A0092B-C50C-407E-A947-70E740481C1C}">
+                <a14:useLocalDpi xmlns:a14="http://schemas.microsoft.com/office/drawing/2010/main" val="0"/>
+              </a:ext>
+              <a:ext uri="{96DAC541-7B7A-43D3-8B79-37D633B846F1}">
+                <asvg:svgBlip xmlns:asvg="http://schemas.microsoft.com/office/drawing/2016/SVG/main" r:embed="rId7"/>
+              </a:ext>
+            </a:extLst>
+          </a:blip>
+          <a:stretch>
+            <a:fillRect/>
+          </a:stretch>
+        </p:blipFill>
+        <p:spPr>
+          <a:xfrm>
+            <a:off x="7598227" y="2231570"/>
+            <a:ext cx="1973943" cy="1973943"/>
+          </a:xfrm>
+          <a:prstGeom prst="rect">
+            <a:avLst/>
+          </a:prstGeom>
+        </p:spPr>
+      </p:pic>
+      <p:cxnSp>
+        <p:nvCxnSpPr>
+          <p:cNvPr id="16" name="Straight Arrow Connector 15">
+            <a:extLst>
+              <a:ext uri="{FF2B5EF4-FFF2-40B4-BE49-F238E27FC236}">
+                <a16:creationId xmlns:a16="http://schemas.microsoft.com/office/drawing/2014/main" id="{23006383-6526-4856-B465-52B3EEFD8F17}"/>
+              </a:ext>
+            </a:extLst>
+          </p:cNvPr>
+          <p:cNvCxnSpPr>
+            <a:cxnSpLocks/>
+          </p:cNvCxnSpPr>
+          <p:nvPr/>
+        </p:nvCxnSpPr>
+        <p:spPr>
+          <a:xfrm>
+            <a:off x="4593775" y="3218541"/>
+            <a:ext cx="2510968" cy="0"/>
+          </a:xfrm>
+          <a:prstGeom prst="straightConnector1">
+            <a:avLst/>
+          </a:prstGeom>
+          <a:ln w="76200">
+            <a:solidFill>
+              <a:schemeClr val="tx1"/>
+            </a:solidFill>
+            <a:headEnd type="arrow" w="med" len="med"/>
+            <a:tailEnd type="arrow" w="med" len="med"/>
+          </a:ln>
+        </p:spPr>
+        <p:style>
+          <a:lnRef idx="3">
+            <a:schemeClr val="accent6"/>
+          </a:lnRef>
+          <a:fillRef idx="0">
+            <a:schemeClr val="accent6"/>
+          </a:fillRef>
+          <a:effectRef idx="2">
+            <a:schemeClr val="accent6"/>
+          </a:effectRef>
+          <a:fontRef idx="minor">
+            <a:schemeClr val="tx1"/>
+          </a:fontRef>
+        </p:style>
+      </p:cxnSp>
+    </p:spTree>
+    <p:extLst>
+      <p:ext uri="{BB962C8B-B14F-4D97-AF65-F5344CB8AC3E}">
+        <p14:creationId xmlns:p14="http://schemas.microsoft.com/office/powerpoint/2010/main" val="2765306690"/>
+      </p:ext>
+    </p:extLst>
+  </p:cSld>
+  <p:clrMapOvr>
+    <a:masterClrMapping/>
+  </p:clrMapOvr>
+</p:sld>
+</file>
+
+<file path=ppt/slides/slide2.xml><?xml version="1.0" encoding="utf-8"?>
+<p:sld xmlns:a="http://schemas.openxmlformats.org/drawingml/2006/main" xmlns:r="http://schemas.openxmlformats.org/officeDocument/2006/relationships" xmlns:p="http://schemas.openxmlformats.org/presentationml/2006/main">
+  <p:cSld>
+    <p:spTree>
+      <p:nvGrpSpPr>
+        <p:cNvPr id="1" name=""/>
+        <p:cNvGrpSpPr/>
+        <p:nvPr/>
+      </p:nvGrpSpPr>
+      <p:grpSpPr>
+        <a:xfrm>
+          <a:off x="0" y="0"/>
+          <a:ext cx="0" cy="0"/>
+          <a:chOff x="0" y="0"/>
+          <a:chExt cx="0" cy="0"/>
+        </a:xfrm>
+      </p:grpSpPr>
+      <p:sp>
+        <p:nvSpPr>
+          <p:cNvPr id="3" name="Title 1">
+            <a:extLst>
+              <a:ext uri="{FF2B5EF4-FFF2-40B4-BE49-F238E27FC236}">
+                <a16:creationId xmlns:a16="http://schemas.microsoft.com/office/drawing/2014/main" id="{C1E7F4E9-0984-4DBE-A2CD-F52E9444F218}"/>
+              </a:ext>
+            </a:extLst>
+          </p:cNvPr>
+          <p:cNvSpPr txBox="1">
+            <a:spLocks/>
+          </p:cNvSpPr>
+          <p:nvPr/>
+        </p:nvSpPr>
+        <p:spPr>
+          <a:xfrm>
+            <a:off x="7116147" y="5594468"/>
+            <a:ext cx="4117952" cy="730501"/>
+          </a:xfrm>
+          <a:prstGeom prst="rect">
+            <a:avLst/>
+          </a:prstGeom>
+        </p:spPr>
+        <p:txBody>
+          <a:bodyPr/>
+          <a:lstStyle>
+            <a:lvl1pPr algn="l" defTabSz="914400" rtl="0" eaLnBrk="1" latinLnBrk="0" hangingPunct="1">
+              <a:lnSpc>
+                <a:spcPct val="90000"/>
+              </a:lnSpc>
+              <a:spcBef>
+                <a:spcPct val="0"/>
+              </a:spcBef>
+              <a:buNone/>
+              <a:defRPr sz="4400" kern="1200">
+                <a:solidFill>
+                  <a:schemeClr val="tx1"/>
+                </a:solidFill>
+                <a:latin typeface="+mj-lt"/>
+                <a:ea typeface="+mj-ea"/>
+                <a:cs typeface="+mj-cs"/>
+              </a:defRPr>
+            </a:lvl1pPr>
+          </a:lstStyle>
+          <a:p>
+            <a:pPr algn="r"/>
+            <a:r>
+              <a:rPr lang="en-US" sz="6000" dirty="0"/>
+              <a:t>problem &lt; </a:t>
+            </a:r>
+            <a:endParaRPr lang="en-GB" sz="6000" dirty="0"/>
+          </a:p>
+        </p:txBody>
+      </p:sp>
+      <p:pic>
+        <p:nvPicPr>
+          <p:cNvPr id="5" name="Picture 4">
+            <a:extLst>
+              <a:ext uri="{FF2B5EF4-FFF2-40B4-BE49-F238E27FC236}">
+                <a16:creationId xmlns:a16="http://schemas.microsoft.com/office/drawing/2014/main" id="{98B8CDAE-EE82-4901-8D4E-62479575F8D2}"/>
+              </a:ext>
+            </a:extLst>
+          </p:cNvPr>
+          <p:cNvPicPr>
+            <a:picLocks noChangeAspect="1"/>
+          </p:cNvPicPr>
+          <p:nvPr/>
+        </p:nvPicPr>
+        <p:blipFill rotWithShape="1">
+          <a:blip r:embed="rId3">
+            <a:extLst>
+              <a:ext uri="{28A0092B-C50C-407E-A947-70E740481C1C}">
+                <a14:useLocalDpi xmlns:a14="http://schemas.microsoft.com/office/drawing/2010/main" val="0"/>
+              </a:ext>
+            </a:extLst>
+          </a:blip>
+          <a:srcRect l="30389" t="44924" r="17041"/>
+          <a:stretch/>
+        </p:blipFill>
+        <p:spPr>
+          <a:xfrm>
+            <a:off x="1254528" y="1891666"/>
+            <a:ext cx="2518229" cy="2638293"/>
+          </a:xfrm>
+          <a:prstGeom prst="rect">
+            <a:avLst/>
+          </a:prstGeom>
+        </p:spPr>
+      </p:pic>
+      <p:pic>
+        <p:nvPicPr>
+          <p:cNvPr id="9" name="Graphic 8" descr="Partial sun outline">
+            <a:extLst>
+              <a:ext uri="{FF2B5EF4-FFF2-40B4-BE49-F238E27FC236}">
+                <a16:creationId xmlns:a16="http://schemas.microsoft.com/office/drawing/2014/main" id="{32DFEED1-284B-48A2-AA92-89EE41BC2ACB}"/>
+              </a:ext>
+            </a:extLst>
+          </p:cNvPr>
+          <p:cNvPicPr>
+            <a:picLocks noChangeAspect="1"/>
+          </p:cNvPicPr>
+          <p:nvPr/>
+        </p:nvPicPr>
+        <p:blipFill>
+          <a:blip r:embed="rId4">
+            <a:extLst>
+              <a:ext uri="{28A0092B-C50C-407E-A947-70E740481C1C}">
+                <a14:useLocalDpi xmlns:a14="http://schemas.microsoft.com/office/drawing/2010/main" val="0"/>
+              </a:ext>
+              <a:ext uri="{96DAC541-7B7A-43D3-8B79-37D633B846F1}">
+                <asvg:svgBlip xmlns:asvg="http://schemas.microsoft.com/office/drawing/2016/SVG/main" r:embed="rId5"/>
+              </a:ext>
+            </a:extLst>
+          </a:blip>
+          <a:stretch>
+            <a:fillRect/>
+          </a:stretch>
+        </p:blipFill>
+        <p:spPr>
+          <a:xfrm>
+            <a:off x="5451275" y="2214901"/>
+            <a:ext cx="1688459" cy="1688459"/>
+          </a:xfrm>
+          <a:prstGeom prst="rect">
+            <a:avLst/>
+          </a:prstGeom>
+        </p:spPr>
+      </p:pic>
+      <p:pic>
+        <p:nvPicPr>
+          <p:cNvPr id="11" name="Graphic 10" descr="City outline">
+            <a:extLst>
+              <a:ext uri="{FF2B5EF4-FFF2-40B4-BE49-F238E27FC236}">
+                <a16:creationId xmlns:a16="http://schemas.microsoft.com/office/drawing/2014/main" id="{DD724092-B836-4BD6-B046-C11A78E9F5A5}"/>
+              </a:ext>
+            </a:extLst>
+          </p:cNvPr>
+          <p:cNvPicPr>
+            <a:picLocks noChangeAspect="1"/>
+          </p:cNvPicPr>
+          <p:nvPr/>
+        </p:nvPicPr>
+        <p:blipFill>
+          <a:blip r:embed="rId6">
+            <a:extLst>
+              <a:ext uri="{28A0092B-C50C-407E-A947-70E740481C1C}">
+                <a14:useLocalDpi xmlns:a14="http://schemas.microsoft.com/office/drawing/2010/main" val="0"/>
+              </a:ext>
+              <a:ext uri="{96DAC541-7B7A-43D3-8B79-37D633B846F1}">
+                <asvg:svgBlip xmlns:asvg="http://schemas.microsoft.com/office/drawing/2016/SVG/main" r:embed="rId7"/>
+              </a:ext>
+            </a:extLst>
+          </a:blip>
+          <a:stretch>
+            <a:fillRect/>
+          </a:stretch>
+        </p:blipFill>
+        <p:spPr>
+          <a:xfrm>
+            <a:off x="5451275" y="443081"/>
+            <a:ext cx="1688459" cy="1688459"/>
+          </a:xfrm>
+          <a:prstGeom prst="rect">
+            <a:avLst/>
+          </a:prstGeom>
+        </p:spPr>
+      </p:pic>
+      <p:pic>
+        <p:nvPicPr>
+          <p:cNvPr id="13" name="Graphic 12" descr="Moon and stars outline">
+            <a:extLst>
+              <a:ext uri="{FF2B5EF4-FFF2-40B4-BE49-F238E27FC236}">
+                <a16:creationId xmlns:a16="http://schemas.microsoft.com/office/drawing/2014/main" id="{6BA2180B-AC38-469D-91E3-2EBB133BE3B8}"/>
+              </a:ext>
+            </a:extLst>
+          </p:cNvPr>
+          <p:cNvPicPr>
+            <a:picLocks noChangeAspect="1"/>
+          </p:cNvPicPr>
+          <p:nvPr/>
+        </p:nvPicPr>
+        <p:blipFill>
+          <a:blip r:embed="rId8">
+            <a:extLst>
+              <a:ext uri="{28A0092B-C50C-407E-A947-70E740481C1C}">
+                <a14:useLocalDpi xmlns:a14="http://schemas.microsoft.com/office/drawing/2010/main" val="0"/>
+              </a:ext>
+              <a:ext uri="{96DAC541-7B7A-43D3-8B79-37D633B846F1}">
+                <asvg:svgBlip xmlns:asvg="http://schemas.microsoft.com/office/drawing/2016/SVG/main" r:embed="rId9"/>
+              </a:ext>
+            </a:extLst>
+          </a:blip>
+          <a:stretch>
+            <a:fillRect/>
+          </a:stretch>
+        </p:blipFill>
+        <p:spPr>
+          <a:xfrm>
+            <a:off x="5451276" y="4008896"/>
+            <a:ext cx="1688458" cy="1688458"/>
+          </a:xfrm>
+          <a:prstGeom prst="rect">
+            <a:avLst/>
+          </a:prstGeom>
+        </p:spPr>
+      </p:pic>
+      <p:sp>
+        <p:nvSpPr>
+          <p:cNvPr id="14" name="TextBox 13">
+            <a:extLst>
+              <a:ext uri="{FF2B5EF4-FFF2-40B4-BE49-F238E27FC236}">
+                <a16:creationId xmlns:a16="http://schemas.microsoft.com/office/drawing/2014/main" id="{9679B4A6-A80B-4FC7-852F-9D492EA5CE16}"/>
+              </a:ext>
+            </a:extLst>
+          </p:cNvPr>
+          <p:cNvSpPr txBox="1"/>
+          <p:nvPr/>
+        </p:nvSpPr>
+        <p:spPr>
+          <a:xfrm>
+            <a:off x="7380960" y="964144"/>
+            <a:ext cx="2393680" cy="646331"/>
+          </a:xfrm>
+          <a:prstGeom prst="rect">
+            <a:avLst/>
+          </a:prstGeom>
+          <a:noFill/>
+        </p:spPr>
+        <p:txBody>
+          <a:bodyPr wrap="square" rtlCol="0">
+            <a:spAutoFit/>
+          </a:bodyPr>
+          <a:lstStyle/>
+          <a:p>
+            <a:pPr marL="285750" indent="-285750">
+              <a:buFont typeface="Arial" panose="020B0604020202020204" pitchFamily="34" charset="0"/>
+              <a:buChar char="•"/>
+            </a:pPr>
+            <a:r>
+              <a:rPr lang="en-US" dirty="0"/>
+              <a:t>population density</a:t>
+            </a:r>
+          </a:p>
+          <a:p>
+            <a:pPr marL="285750" indent="-285750">
+              <a:buFont typeface="Arial" panose="020B0604020202020204" pitchFamily="34" charset="0"/>
+              <a:buChar char="•"/>
+            </a:pPr>
+            <a:r>
+              <a:rPr lang="en-US" dirty="0"/>
+              <a:t>type of terrain</a:t>
+            </a:r>
+            <a:endParaRPr lang="en-GB" dirty="0"/>
+          </a:p>
+        </p:txBody>
+      </p:sp>
+      <p:sp>
+        <p:nvSpPr>
+          <p:cNvPr id="15" name="TextBox 14">
+            <a:extLst>
+              <a:ext uri="{FF2B5EF4-FFF2-40B4-BE49-F238E27FC236}">
+                <a16:creationId xmlns:a16="http://schemas.microsoft.com/office/drawing/2014/main" id="{A2D5A220-0343-4672-A78C-8C56CC98D02B}"/>
+              </a:ext>
+            </a:extLst>
+          </p:cNvPr>
+          <p:cNvSpPr txBox="1"/>
+          <p:nvPr/>
+        </p:nvSpPr>
+        <p:spPr>
+          <a:xfrm>
+            <a:off x="7380960" y="2652602"/>
+            <a:ext cx="3035375" cy="646331"/>
+          </a:xfrm>
+          <a:prstGeom prst="rect">
+            <a:avLst/>
+          </a:prstGeom>
+          <a:noFill/>
+        </p:spPr>
+        <p:txBody>
+          <a:bodyPr wrap="square" rtlCol="0">
+            <a:spAutoFit/>
+          </a:bodyPr>
+          <a:lstStyle/>
+          <a:p>
+            <a:pPr marL="285750" indent="-285750">
+              <a:buFont typeface="Arial" panose="020B0604020202020204" pitchFamily="34" charset="0"/>
+              <a:buChar char="•"/>
+            </a:pPr>
+            <a:r>
+              <a:rPr lang="en-US" dirty="0"/>
+              <a:t>temperature</a:t>
+            </a:r>
+            <a:endParaRPr lang="en-GB" dirty="0"/>
+          </a:p>
+          <a:p>
+            <a:pPr marL="285750" indent="-285750">
+              <a:buFont typeface="Arial" panose="020B0604020202020204" pitchFamily="34" charset="0"/>
+              <a:buChar char="•"/>
+            </a:pPr>
+            <a:r>
+              <a:rPr lang="en-GB" dirty="0"/>
+              <a:t>wind speed</a:t>
+            </a:r>
+          </a:p>
+        </p:txBody>
+      </p:sp>
+      <p:sp>
+        <p:nvSpPr>
+          <p:cNvPr id="16" name="TextBox 15">
+            <a:extLst>
+              <a:ext uri="{FF2B5EF4-FFF2-40B4-BE49-F238E27FC236}">
+                <a16:creationId xmlns:a16="http://schemas.microsoft.com/office/drawing/2014/main" id="{05EB242D-84A3-410C-B41C-1B76F0DC69B0}"/>
+              </a:ext>
+            </a:extLst>
+          </p:cNvPr>
+          <p:cNvSpPr txBox="1"/>
+          <p:nvPr/>
+        </p:nvSpPr>
+        <p:spPr>
+          <a:xfrm>
+            <a:off x="7380960" y="4529959"/>
+            <a:ext cx="2086378" cy="646331"/>
+          </a:xfrm>
+          <a:prstGeom prst="rect">
+            <a:avLst/>
+          </a:prstGeom>
+          <a:noFill/>
+        </p:spPr>
+        <p:txBody>
+          <a:bodyPr wrap="square" rtlCol="0">
+            <a:spAutoFit/>
+          </a:bodyPr>
+          <a:lstStyle/>
+          <a:p>
+            <a:pPr marL="285750" indent="-285750">
+              <a:buFont typeface="Arial" panose="020B0604020202020204" pitchFamily="34" charset="0"/>
+              <a:buChar char="•"/>
+            </a:pPr>
+            <a:r>
+              <a:rPr lang="en-US" dirty="0"/>
+              <a:t>hour</a:t>
+            </a:r>
+          </a:p>
+          <a:p>
+            <a:pPr marL="285750" indent="-285750">
+              <a:buFont typeface="Arial" panose="020B0604020202020204" pitchFamily="34" charset="0"/>
+              <a:buChar char="•"/>
+            </a:pPr>
+            <a:r>
+              <a:rPr lang="en-GB" dirty="0"/>
+              <a:t>season</a:t>
+            </a:r>
+          </a:p>
+        </p:txBody>
+      </p:sp>
+      <p:cxnSp>
+        <p:nvCxnSpPr>
+          <p:cNvPr id="21" name="Straight Arrow Connector 20">
+            <a:extLst>
+              <a:ext uri="{FF2B5EF4-FFF2-40B4-BE49-F238E27FC236}">
+                <a16:creationId xmlns:a16="http://schemas.microsoft.com/office/drawing/2014/main" id="{B6198720-A8A6-4F33-B4B7-19CCFF2A7F06}"/>
+              </a:ext>
+            </a:extLst>
+          </p:cNvPr>
+          <p:cNvCxnSpPr>
+            <a:cxnSpLocks/>
+            <a:stCxn id="11" idx="1"/>
+          </p:cNvCxnSpPr>
+          <p:nvPr/>
+        </p:nvCxnSpPr>
+        <p:spPr>
+          <a:xfrm flipH="1">
+            <a:off x="3743956" y="1287311"/>
+            <a:ext cx="1707319" cy="932926"/>
+          </a:xfrm>
+          <a:prstGeom prst="straightConnector1">
+            <a:avLst/>
+          </a:prstGeom>
+          <a:ln w="38100">
+            <a:headEnd type="none" w="med" len="med"/>
+            <a:tailEnd type="arrow" w="med" len="med"/>
+          </a:ln>
+        </p:spPr>
+        <p:style>
+          <a:lnRef idx="3">
+            <a:schemeClr val="dk1"/>
+          </a:lnRef>
+          <a:fillRef idx="0">
+            <a:schemeClr val="dk1"/>
+          </a:fillRef>
+          <a:effectRef idx="2">
+            <a:schemeClr val="dk1"/>
+          </a:effectRef>
+          <a:fontRef idx="minor">
+            <a:schemeClr val="tx1"/>
+          </a:fontRef>
+        </p:style>
+      </p:cxnSp>
+      <p:cxnSp>
+        <p:nvCxnSpPr>
+          <p:cNvPr id="23" name="Straight Arrow Connector 22">
+            <a:extLst>
+              <a:ext uri="{FF2B5EF4-FFF2-40B4-BE49-F238E27FC236}">
+                <a16:creationId xmlns:a16="http://schemas.microsoft.com/office/drawing/2014/main" id="{64A7E426-B36B-4BA1-B10A-B5A975180C5C}"/>
+              </a:ext>
+            </a:extLst>
+          </p:cNvPr>
+          <p:cNvCxnSpPr>
+            <a:cxnSpLocks/>
+            <a:stCxn id="9" idx="1"/>
+          </p:cNvCxnSpPr>
+          <p:nvPr/>
+        </p:nvCxnSpPr>
+        <p:spPr>
+          <a:xfrm flipH="1">
+            <a:off x="3743956" y="3059131"/>
+            <a:ext cx="1707319" cy="0"/>
+          </a:xfrm>
+          <a:prstGeom prst="straightConnector1">
+            <a:avLst/>
+          </a:prstGeom>
+          <a:ln w="38100">
+            <a:headEnd type="none" w="med" len="med"/>
+            <a:tailEnd type="arrow" w="med" len="med"/>
+          </a:ln>
+        </p:spPr>
+        <p:style>
+          <a:lnRef idx="3">
+            <a:schemeClr val="dk1"/>
+          </a:lnRef>
+          <a:fillRef idx="0">
+            <a:schemeClr val="dk1"/>
+          </a:fillRef>
+          <a:effectRef idx="2">
+            <a:schemeClr val="dk1"/>
+          </a:effectRef>
+          <a:fontRef idx="minor">
+            <a:schemeClr val="tx1"/>
+          </a:fontRef>
+        </p:style>
+      </p:cxnSp>
+      <p:cxnSp>
+        <p:nvCxnSpPr>
+          <p:cNvPr id="25" name="Straight Arrow Connector 24">
+            <a:extLst>
+              <a:ext uri="{FF2B5EF4-FFF2-40B4-BE49-F238E27FC236}">
+                <a16:creationId xmlns:a16="http://schemas.microsoft.com/office/drawing/2014/main" id="{F7A6C9DE-F38B-4AE3-8426-F1741E247911}"/>
+              </a:ext>
+            </a:extLst>
+          </p:cNvPr>
+          <p:cNvCxnSpPr>
+            <a:cxnSpLocks/>
+            <a:stCxn id="13" idx="1"/>
+          </p:cNvCxnSpPr>
+          <p:nvPr/>
+        </p:nvCxnSpPr>
+        <p:spPr>
+          <a:xfrm flipH="1" flipV="1">
+            <a:off x="3791013" y="3797824"/>
+            <a:ext cx="1660263" cy="1055301"/>
+          </a:xfrm>
+          <a:prstGeom prst="straightConnector1">
+            <a:avLst/>
+          </a:prstGeom>
+          <a:ln w="38100">
+            <a:headEnd type="none" w="med" len="med"/>
+            <a:tailEnd type="arrow" w="med" len="med"/>
+          </a:ln>
+        </p:spPr>
+        <p:style>
+          <a:lnRef idx="3">
+            <a:schemeClr val="dk1"/>
+          </a:lnRef>
+          <a:fillRef idx="0">
+            <a:schemeClr val="dk1"/>
+          </a:fillRef>
+          <a:effectRef idx="2">
+            <a:schemeClr val="dk1"/>
+          </a:effectRef>
+          <a:fontRef idx="minor">
+            <a:schemeClr val="tx1"/>
+          </a:fontRef>
+        </p:style>
+      </p:cxnSp>
+    </p:spTree>
+    <p:extLst>
+      <p:ext uri="{BB962C8B-B14F-4D97-AF65-F5344CB8AC3E}">
+        <p14:creationId xmlns:p14="http://schemas.microsoft.com/office/powerpoint/2010/main" val="2524681519"/>
+      </p:ext>
+    </p:extLst>
+  </p:cSld>
+  <p:clrMapOvr>
+    <a:masterClrMapping/>
+  </p:clrMapOvr>
+</p:sld>
+</file>
+
+<file path=ppt/slides/slide3.xml><?xml version="1.0" encoding="utf-8"?>
+<p:sld xmlns:a="http://schemas.openxmlformats.org/drawingml/2006/main" xmlns:r="http://schemas.openxmlformats.org/officeDocument/2006/relationships" xmlns:p="http://schemas.openxmlformats.org/presentationml/2006/main">
+  <p:cSld>
+    <p:spTree>
+      <p:nvGrpSpPr>
+        <p:cNvPr id="1" name=""/>
+        <p:cNvGrpSpPr/>
+        <p:nvPr/>
+      </p:nvGrpSpPr>
+      <p:grpSpPr>
+        <a:xfrm>
+          <a:off x="0" y="0"/>
+          <a:ext cx="0" cy="0"/>
+          <a:chOff x="0" y="0"/>
+          <a:chExt cx="0" cy="0"/>
+        </a:xfrm>
+      </p:grpSpPr>
+      <p:sp>
+        <p:nvSpPr>
+          <p:cNvPr id="3" name="Title 1">
+            <a:extLst>
+              <a:ext uri="{FF2B5EF4-FFF2-40B4-BE49-F238E27FC236}">
+                <a16:creationId xmlns:a16="http://schemas.microsoft.com/office/drawing/2014/main" id="{A4C5A205-A5C3-40D4-8619-DAE9136F39AA}"/>
+              </a:ext>
+            </a:extLst>
+          </p:cNvPr>
+          <p:cNvSpPr txBox="1">
+            <a:spLocks/>
+          </p:cNvSpPr>
+          <p:nvPr/>
+        </p:nvSpPr>
+        <p:spPr>
+          <a:xfrm>
+            <a:off x="8103883" y="5594468"/>
+            <a:ext cx="3130216" cy="730501"/>
+          </a:xfrm>
+          <a:prstGeom prst="rect">
+            <a:avLst/>
+          </a:prstGeom>
+        </p:spPr>
+        <p:txBody>
+          <a:bodyPr/>
+          <a:lstStyle>
+            <a:lvl1pPr algn="l" defTabSz="914400" rtl="0" eaLnBrk="1" latinLnBrk="0" hangingPunct="1">
+              <a:lnSpc>
+                <a:spcPct val="90000"/>
+              </a:lnSpc>
+              <a:spcBef>
+                <a:spcPct val="0"/>
+              </a:spcBef>
+              <a:buNone/>
+              <a:defRPr sz="4400" kern="1200">
+                <a:solidFill>
+                  <a:schemeClr val="tx1"/>
+                </a:solidFill>
+                <a:latin typeface="+mj-lt"/>
+                <a:ea typeface="+mj-ea"/>
+                <a:cs typeface="+mj-cs"/>
+              </a:defRPr>
+            </a:lvl1pPr>
+          </a:lstStyle>
+          <a:p>
+            <a:pPr algn="r"/>
+            <a:r>
+              <a:rPr lang="en-US" sz="6000" dirty="0"/>
+              <a:t>dataset &lt;</a:t>
+            </a:r>
+            <a:endParaRPr lang="en-GB" sz="6000" dirty="0"/>
+          </a:p>
+        </p:txBody>
+      </p:sp>
+      <p:sp>
+        <p:nvSpPr>
+          <p:cNvPr id="4" name="TextBox 3">
+            <a:extLst>
+              <a:ext uri="{FF2B5EF4-FFF2-40B4-BE49-F238E27FC236}">
+                <a16:creationId xmlns:a16="http://schemas.microsoft.com/office/drawing/2014/main" id="{EED74BDB-59C2-4CE6-A6B7-7380E5A13F67}"/>
+              </a:ext>
+            </a:extLst>
+          </p:cNvPr>
+          <p:cNvSpPr txBox="1"/>
+          <p:nvPr/>
+        </p:nvSpPr>
+        <p:spPr>
+          <a:xfrm>
+            <a:off x="790601" y="458956"/>
+            <a:ext cx="10850710" cy="5940088"/>
+          </a:xfrm>
+          <a:prstGeom prst="rect">
+            <a:avLst/>
+          </a:prstGeom>
+          <a:noFill/>
+        </p:spPr>
+        <p:txBody>
+          <a:bodyPr wrap="square" rtlCol="0">
+            <a:spAutoFit/>
+          </a:bodyPr>
+          <a:lstStyle/>
+          <a:p>
+            <a:pPr marL="285750" indent="-285750">
+              <a:buFont typeface="Arial" panose="020B0604020202020204" pitchFamily="34" charset="0"/>
+              <a:buChar char="•"/>
+            </a:pPr>
+            <a:r>
+              <a:rPr lang="en-US" sz="2000" b="1" dirty="0">
+                <a:latin typeface="Consolas" panose="020B0609020204030204" pitchFamily="49" charset="0"/>
+              </a:rPr>
+              <a:t>Pokémon ID [1:151]</a:t>
+            </a:r>
+          </a:p>
+          <a:p>
+            <a:pPr marL="742950" lvl="1" indent="-285750">
+              <a:buFont typeface="Arial" panose="020B0604020202020204" pitchFamily="34" charset="0"/>
+              <a:buChar char="•"/>
+            </a:pPr>
+            <a:r>
+              <a:rPr lang="en-US" sz="2000" dirty="0">
+                <a:latin typeface="Consolas" panose="020B0609020204030204" pitchFamily="49" charset="0"/>
+              </a:rPr>
+              <a:t>fixed attribute (attack, defense, speed, ...)</a:t>
+            </a:r>
+          </a:p>
+          <a:p>
+            <a:pPr marL="742950" lvl="1" indent="-285750">
+              <a:buFont typeface="Arial" panose="020B0604020202020204" pitchFamily="34" charset="0"/>
+              <a:buChar char="•"/>
+            </a:pPr>
+            <a:r>
+              <a:rPr lang="en-GB" sz="2000" dirty="0">
+                <a:latin typeface="Consolas" panose="020B0609020204030204" pitchFamily="49" charset="0"/>
+              </a:rPr>
+              <a:t>variable </a:t>
+            </a:r>
+            <a:r>
+              <a:rPr lang="en-US" sz="2000" dirty="0">
+                <a:latin typeface="Consolas" panose="020B0609020204030204" pitchFamily="49" charset="0"/>
+              </a:rPr>
+              <a:t>attribute (weight, height, level, ...)</a:t>
+            </a:r>
+          </a:p>
+          <a:p>
+            <a:pPr marL="742950" lvl="1" indent="-285750">
+              <a:buFont typeface="Arial" panose="020B0604020202020204" pitchFamily="34" charset="0"/>
+              <a:buChar char="•"/>
+            </a:pPr>
+            <a:endParaRPr lang="en-US" sz="2000" dirty="0">
+              <a:latin typeface="Consolas" panose="020B0609020204030204" pitchFamily="49" charset="0"/>
+            </a:endParaRPr>
+          </a:p>
+          <a:p>
+            <a:pPr marL="285750" indent="-285750">
+              <a:buFont typeface="Arial" panose="020B0604020202020204" pitchFamily="34" charset="0"/>
+              <a:buChar char="•"/>
+            </a:pPr>
+            <a:r>
+              <a:rPr lang="en-GB" sz="2000" b="1" dirty="0">
+                <a:latin typeface="Consolas" panose="020B0609020204030204" pitchFamily="49" charset="0"/>
+              </a:rPr>
+              <a:t>(Latitude, Longitude)</a:t>
+            </a:r>
+            <a:endParaRPr lang="en-GB" sz="2000" dirty="0">
+              <a:latin typeface="Consolas" panose="020B0609020204030204" pitchFamily="49" charset="0"/>
+            </a:endParaRPr>
+          </a:p>
+          <a:p>
+            <a:pPr marL="742950" lvl="1" indent="-285750">
+              <a:buFont typeface="Arial" panose="020B0604020202020204" pitchFamily="34" charset="0"/>
+              <a:buChar char="•"/>
+            </a:pPr>
+            <a:r>
+              <a:rPr lang="en-GB" sz="2000" dirty="0">
+                <a:latin typeface="Consolas" panose="020B0609020204030204" pitchFamily="49" charset="0"/>
+              </a:rPr>
+              <a:t>distance from fixed-position game spot (gym, villain,</a:t>
+            </a:r>
+            <a:r>
+              <a:rPr lang="en-US" sz="2000" dirty="0">
+                <a:latin typeface="Consolas" panose="020B0609020204030204" pitchFamily="49" charset="0"/>
+              </a:rPr>
+              <a:t> ...</a:t>
+            </a:r>
+            <a:r>
+              <a:rPr lang="en-GB" sz="2000" dirty="0">
+                <a:latin typeface="Consolas" panose="020B0609020204030204" pitchFamily="49" charset="0"/>
+              </a:rPr>
+              <a:t>)</a:t>
+            </a:r>
+            <a:endParaRPr lang="en-GB" sz="2000" b="1" dirty="0">
+              <a:latin typeface="Consolas" panose="020B0609020204030204" pitchFamily="49" charset="0"/>
+            </a:endParaRPr>
+          </a:p>
+          <a:p>
+            <a:pPr marL="742950" lvl="1" indent="-285750">
+              <a:buFont typeface="Arial" panose="020B0604020202020204" pitchFamily="34" charset="0"/>
+              <a:buChar char="•"/>
+            </a:pPr>
+            <a:r>
+              <a:rPr lang="en-GB" sz="2000" dirty="0">
+                <a:latin typeface="Consolas" panose="020B0609020204030204" pitchFamily="49" charset="0"/>
+              </a:rPr>
+              <a:t>lakes, rivers, </a:t>
+            </a:r>
+            <a:r>
+              <a:rPr lang="en-US" sz="2000" dirty="0">
+                <a:latin typeface="Consolas" panose="020B0609020204030204" pitchFamily="49" charset="0"/>
+              </a:rPr>
+              <a:t>...</a:t>
+            </a:r>
+            <a:endParaRPr lang="en-GB" sz="2000" dirty="0">
+              <a:latin typeface="Consolas" panose="020B0609020204030204" pitchFamily="49" charset="0"/>
+            </a:endParaRPr>
+          </a:p>
+          <a:p>
+            <a:pPr marL="742950" lvl="1" indent="-285750">
+              <a:buFont typeface="Arial" panose="020B0604020202020204" pitchFamily="34" charset="0"/>
+              <a:buChar char="•"/>
+            </a:pPr>
+            <a:r>
+              <a:rPr lang="en-GB" sz="2000" dirty="0">
+                <a:latin typeface="Consolas" panose="020B0609020204030204" pitchFamily="49" charset="0"/>
+              </a:rPr>
+              <a:t>population density : (urban | suburban | rural)</a:t>
+            </a:r>
+          </a:p>
+          <a:p>
+            <a:pPr lvl="1"/>
+            <a:endParaRPr lang="en-GB" sz="2000" dirty="0">
+              <a:latin typeface="Consolas" panose="020B0609020204030204" pitchFamily="49" charset="0"/>
+            </a:endParaRPr>
+          </a:p>
+          <a:p>
+            <a:pPr marL="285750" indent="-285750">
+              <a:buFont typeface="Arial" panose="020B0604020202020204" pitchFamily="34" charset="0"/>
+              <a:buChar char="•"/>
+            </a:pPr>
+            <a:r>
+              <a:rPr lang="en-GB" sz="2000" b="1" dirty="0">
+                <a:latin typeface="Consolas" panose="020B0609020204030204" pitchFamily="49" charset="0"/>
+              </a:rPr>
+              <a:t>(Date, Time)</a:t>
+            </a:r>
+          </a:p>
+          <a:p>
+            <a:pPr marL="742950" lvl="1" indent="-285750">
+              <a:buFont typeface="Arial" panose="020B0604020202020204" pitchFamily="34" charset="0"/>
+              <a:buChar char="•"/>
+            </a:pPr>
+            <a:r>
+              <a:rPr lang="en-GB" sz="2000" dirty="0">
+                <a:latin typeface="Consolas" panose="020B0609020204030204" pitchFamily="49" charset="0"/>
+              </a:rPr>
+              <a:t>hour : (morning | afternoon | evening | night)</a:t>
+            </a:r>
+          </a:p>
+          <a:p>
+            <a:pPr marL="742950" lvl="1" indent="-285750">
+              <a:buFont typeface="Arial" panose="020B0604020202020204" pitchFamily="34" charset="0"/>
+              <a:buChar char="•"/>
+            </a:pPr>
+            <a:r>
+              <a:rPr lang="en-GB" sz="2000" dirty="0">
+                <a:latin typeface="Consolas" panose="020B0609020204030204" pitchFamily="49" charset="0"/>
+              </a:rPr>
+              <a:t>month : (spring | summer | fall | winter)</a:t>
+            </a:r>
+          </a:p>
+          <a:p>
+            <a:pPr lvl="1"/>
+            <a:endParaRPr lang="en-GB" sz="2000" dirty="0">
+              <a:latin typeface="Consolas" panose="020B0609020204030204" pitchFamily="49" charset="0"/>
+            </a:endParaRPr>
+          </a:p>
+          <a:p>
+            <a:pPr marL="285750" indent="-285750">
+              <a:buFont typeface="Arial" panose="020B0604020202020204" pitchFamily="34" charset="0"/>
+              <a:buChar char="•"/>
+            </a:pPr>
+            <a:r>
+              <a:rPr lang="en-GB" sz="2000" b="1" dirty="0">
+                <a:latin typeface="Consolas" panose="020B0609020204030204" pitchFamily="49" charset="0"/>
+              </a:rPr>
+              <a:t>(Date, Time) + (Latitude, Longitude)</a:t>
+            </a:r>
+          </a:p>
+          <a:p>
+            <a:pPr marL="742950" lvl="1" indent="-285750">
+              <a:buFont typeface="Arial" panose="020B0604020202020204" pitchFamily="34" charset="0"/>
+              <a:buChar char="•"/>
+            </a:pPr>
+            <a:r>
+              <a:rPr lang="en-GB" sz="2000" dirty="0">
+                <a:latin typeface="Consolas" panose="020B0609020204030204" pitchFamily="49" charset="0"/>
+              </a:rPr>
+              <a:t>wind speed</a:t>
+            </a:r>
+          </a:p>
+          <a:p>
+            <a:pPr marL="742950" lvl="1" indent="-285750">
+              <a:buFont typeface="Arial" panose="020B0604020202020204" pitchFamily="34" charset="0"/>
+              <a:buChar char="•"/>
+            </a:pPr>
+            <a:r>
+              <a:rPr lang="en-GB" sz="2000" dirty="0">
+                <a:latin typeface="Consolas" panose="020B0609020204030204" pitchFamily="49" charset="0"/>
+              </a:rPr>
+              <a:t>pressure</a:t>
+            </a:r>
+          </a:p>
+          <a:p>
+            <a:pPr marL="742950" lvl="1" indent="-285750">
+              <a:buFont typeface="Arial" panose="020B0604020202020204" pitchFamily="34" charset="0"/>
+              <a:buChar char="•"/>
+            </a:pPr>
+            <a:r>
+              <a:rPr lang="en-GB" sz="2000" dirty="0">
+                <a:latin typeface="Consolas" panose="020B0609020204030204" pitchFamily="49" charset="0"/>
+              </a:rPr>
+              <a:t>clouds, fog</a:t>
+            </a:r>
+          </a:p>
+          <a:p>
+            <a:pPr marL="742950" lvl="1" indent="-285750">
+              <a:buFont typeface="Arial" panose="020B0604020202020204" pitchFamily="34" charset="0"/>
+              <a:buChar char="•"/>
+            </a:pPr>
+            <a:r>
+              <a:rPr lang="en-GB" sz="2000" dirty="0">
+                <a:latin typeface="Consolas" panose="020B0609020204030204" pitchFamily="49" charset="0"/>
+              </a:rPr>
+              <a:t>rain</a:t>
+            </a:r>
+          </a:p>
+          <a:p>
+            <a:pPr marL="742950" lvl="1" indent="-285750">
+              <a:buFont typeface="Arial" panose="020B0604020202020204" pitchFamily="34" charset="0"/>
+              <a:buChar char="•"/>
+            </a:pPr>
+            <a:r>
+              <a:rPr lang="en-US" sz="2000" dirty="0">
+                <a:latin typeface="Consolas" panose="020B0609020204030204" pitchFamily="49" charset="0"/>
+              </a:rPr>
+              <a:t>sunset, sunrise</a:t>
+            </a:r>
+          </a:p>
+        </p:txBody>
+      </p:sp>
+    </p:spTree>
+    <p:extLst>
+      <p:ext uri="{BB962C8B-B14F-4D97-AF65-F5344CB8AC3E}">
+        <p14:creationId xmlns:p14="http://schemas.microsoft.com/office/powerpoint/2010/main" val="2735075858"/>
+      </p:ext>
+    </p:extLst>
+  </p:cSld>
+  <p:clrMapOvr>
+    <a:masterClrMapping/>
+  </p:clrMapOvr>
+</p:sld>
+</file>
+
+<file path=ppt/slides/slide4.xml><?xml version="1.0" encoding="utf-8"?>
+<p:sld xmlns:a="http://schemas.openxmlformats.org/drawingml/2006/main" xmlns:r="http://schemas.openxmlformats.org/officeDocument/2006/relationships" xmlns:p="http://schemas.openxmlformats.org/presentationml/2006/main">
+  <p:cSld>
+    <p:spTree>
+      <p:nvGrpSpPr>
+        <p:cNvPr id="1" name=""/>
+        <p:cNvGrpSpPr/>
+        <p:nvPr/>
+      </p:nvGrpSpPr>
+      <p:grpSpPr>
+        <a:xfrm>
+          <a:off x="0" y="0"/>
+          <a:ext cx="0" cy="0"/>
+          <a:chOff x="0" y="0"/>
+          <a:chExt cx="0" cy="0"/>
+        </a:xfrm>
+      </p:grpSpPr>
+      <p:sp>
+        <p:nvSpPr>
+          <p:cNvPr id="3" name="Title 1">
+            <a:extLst>
+              <a:ext uri="{FF2B5EF4-FFF2-40B4-BE49-F238E27FC236}">
+                <a16:creationId xmlns:a16="http://schemas.microsoft.com/office/drawing/2014/main" id="{CBC71E42-536D-4624-AC70-B5B66085E968}"/>
+              </a:ext>
+            </a:extLst>
+          </p:cNvPr>
+          <p:cNvSpPr txBox="1">
+            <a:spLocks/>
+          </p:cNvSpPr>
+          <p:nvPr/>
+        </p:nvSpPr>
+        <p:spPr>
+          <a:xfrm>
+            <a:off x="3122645" y="5594468"/>
+            <a:ext cx="8111454" cy="730501"/>
+          </a:xfrm>
+          <a:prstGeom prst="rect">
+            <a:avLst/>
+          </a:prstGeom>
+        </p:spPr>
+        <p:txBody>
+          <a:bodyPr/>
+          <a:lstStyle>
+            <a:lvl1pPr algn="l" defTabSz="914400" rtl="0" eaLnBrk="1" latinLnBrk="0" hangingPunct="1">
+              <a:lnSpc>
+                <a:spcPct val="90000"/>
+              </a:lnSpc>
+              <a:spcBef>
+                <a:spcPct val="0"/>
+              </a:spcBef>
+              <a:buNone/>
+              <a:defRPr sz="4400" kern="1200">
+                <a:solidFill>
+                  <a:schemeClr val="tx1"/>
+                </a:solidFill>
+                <a:latin typeface="+mj-lt"/>
+                <a:ea typeface="+mj-ea"/>
+                <a:cs typeface="+mj-cs"/>
+              </a:defRPr>
+            </a:lvl1pPr>
+          </a:lstStyle>
+          <a:p>
+            <a:pPr algn="r"/>
+            <a:r>
+              <a:rPr lang="en-US" sz="6000" dirty="0" err="1"/>
+              <a:t>dimens-reduct</a:t>
+            </a:r>
+            <a:r>
+              <a:rPr lang="en-US" sz="6000" dirty="0"/>
+              <a:t> &lt;</a:t>
+            </a:r>
+            <a:endParaRPr lang="en-GB" sz="6000" dirty="0"/>
+          </a:p>
+        </p:txBody>
+      </p:sp>
+      <p:sp>
+        <p:nvSpPr>
+          <p:cNvPr id="6" name="TextBox 5">
+            <a:extLst>
+              <a:ext uri="{FF2B5EF4-FFF2-40B4-BE49-F238E27FC236}">
+                <a16:creationId xmlns:a16="http://schemas.microsoft.com/office/drawing/2014/main" id="{4662D79A-7992-4C64-AAC6-B11F61127486}"/>
+              </a:ext>
+            </a:extLst>
+          </p:cNvPr>
+          <p:cNvSpPr txBox="1"/>
+          <p:nvPr/>
+        </p:nvSpPr>
+        <p:spPr>
+          <a:xfrm>
+            <a:off x="4760241" y="138896"/>
+            <a:ext cx="2671517" cy="523220"/>
+          </a:xfrm>
+          <a:prstGeom prst="rect">
+            <a:avLst/>
+          </a:prstGeom>
+          <a:noFill/>
+        </p:spPr>
+        <p:txBody>
+          <a:bodyPr wrap="square" rtlCol="0">
+            <a:spAutoFit/>
+          </a:bodyPr>
+          <a:lstStyle/>
+          <a:p>
+            <a:pPr algn="ctr"/>
+            <a:r>
+              <a:rPr lang="en-US" sz="2800" b="1" dirty="0"/>
+              <a:t>151</a:t>
+            </a:r>
+            <a:r>
+              <a:rPr lang="en-US" sz="2800" dirty="0"/>
+              <a:t> Pokémon</a:t>
+            </a:r>
+            <a:endParaRPr lang="en-GB" sz="2800" dirty="0"/>
+          </a:p>
+        </p:txBody>
+      </p:sp>
+      <p:sp>
+        <p:nvSpPr>
+          <p:cNvPr id="7" name="TextBox 6">
+            <a:extLst>
+              <a:ext uri="{FF2B5EF4-FFF2-40B4-BE49-F238E27FC236}">
+                <a16:creationId xmlns:a16="http://schemas.microsoft.com/office/drawing/2014/main" id="{6B938EC4-AA26-4D9D-A7CB-F6D55003175D}"/>
+              </a:ext>
+            </a:extLst>
+          </p:cNvPr>
+          <p:cNvSpPr txBox="1"/>
+          <p:nvPr/>
+        </p:nvSpPr>
+        <p:spPr>
+          <a:xfrm>
+            <a:off x="2458891" y="1108969"/>
+            <a:ext cx="7269096" cy="523220"/>
+          </a:xfrm>
+          <a:prstGeom prst="rect">
+            <a:avLst/>
+          </a:prstGeom>
+          <a:noFill/>
+        </p:spPr>
+        <p:txBody>
+          <a:bodyPr wrap="square" rtlCol="0">
+            <a:spAutoFit/>
+          </a:bodyPr>
+          <a:lstStyle/>
+          <a:p>
+            <a:pPr algn="ctr"/>
+            <a:r>
+              <a:rPr lang="en-US" sz="2800" b="1" dirty="0"/>
+              <a:t>26</a:t>
+            </a:r>
+            <a:r>
+              <a:rPr lang="en-US" sz="2800" dirty="0"/>
+              <a:t> observable features (18 binary + 8 numeric)</a:t>
+            </a:r>
+            <a:endParaRPr lang="en-GB" sz="2800" dirty="0"/>
+          </a:p>
+        </p:txBody>
+      </p:sp>
+      <p:sp>
+        <p:nvSpPr>
+          <p:cNvPr id="8" name="TextBox 7">
+            <a:extLst>
+              <a:ext uri="{FF2B5EF4-FFF2-40B4-BE49-F238E27FC236}">
+                <a16:creationId xmlns:a16="http://schemas.microsoft.com/office/drawing/2014/main" id="{03E2A72E-2CC2-450F-8926-5677C94C17FD}"/>
+              </a:ext>
+            </a:extLst>
+          </p:cNvPr>
+          <p:cNvSpPr txBox="1"/>
+          <p:nvPr/>
+        </p:nvSpPr>
+        <p:spPr>
+          <a:xfrm>
+            <a:off x="4426575" y="2905780"/>
+            <a:ext cx="3338849" cy="523220"/>
+          </a:xfrm>
+          <a:prstGeom prst="rect">
+            <a:avLst/>
+          </a:prstGeom>
+          <a:noFill/>
+        </p:spPr>
+        <p:txBody>
+          <a:bodyPr wrap="square" rtlCol="0">
+            <a:spAutoFit/>
+          </a:bodyPr>
+          <a:lstStyle/>
+          <a:p>
+            <a:pPr algn="ctr"/>
+            <a:r>
+              <a:rPr lang="en-US" sz="2800" b="1" dirty="0"/>
+              <a:t>2 </a:t>
+            </a:r>
+            <a:r>
+              <a:rPr lang="en-US" sz="2800" dirty="0"/>
+              <a:t>or</a:t>
+            </a:r>
+            <a:r>
+              <a:rPr lang="en-US" sz="2800" b="1" dirty="0"/>
+              <a:t> 3</a:t>
+            </a:r>
+            <a:r>
+              <a:rPr lang="en-US" sz="2800" dirty="0"/>
+              <a:t> dimensions</a:t>
+            </a:r>
+            <a:endParaRPr lang="en-GB" sz="2800" dirty="0"/>
+          </a:p>
+        </p:txBody>
+      </p:sp>
+      <p:sp>
+        <p:nvSpPr>
+          <p:cNvPr id="9" name="TextBox 8">
+            <a:extLst>
+              <a:ext uri="{FF2B5EF4-FFF2-40B4-BE49-F238E27FC236}">
+                <a16:creationId xmlns:a16="http://schemas.microsoft.com/office/drawing/2014/main" id="{F0692461-AD2F-4A3A-B078-A35EA449DB15}"/>
+              </a:ext>
+            </a:extLst>
+          </p:cNvPr>
+          <p:cNvSpPr txBox="1"/>
+          <p:nvPr/>
+        </p:nvSpPr>
+        <p:spPr>
+          <a:xfrm>
+            <a:off x="4914802" y="3813711"/>
+            <a:ext cx="2362393" cy="523220"/>
+          </a:xfrm>
+          <a:prstGeom prst="rect">
+            <a:avLst/>
+          </a:prstGeom>
+          <a:noFill/>
+        </p:spPr>
+        <p:txBody>
+          <a:bodyPr wrap="square" rtlCol="0">
+            <a:spAutoFit/>
+          </a:bodyPr>
+          <a:lstStyle/>
+          <a:p>
+            <a:pPr algn="ctr"/>
+            <a:r>
+              <a:rPr lang="en-US" sz="2800" b="1" i="1" dirty="0"/>
+              <a:t>clustering</a:t>
+            </a:r>
+            <a:endParaRPr lang="en-GB" sz="2800" b="1" i="1" dirty="0"/>
+          </a:p>
+        </p:txBody>
+      </p:sp>
+      <p:sp>
+        <p:nvSpPr>
+          <p:cNvPr id="10" name="TextBox 9">
+            <a:extLst>
+              <a:ext uri="{FF2B5EF4-FFF2-40B4-BE49-F238E27FC236}">
+                <a16:creationId xmlns:a16="http://schemas.microsoft.com/office/drawing/2014/main" id="{04C4AECA-052A-433C-B19C-54BA6FB60C60}"/>
+              </a:ext>
+            </a:extLst>
+          </p:cNvPr>
+          <p:cNvSpPr txBox="1"/>
+          <p:nvPr/>
+        </p:nvSpPr>
+        <p:spPr>
+          <a:xfrm>
+            <a:off x="3235311" y="4686537"/>
+            <a:ext cx="5721378" cy="523220"/>
+          </a:xfrm>
+          <a:prstGeom prst="rect">
+            <a:avLst/>
+          </a:prstGeom>
+          <a:noFill/>
+        </p:spPr>
+        <p:txBody>
+          <a:bodyPr wrap="square" rtlCol="0">
+            <a:spAutoFit/>
+          </a:bodyPr>
+          <a:lstStyle/>
+          <a:p>
+            <a:pPr algn="ctr"/>
+            <a:r>
+              <a:rPr lang="en-US" sz="2800" b="1" dirty="0"/>
+              <a:t>5</a:t>
+            </a:r>
+            <a:r>
+              <a:rPr lang="en-US" sz="2800" dirty="0"/>
+              <a:t> or </a:t>
+            </a:r>
+            <a:r>
+              <a:rPr lang="en-US" sz="2800" b="1" dirty="0"/>
+              <a:t>6</a:t>
+            </a:r>
+            <a:r>
+              <a:rPr lang="en-US" sz="2800" dirty="0"/>
+              <a:t> group of Pokémon</a:t>
+            </a:r>
+            <a:endParaRPr lang="en-GB" sz="2800" dirty="0"/>
+          </a:p>
+        </p:txBody>
+      </p:sp>
+      <p:sp>
+        <p:nvSpPr>
+          <p:cNvPr id="12" name="TextBox 11">
+            <a:extLst>
+              <a:ext uri="{FF2B5EF4-FFF2-40B4-BE49-F238E27FC236}">
+                <a16:creationId xmlns:a16="http://schemas.microsoft.com/office/drawing/2014/main" id="{9D8063F0-54EB-45BF-8037-A93CA60025CC}"/>
+              </a:ext>
+            </a:extLst>
+          </p:cNvPr>
+          <p:cNvSpPr txBox="1"/>
+          <p:nvPr/>
+        </p:nvSpPr>
+        <p:spPr>
+          <a:xfrm>
+            <a:off x="3520124" y="2052105"/>
+            <a:ext cx="5151746" cy="523220"/>
+          </a:xfrm>
+          <a:prstGeom prst="rect">
+            <a:avLst/>
+          </a:prstGeom>
+          <a:noFill/>
+        </p:spPr>
+        <p:txBody>
+          <a:bodyPr wrap="square" rtlCol="0">
+            <a:spAutoFit/>
+          </a:bodyPr>
+          <a:lstStyle/>
+          <a:p>
+            <a:pPr algn="ctr"/>
+            <a:r>
+              <a:rPr lang="en-US" sz="2800" b="1" i="1" dirty="0"/>
+              <a:t>principal component analysis </a:t>
+            </a:r>
+            <a:endParaRPr lang="en-GB" sz="2800" i="1" dirty="0"/>
+          </a:p>
+        </p:txBody>
+      </p:sp>
+      <p:cxnSp>
+        <p:nvCxnSpPr>
+          <p:cNvPr id="14" name="Straight Arrow Connector 13">
+            <a:extLst>
+              <a:ext uri="{FF2B5EF4-FFF2-40B4-BE49-F238E27FC236}">
+                <a16:creationId xmlns:a16="http://schemas.microsoft.com/office/drawing/2014/main" id="{A4B682D1-9D88-4974-94D6-0BDD6B57D76C}"/>
+              </a:ext>
+            </a:extLst>
+          </p:cNvPr>
+          <p:cNvCxnSpPr>
+            <a:cxnSpLocks/>
+            <a:stCxn id="6" idx="2"/>
+            <a:endCxn id="7" idx="0"/>
+          </p:cNvCxnSpPr>
+          <p:nvPr/>
+        </p:nvCxnSpPr>
+        <p:spPr>
+          <a:xfrm flipH="1">
+            <a:off x="6093439" y="662116"/>
+            <a:ext cx="2561" cy="446853"/>
+          </a:xfrm>
+          <a:prstGeom prst="straightConnector1">
+            <a:avLst/>
+          </a:prstGeom>
+          <a:ln w="38100" cap="flat" cmpd="sng" algn="ctr">
+            <a:solidFill>
+              <a:schemeClr val="dk1"/>
+            </a:solidFill>
+            <a:prstDash val="solid"/>
+            <a:round/>
+            <a:headEnd type="none" w="med" len="med"/>
+            <a:tailEnd type="arrow" w="med" len="med"/>
+          </a:ln>
+        </p:spPr>
+        <p:style>
+          <a:lnRef idx="0">
+            <a:scrgbClr r="0" g="0" b="0"/>
+          </a:lnRef>
+          <a:fillRef idx="0">
+            <a:scrgbClr r="0" g="0" b="0"/>
+          </a:fillRef>
+          <a:effectRef idx="0">
+            <a:scrgbClr r="0" g="0" b="0"/>
+          </a:effectRef>
+          <a:fontRef idx="minor">
+            <a:schemeClr val="tx1"/>
+          </a:fontRef>
+        </p:style>
+      </p:cxnSp>
+      <p:cxnSp>
+        <p:nvCxnSpPr>
+          <p:cNvPr id="16" name="Straight Arrow Connector 15">
+            <a:extLst>
+              <a:ext uri="{FF2B5EF4-FFF2-40B4-BE49-F238E27FC236}">
+                <a16:creationId xmlns:a16="http://schemas.microsoft.com/office/drawing/2014/main" id="{911FFFF8-E538-4AB3-B545-6BAB411C745C}"/>
+              </a:ext>
+            </a:extLst>
+          </p:cNvPr>
+          <p:cNvCxnSpPr>
+            <a:cxnSpLocks/>
+            <a:stCxn id="7" idx="2"/>
+            <a:endCxn id="12" idx="0"/>
+          </p:cNvCxnSpPr>
+          <p:nvPr/>
+        </p:nvCxnSpPr>
+        <p:spPr>
+          <a:xfrm>
+            <a:off x="6093439" y="1632189"/>
+            <a:ext cx="2558" cy="419916"/>
+          </a:xfrm>
+          <a:prstGeom prst="straightConnector1">
+            <a:avLst/>
+          </a:prstGeom>
+          <a:ln w="38100" cap="flat" cmpd="sng" algn="ctr">
+            <a:solidFill>
+              <a:schemeClr val="dk1"/>
+            </a:solidFill>
+            <a:prstDash val="solid"/>
+            <a:round/>
+            <a:headEnd type="none" w="med" len="med"/>
+            <a:tailEnd type="arrow" w="med" len="med"/>
+          </a:ln>
+        </p:spPr>
+        <p:style>
+          <a:lnRef idx="0">
+            <a:scrgbClr r="0" g="0" b="0"/>
+          </a:lnRef>
+          <a:fillRef idx="0">
+            <a:scrgbClr r="0" g="0" b="0"/>
+          </a:fillRef>
+          <a:effectRef idx="0">
+            <a:scrgbClr r="0" g="0" b="0"/>
+          </a:effectRef>
+          <a:fontRef idx="minor">
+            <a:schemeClr val="tx1"/>
+          </a:fontRef>
+        </p:style>
+      </p:cxnSp>
+      <p:cxnSp>
+        <p:nvCxnSpPr>
+          <p:cNvPr id="20" name="Straight Arrow Connector 19">
+            <a:extLst>
+              <a:ext uri="{FF2B5EF4-FFF2-40B4-BE49-F238E27FC236}">
+                <a16:creationId xmlns:a16="http://schemas.microsoft.com/office/drawing/2014/main" id="{ADD4C587-1A76-4307-8D56-D8544B69D08D}"/>
+              </a:ext>
+            </a:extLst>
+          </p:cNvPr>
+          <p:cNvCxnSpPr>
+            <a:cxnSpLocks/>
+            <a:stCxn id="12" idx="2"/>
+            <a:endCxn id="8" idx="0"/>
+          </p:cNvCxnSpPr>
+          <p:nvPr/>
+        </p:nvCxnSpPr>
+        <p:spPr>
+          <a:xfrm>
+            <a:off x="6095997" y="2575325"/>
+            <a:ext cx="3" cy="330455"/>
+          </a:xfrm>
+          <a:prstGeom prst="straightConnector1">
+            <a:avLst/>
+          </a:prstGeom>
+          <a:ln w="38100" cap="flat" cmpd="sng" algn="ctr">
+            <a:solidFill>
+              <a:schemeClr val="dk1"/>
+            </a:solidFill>
+            <a:prstDash val="solid"/>
+            <a:round/>
+            <a:headEnd type="none" w="med" len="med"/>
+            <a:tailEnd type="arrow" w="med" len="med"/>
+          </a:ln>
+        </p:spPr>
+        <p:style>
+          <a:lnRef idx="0">
+            <a:scrgbClr r="0" g="0" b="0"/>
+          </a:lnRef>
+          <a:fillRef idx="0">
+            <a:scrgbClr r="0" g="0" b="0"/>
+          </a:fillRef>
+          <a:effectRef idx="0">
+            <a:scrgbClr r="0" g="0" b="0"/>
+          </a:effectRef>
+          <a:fontRef idx="minor">
+            <a:schemeClr val="tx1"/>
+          </a:fontRef>
+        </p:style>
+      </p:cxnSp>
+      <p:cxnSp>
+        <p:nvCxnSpPr>
+          <p:cNvPr id="27" name="Straight Arrow Connector 26">
+            <a:extLst>
+              <a:ext uri="{FF2B5EF4-FFF2-40B4-BE49-F238E27FC236}">
+                <a16:creationId xmlns:a16="http://schemas.microsoft.com/office/drawing/2014/main" id="{C5C4874E-4BAE-440B-8D54-47DE21EECFCF}"/>
+              </a:ext>
+            </a:extLst>
+          </p:cNvPr>
+          <p:cNvCxnSpPr>
+            <a:cxnSpLocks/>
+            <a:stCxn id="8" idx="2"/>
+            <a:endCxn id="9" idx="0"/>
+          </p:cNvCxnSpPr>
+          <p:nvPr/>
+        </p:nvCxnSpPr>
+        <p:spPr>
+          <a:xfrm flipH="1">
+            <a:off x="6095999" y="3429000"/>
+            <a:ext cx="1" cy="384711"/>
+          </a:xfrm>
+          <a:prstGeom prst="straightConnector1">
+            <a:avLst/>
+          </a:prstGeom>
+          <a:ln w="38100" cap="flat" cmpd="sng" algn="ctr">
+            <a:solidFill>
+              <a:schemeClr val="dk1"/>
+            </a:solidFill>
+            <a:prstDash val="solid"/>
+            <a:round/>
+            <a:headEnd type="none" w="med" len="med"/>
+            <a:tailEnd type="arrow" w="med" len="med"/>
+          </a:ln>
+        </p:spPr>
+        <p:style>
+          <a:lnRef idx="0">
+            <a:scrgbClr r="0" g="0" b="0"/>
+          </a:lnRef>
+          <a:fillRef idx="0">
+            <a:scrgbClr r="0" g="0" b="0"/>
+          </a:fillRef>
+          <a:effectRef idx="0">
+            <a:scrgbClr r="0" g="0" b="0"/>
+          </a:effectRef>
+          <a:fontRef idx="minor">
+            <a:schemeClr val="tx1"/>
+          </a:fontRef>
+        </p:style>
+      </p:cxnSp>
+      <p:cxnSp>
+        <p:nvCxnSpPr>
+          <p:cNvPr id="31" name="Straight Arrow Connector 30">
+            <a:extLst>
+              <a:ext uri="{FF2B5EF4-FFF2-40B4-BE49-F238E27FC236}">
+                <a16:creationId xmlns:a16="http://schemas.microsoft.com/office/drawing/2014/main" id="{79596946-3680-4245-8453-39B8EFA2EAC5}"/>
+              </a:ext>
+            </a:extLst>
+          </p:cNvPr>
+          <p:cNvCxnSpPr>
+            <a:cxnSpLocks/>
+            <a:stCxn id="9" idx="2"/>
+            <a:endCxn id="10" idx="0"/>
+          </p:cNvCxnSpPr>
+          <p:nvPr/>
+        </p:nvCxnSpPr>
+        <p:spPr>
+          <a:xfrm>
+            <a:off x="6095999" y="4336931"/>
+            <a:ext cx="1" cy="349606"/>
+          </a:xfrm>
+          <a:prstGeom prst="straightConnector1">
+            <a:avLst/>
+          </a:prstGeom>
+          <a:ln w="38100" cap="flat" cmpd="sng" algn="ctr">
+            <a:solidFill>
+              <a:schemeClr val="dk1"/>
+            </a:solidFill>
+            <a:prstDash val="solid"/>
+            <a:round/>
+            <a:headEnd type="none" w="med" len="med"/>
+            <a:tailEnd type="arrow" w="med" len="med"/>
+          </a:ln>
+        </p:spPr>
+        <p:style>
+          <a:lnRef idx="0">
+            <a:scrgbClr r="0" g="0" b="0"/>
+          </a:lnRef>
+          <a:fillRef idx="0">
+            <a:scrgbClr r="0" g="0" b="0"/>
+          </a:fillRef>
+          <a:effectRef idx="0">
+            <a:scrgbClr r="0" g="0" b="0"/>
+          </a:effectRef>
+          <a:fontRef idx="minor">
+            <a:schemeClr val="tx1"/>
+          </a:fontRef>
+        </p:style>
+      </p:cxnSp>
+    </p:spTree>
+    <p:extLst>
+      <p:ext uri="{BB962C8B-B14F-4D97-AF65-F5344CB8AC3E}">
+        <p14:creationId xmlns:p14="http://schemas.microsoft.com/office/powerpoint/2010/main" val="3130351343"/>
+      </p:ext>
+    </p:extLst>
+  </p:cSld>
+  <p:clrMapOvr>
+    <a:masterClrMapping/>
+  </p:clrMapOvr>
+</p:sld>
+</file>
+
+<file path=ppt/slides/slide5.xml><?xml version="1.0" encoding="utf-8"?>
+<p:sld xmlns:a="http://schemas.openxmlformats.org/drawingml/2006/main" xmlns:r="http://schemas.openxmlformats.org/officeDocument/2006/relationships" xmlns:p="http://schemas.openxmlformats.org/presentationml/2006/main">
+  <p:cSld>
+    <p:spTree>
+      <p:nvGrpSpPr>
+        <p:cNvPr id="1" name=""/>
+        <p:cNvGrpSpPr/>
+        <p:nvPr/>
+      </p:nvGrpSpPr>
+      <p:grpSpPr>
+        <a:xfrm>
+          <a:off x="0" y="0"/>
+          <a:ext cx="0" cy="0"/>
+          <a:chOff x="0" y="0"/>
+          <a:chExt cx="0" cy="0"/>
+        </a:xfrm>
+      </p:grpSpPr>
+      <p:pic>
+        <p:nvPicPr>
+          <p:cNvPr id="3" name="Picture 2">
+            <a:extLst>
+              <a:ext uri="{FF2B5EF4-FFF2-40B4-BE49-F238E27FC236}">
+                <a16:creationId xmlns:a16="http://schemas.microsoft.com/office/drawing/2014/main" id="{E9D15EAC-2F81-4DF6-A660-4931BFECA2D9}"/>
+              </a:ext>
+            </a:extLst>
+          </p:cNvPr>
+          <p:cNvPicPr>
+            <a:picLocks noChangeAspect="1"/>
+          </p:cNvPicPr>
+          <p:nvPr/>
+        </p:nvPicPr>
+        <p:blipFill>
+          <a:blip r:embed="rId3"/>
+          <a:stretch>
+            <a:fillRect/>
+          </a:stretch>
+        </p:blipFill>
+        <p:spPr>
+          <a:xfrm>
+            <a:off x="1444590" y="533031"/>
+            <a:ext cx="7342631" cy="4991789"/>
+          </a:xfrm>
+          <a:prstGeom prst="rect">
+            <a:avLst/>
+          </a:prstGeom>
+        </p:spPr>
+      </p:pic>
+      <p:sp>
+        <p:nvSpPr>
+          <p:cNvPr id="5" name="Title 1">
+            <a:extLst>
+              <a:ext uri="{FF2B5EF4-FFF2-40B4-BE49-F238E27FC236}">
+                <a16:creationId xmlns:a16="http://schemas.microsoft.com/office/drawing/2014/main" id="{6D72213C-7CF2-4608-AE0C-9EB58ED5A79F}"/>
+              </a:ext>
+            </a:extLst>
+          </p:cNvPr>
+          <p:cNvSpPr txBox="1">
+            <a:spLocks/>
+          </p:cNvSpPr>
+          <p:nvPr/>
+        </p:nvSpPr>
+        <p:spPr>
+          <a:xfrm>
+            <a:off x="5442857" y="5594468"/>
+            <a:ext cx="5791242" cy="730501"/>
+          </a:xfrm>
+          <a:prstGeom prst="rect">
+            <a:avLst/>
+          </a:prstGeom>
+        </p:spPr>
+        <p:txBody>
+          <a:bodyPr/>
+          <a:lstStyle>
+            <a:lvl1pPr algn="l" defTabSz="914400" rtl="0" eaLnBrk="1" latinLnBrk="0" hangingPunct="1">
+              <a:lnSpc>
+                <a:spcPct val="90000"/>
+              </a:lnSpc>
+              <a:spcBef>
+                <a:spcPct val="0"/>
+              </a:spcBef>
+              <a:buNone/>
+              <a:defRPr sz="4400" kern="1200">
+                <a:solidFill>
+                  <a:schemeClr val="tx1"/>
+                </a:solidFill>
+                <a:latin typeface="+mj-lt"/>
+                <a:ea typeface="+mj-ea"/>
+                <a:cs typeface="+mj-cs"/>
+              </a:defRPr>
+            </a:lvl1pPr>
+          </a:lstStyle>
+          <a:p>
+            <a:pPr algn="r"/>
+            <a:r>
+              <a:rPr lang="en-US" sz="6000" dirty="0" err="1"/>
+              <a:t>princ</a:t>
+            </a:r>
+            <a:r>
+              <a:rPr lang="en-US" sz="6000" dirty="0"/>
+              <a:t>-comp &lt;</a:t>
+            </a:r>
+            <a:endParaRPr lang="en-GB" sz="6000" dirty="0"/>
+          </a:p>
+        </p:txBody>
+      </p:sp>
+    </p:spTree>
+    <p:extLst>
+      <p:ext uri="{BB962C8B-B14F-4D97-AF65-F5344CB8AC3E}">
+        <p14:creationId xmlns:p14="http://schemas.microsoft.com/office/powerpoint/2010/main" val="1587184479"/>
+      </p:ext>
+    </p:extLst>
+  </p:cSld>
+  <p:clrMapOvr>
+    <a:masterClrMapping/>
+  </p:clrMapOvr>
+</p:sld>
+</file>
+
+<file path=ppt/slides/slide6.xml><?xml version="1.0" encoding="utf-8"?>
+<p:sld xmlns:a="http://schemas.openxmlformats.org/drawingml/2006/main" xmlns:r="http://schemas.openxmlformats.org/officeDocument/2006/relationships" xmlns:p="http://schemas.openxmlformats.org/presentationml/2006/main">
+  <p:cSld>
+    <p:spTree>
+      <p:nvGrpSpPr>
+        <p:cNvPr id="1" name=""/>
+        <p:cNvGrpSpPr/>
+        <p:nvPr/>
+      </p:nvGrpSpPr>
+      <p:grpSpPr>
+        <a:xfrm>
+          <a:off x="0" y="0"/>
+          <a:ext cx="0" cy="0"/>
+          <a:chOff x="0" y="0"/>
+          <a:chExt cx="0" cy="0"/>
+        </a:xfrm>
+      </p:grpSpPr>
+      <p:sp>
+        <p:nvSpPr>
+          <p:cNvPr id="3" name="Title 1">
+            <a:extLst>
+              <a:ext uri="{FF2B5EF4-FFF2-40B4-BE49-F238E27FC236}">
+                <a16:creationId xmlns:a16="http://schemas.microsoft.com/office/drawing/2014/main" id="{EF9B5A2E-DCF7-497B-A411-FD55436ECF07}"/>
+              </a:ext>
+            </a:extLst>
+          </p:cNvPr>
+          <p:cNvSpPr txBox="1">
+            <a:spLocks/>
+          </p:cNvSpPr>
+          <p:nvPr/>
+        </p:nvSpPr>
+        <p:spPr>
+          <a:xfrm>
+            <a:off x="8004629" y="5594468"/>
+            <a:ext cx="3229470" cy="730501"/>
+          </a:xfrm>
+          <a:prstGeom prst="rect">
+            <a:avLst/>
+          </a:prstGeom>
+        </p:spPr>
+        <p:txBody>
+          <a:bodyPr/>
+          <a:lstStyle>
+            <a:lvl1pPr algn="l" defTabSz="914400" rtl="0" eaLnBrk="1" latinLnBrk="0" hangingPunct="1">
+              <a:lnSpc>
+                <a:spcPct val="90000"/>
+              </a:lnSpc>
+              <a:spcBef>
+                <a:spcPct val="0"/>
+              </a:spcBef>
+              <a:buNone/>
+              <a:defRPr sz="4400" kern="1200">
+                <a:solidFill>
+                  <a:schemeClr val="tx1"/>
+                </a:solidFill>
+                <a:latin typeface="+mj-lt"/>
+                <a:ea typeface="+mj-ea"/>
+                <a:cs typeface="+mj-cs"/>
+              </a:defRPr>
+            </a:lvl1pPr>
+          </a:lstStyle>
+          <a:p>
+            <a:pPr algn="r"/>
+            <a:r>
+              <a:rPr lang="en-US" sz="6000" dirty="0" err="1"/>
+              <a:t>db</a:t>
+            </a:r>
+            <a:r>
+              <a:rPr lang="en-US" sz="6000" dirty="0"/>
+              <a:t>-scan &lt;</a:t>
+            </a:r>
+            <a:endParaRPr lang="en-GB" sz="6000" dirty="0"/>
+          </a:p>
+        </p:txBody>
+      </p:sp>
+      <p:pic>
+        <p:nvPicPr>
+          <p:cNvPr id="5" name="Picture 4">
+            <a:extLst>
+              <a:ext uri="{FF2B5EF4-FFF2-40B4-BE49-F238E27FC236}">
+                <a16:creationId xmlns:a16="http://schemas.microsoft.com/office/drawing/2014/main" id="{D1D2F85B-170E-4F67-B756-9E72822B5729}"/>
+              </a:ext>
+            </a:extLst>
+          </p:cNvPr>
+          <p:cNvPicPr>
+            <a:picLocks noChangeAspect="1"/>
+          </p:cNvPicPr>
+          <p:nvPr/>
+        </p:nvPicPr>
+        <p:blipFill>
+          <a:blip r:embed="rId2"/>
+          <a:stretch>
+            <a:fillRect/>
+          </a:stretch>
+        </p:blipFill>
+        <p:spPr>
+          <a:xfrm>
+            <a:off x="93392" y="854485"/>
+            <a:ext cx="3514617" cy="3463516"/>
+          </a:xfrm>
+          <a:prstGeom prst="rect">
+            <a:avLst/>
+          </a:prstGeom>
+        </p:spPr>
+      </p:pic>
+      <p:pic>
+        <p:nvPicPr>
+          <p:cNvPr id="7" name="Picture 6">
+            <a:extLst>
+              <a:ext uri="{FF2B5EF4-FFF2-40B4-BE49-F238E27FC236}">
+                <a16:creationId xmlns:a16="http://schemas.microsoft.com/office/drawing/2014/main" id="{77966C29-C8B2-450D-B19C-4814E20D8944}"/>
+              </a:ext>
+            </a:extLst>
+          </p:cNvPr>
+          <p:cNvPicPr>
+            <a:picLocks noChangeAspect="1"/>
+          </p:cNvPicPr>
+          <p:nvPr/>
+        </p:nvPicPr>
+        <p:blipFill>
+          <a:blip r:embed="rId3"/>
+          <a:stretch>
+            <a:fillRect/>
+          </a:stretch>
+        </p:blipFill>
+        <p:spPr>
+          <a:xfrm>
+            <a:off x="4128705" y="854485"/>
+            <a:ext cx="3555417" cy="3463516"/>
+          </a:xfrm>
+          <a:prstGeom prst="rect">
+            <a:avLst/>
+          </a:prstGeom>
+        </p:spPr>
+      </p:pic>
+      <p:pic>
+        <p:nvPicPr>
+          <p:cNvPr id="9" name="Picture 8">
+            <a:extLst>
+              <a:ext uri="{FF2B5EF4-FFF2-40B4-BE49-F238E27FC236}">
+                <a16:creationId xmlns:a16="http://schemas.microsoft.com/office/drawing/2014/main" id="{B21AC4EF-1915-4218-9DD0-198A719D31B1}"/>
+              </a:ext>
+            </a:extLst>
+          </p:cNvPr>
+          <p:cNvPicPr>
+            <a:picLocks noChangeAspect="1"/>
+          </p:cNvPicPr>
+          <p:nvPr/>
+        </p:nvPicPr>
+        <p:blipFill>
+          <a:blip r:embed="rId4"/>
+          <a:stretch>
+            <a:fillRect/>
+          </a:stretch>
+        </p:blipFill>
+        <p:spPr>
+          <a:xfrm>
+            <a:off x="8208396" y="854485"/>
+            <a:ext cx="3578583" cy="3463516"/>
+          </a:xfrm>
+          <a:prstGeom prst="rect">
+            <a:avLst/>
+          </a:prstGeom>
+        </p:spPr>
+      </p:pic>
+    </p:spTree>
+    <p:extLst>
+      <p:ext uri="{BB962C8B-B14F-4D97-AF65-F5344CB8AC3E}">
+        <p14:creationId xmlns:p14="http://schemas.microsoft.com/office/powerpoint/2010/main" val="1759874401"/>
+      </p:ext>
+    </p:extLst>
+  </p:cSld>
+  <p:clrMapOvr>
+    <a:masterClrMapping/>
+  </p:clrMapOvr>
+</p:sld>
+</file>
+
+<file path=ppt/slides/slide7.xml><?xml version="1.0" encoding="utf-8"?>
+<p:sld xmlns:a="http://schemas.openxmlformats.org/drawingml/2006/main" xmlns:r="http://schemas.openxmlformats.org/officeDocument/2006/relationships" xmlns:p="http://schemas.openxmlformats.org/presentationml/2006/main">
+  <p:cSld>
+    <p:spTree>
+      <p:nvGrpSpPr>
+        <p:cNvPr id="1" name=""/>
+        <p:cNvGrpSpPr/>
+        <p:nvPr/>
+      </p:nvGrpSpPr>
+      <p:grpSpPr>
+        <a:xfrm>
+          <a:off x="0" y="0"/>
+          <a:ext cx="0" cy="0"/>
+          <a:chOff x="0" y="0"/>
+          <a:chExt cx="0" cy="0"/>
+        </a:xfrm>
+      </p:grpSpPr>
+      <p:sp>
+        <p:nvSpPr>
+          <p:cNvPr id="3" name="Title 1">
+            <a:extLst>
+              <a:ext uri="{FF2B5EF4-FFF2-40B4-BE49-F238E27FC236}">
+                <a16:creationId xmlns:a16="http://schemas.microsoft.com/office/drawing/2014/main" id="{DD8A818C-478E-41AF-801E-5410933889A7}"/>
+              </a:ext>
+            </a:extLst>
+          </p:cNvPr>
+          <p:cNvSpPr txBox="1">
+            <a:spLocks/>
+          </p:cNvSpPr>
+          <p:nvPr/>
+        </p:nvSpPr>
+        <p:spPr>
+          <a:xfrm>
+            <a:off x="5044751" y="5594468"/>
+            <a:ext cx="6189348" cy="730501"/>
+          </a:xfrm>
+          <a:prstGeom prst="rect">
+            <a:avLst/>
+          </a:prstGeom>
+        </p:spPr>
+        <p:txBody>
+          <a:bodyPr/>
+          <a:lstStyle>
+            <a:lvl1pPr algn="l" defTabSz="914400" rtl="0" eaLnBrk="1" latinLnBrk="0" hangingPunct="1">
+              <a:lnSpc>
+                <a:spcPct val="90000"/>
+              </a:lnSpc>
+              <a:spcBef>
+                <a:spcPct val="0"/>
+              </a:spcBef>
+              <a:buNone/>
+              <a:defRPr sz="4400" kern="1200">
+                <a:solidFill>
+                  <a:schemeClr val="tx1"/>
+                </a:solidFill>
+                <a:latin typeface="+mj-lt"/>
+                <a:ea typeface="+mj-ea"/>
+                <a:cs typeface="+mj-cs"/>
+              </a:defRPr>
+            </a:lvl1pPr>
+          </a:lstStyle>
+          <a:p>
+            <a:pPr algn="r"/>
+            <a:r>
+              <a:rPr lang="en-US" sz="6000" dirty="0"/>
               <a:t>log-reg &lt;</a:t>
             </a:r>
             <a:endParaRPr lang="en-GB" sz="6000" dirty="0"/>
           </a:p>
         </p:txBody>
       </p:sp>
+      <p:cxnSp>
+        <p:nvCxnSpPr>
+          <p:cNvPr id="5" name="Straight Arrow Connector 4">
+            <a:extLst>
+              <a:ext uri="{FF2B5EF4-FFF2-40B4-BE49-F238E27FC236}">
+                <a16:creationId xmlns:a16="http://schemas.microsoft.com/office/drawing/2014/main" id="{C1497737-1180-433B-8DD4-B606E98EDD5E}"/>
+              </a:ext>
+            </a:extLst>
+          </p:cNvPr>
+          <p:cNvCxnSpPr>
+            <a:cxnSpLocks/>
+          </p:cNvCxnSpPr>
+          <p:nvPr/>
+        </p:nvCxnSpPr>
+        <p:spPr>
+          <a:xfrm>
+            <a:off x="4593775" y="3218541"/>
+            <a:ext cx="2510968" cy="0"/>
+          </a:xfrm>
+          <a:prstGeom prst="straightConnector1">
+            <a:avLst/>
+          </a:prstGeom>
+          <a:ln w="76200">
+            <a:solidFill>
+              <a:schemeClr val="tx1"/>
+            </a:solidFill>
+            <a:headEnd type="arrow" w="med" len="med"/>
+            <a:tailEnd type="arrow" w="med" len="med"/>
+          </a:ln>
+        </p:spPr>
+        <p:style>
+          <a:lnRef idx="3">
+            <a:schemeClr val="accent6"/>
+          </a:lnRef>
+          <a:fillRef idx="0">
+            <a:schemeClr val="accent6"/>
+          </a:fillRef>
+          <a:effectRef idx="2">
+            <a:schemeClr val="accent6"/>
+          </a:effectRef>
+          <a:fontRef idx="minor">
+            <a:schemeClr val="tx1"/>
+          </a:fontRef>
+        </p:style>
+      </p:cxnSp>
+      <p:pic>
+        <p:nvPicPr>
+          <p:cNvPr id="7" name="Graphic 6" descr="Vacation outline">
+            <a:extLst>
+              <a:ext uri="{FF2B5EF4-FFF2-40B4-BE49-F238E27FC236}">
+                <a16:creationId xmlns:a16="http://schemas.microsoft.com/office/drawing/2014/main" id="{75C45FF3-502C-45D7-A099-6FB2D4FC2668}"/>
+              </a:ext>
+            </a:extLst>
+          </p:cNvPr>
+          <p:cNvPicPr>
+            <a:picLocks noChangeAspect="1"/>
+          </p:cNvPicPr>
+          <p:nvPr/>
+        </p:nvPicPr>
+        <p:blipFill>
+          <a:blip r:embed="rId3">
+            <a:extLst>
+              <a:ext uri="{28A0092B-C50C-407E-A947-70E740481C1C}">
+                <a14:useLocalDpi xmlns:a14="http://schemas.microsoft.com/office/drawing/2010/main" val="0"/>
+              </a:ext>
+              <a:ext uri="{96DAC541-7B7A-43D3-8B79-37D633B846F1}">
+                <asvg:svgBlip xmlns:asvg="http://schemas.microsoft.com/office/drawing/2016/SVG/main" r:embed="rId4"/>
+              </a:ext>
+            </a:extLst>
+          </a:blip>
+          <a:stretch>
+            <a:fillRect/>
+          </a:stretch>
+        </p:blipFill>
+        <p:spPr>
+          <a:xfrm>
+            <a:off x="7389137" y="2021795"/>
+            <a:ext cx="2233836" cy="2233836"/>
+          </a:xfrm>
+          <a:prstGeom prst="rect">
+            <a:avLst/>
+          </a:prstGeom>
+        </p:spPr>
+      </p:pic>
+      <p:pic>
+        <p:nvPicPr>
+          <p:cNvPr id="13" name="Picture 12" descr="A picture containing lamp&#10;&#10;Description automatically generated">
+            <a:extLst>
+              <a:ext uri="{FF2B5EF4-FFF2-40B4-BE49-F238E27FC236}">
+                <a16:creationId xmlns:a16="http://schemas.microsoft.com/office/drawing/2014/main" id="{5C2A76F2-8830-4F0A-9EEF-6EC717D3D420}"/>
+              </a:ext>
+            </a:extLst>
+          </p:cNvPr>
+          <p:cNvPicPr>
+            <a:picLocks noChangeAspect="1"/>
+          </p:cNvPicPr>
+          <p:nvPr/>
+        </p:nvPicPr>
+        <p:blipFill>
+          <a:blip r:embed="rId5">
+            <a:extLst>
+              <a:ext uri="{28A0092B-C50C-407E-A947-70E740481C1C}">
+                <a14:useLocalDpi xmlns:a14="http://schemas.microsoft.com/office/drawing/2010/main" val="0"/>
+              </a:ext>
+            </a:extLst>
+          </a:blip>
+          <a:stretch>
+            <a:fillRect/>
+          </a:stretch>
+        </p:blipFill>
+        <p:spPr>
+          <a:xfrm>
+            <a:off x="2075545" y="2101623"/>
+            <a:ext cx="2233836" cy="2233836"/>
+          </a:xfrm>
+          <a:prstGeom prst="rect">
+            <a:avLst/>
+          </a:prstGeom>
+        </p:spPr>
+      </p:pic>
+    </p:spTree>
+    <p:extLst>
+      <p:ext uri="{BB962C8B-B14F-4D97-AF65-F5344CB8AC3E}">
+        <p14:creationId xmlns:p14="http://schemas.microsoft.com/office/powerpoint/2010/main" val="879326975"/>
+      </p:ext>
+    </p:extLst>
+  </p:cSld>
+  <p:clrMapOvr>
+    <a:masterClrMapping/>
+  </p:clrMapOvr>
+</p:sld>
+</file>
+
+<file path=ppt/slides/slide8.xml><?xml version="1.0" encoding="utf-8"?>
+<p:sld xmlns:a="http://schemas.openxmlformats.org/drawingml/2006/main" xmlns:r="http://schemas.openxmlformats.org/officeDocument/2006/relationships" xmlns:p="http://schemas.openxmlformats.org/presentationml/2006/main">
+  <p:cSld>
+    <p:spTree>
+      <p:nvGrpSpPr>
+        <p:cNvPr id="1" name=""/>
+        <p:cNvGrpSpPr/>
+        <p:nvPr/>
+      </p:nvGrpSpPr>
+      <p:grpSpPr>
+        <a:xfrm>
+          <a:off x="0" y="0"/>
+          <a:ext cx="0" cy="0"/>
+          <a:chOff x="0" y="0"/>
+          <a:chExt cx="0" cy="0"/>
+        </a:xfrm>
+      </p:grpSpPr>
+      <p:pic>
+        <p:nvPicPr>
+          <p:cNvPr id="3" name="Picture 2">
+            <a:extLst>
+              <a:ext uri="{FF2B5EF4-FFF2-40B4-BE49-F238E27FC236}">
+                <a16:creationId xmlns:a16="http://schemas.microsoft.com/office/drawing/2014/main" id="{3CF53EB1-3C1C-442B-A061-8287975ADF7B}"/>
+              </a:ext>
+            </a:extLst>
+          </p:cNvPr>
+          <p:cNvPicPr>
+            <a:picLocks noChangeAspect="1"/>
+          </p:cNvPicPr>
+          <p:nvPr/>
+        </p:nvPicPr>
+        <p:blipFill>
+          <a:blip r:embed="rId3"/>
+          <a:stretch>
+            <a:fillRect/>
+          </a:stretch>
+        </p:blipFill>
+        <p:spPr>
+          <a:xfrm>
+            <a:off x="5956117" y="1052418"/>
+            <a:ext cx="4214490" cy="4208094"/>
+          </a:xfrm>
+          <a:prstGeom prst="rect">
+            <a:avLst/>
+          </a:prstGeom>
+        </p:spPr>
+      </p:pic>
+      <p:sp>
+        <p:nvSpPr>
+          <p:cNvPr id="5" name="Title 1">
+            <a:extLst>
+              <a:ext uri="{FF2B5EF4-FFF2-40B4-BE49-F238E27FC236}">
+                <a16:creationId xmlns:a16="http://schemas.microsoft.com/office/drawing/2014/main" id="{068B8638-7999-45F8-85AA-F85F3B7ED24A}"/>
+              </a:ext>
+            </a:extLst>
+          </p:cNvPr>
+          <p:cNvSpPr txBox="1">
+            <a:spLocks/>
+          </p:cNvSpPr>
+          <p:nvPr/>
+        </p:nvSpPr>
+        <p:spPr>
+          <a:xfrm>
+            <a:off x="5044751" y="5594468"/>
+            <a:ext cx="6189348" cy="730501"/>
+          </a:xfrm>
+          <a:prstGeom prst="rect">
+            <a:avLst/>
+          </a:prstGeom>
+        </p:spPr>
+        <p:txBody>
+          <a:bodyPr/>
+          <a:lstStyle>
+            <a:lvl1pPr algn="l" defTabSz="914400" rtl="0" eaLnBrk="1" latinLnBrk="0" hangingPunct="1">
+              <a:lnSpc>
+                <a:spcPct val="90000"/>
+              </a:lnSpc>
+              <a:spcBef>
+                <a:spcPct val="0"/>
+              </a:spcBef>
+              <a:buNone/>
+              <a:defRPr sz="4400" kern="1200">
+                <a:solidFill>
+                  <a:schemeClr val="tx1"/>
+                </a:solidFill>
+                <a:latin typeface="+mj-lt"/>
+                <a:ea typeface="+mj-ea"/>
+                <a:cs typeface="+mj-cs"/>
+              </a:defRPr>
+            </a:lvl1pPr>
+          </a:lstStyle>
+          <a:p>
+            <a:pPr algn="r"/>
+            <a:r>
+              <a:rPr lang="en-US" sz="6000" dirty="0"/>
+              <a:t>log-reg &lt;</a:t>
+            </a:r>
+            <a:endParaRPr lang="en-GB" sz="6000" dirty="0"/>
+          </a:p>
+        </p:txBody>
+      </p:sp>
+      <p:pic>
+        <p:nvPicPr>
+          <p:cNvPr id="4" name="Picture 3">
+            <a:extLst>
+              <a:ext uri="{FF2B5EF4-FFF2-40B4-BE49-F238E27FC236}">
+                <a16:creationId xmlns:a16="http://schemas.microsoft.com/office/drawing/2014/main" id="{E98A5AA7-8DD7-4C83-8F8C-32F974B948CC}"/>
+              </a:ext>
+            </a:extLst>
+          </p:cNvPr>
+          <p:cNvPicPr>
+            <a:picLocks noChangeAspect="1"/>
+          </p:cNvPicPr>
+          <p:nvPr/>
+        </p:nvPicPr>
+        <p:blipFill>
+          <a:blip r:embed="rId4"/>
+          <a:stretch>
+            <a:fillRect/>
+          </a:stretch>
+        </p:blipFill>
+        <p:spPr>
+          <a:xfrm>
+            <a:off x="1397370" y="969653"/>
+            <a:ext cx="4290859" cy="4290859"/>
+          </a:xfrm>
+          <a:prstGeom prst="rect">
+            <a:avLst/>
+          </a:prstGeom>
+        </p:spPr>
+      </p:pic>
     </p:spTree>
     <p:extLst>
       <p:ext uri="{BB962C8B-B14F-4D97-AF65-F5344CB8AC3E}">
@@ -5320,7 +9696,7 @@
 </p:sld>
 </file>
 
-<file path=ppt/slides/slide11.xml><?xml version="1.0" encoding="utf-8"?>
+<file path=ppt/slides/slide9.xml><?xml version="1.0" encoding="utf-8"?>
 <p:sld xmlns:a="http://schemas.openxmlformats.org/drawingml/2006/main" xmlns:r="http://schemas.openxmlformats.org/officeDocument/2006/relationships" xmlns:p="http://schemas.openxmlformats.org/presentationml/2006/main">
   <p:cSld>
     <p:spTree>
@@ -5675,4125 +10051,6 @@
     <p:extLst>
       <p:ext uri="{BB962C8B-B14F-4D97-AF65-F5344CB8AC3E}">
         <p14:creationId xmlns:p14="http://schemas.microsoft.com/office/powerpoint/2010/main" val="3981053478"/>
-      </p:ext>
-    </p:extLst>
-  </p:cSld>
-  <p:clrMapOvr>
-    <a:masterClrMapping/>
-  </p:clrMapOvr>
-</p:sld>
-</file>
-
-<file path=ppt/slides/slide12.xml><?xml version="1.0" encoding="utf-8"?>
-<p:sld xmlns:a="http://schemas.openxmlformats.org/drawingml/2006/main" xmlns:r="http://schemas.openxmlformats.org/officeDocument/2006/relationships" xmlns:p="http://schemas.openxmlformats.org/presentationml/2006/main">
-  <p:cSld>
-    <p:spTree>
-      <p:nvGrpSpPr>
-        <p:cNvPr id="1" name=""/>
-        <p:cNvGrpSpPr/>
-        <p:nvPr/>
-      </p:nvGrpSpPr>
-      <p:grpSpPr>
-        <a:xfrm>
-          <a:off x="0" y="0"/>
-          <a:ext cx="0" cy="0"/>
-          <a:chOff x="0" y="0"/>
-          <a:chExt cx="0" cy="0"/>
-        </a:xfrm>
-      </p:grpSpPr>
-      <p:pic>
-        <p:nvPicPr>
-          <p:cNvPr id="8" name="Picture 7">
-            <a:extLst>
-              <a:ext uri="{FF2B5EF4-FFF2-40B4-BE49-F238E27FC236}">
-                <a16:creationId xmlns:a16="http://schemas.microsoft.com/office/drawing/2014/main" id="{BBDF89EF-2E57-4453-B47C-E837CF5E2BE2}"/>
-              </a:ext>
-            </a:extLst>
-          </p:cNvPr>
-          <p:cNvPicPr>
-            <a:picLocks noChangeAspect="1"/>
-          </p:cNvPicPr>
-          <p:nvPr/>
-        </p:nvPicPr>
-        <p:blipFill>
-          <a:blip r:embed="rId3"/>
-          <a:stretch>
-            <a:fillRect/>
-          </a:stretch>
-        </p:blipFill>
-        <p:spPr>
-          <a:xfrm>
-            <a:off x="2991324" y="163481"/>
-            <a:ext cx="6052067" cy="5584176"/>
-          </a:xfrm>
-          <a:prstGeom prst="rect">
-            <a:avLst/>
-          </a:prstGeom>
-        </p:spPr>
-      </p:pic>
-      <p:sp>
-        <p:nvSpPr>
-          <p:cNvPr id="5" name="Title 1">
-            <a:extLst>
-              <a:ext uri="{FF2B5EF4-FFF2-40B4-BE49-F238E27FC236}">
-                <a16:creationId xmlns:a16="http://schemas.microsoft.com/office/drawing/2014/main" id="{CF1C0A9C-06E3-4580-9F97-4A24112D3AC9}"/>
-              </a:ext>
-            </a:extLst>
-          </p:cNvPr>
-          <p:cNvSpPr txBox="1">
-            <a:spLocks/>
-          </p:cNvSpPr>
-          <p:nvPr/>
-        </p:nvSpPr>
-        <p:spPr>
-          <a:xfrm>
-            <a:off x="5019869" y="5594468"/>
-            <a:ext cx="6214230" cy="730501"/>
-          </a:xfrm>
-          <a:prstGeom prst="rect">
-            <a:avLst/>
-          </a:prstGeom>
-        </p:spPr>
-        <p:txBody>
-          <a:bodyPr/>
-          <a:lstStyle>
-            <a:lvl1pPr algn="l" defTabSz="914400" rtl="0" eaLnBrk="1" latinLnBrk="0" hangingPunct="1">
-              <a:lnSpc>
-                <a:spcPct val="90000"/>
-              </a:lnSpc>
-              <a:spcBef>
-                <a:spcPct val="0"/>
-              </a:spcBef>
-              <a:buNone/>
-              <a:defRPr sz="4400" kern="1200">
-                <a:solidFill>
-                  <a:schemeClr val="tx1"/>
-                </a:solidFill>
-                <a:latin typeface="+mj-lt"/>
-                <a:ea typeface="+mj-ea"/>
-                <a:cs typeface="+mj-cs"/>
-              </a:defRPr>
-            </a:lvl1pPr>
-          </a:lstStyle>
-          <a:p>
-            <a:pPr algn="r"/>
-            <a:r>
-              <a:rPr lang="en-US" sz="6000" dirty="0"/>
-              <a:t>correspondence &lt;</a:t>
-            </a:r>
-            <a:endParaRPr lang="en-GB" sz="6000" dirty="0"/>
-          </a:p>
-        </p:txBody>
-      </p:sp>
-      <p:sp>
-        <p:nvSpPr>
-          <p:cNvPr id="6" name="Rectangle 5">
-            <a:extLst>
-              <a:ext uri="{FF2B5EF4-FFF2-40B4-BE49-F238E27FC236}">
-                <a16:creationId xmlns:a16="http://schemas.microsoft.com/office/drawing/2014/main" id="{0B81AE6E-C918-4A83-A297-9FE6CDB76C0C}"/>
-              </a:ext>
-            </a:extLst>
-          </p:cNvPr>
-          <p:cNvSpPr/>
-          <p:nvPr/>
-        </p:nvSpPr>
-        <p:spPr>
-          <a:xfrm>
-            <a:off x="7402287" y="3186313"/>
-            <a:ext cx="1741714" cy="1146201"/>
-          </a:xfrm>
-          <a:prstGeom prst="rect">
-            <a:avLst/>
-          </a:prstGeom>
-          <a:noFill/>
-          <a:ln w="38100" cap="flat" cmpd="sng" algn="ctr">
-            <a:solidFill>
-              <a:schemeClr val="accent2"/>
-            </a:solidFill>
-            <a:prstDash val="solid"/>
-            <a:round/>
-            <a:headEnd type="none" w="med" len="med"/>
-            <a:tailEnd type="none" w="med" len="med"/>
-          </a:ln>
-        </p:spPr>
-        <p:style>
-          <a:lnRef idx="0">
-            <a:scrgbClr r="0" g="0" b="0"/>
-          </a:lnRef>
-          <a:fillRef idx="0">
-            <a:scrgbClr r="0" g="0" b="0"/>
-          </a:fillRef>
-          <a:effectRef idx="0">
-            <a:scrgbClr r="0" g="0" b="0"/>
-          </a:effectRef>
-          <a:fontRef idx="minor">
-            <a:schemeClr val="accent2"/>
-          </a:fontRef>
-        </p:style>
-        <p:txBody>
-          <a:bodyPr rtlCol="0" anchor="ctr"/>
-          <a:lstStyle/>
-          <a:p>
-            <a:pPr algn="ctr"/>
-            <a:endParaRPr lang="en-GB"/>
-          </a:p>
-        </p:txBody>
-      </p:sp>
-      <p:sp>
-        <p:nvSpPr>
-          <p:cNvPr id="10" name="Rectangle 9">
-            <a:extLst>
-              <a:ext uri="{FF2B5EF4-FFF2-40B4-BE49-F238E27FC236}">
-                <a16:creationId xmlns:a16="http://schemas.microsoft.com/office/drawing/2014/main" id="{2ACDE61B-9982-49E8-B8EA-77DD64BE0254}"/>
-              </a:ext>
-            </a:extLst>
-          </p:cNvPr>
-          <p:cNvSpPr/>
-          <p:nvPr/>
-        </p:nvSpPr>
-        <p:spPr>
-          <a:xfrm>
-            <a:off x="4223658" y="1190171"/>
-            <a:ext cx="1632857" cy="841829"/>
-          </a:xfrm>
-          <a:prstGeom prst="rect">
-            <a:avLst/>
-          </a:prstGeom>
-          <a:noFill/>
-          <a:ln w="38100" cap="flat" cmpd="sng" algn="ctr">
-            <a:solidFill>
-              <a:schemeClr val="accent1"/>
-            </a:solidFill>
-            <a:prstDash val="solid"/>
-            <a:round/>
-            <a:headEnd type="none" w="med" len="med"/>
-            <a:tailEnd type="none" w="med" len="med"/>
-          </a:ln>
-        </p:spPr>
-        <p:style>
-          <a:lnRef idx="0">
-            <a:scrgbClr r="0" g="0" b="0"/>
-          </a:lnRef>
-          <a:fillRef idx="0">
-            <a:scrgbClr r="0" g="0" b="0"/>
-          </a:fillRef>
-          <a:effectRef idx="0">
-            <a:scrgbClr r="0" g="0" b="0"/>
-          </a:effectRef>
-          <a:fontRef idx="minor">
-            <a:schemeClr val="accent2"/>
-          </a:fontRef>
-        </p:style>
-        <p:txBody>
-          <a:bodyPr rtlCol="0" anchor="ctr"/>
-          <a:lstStyle/>
-          <a:p>
-            <a:pPr algn="ctr"/>
-            <a:endParaRPr lang="en-GB"/>
-          </a:p>
-        </p:txBody>
-      </p:sp>
-      <p:sp>
-        <p:nvSpPr>
-          <p:cNvPr id="14" name="Rectangle 13">
-            <a:extLst>
-              <a:ext uri="{FF2B5EF4-FFF2-40B4-BE49-F238E27FC236}">
-                <a16:creationId xmlns:a16="http://schemas.microsoft.com/office/drawing/2014/main" id="{92143207-0D73-4C1B-B8DC-D58480339B68}"/>
-              </a:ext>
-            </a:extLst>
-          </p:cNvPr>
-          <p:cNvSpPr/>
-          <p:nvPr/>
-        </p:nvSpPr>
-        <p:spPr>
-          <a:xfrm>
-            <a:off x="5660573" y="2613212"/>
-            <a:ext cx="1117599" cy="1363701"/>
-          </a:xfrm>
-          <a:prstGeom prst="rect">
-            <a:avLst/>
-          </a:prstGeom>
-          <a:noFill/>
-          <a:ln w="38100" cap="flat" cmpd="sng" algn="ctr">
-            <a:solidFill>
-              <a:schemeClr val="accent6"/>
-            </a:solidFill>
-            <a:prstDash val="solid"/>
-            <a:round/>
-            <a:headEnd type="none" w="med" len="med"/>
-            <a:tailEnd type="none" w="med" len="med"/>
-          </a:ln>
-        </p:spPr>
-        <p:style>
-          <a:lnRef idx="0">
-            <a:scrgbClr r="0" g="0" b="0"/>
-          </a:lnRef>
-          <a:fillRef idx="0">
-            <a:scrgbClr r="0" g="0" b="0"/>
-          </a:fillRef>
-          <a:effectRef idx="0">
-            <a:scrgbClr r="0" g="0" b="0"/>
-          </a:effectRef>
-          <a:fontRef idx="minor">
-            <a:schemeClr val="accent2"/>
-          </a:fontRef>
-        </p:style>
-        <p:txBody>
-          <a:bodyPr rtlCol="0" anchor="ctr"/>
-          <a:lstStyle/>
-          <a:p>
-            <a:pPr algn="ctr"/>
-            <a:endParaRPr lang="en-GB"/>
-          </a:p>
-        </p:txBody>
-      </p:sp>
-    </p:spTree>
-    <p:extLst>
-      <p:ext uri="{BB962C8B-B14F-4D97-AF65-F5344CB8AC3E}">
-        <p14:creationId xmlns:p14="http://schemas.microsoft.com/office/powerpoint/2010/main" val="1540122101"/>
-      </p:ext>
-    </p:extLst>
-  </p:cSld>
-  <p:clrMapOvr>
-    <a:masterClrMapping/>
-  </p:clrMapOvr>
-</p:sld>
-</file>
-
-<file path=ppt/slides/slide13.xml><?xml version="1.0" encoding="utf-8"?>
-<p:sld xmlns:a="http://schemas.openxmlformats.org/drawingml/2006/main" xmlns:r="http://schemas.openxmlformats.org/officeDocument/2006/relationships" xmlns:p="http://schemas.openxmlformats.org/presentationml/2006/main">
-  <p:cSld>
-    <p:spTree>
-      <p:nvGrpSpPr>
-        <p:cNvPr id="1" name=""/>
-        <p:cNvGrpSpPr/>
-        <p:nvPr/>
-      </p:nvGrpSpPr>
-      <p:grpSpPr>
-        <a:xfrm>
-          <a:off x="0" y="0"/>
-          <a:ext cx="0" cy="0"/>
-          <a:chOff x="0" y="0"/>
-          <a:chExt cx="0" cy="0"/>
-        </a:xfrm>
-      </p:grpSpPr>
-      <p:sp>
-        <p:nvSpPr>
-          <p:cNvPr id="5" name="Title 1">
-            <a:extLst>
-              <a:ext uri="{FF2B5EF4-FFF2-40B4-BE49-F238E27FC236}">
-                <a16:creationId xmlns:a16="http://schemas.microsoft.com/office/drawing/2014/main" id="{CF1C0A9C-06E3-4580-9F97-4A24112D3AC9}"/>
-              </a:ext>
-            </a:extLst>
-          </p:cNvPr>
-          <p:cNvSpPr txBox="1">
-            <a:spLocks/>
-          </p:cNvSpPr>
-          <p:nvPr/>
-        </p:nvSpPr>
-        <p:spPr>
-          <a:xfrm>
-            <a:off x="5019869" y="5594468"/>
-            <a:ext cx="6214230" cy="730501"/>
-          </a:xfrm>
-          <a:prstGeom prst="rect">
-            <a:avLst/>
-          </a:prstGeom>
-        </p:spPr>
-        <p:txBody>
-          <a:bodyPr/>
-          <a:lstStyle>
-            <a:lvl1pPr algn="l" defTabSz="914400" rtl="0" eaLnBrk="1" latinLnBrk="0" hangingPunct="1">
-              <a:lnSpc>
-                <a:spcPct val="90000"/>
-              </a:lnSpc>
-              <a:spcBef>
-                <a:spcPct val="0"/>
-              </a:spcBef>
-              <a:buNone/>
-              <a:defRPr sz="4400" kern="1200">
-                <a:solidFill>
-                  <a:schemeClr val="tx1"/>
-                </a:solidFill>
-                <a:latin typeface="+mj-lt"/>
-                <a:ea typeface="+mj-ea"/>
-                <a:cs typeface="+mj-cs"/>
-              </a:defRPr>
-            </a:lvl1pPr>
-          </a:lstStyle>
-          <a:p>
-            <a:pPr algn="r"/>
-            <a:r>
-              <a:rPr lang="en-US" sz="6000" dirty="0"/>
-              <a:t>correspondence &lt;</a:t>
-            </a:r>
-            <a:endParaRPr lang="en-GB" sz="6000" dirty="0"/>
-          </a:p>
-        </p:txBody>
-      </p:sp>
-      <p:sp>
-        <p:nvSpPr>
-          <p:cNvPr id="10" name="Rectangle 9">
-            <a:extLst>
-              <a:ext uri="{FF2B5EF4-FFF2-40B4-BE49-F238E27FC236}">
-                <a16:creationId xmlns:a16="http://schemas.microsoft.com/office/drawing/2014/main" id="{2ACDE61B-9982-49E8-B8EA-77DD64BE0254}"/>
-              </a:ext>
-            </a:extLst>
-          </p:cNvPr>
-          <p:cNvSpPr/>
-          <p:nvPr/>
-        </p:nvSpPr>
-        <p:spPr>
-          <a:xfrm>
-            <a:off x="2906574" y="3297081"/>
-            <a:ext cx="3783248" cy="2245400"/>
-          </a:xfrm>
-          <a:prstGeom prst="rect">
-            <a:avLst/>
-          </a:prstGeom>
-          <a:noFill/>
-          <a:ln w="38100" cap="flat" cmpd="sng" algn="ctr">
-            <a:solidFill>
-              <a:schemeClr val="accent1"/>
-            </a:solidFill>
-            <a:prstDash val="solid"/>
-            <a:round/>
-            <a:headEnd type="none" w="med" len="med"/>
-            <a:tailEnd type="none" w="med" len="med"/>
-          </a:ln>
-        </p:spPr>
-        <p:style>
-          <a:lnRef idx="0">
-            <a:scrgbClr r="0" g="0" b="0"/>
-          </a:lnRef>
-          <a:fillRef idx="0">
-            <a:scrgbClr r="0" g="0" b="0"/>
-          </a:fillRef>
-          <a:effectRef idx="0">
-            <a:scrgbClr r="0" g="0" b="0"/>
-          </a:effectRef>
-          <a:fontRef idx="minor">
-            <a:schemeClr val="accent2"/>
-          </a:fontRef>
-        </p:style>
-        <p:txBody>
-          <a:bodyPr rtlCol="0" anchor="ctr"/>
-          <a:lstStyle/>
-          <a:p>
-            <a:pPr algn="ctr"/>
-            <a:endParaRPr lang="en-GB"/>
-          </a:p>
-        </p:txBody>
-      </p:sp>
-      <p:sp>
-        <p:nvSpPr>
-          <p:cNvPr id="14" name="Rectangle 13">
-            <a:extLst>
-              <a:ext uri="{FF2B5EF4-FFF2-40B4-BE49-F238E27FC236}">
-                <a16:creationId xmlns:a16="http://schemas.microsoft.com/office/drawing/2014/main" id="{92143207-0D73-4C1B-B8DC-D58480339B68}"/>
-              </a:ext>
-            </a:extLst>
-          </p:cNvPr>
-          <p:cNvSpPr/>
-          <p:nvPr/>
-        </p:nvSpPr>
-        <p:spPr>
-          <a:xfrm>
-            <a:off x="1752960" y="178124"/>
-            <a:ext cx="4184934" cy="2786745"/>
-          </a:xfrm>
-          <a:prstGeom prst="rect">
-            <a:avLst/>
-          </a:prstGeom>
-          <a:noFill/>
-          <a:ln w="38100" cap="flat" cmpd="sng" algn="ctr">
-            <a:solidFill>
-              <a:schemeClr val="accent2"/>
-            </a:solidFill>
-            <a:prstDash val="solid"/>
-            <a:round/>
-            <a:headEnd type="none" w="med" len="med"/>
-            <a:tailEnd type="none" w="med" len="med"/>
-          </a:ln>
-        </p:spPr>
-        <p:style>
-          <a:lnRef idx="0">
-            <a:scrgbClr r="0" g="0" b="0"/>
-          </a:lnRef>
-          <a:fillRef idx="0">
-            <a:scrgbClr r="0" g="0" b="0"/>
-          </a:fillRef>
-          <a:effectRef idx="0">
-            <a:scrgbClr r="0" g="0" b="0"/>
-          </a:effectRef>
-          <a:fontRef idx="minor">
-            <a:schemeClr val="accent2"/>
-          </a:fontRef>
-        </p:style>
-        <p:txBody>
-          <a:bodyPr rtlCol="0" anchor="ctr"/>
-          <a:lstStyle/>
-          <a:p>
-            <a:pPr algn="ctr"/>
-            <a:endParaRPr lang="en-GB"/>
-          </a:p>
-        </p:txBody>
-      </p:sp>
-      <p:pic>
-        <p:nvPicPr>
-          <p:cNvPr id="3" name="Picture 2">
-            <a:extLst>
-              <a:ext uri="{FF2B5EF4-FFF2-40B4-BE49-F238E27FC236}">
-                <a16:creationId xmlns:a16="http://schemas.microsoft.com/office/drawing/2014/main" id="{D6E27703-2C0B-4775-9D2D-B5C33ACD122F}"/>
-              </a:ext>
-            </a:extLst>
-          </p:cNvPr>
-          <p:cNvPicPr>
-            <a:picLocks noChangeAspect="1"/>
-          </p:cNvPicPr>
-          <p:nvPr/>
-        </p:nvPicPr>
-        <p:blipFill>
-          <a:blip r:embed="rId3"/>
-          <a:stretch>
-            <a:fillRect/>
-          </a:stretch>
-        </p:blipFill>
-        <p:spPr>
-          <a:xfrm>
-            <a:off x="3058297" y="3429000"/>
-            <a:ext cx="3479802" cy="2061494"/>
-          </a:xfrm>
-          <a:prstGeom prst="rect">
-            <a:avLst/>
-          </a:prstGeom>
-        </p:spPr>
-      </p:pic>
-      <p:pic>
-        <p:nvPicPr>
-          <p:cNvPr id="7" name="Picture 6">
-            <a:extLst>
-              <a:ext uri="{FF2B5EF4-FFF2-40B4-BE49-F238E27FC236}">
-                <a16:creationId xmlns:a16="http://schemas.microsoft.com/office/drawing/2014/main" id="{D87AA10E-FB60-45D8-A370-210FB38A2561}"/>
-              </a:ext>
-            </a:extLst>
-          </p:cNvPr>
-          <p:cNvPicPr>
-            <a:picLocks noChangeAspect="1"/>
-          </p:cNvPicPr>
-          <p:nvPr/>
-        </p:nvPicPr>
-        <p:blipFill>
-          <a:blip r:embed="rId4"/>
-          <a:stretch>
-            <a:fillRect/>
-          </a:stretch>
-        </p:blipFill>
-        <p:spPr>
-          <a:xfrm>
-            <a:off x="1942638" y="334154"/>
-            <a:ext cx="3915945" cy="2488876"/>
-          </a:xfrm>
-          <a:prstGeom prst="rect">
-            <a:avLst/>
-          </a:prstGeom>
-        </p:spPr>
-      </p:pic>
-      <p:pic>
-        <p:nvPicPr>
-          <p:cNvPr id="11" name="Picture 10">
-            <a:extLst>
-              <a:ext uri="{FF2B5EF4-FFF2-40B4-BE49-F238E27FC236}">
-                <a16:creationId xmlns:a16="http://schemas.microsoft.com/office/drawing/2014/main" id="{929417D2-4758-4E01-9A52-C8983D3E44EA}"/>
-              </a:ext>
-            </a:extLst>
-          </p:cNvPr>
-          <p:cNvPicPr>
-            <a:picLocks noChangeAspect="1"/>
-          </p:cNvPicPr>
-          <p:nvPr/>
-        </p:nvPicPr>
-        <p:blipFill>
-          <a:blip r:embed="rId5"/>
-          <a:stretch>
-            <a:fillRect/>
-          </a:stretch>
-        </p:blipFill>
-        <p:spPr>
-          <a:xfrm>
-            <a:off x="7260239" y="609358"/>
-            <a:ext cx="3207174" cy="3218587"/>
-          </a:xfrm>
-          <a:prstGeom prst="rect">
-            <a:avLst/>
-          </a:prstGeom>
-        </p:spPr>
-      </p:pic>
-      <p:sp>
-        <p:nvSpPr>
-          <p:cNvPr id="17" name="Rectangle 16">
-            <a:extLst>
-              <a:ext uri="{FF2B5EF4-FFF2-40B4-BE49-F238E27FC236}">
-                <a16:creationId xmlns:a16="http://schemas.microsoft.com/office/drawing/2014/main" id="{BB0E912D-1BD1-443B-AE38-22664F443C54}"/>
-              </a:ext>
-            </a:extLst>
-          </p:cNvPr>
-          <p:cNvSpPr/>
-          <p:nvPr/>
-        </p:nvSpPr>
-        <p:spPr>
-          <a:xfrm>
-            <a:off x="7093899" y="487037"/>
-            <a:ext cx="3560575" cy="3486838"/>
-          </a:xfrm>
-          <a:prstGeom prst="rect">
-            <a:avLst/>
-          </a:prstGeom>
-          <a:noFill/>
-          <a:ln w="38100" cap="flat" cmpd="sng" algn="ctr">
-            <a:solidFill>
-              <a:schemeClr val="accent6"/>
-            </a:solidFill>
-            <a:prstDash val="solid"/>
-            <a:round/>
-            <a:headEnd type="none" w="med" len="med"/>
-            <a:tailEnd type="none" w="med" len="med"/>
-          </a:ln>
-        </p:spPr>
-        <p:style>
-          <a:lnRef idx="0">
-            <a:scrgbClr r="0" g="0" b="0"/>
-          </a:lnRef>
-          <a:fillRef idx="0">
-            <a:scrgbClr r="0" g="0" b="0"/>
-          </a:fillRef>
-          <a:effectRef idx="0">
-            <a:scrgbClr r="0" g="0" b="0"/>
-          </a:effectRef>
-          <a:fontRef idx="minor">
-            <a:schemeClr val="accent2"/>
-          </a:fontRef>
-        </p:style>
-        <p:txBody>
-          <a:bodyPr rtlCol="0" anchor="ctr"/>
-          <a:lstStyle/>
-          <a:p>
-            <a:pPr algn="ctr"/>
-            <a:endParaRPr lang="en-GB"/>
-          </a:p>
-        </p:txBody>
-      </p:sp>
-      <p:pic>
-        <p:nvPicPr>
-          <p:cNvPr id="19" name="Picture 18" descr="A picture containing vector graphics&#10;&#10;Description automatically generated">
-            <a:extLst>
-              <a:ext uri="{FF2B5EF4-FFF2-40B4-BE49-F238E27FC236}">
-                <a16:creationId xmlns:a16="http://schemas.microsoft.com/office/drawing/2014/main" id="{12249442-D8E0-4496-8BD2-99A2AF96ABB4}"/>
-              </a:ext>
-            </a:extLst>
-          </p:cNvPr>
-          <p:cNvPicPr>
-            <a:picLocks noChangeAspect="1"/>
-          </p:cNvPicPr>
-          <p:nvPr/>
-        </p:nvPicPr>
-        <p:blipFill>
-          <a:blip r:embed="rId6">
-            <a:extLst>
-              <a:ext uri="{28A0092B-C50C-407E-A947-70E740481C1C}">
-                <a14:useLocalDpi xmlns:a14="http://schemas.microsoft.com/office/drawing/2010/main" val="0"/>
-              </a:ext>
-            </a:extLst>
-          </a:blip>
-          <a:stretch>
-            <a:fillRect/>
-          </a:stretch>
-        </p:blipFill>
-        <p:spPr>
-          <a:xfrm>
-            <a:off x="9555412" y="1968530"/>
-            <a:ext cx="1460470" cy="1460470"/>
-          </a:xfrm>
-          <a:prstGeom prst="rect">
-            <a:avLst/>
-          </a:prstGeom>
-        </p:spPr>
-      </p:pic>
-      <p:pic>
-        <p:nvPicPr>
-          <p:cNvPr id="21" name="Picture 20" descr="A picture containing vector graphics&#10;&#10;Description automatically generated">
-            <a:extLst>
-              <a:ext uri="{FF2B5EF4-FFF2-40B4-BE49-F238E27FC236}">
-                <a16:creationId xmlns:a16="http://schemas.microsoft.com/office/drawing/2014/main" id="{E7D48EC7-E7F0-4DD6-9AC3-3546610A426E}"/>
-              </a:ext>
-            </a:extLst>
-          </p:cNvPr>
-          <p:cNvPicPr>
-            <a:picLocks noChangeAspect="1"/>
-          </p:cNvPicPr>
-          <p:nvPr/>
-        </p:nvPicPr>
-        <p:blipFill>
-          <a:blip r:embed="rId7">
-            <a:extLst>
-              <a:ext uri="{28A0092B-C50C-407E-A947-70E740481C1C}">
-                <a14:useLocalDpi xmlns:a14="http://schemas.microsoft.com/office/drawing/2010/main" val="0"/>
-              </a:ext>
-            </a:extLst>
-          </a:blip>
-          <a:stretch>
-            <a:fillRect/>
-          </a:stretch>
-        </p:blipFill>
-        <p:spPr>
-          <a:xfrm>
-            <a:off x="2377035" y="4607252"/>
-            <a:ext cx="1342725" cy="1342725"/>
-          </a:xfrm>
-          <a:prstGeom prst="rect">
-            <a:avLst/>
-          </a:prstGeom>
-        </p:spPr>
-      </p:pic>
-      <p:pic>
-        <p:nvPicPr>
-          <p:cNvPr id="23" name="Picture 22" descr="A picture containing vector graphics&#10;&#10;Description automatically generated">
-            <a:extLst>
-              <a:ext uri="{FF2B5EF4-FFF2-40B4-BE49-F238E27FC236}">
-                <a16:creationId xmlns:a16="http://schemas.microsoft.com/office/drawing/2014/main" id="{D7E4E218-26B0-4024-B335-DD4293207573}"/>
-              </a:ext>
-            </a:extLst>
-          </p:cNvPr>
-          <p:cNvPicPr>
-            <a:picLocks noChangeAspect="1"/>
-          </p:cNvPicPr>
-          <p:nvPr/>
-        </p:nvPicPr>
-        <p:blipFill>
-          <a:blip r:embed="rId8">
-            <a:extLst>
-              <a:ext uri="{28A0092B-C50C-407E-A947-70E740481C1C}">
-                <a14:useLocalDpi xmlns:a14="http://schemas.microsoft.com/office/drawing/2010/main" val="0"/>
-              </a:ext>
-            </a:extLst>
-          </a:blip>
-          <a:stretch>
-            <a:fillRect/>
-          </a:stretch>
-        </p:blipFill>
-        <p:spPr>
-          <a:xfrm>
-            <a:off x="1388474" y="2432826"/>
-            <a:ext cx="1236583" cy="1236583"/>
-          </a:xfrm>
-          <a:prstGeom prst="rect">
-            <a:avLst/>
-          </a:prstGeom>
-        </p:spPr>
-      </p:pic>
-    </p:spTree>
-    <p:extLst>
-      <p:ext uri="{BB962C8B-B14F-4D97-AF65-F5344CB8AC3E}">
-        <p14:creationId xmlns:p14="http://schemas.microsoft.com/office/powerpoint/2010/main" val="3326600685"/>
-      </p:ext>
-    </p:extLst>
-  </p:cSld>
-  <p:clrMapOvr>
-    <a:masterClrMapping/>
-  </p:clrMapOvr>
-</p:sld>
-</file>
-
-<file path=ppt/slides/slide14.xml><?xml version="1.0" encoding="utf-8"?>
-<p:sld xmlns:a="http://schemas.openxmlformats.org/drawingml/2006/main" xmlns:r="http://schemas.openxmlformats.org/officeDocument/2006/relationships" xmlns:p="http://schemas.openxmlformats.org/presentationml/2006/main">
-  <p:cSld>
-    <p:spTree>
-      <p:nvGrpSpPr>
-        <p:cNvPr id="1" name=""/>
-        <p:cNvGrpSpPr/>
-        <p:nvPr/>
-      </p:nvGrpSpPr>
-      <p:grpSpPr>
-        <a:xfrm>
-          <a:off x="0" y="0"/>
-          <a:ext cx="0" cy="0"/>
-          <a:chOff x="0" y="0"/>
-          <a:chExt cx="0" cy="0"/>
-        </a:xfrm>
-      </p:grpSpPr>
-      <p:sp>
-        <p:nvSpPr>
-          <p:cNvPr id="3" name="Title 1">
-            <a:extLst>
-              <a:ext uri="{FF2B5EF4-FFF2-40B4-BE49-F238E27FC236}">
-                <a16:creationId xmlns:a16="http://schemas.microsoft.com/office/drawing/2014/main" id="{8DF06DBB-0C45-4A71-A94B-3CEAFAD70609}"/>
-              </a:ext>
-            </a:extLst>
-          </p:cNvPr>
-          <p:cNvSpPr txBox="1">
-            <a:spLocks/>
-          </p:cNvSpPr>
-          <p:nvPr/>
-        </p:nvSpPr>
-        <p:spPr>
-          <a:xfrm>
-            <a:off x="4292082" y="5594468"/>
-            <a:ext cx="6942017" cy="730501"/>
-          </a:xfrm>
-          <a:prstGeom prst="rect">
-            <a:avLst/>
-          </a:prstGeom>
-        </p:spPr>
-        <p:txBody>
-          <a:bodyPr/>
-          <a:lstStyle>
-            <a:lvl1pPr algn="l" defTabSz="914400" rtl="0" eaLnBrk="1" latinLnBrk="0" hangingPunct="1">
-              <a:lnSpc>
-                <a:spcPct val="90000"/>
-              </a:lnSpc>
-              <a:spcBef>
-                <a:spcPct val="0"/>
-              </a:spcBef>
-              <a:buNone/>
-              <a:defRPr sz="4400" kern="1200">
-                <a:solidFill>
-                  <a:schemeClr val="tx1"/>
-                </a:solidFill>
-                <a:latin typeface="+mj-lt"/>
-                <a:ea typeface="+mj-ea"/>
-                <a:cs typeface="+mj-cs"/>
-              </a:defRPr>
-            </a:lvl1pPr>
-          </a:lstStyle>
-          <a:p>
-            <a:pPr algn="r"/>
-            <a:r>
-              <a:rPr lang="en-US" sz="6000" dirty="0"/>
-              <a:t>canonical-</a:t>
-            </a:r>
-            <a:r>
-              <a:rPr lang="en-US" sz="6000" dirty="0" err="1"/>
-              <a:t>corr</a:t>
-            </a:r>
-            <a:r>
-              <a:rPr lang="en-US" sz="6000" dirty="0"/>
-              <a:t> &lt;</a:t>
-            </a:r>
-            <a:endParaRPr lang="en-GB" sz="6000" dirty="0"/>
-          </a:p>
-        </p:txBody>
-      </p:sp>
-      <p:pic>
-        <p:nvPicPr>
-          <p:cNvPr id="5" name="Picture 4">
-            <a:extLst>
-              <a:ext uri="{FF2B5EF4-FFF2-40B4-BE49-F238E27FC236}">
-                <a16:creationId xmlns:a16="http://schemas.microsoft.com/office/drawing/2014/main" id="{6529AEC4-0A7E-4E76-9DD5-54FDEFAC450C}"/>
-              </a:ext>
-            </a:extLst>
-          </p:cNvPr>
-          <p:cNvPicPr>
-            <a:picLocks noChangeAspect="1"/>
-          </p:cNvPicPr>
-          <p:nvPr/>
-        </p:nvPicPr>
-        <p:blipFill>
-          <a:blip r:embed="rId3"/>
-          <a:stretch>
-            <a:fillRect/>
-          </a:stretch>
-        </p:blipFill>
-        <p:spPr>
-          <a:xfrm>
-            <a:off x="1315784" y="288473"/>
-            <a:ext cx="7476245" cy="5235768"/>
-          </a:xfrm>
-          <a:prstGeom prst="rect">
-            <a:avLst/>
-          </a:prstGeom>
-        </p:spPr>
-      </p:pic>
-      <p:sp>
-        <p:nvSpPr>
-          <p:cNvPr id="7" name="Rectangle 6">
-            <a:extLst>
-              <a:ext uri="{FF2B5EF4-FFF2-40B4-BE49-F238E27FC236}">
-                <a16:creationId xmlns:a16="http://schemas.microsoft.com/office/drawing/2014/main" id="{61FEDF83-8BD4-43B3-B562-098310A5B218}"/>
-              </a:ext>
-            </a:extLst>
-          </p:cNvPr>
-          <p:cNvSpPr/>
-          <p:nvPr/>
-        </p:nvSpPr>
-        <p:spPr>
-          <a:xfrm>
-            <a:off x="4789716" y="4552470"/>
-            <a:ext cx="1159327" cy="498501"/>
-          </a:xfrm>
-          <a:prstGeom prst="rect">
-            <a:avLst/>
-          </a:prstGeom>
-          <a:noFill/>
-          <a:ln w="38100" cap="flat" cmpd="sng" algn="ctr">
-            <a:solidFill>
-              <a:schemeClr val="accent2"/>
-            </a:solidFill>
-            <a:prstDash val="solid"/>
-            <a:round/>
-            <a:headEnd type="none" w="med" len="med"/>
-            <a:tailEnd type="none" w="med" len="med"/>
-          </a:ln>
-        </p:spPr>
-        <p:style>
-          <a:lnRef idx="0">
-            <a:scrgbClr r="0" g="0" b="0"/>
-          </a:lnRef>
-          <a:fillRef idx="0">
-            <a:scrgbClr r="0" g="0" b="0"/>
-          </a:fillRef>
-          <a:effectRef idx="0">
-            <a:scrgbClr r="0" g="0" b="0"/>
-          </a:effectRef>
-          <a:fontRef idx="minor">
-            <a:schemeClr val="accent2"/>
-          </a:fontRef>
-        </p:style>
-        <p:txBody>
-          <a:bodyPr rtlCol="0" anchor="ctr"/>
-          <a:lstStyle/>
-          <a:p>
-            <a:pPr algn="ctr"/>
-            <a:endParaRPr lang="en-GB"/>
-          </a:p>
-        </p:txBody>
-      </p:sp>
-      <p:sp>
-        <p:nvSpPr>
-          <p:cNvPr id="9" name="Rectangle 8">
-            <a:extLst>
-              <a:ext uri="{FF2B5EF4-FFF2-40B4-BE49-F238E27FC236}">
-                <a16:creationId xmlns:a16="http://schemas.microsoft.com/office/drawing/2014/main" id="{93E89B2D-521D-4DCB-8D83-CF71DA4FC361}"/>
-              </a:ext>
-            </a:extLst>
-          </p:cNvPr>
-          <p:cNvSpPr/>
-          <p:nvPr/>
-        </p:nvSpPr>
-        <p:spPr>
-          <a:xfrm>
-            <a:off x="4169230" y="3878942"/>
-            <a:ext cx="1159328" cy="328387"/>
-          </a:xfrm>
-          <a:prstGeom prst="rect">
-            <a:avLst/>
-          </a:prstGeom>
-          <a:noFill/>
-          <a:ln w="38100" cap="flat" cmpd="sng" algn="ctr">
-            <a:solidFill>
-              <a:schemeClr val="accent1"/>
-            </a:solidFill>
-            <a:prstDash val="solid"/>
-            <a:round/>
-            <a:headEnd type="none" w="med" len="med"/>
-            <a:tailEnd type="none" w="med" len="med"/>
-          </a:ln>
-        </p:spPr>
-        <p:style>
-          <a:lnRef idx="0">
-            <a:scrgbClr r="0" g="0" b="0"/>
-          </a:lnRef>
-          <a:fillRef idx="0">
-            <a:scrgbClr r="0" g="0" b="0"/>
-          </a:fillRef>
-          <a:effectRef idx="0">
-            <a:scrgbClr r="0" g="0" b="0"/>
-          </a:effectRef>
-          <a:fontRef idx="minor">
-            <a:schemeClr val="accent2"/>
-          </a:fontRef>
-        </p:style>
-        <p:txBody>
-          <a:bodyPr rtlCol="0" anchor="ctr"/>
-          <a:lstStyle/>
-          <a:p>
-            <a:pPr algn="ctr"/>
-            <a:endParaRPr lang="en-GB"/>
-          </a:p>
-        </p:txBody>
-      </p:sp>
-      <p:sp>
-        <p:nvSpPr>
-          <p:cNvPr id="11" name="Rectangle 10">
-            <a:extLst>
-              <a:ext uri="{FF2B5EF4-FFF2-40B4-BE49-F238E27FC236}">
-                <a16:creationId xmlns:a16="http://schemas.microsoft.com/office/drawing/2014/main" id="{BA3E4B5E-0E58-429A-B922-E54CBAB121B2}"/>
-              </a:ext>
-            </a:extLst>
-          </p:cNvPr>
-          <p:cNvSpPr/>
-          <p:nvPr/>
-        </p:nvSpPr>
-        <p:spPr>
-          <a:xfrm>
-            <a:off x="4495107" y="3153656"/>
-            <a:ext cx="833452" cy="380146"/>
-          </a:xfrm>
-          <a:prstGeom prst="rect">
-            <a:avLst/>
-          </a:prstGeom>
-          <a:noFill/>
-          <a:ln w="38100" cap="flat" cmpd="sng" algn="ctr">
-            <a:solidFill>
-              <a:schemeClr val="accent6"/>
-            </a:solidFill>
-            <a:prstDash val="solid"/>
-            <a:round/>
-            <a:headEnd type="none" w="med" len="med"/>
-            <a:tailEnd type="none" w="med" len="med"/>
-          </a:ln>
-        </p:spPr>
-        <p:style>
-          <a:lnRef idx="0">
-            <a:scrgbClr r="0" g="0" b="0"/>
-          </a:lnRef>
-          <a:fillRef idx="0">
-            <a:scrgbClr r="0" g="0" b="0"/>
-          </a:fillRef>
-          <a:effectRef idx="0">
-            <a:scrgbClr r="0" g="0" b="0"/>
-          </a:effectRef>
-          <a:fontRef idx="minor">
-            <a:schemeClr val="accent2"/>
-          </a:fontRef>
-        </p:style>
-        <p:txBody>
-          <a:bodyPr rtlCol="0" anchor="ctr"/>
-          <a:lstStyle/>
-          <a:p>
-            <a:pPr algn="ctr"/>
-            <a:endParaRPr lang="en-GB"/>
-          </a:p>
-        </p:txBody>
-      </p:sp>
-    </p:spTree>
-    <p:extLst>
-      <p:ext uri="{BB962C8B-B14F-4D97-AF65-F5344CB8AC3E}">
-        <p14:creationId xmlns:p14="http://schemas.microsoft.com/office/powerpoint/2010/main" val="2272600339"/>
-      </p:ext>
-    </p:extLst>
-  </p:cSld>
-  <p:clrMapOvr>
-    <a:masterClrMapping/>
-  </p:clrMapOvr>
-</p:sld>
-</file>
-
-<file path=ppt/slides/slide15.xml><?xml version="1.0" encoding="utf-8"?>
-<p:sld xmlns:a="http://schemas.openxmlformats.org/drawingml/2006/main" xmlns:r="http://schemas.openxmlformats.org/officeDocument/2006/relationships" xmlns:p="http://schemas.openxmlformats.org/presentationml/2006/main">
-  <p:cSld>
-    <p:spTree>
-      <p:nvGrpSpPr>
-        <p:cNvPr id="1" name=""/>
-        <p:cNvGrpSpPr/>
-        <p:nvPr/>
-      </p:nvGrpSpPr>
-      <p:grpSpPr>
-        <a:xfrm>
-          <a:off x="0" y="0"/>
-          <a:ext cx="0" cy="0"/>
-          <a:chOff x="0" y="0"/>
-          <a:chExt cx="0" cy="0"/>
-        </a:xfrm>
-      </p:grpSpPr>
-      <p:sp>
-        <p:nvSpPr>
-          <p:cNvPr id="5" name="Title 1">
-            <a:extLst>
-              <a:ext uri="{FF2B5EF4-FFF2-40B4-BE49-F238E27FC236}">
-                <a16:creationId xmlns:a16="http://schemas.microsoft.com/office/drawing/2014/main" id="{ADF24C91-9937-4899-8865-64C373AFCC04}"/>
-              </a:ext>
-            </a:extLst>
-          </p:cNvPr>
-          <p:cNvSpPr txBox="1">
-            <a:spLocks/>
-          </p:cNvSpPr>
-          <p:nvPr/>
-        </p:nvSpPr>
-        <p:spPr>
-          <a:xfrm>
-            <a:off x="4914122" y="5594468"/>
-            <a:ext cx="6319977" cy="730501"/>
-          </a:xfrm>
-          <a:prstGeom prst="rect">
-            <a:avLst/>
-          </a:prstGeom>
-        </p:spPr>
-        <p:txBody>
-          <a:bodyPr/>
-          <a:lstStyle>
-            <a:lvl1pPr algn="l" defTabSz="914400" rtl="0" eaLnBrk="1" latinLnBrk="0" hangingPunct="1">
-              <a:lnSpc>
-                <a:spcPct val="90000"/>
-              </a:lnSpc>
-              <a:spcBef>
-                <a:spcPct val="0"/>
-              </a:spcBef>
-              <a:buNone/>
-              <a:defRPr sz="4400" kern="1200">
-                <a:solidFill>
-                  <a:schemeClr val="tx1"/>
-                </a:solidFill>
-                <a:latin typeface="+mj-lt"/>
-                <a:ea typeface="+mj-ea"/>
-                <a:cs typeface="+mj-cs"/>
-              </a:defRPr>
-            </a:lvl1pPr>
-          </a:lstStyle>
-          <a:p>
-            <a:pPr algn="r"/>
-            <a:r>
-              <a:rPr lang="en-US" sz="6000" dirty="0"/>
-              <a:t>canonical-</a:t>
-            </a:r>
-            <a:r>
-              <a:rPr lang="en-US" sz="6000" dirty="0" err="1"/>
-              <a:t>corr</a:t>
-            </a:r>
-            <a:r>
-              <a:rPr lang="en-US" sz="6000" dirty="0"/>
-              <a:t> &lt;</a:t>
-            </a:r>
-            <a:endParaRPr lang="en-GB" sz="6000" dirty="0"/>
-          </a:p>
-          <a:p>
-            <a:pPr algn="r"/>
-            <a:endParaRPr lang="en-GB" sz="6000" dirty="0"/>
-          </a:p>
-        </p:txBody>
-      </p:sp>
-      <p:pic>
-        <p:nvPicPr>
-          <p:cNvPr id="11" name="Picture 10">
-            <a:extLst>
-              <a:ext uri="{FF2B5EF4-FFF2-40B4-BE49-F238E27FC236}">
-                <a16:creationId xmlns:a16="http://schemas.microsoft.com/office/drawing/2014/main" id="{CD22692C-CAF8-442E-8753-3995AEC04EF7}"/>
-              </a:ext>
-            </a:extLst>
-          </p:cNvPr>
-          <p:cNvPicPr>
-            <a:picLocks noChangeAspect="1"/>
-          </p:cNvPicPr>
-          <p:nvPr/>
-        </p:nvPicPr>
-        <p:blipFill>
-          <a:blip r:embed="rId3"/>
-          <a:stretch>
-            <a:fillRect/>
-          </a:stretch>
-        </p:blipFill>
-        <p:spPr>
-          <a:xfrm>
-            <a:off x="2287504" y="936094"/>
-            <a:ext cx="3103666" cy="1650639"/>
-          </a:xfrm>
-          <a:prstGeom prst="rect">
-            <a:avLst/>
-          </a:prstGeom>
-        </p:spPr>
-      </p:pic>
-      <p:pic>
-        <p:nvPicPr>
-          <p:cNvPr id="13" name="Picture 12">
-            <a:extLst>
-              <a:ext uri="{FF2B5EF4-FFF2-40B4-BE49-F238E27FC236}">
-                <a16:creationId xmlns:a16="http://schemas.microsoft.com/office/drawing/2014/main" id="{4C31495E-346C-4F4D-B347-29B2F9EB7145}"/>
-              </a:ext>
-            </a:extLst>
-          </p:cNvPr>
-          <p:cNvPicPr>
-            <a:picLocks noChangeAspect="1"/>
-          </p:cNvPicPr>
-          <p:nvPr/>
-        </p:nvPicPr>
-        <p:blipFill>
-          <a:blip r:embed="rId4"/>
-          <a:stretch>
-            <a:fillRect/>
-          </a:stretch>
-        </p:blipFill>
-        <p:spPr>
-          <a:xfrm>
-            <a:off x="7289875" y="1712351"/>
-            <a:ext cx="2691268" cy="1874024"/>
-          </a:xfrm>
-          <a:prstGeom prst="rect">
-            <a:avLst/>
-          </a:prstGeom>
-        </p:spPr>
-      </p:pic>
-      <p:pic>
-        <p:nvPicPr>
-          <p:cNvPr id="15" name="Picture 14">
-            <a:extLst>
-              <a:ext uri="{FF2B5EF4-FFF2-40B4-BE49-F238E27FC236}">
-                <a16:creationId xmlns:a16="http://schemas.microsoft.com/office/drawing/2014/main" id="{0FA28FC8-4138-46CC-A53B-E285F30E0354}"/>
-              </a:ext>
-            </a:extLst>
-          </p:cNvPr>
-          <p:cNvPicPr>
-            <a:picLocks noChangeAspect="1"/>
-          </p:cNvPicPr>
-          <p:nvPr/>
-        </p:nvPicPr>
-        <p:blipFill>
-          <a:blip r:embed="rId5"/>
-          <a:stretch>
-            <a:fillRect/>
-          </a:stretch>
-        </p:blipFill>
-        <p:spPr>
-          <a:xfrm>
-            <a:off x="2099085" y="3531216"/>
-            <a:ext cx="3927437" cy="978154"/>
-          </a:xfrm>
-          <a:prstGeom prst="rect">
-            <a:avLst/>
-          </a:prstGeom>
-        </p:spPr>
-      </p:pic>
-      <p:sp>
-        <p:nvSpPr>
-          <p:cNvPr id="17" name="Rectangle 16">
-            <a:extLst>
-              <a:ext uri="{FF2B5EF4-FFF2-40B4-BE49-F238E27FC236}">
-                <a16:creationId xmlns:a16="http://schemas.microsoft.com/office/drawing/2014/main" id="{49253AE0-5575-4CFA-A924-C60BB82AE21D}"/>
-              </a:ext>
-            </a:extLst>
-          </p:cNvPr>
-          <p:cNvSpPr/>
-          <p:nvPr/>
-        </p:nvSpPr>
-        <p:spPr>
-          <a:xfrm>
-            <a:off x="7166697" y="1622311"/>
-            <a:ext cx="2926218" cy="2051813"/>
-          </a:xfrm>
-          <a:prstGeom prst="rect">
-            <a:avLst/>
-          </a:prstGeom>
-          <a:noFill/>
-          <a:ln w="38100" cap="flat" cmpd="sng" algn="ctr">
-            <a:solidFill>
-              <a:schemeClr val="accent6"/>
-            </a:solidFill>
-            <a:prstDash val="solid"/>
-            <a:round/>
-            <a:headEnd type="none" w="med" len="med"/>
-            <a:tailEnd type="none" w="med" len="med"/>
-          </a:ln>
-        </p:spPr>
-        <p:style>
-          <a:lnRef idx="0">
-            <a:scrgbClr r="0" g="0" b="0"/>
-          </a:lnRef>
-          <a:fillRef idx="0">
-            <a:scrgbClr r="0" g="0" b="0"/>
-          </a:fillRef>
-          <a:effectRef idx="0">
-            <a:scrgbClr r="0" g="0" b="0"/>
-          </a:effectRef>
-          <a:fontRef idx="minor">
-            <a:schemeClr val="accent2"/>
-          </a:fontRef>
-        </p:style>
-        <p:txBody>
-          <a:bodyPr rtlCol="0" anchor="ctr"/>
-          <a:lstStyle/>
-          <a:p>
-            <a:pPr algn="ctr"/>
-            <a:endParaRPr lang="en-GB"/>
-          </a:p>
-        </p:txBody>
-      </p:sp>
-      <p:sp>
-        <p:nvSpPr>
-          <p:cNvPr id="19" name="Rectangle 18">
-            <a:extLst>
-              <a:ext uri="{FF2B5EF4-FFF2-40B4-BE49-F238E27FC236}">
-                <a16:creationId xmlns:a16="http://schemas.microsoft.com/office/drawing/2014/main" id="{42B20FEE-8D9F-4A8E-8D10-5030D83C37FB}"/>
-              </a:ext>
-            </a:extLst>
-          </p:cNvPr>
-          <p:cNvSpPr/>
-          <p:nvPr/>
-        </p:nvSpPr>
-        <p:spPr>
-          <a:xfrm>
-            <a:off x="1987312" y="3429000"/>
-            <a:ext cx="4108687" cy="1176051"/>
-          </a:xfrm>
-          <a:prstGeom prst="rect">
-            <a:avLst/>
-          </a:prstGeom>
-          <a:noFill/>
-          <a:ln w="38100" cap="flat" cmpd="sng" algn="ctr">
-            <a:solidFill>
-              <a:schemeClr val="accent1"/>
-            </a:solidFill>
-            <a:prstDash val="solid"/>
-            <a:round/>
-            <a:headEnd type="none" w="med" len="med"/>
-            <a:tailEnd type="none" w="med" len="med"/>
-          </a:ln>
-        </p:spPr>
-        <p:style>
-          <a:lnRef idx="0">
-            <a:scrgbClr r="0" g="0" b="0"/>
-          </a:lnRef>
-          <a:fillRef idx="0">
-            <a:scrgbClr r="0" g="0" b="0"/>
-          </a:fillRef>
-          <a:effectRef idx="0">
-            <a:scrgbClr r="0" g="0" b="0"/>
-          </a:effectRef>
-          <a:fontRef idx="minor">
-            <a:schemeClr val="accent2"/>
-          </a:fontRef>
-        </p:style>
-        <p:txBody>
-          <a:bodyPr rtlCol="0" anchor="ctr"/>
-          <a:lstStyle/>
-          <a:p>
-            <a:pPr algn="ctr"/>
-            <a:endParaRPr lang="en-GB"/>
-          </a:p>
-        </p:txBody>
-      </p:sp>
-      <p:sp>
-        <p:nvSpPr>
-          <p:cNvPr id="21" name="Rectangle 20">
-            <a:extLst>
-              <a:ext uri="{FF2B5EF4-FFF2-40B4-BE49-F238E27FC236}">
-                <a16:creationId xmlns:a16="http://schemas.microsoft.com/office/drawing/2014/main" id="{6274BB9E-A4FD-4FFD-A46E-9542FD2377CD}"/>
-              </a:ext>
-            </a:extLst>
-          </p:cNvPr>
-          <p:cNvSpPr/>
-          <p:nvPr/>
-        </p:nvSpPr>
-        <p:spPr>
-          <a:xfrm>
-            <a:off x="2167701" y="840413"/>
-            <a:ext cx="3379292" cy="1831177"/>
-          </a:xfrm>
-          <a:prstGeom prst="rect">
-            <a:avLst/>
-          </a:prstGeom>
-          <a:noFill/>
-          <a:ln w="38100" cap="flat" cmpd="sng" algn="ctr">
-            <a:solidFill>
-              <a:schemeClr val="accent2"/>
-            </a:solidFill>
-            <a:prstDash val="solid"/>
-            <a:round/>
-            <a:headEnd type="none" w="med" len="med"/>
-            <a:tailEnd type="none" w="med" len="med"/>
-          </a:ln>
-        </p:spPr>
-        <p:style>
-          <a:lnRef idx="0">
-            <a:scrgbClr r="0" g="0" b="0"/>
-          </a:lnRef>
-          <a:fillRef idx="0">
-            <a:scrgbClr r="0" g="0" b="0"/>
-          </a:fillRef>
-          <a:effectRef idx="0">
-            <a:scrgbClr r="0" g="0" b="0"/>
-          </a:effectRef>
-          <a:fontRef idx="minor">
-            <a:schemeClr val="accent2"/>
-          </a:fontRef>
-        </p:style>
-        <p:txBody>
-          <a:bodyPr rtlCol="0" anchor="ctr"/>
-          <a:lstStyle/>
-          <a:p>
-            <a:pPr algn="ctr"/>
-            <a:endParaRPr lang="en-GB"/>
-          </a:p>
-        </p:txBody>
-      </p:sp>
-    </p:spTree>
-    <p:extLst>
-      <p:ext uri="{BB962C8B-B14F-4D97-AF65-F5344CB8AC3E}">
-        <p14:creationId xmlns:p14="http://schemas.microsoft.com/office/powerpoint/2010/main" val="3447104059"/>
-      </p:ext>
-    </p:extLst>
-  </p:cSld>
-  <p:clrMapOvr>
-    <a:masterClrMapping/>
-  </p:clrMapOvr>
-</p:sld>
-</file>
-
-<file path=ppt/slides/slide16.xml><?xml version="1.0" encoding="utf-8"?>
-<p:sld xmlns:a="http://schemas.openxmlformats.org/drawingml/2006/main" xmlns:r="http://schemas.openxmlformats.org/officeDocument/2006/relationships" xmlns:p="http://schemas.openxmlformats.org/presentationml/2006/main">
-  <p:cSld>
-    <p:spTree>
-      <p:nvGrpSpPr>
-        <p:cNvPr id="1" name=""/>
-        <p:cNvGrpSpPr/>
-        <p:nvPr/>
-      </p:nvGrpSpPr>
-      <p:grpSpPr>
-        <a:xfrm>
-          <a:off x="0" y="0"/>
-          <a:ext cx="0" cy="0"/>
-          <a:chOff x="0" y="0"/>
-          <a:chExt cx="0" cy="0"/>
-        </a:xfrm>
-      </p:grpSpPr>
-      <p:sp>
-        <p:nvSpPr>
-          <p:cNvPr id="3" name="Title 1">
-            <a:extLst>
-              <a:ext uri="{FF2B5EF4-FFF2-40B4-BE49-F238E27FC236}">
-                <a16:creationId xmlns:a16="http://schemas.microsoft.com/office/drawing/2014/main" id="{8BCC4997-1BD3-4041-803B-C42D75E0F52A}"/>
-              </a:ext>
-            </a:extLst>
-          </p:cNvPr>
-          <p:cNvSpPr txBox="1">
-            <a:spLocks/>
-          </p:cNvSpPr>
-          <p:nvPr/>
-        </p:nvSpPr>
-        <p:spPr>
-          <a:xfrm>
-            <a:off x="5231363" y="5594468"/>
-            <a:ext cx="6002736" cy="730501"/>
-          </a:xfrm>
-          <a:prstGeom prst="rect">
-            <a:avLst/>
-          </a:prstGeom>
-        </p:spPr>
-        <p:txBody>
-          <a:bodyPr/>
-          <a:lstStyle>
-            <a:lvl1pPr algn="l" defTabSz="914400" rtl="0" eaLnBrk="1" latinLnBrk="0" hangingPunct="1">
-              <a:lnSpc>
-                <a:spcPct val="90000"/>
-              </a:lnSpc>
-              <a:spcBef>
-                <a:spcPct val="0"/>
-              </a:spcBef>
-              <a:buNone/>
-              <a:defRPr sz="4400" kern="1200">
-                <a:solidFill>
-                  <a:schemeClr val="tx1"/>
-                </a:solidFill>
-                <a:latin typeface="+mj-lt"/>
-                <a:ea typeface="+mj-ea"/>
-                <a:cs typeface="+mj-cs"/>
-              </a:defRPr>
-            </a:lvl1pPr>
-          </a:lstStyle>
-          <a:p>
-            <a:pPr algn="r"/>
-            <a:r>
-              <a:rPr lang="en-US" sz="6000" dirty="0"/>
-              <a:t>end &lt;</a:t>
-            </a:r>
-            <a:endParaRPr lang="en-GB" sz="6000" dirty="0"/>
-          </a:p>
-        </p:txBody>
-      </p:sp>
-      <p:sp>
-        <p:nvSpPr>
-          <p:cNvPr id="4" name="TextBox 3">
-            <a:extLst>
-              <a:ext uri="{FF2B5EF4-FFF2-40B4-BE49-F238E27FC236}">
-                <a16:creationId xmlns:a16="http://schemas.microsoft.com/office/drawing/2014/main" id="{D17F5D03-303D-4301-82F3-0C0C061AA3E2}"/>
-              </a:ext>
-            </a:extLst>
-          </p:cNvPr>
-          <p:cNvSpPr txBox="1"/>
-          <p:nvPr/>
-        </p:nvSpPr>
-        <p:spPr>
-          <a:xfrm>
-            <a:off x="1240971" y="2500085"/>
-            <a:ext cx="9462077" cy="830997"/>
-          </a:xfrm>
-          <a:prstGeom prst="rect">
-            <a:avLst/>
-          </a:prstGeom>
-          <a:noFill/>
-        </p:spPr>
-        <p:txBody>
-          <a:bodyPr wrap="none" rtlCol="0">
-            <a:spAutoFit/>
-          </a:bodyPr>
-          <a:lstStyle/>
-          <a:p>
-            <a:r>
-              <a:rPr lang="en-GB" sz="2400" dirty="0"/>
-              <a:t>notebook		</a:t>
-            </a:r>
-            <a:r>
-              <a:rPr lang="en-GB" sz="2400" dirty="0">
-                <a:hlinkClick r:id="rId2"/>
-              </a:rPr>
-              <a:t>github.com/ranieri-unimi/spawn-em-all-manzi-2022</a:t>
-            </a:r>
-            <a:endParaRPr lang="en-GB" sz="2400" dirty="0"/>
-          </a:p>
-          <a:p>
-            <a:r>
-              <a:rPr lang="en-GB" sz="2400" dirty="0"/>
-              <a:t>dataset		</a:t>
-            </a:r>
-            <a:r>
-              <a:rPr lang="en-GB" sz="2400" dirty="0">
-                <a:hlinkClick r:id="rId3"/>
-              </a:rPr>
-              <a:t>kaggle.com/semioniy/predictemall</a:t>
-            </a:r>
-            <a:endParaRPr lang="en-GB" sz="2400" dirty="0"/>
-          </a:p>
-        </p:txBody>
-      </p:sp>
-      <p:pic>
-        <p:nvPicPr>
-          <p:cNvPr id="2" name="Picture 1">
-            <a:extLst>
-              <a:ext uri="{FF2B5EF4-FFF2-40B4-BE49-F238E27FC236}">
-                <a16:creationId xmlns:a16="http://schemas.microsoft.com/office/drawing/2014/main" id="{60DBEE4F-983C-4862-9318-6956E3DD5B62}"/>
-              </a:ext>
-            </a:extLst>
-          </p:cNvPr>
-          <p:cNvPicPr>
-            <a:picLocks noChangeAspect="1"/>
-          </p:cNvPicPr>
-          <p:nvPr/>
-        </p:nvPicPr>
-        <p:blipFill>
-          <a:blip r:embed="rId4">
-            <a:extLst>
-              <a:ext uri="{28A0092B-C50C-407E-A947-70E740481C1C}">
-                <a14:useLocalDpi xmlns:a14="http://schemas.microsoft.com/office/drawing/2010/main" val="0"/>
-              </a:ext>
-            </a:extLst>
-          </a:blip>
-          <a:stretch>
-            <a:fillRect/>
-          </a:stretch>
-        </p:blipFill>
-        <p:spPr>
-          <a:xfrm>
-            <a:off x="7560042" y="5212231"/>
-            <a:ext cx="1494973" cy="1494973"/>
-          </a:xfrm>
-          <a:prstGeom prst="rect">
-            <a:avLst/>
-          </a:prstGeom>
-        </p:spPr>
-      </p:pic>
-    </p:spTree>
-    <p:extLst>
-      <p:ext uri="{BB962C8B-B14F-4D97-AF65-F5344CB8AC3E}">
-        <p14:creationId xmlns:p14="http://schemas.microsoft.com/office/powerpoint/2010/main" val="757033059"/>
-      </p:ext>
-    </p:extLst>
-  </p:cSld>
-  <p:clrMapOvr>
-    <a:masterClrMapping/>
-  </p:clrMapOvr>
-</p:sld>
-</file>
-
-<file path=ppt/slides/slide17.xml><?xml version="1.0" encoding="utf-8"?>
-<p:sld xmlns:a="http://schemas.openxmlformats.org/drawingml/2006/main" xmlns:r="http://schemas.openxmlformats.org/officeDocument/2006/relationships" xmlns:p="http://schemas.openxmlformats.org/presentationml/2006/main">
-  <p:cSld>
-    <p:spTree>
-      <p:nvGrpSpPr>
-        <p:cNvPr id="1" name=""/>
-        <p:cNvGrpSpPr/>
-        <p:nvPr/>
-      </p:nvGrpSpPr>
-      <p:grpSpPr>
-        <a:xfrm>
-          <a:off x="0" y="0"/>
-          <a:ext cx="0" cy="0"/>
-          <a:chOff x="0" y="0"/>
-          <a:chExt cx="0" cy="0"/>
-        </a:xfrm>
-      </p:grpSpPr>
-    </p:spTree>
-    <p:extLst>
-      <p:ext uri="{BB962C8B-B14F-4D97-AF65-F5344CB8AC3E}">
-        <p14:creationId xmlns:p14="http://schemas.microsoft.com/office/powerpoint/2010/main" val="4216920237"/>
-      </p:ext>
-    </p:extLst>
-  </p:cSld>
-  <p:clrMapOvr>
-    <a:masterClrMapping/>
-  </p:clrMapOvr>
-</p:sld>
-</file>
-
-<file path=ppt/slides/slide18.xml><?xml version="1.0" encoding="utf-8"?>
-<p:sld xmlns:a="http://schemas.openxmlformats.org/drawingml/2006/main" xmlns:r="http://schemas.openxmlformats.org/officeDocument/2006/relationships" xmlns:p="http://schemas.openxmlformats.org/presentationml/2006/main">
-  <p:cSld>
-    <p:spTree>
-      <p:nvGrpSpPr>
-        <p:cNvPr id="1" name=""/>
-        <p:cNvGrpSpPr/>
-        <p:nvPr/>
-      </p:nvGrpSpPr>
-      <p:grpSpPr>
-        <a:xfrm>
-          <a:off x="0" y="0"/>
-          <a:ext cx="0" cy="0"/>
-          <a:chOff x="0" y="0"/>
-          <a:chExt cx="0" cy="0"/>
-        </a:xfrm>
-      </p:grpSpPr>
-      <p:sp>
-        <p:nvSpPr>
-          <p:cNvPr id="2" name="Title 1">
-            <a:extLst>
-              <a:ext uri="{FF2B5EF4-FFF2-40B4-BE49-F238E27FC236}">
-                <a16:creationId xmlns:a16="http://schemas.microsoft.com/office/drawing/2014/main" id="{AA5A5662-DF9F-4992-9450-997FBF73F708}"/>
-              </a:ext>
-            </a:extLst>
-          </p:cNvPr>
-          <p:cNvSpPr>
-            <a:spLocks noGrp="1"/>
-          </p:cNvSpPr>
-          <p:nvPr>
-            <p:ph type="title"/>
-          </p:nvPr>
-        </p:nvSpPr>
-        <p:spPr/>
-        <p:txBody>
-          <a:bodyPr/>
-          <a:lstStyle/>
-          <a:p>
-            <a:pPr algn="r"/>
-            <a:r>
-              <a:rPr lang="en-US" i="1" dirty="0"/>
-              <a:t>abstract &lt;</a:t>
-            </a:r>
-            <a:endParaRPr lang="en-GB" i="1" dirty="0"/>
-          </a:p>
-        </p:txBody>
-      </p:sp>
-      <p:sp>
-        <p:nvSpPr>
-          <p:cNvPr id="3" name="Content Placeholder 2">
-            <a:extLst>
-              <a:ext uri="{FF2B5EF4-FFF2-40B4-BE49-F238E27FC236}">
-                <a16:creationId xmlns:a16="http://schemas.microsoft.com/office/drawing/2014/main" id="{EA012A53-B82D-448B-8600-019E7A331EFC}"/>
-              </a:ext>
-            </a:extLst>
-          </p:cNvPr>
-          <p:cNvSpPr>
-            <a:spLocks noGrp="1"/>
-          </p:cNvSpPr>
-          <p:nvPr>
-            <p:ph idx="1"/>
-          </p:nvPr>
-        </p:nvSpPr>
-        <p:spPr/>
-        <p:txBody>
-          <a:bodyPr/>
-          <a:lstStyle/>
-          <a:p>
-            <a:pPr marL="0" indent="0" algn="r">
-              <a:lnSpc>
-                <a:spcPct val="107000"/>
-              </a:lnSpc>
-              <a:spcAft>
-                <a:spcPts val="800"/>
-              </a:spcAft>
-              <a:buNone/>
-            </a:pPr>
-            <a:r>
-              <a:rPr lang="en-GB" sz="1800" i="1" dirty="0">
-                <a:effectLst/>
-                <a:latin typeface="Calibri" panose="020F0502020204030204" pitchFamily="34" charset="0"/>
-                <a:ea typeface="Calibri" panose="020F0502020204030204" pitchFamily="34" charset="0"/>
-                <a:cs typeface="Times New Roman" panose="02020603050405020304" pitchFamily="18" charset="0"/>
-              </a:rPr>
-              <a:t>In a game design context, generating objects (like enemies, items etc.) in an automatic but sensible way is a key factor. In this project we will model multiple analyses to exploit the generative process (the so-called spawn algorithm) behind a geolocation-aware game platform (Pokémon Go).</a:t>
-            </a:r>
-            <a:endParaRPr lang="en-GB" sz="1800" dirty="0">
-              <a:effectLst/>
-              <a:latin typeface="Calibri" panose="020F0502020204030204" pitchFamily="34" charset="0"/>
-              <a:ea typeface="Calibri" panose="020F0502020204030204" pitchFamily="34" charset="0"/>
-              <a:cs typeface="Times New Roman" panose="02020603050405020304" pitchFamily="18" charset="0"/>
-            </a:endParaRPr>
-          </a:p>
-          <a:p>
-            <a:pPr marL="0" indent="0" algn="r">
-              <a:lnSpc>
-                <a:spcPct val="107000"/>
-              </a:lnSpc>
-              <a:spcAft>
-                <a:spcPts val="800"/>
-              </a:spcAft>
-              <a:buNone/>
-            </a:pPr>
-            <a:r>
-              <a:rPr lang="en-GB" sz="1800" i="1" dirty="0">
-                <a:effectLst/>
-                <a:latin typeface="Calibri" panose="020F0502020204030204" pitchFamily="34" charset="0"/>
-                <a:ea typeface="Calibri" panose="020F0502020204030204" pitchFamily="34" charset="0"/>
-                <a:cs typeface="Times New Roman" panose="02020603050405020304" pitchFamily="18" charset="0"/>
-              </a:rPr>
-              <a:t>Since the spawn algorithm is kept secret but input like neighbourhood statistics, timeslot, weather parameters and fixed-object coordinates, and output (generated-object coordinates) are observable, we will provide a valid approximation of the generating mixture working on a sample dataset made up to 300.000 observation described by more than 200 features.</a:t>
-            </a:r>
-            <a:endParaRPr lang="en-GB" sz="1800" dirty="0">
-              <a:effectLst/>
-              <a:latin typeface="Calibri" panose="020F0502020204030204" pitchFamily="34" charset="0"/>
-              <a:ea typeface="Calibri" panose="020F0502020204030204" pitchFamily="34" charset="0"/>
-              <a:cs typeface="Times New Roman" panose="02020603050405020304" pitchFamily="18" charset="0"/>
-            </a:endParaRPr>
-          </a:p>
-        </p:txBody>
-      </p:sp>
-    </p:spTree>
-    <p:extLst>
-      <p:ext uri="{BB962C8B-B14F-4D97-AF65-F5344CB8AC3E}">
-        <p14:creationId xmlns:p14="http://schemas.microsoft.com/office/powerpoint/2010/main" val="2659839386"/>
-      </p:ext>
-    </p:extLst>
-  </p:cSld>
-  <p:clrMapOvr>
-    <a:masterClrMapping/>
-  </p:clrMapOvr>
-</p:sld>
-</file>
-
-<file path=ppt/slides/slide2.xml><?xml version="1.0" encoding="utf-8"?>
-<p:sld xmlns:a="http://schemas.openxmlformats.org/drawingml/2006/main" xmlns:r="http://schemas.openxmlformats.org/officeDocument/2006/relationships" xmlns:p="http://schemas.openxmlformats.org/presentationml/2006/main">
-  <p:cSld>
-    <p:spTree>
-      <p:nvGrpSpPr>
-        <p:cNvPr id="1" name=""/>
-        <p:cNvGrpSpPr/>
-        <p:nvPr/>
-      </p:nvGrpSpPr>
-      <p:grpSpPr>
-        <a:xfrm>
-          <a:off x="0" y="0"/>
-          <a:ext cx="0" cy="0"/>
-          <a:chOff x="0" y="0"/>
-          <a:chExt cx="0" cy="0"/>
-        </a:xfrm>
-      </p:grpSpPr>
-      <p:sp>
-        <p:nvSpPr>
-          <p:cNvPr id="3" name="Title 1">
-            <a:extLst>
-              <a:ext uri="{FF2B5EF4-FFF2-40B4-BE49-F238E27FC236}">
-                <a16:creationId xmlns:a16="http://schemas.microsoft.com/office/drawing/2014/main" id="{C1E7F4E9-0984-4DBE-A2CD-F52E9444F218}"/>
-              </a:ext>
-            </a:extLst>
-          </p:cNvPr>
-          <p:cNvSpPr txBox="1">
-            <a:spLocks/>
-          </p:cNvSpPr>
-          <p:nvPr/>
-        </p:nvSpPr>
-        <p:spPr>
-          <a:xfrm>
-            <a:off x="7116147" y="5594468"/>
-            <a:ext cx="4117952" cy="730501"/>
-          </a:xfrm>
-          <a:prstGeom prst="rect">
-            <a:avLst/>
-          </a:prstGeom>
-        </p:spPr>
-        <p:txBody>
-          <a:bodyPr/>
-          <a:lstStyle>
-            <a:lvl1pPr algn="l" defTabSz="914400" rtl="0" eaLnBrk="1" latinLnBrk="0" hangingPunct="1">
-              <a:lnSpc>
-                <a:spcPct val="90000"/>
-              </a:lnSpc>
-              <a:spcBef>
-                <a:spcPct val="0"/>
-              </a:spcBef>
-              <a:buNone/>
-              <a:defRPr sz="4400" kern="1200">
-                <a:solidFill>
-                  <a:schemeClr val="tx1"/>
-                </a:solidFill>
-                <a:latin typeface="+mj-lt"/>
-                <a:ea typeface="+mj-ea"/>
-                <a:cs typeface="+mj-cs"/>
-              </a:defRPr>
-            </a:lvl1pPr>
-          </a:lstStyle>
-          <a:p>
-            <a:pPr algn="r"/>
-            <a:r>
-              <a:rPr lang="en-US" sz="6000" dirty="0"/>
-              <a:t>problem &lt; </a:t>
-            </a:r>
-            <a:endParaRPr lang="en-GB" sz="6000" dirty="0"/>
-          </a:p>
-        </p:txBody>
-      </p:sp>
-      <p:pic>
-        <p:nvPicPr>
-          <p:cNvPr id="5" name="Picture 4">
-            <a:extLst>
-              <a:ext uri="{FF2B5EF4-FFF2-40B4-BE49-F238E27FC236}">
-                <a16:creationId xmlns:a16="http://schemas.microsoft.com/office/drawing/2014/main" id="{98B8CDAE-EE82-4901-8D4E-62479575F8D2}"/>
-              </a:ext>
-            </a:extLst>
-          </p:cNvPr>
-          <p:cNvPicPr>
-            <a:picLocks noChangeAspect="1"/>
-          </p:cNvPicPr>
-          <p:nvPr/>
-        </p:nvPicPr>
-        <p:blipFill rotWithShape="1">
-          <a:blip r:embed="rId3">
-            <a:extLst>
-              <a:ext uri="{28A0092B-C50C-407E-A947-70E740481C1C}">
-                <a14:useLocalDpi xmlns:a14="http://schemas.microsoft.com/office/drawing/2010/main" val="0"/>
-              </a:ext>
-            </a:extLst>
-          </a:blip>
-          <a:srcRect l="30389" t="44924" r="17041"/>
-          <a:stretch/>
-        </p:blipFill>
-        <p:spPr>
-          <a:xfrm>
-            <a:off x="1117373" y="2047760"/>
-            <a:ext cx="2518229" cy="2638293"/>
-          </a:xfrm>
-          <a:prstGeom prst="rect">
-            <a:avLst/>
-          </a:prstGeom>
-        </p:spPr>
-      </p:pic>
-      <p:pic>
-        <p:nvPicPr>
-          <p:cNvPr id="9" name="Graphic 8" descr="Partial sun outline">
-            <a:extLst>
-              <a:ext uri="{FF2B5EF4-FFF2-40B4-BE49-F238E27FC236}">
-                <a16:creationId xmlns:a16="http://schemas.microsoft.com/office/drawing/2014/main" id="{32DFEED1-284B-48A2-AA92-89EE41BC2ACB}"/>
-              </a:ext>
-            </a:extLst>
-          </p:cNvPr>
-          <p:cNvPicPr>
-            <a:picLocks noChangeAspect="1"/>
-          </p:cNvPicPr>
-          <p:nvPr/>
-        </p:nvPicPr>
-        <p:blipFill>
-          <a:blip r:embed="rId4">
-            <a:extLst>
-              <a:ext uri="{28A0092B-C50C-407E-A947-70E740481C1C}">
-                <a14:useLocalDpi xmlns:a14="http://schemas.microsoft.com/office/drawing/2010/main" val="0"/>
-              </a:ext>
-              <a:ext uri="{96DAC541-7B7A-43D3-8B79-37D633B846F1}">
-                <asvg:svgBlip xmlns:asvg="http://schemas.microsoft.com/office/drawing/2016/SVG/main" r:embed="rId5"/>
-              </a:ext>
-            </a:extLst>
-          </a:blip>
-          <a:stretch>
-            <a:fillRect/>
-          </a:stretch>
-        </p:blipFill>
-        <p:spPr>
-          <a:xfrm>
-            <a:off x="5314120" y="2370995"/>
-            <a:ext cx="1688459" cy="1688459"/>
-          </a:xfrm>
-          <a:prstGeom prst="rect">
-            <a:avLst/>
-          </a:prstGeom>
-        </p:spPr>
-      </p:pic>
-      <p:pic>
-        <p:nvPicPr>
-          <p:cNvPr id="11" name="Graphic 10" descr="City outline">
-            <a:extLst>
-              <a:ext uri="{FF2B5EF4-FFF2-40B4-BE49-F238E27FC236}">
-                <a16:creationId xmlns:a16="http://schemas.microsoft.com/office/drawing/2014/main" id="{DD724092-B836-4BD6-B046-C11A78E9F5A5}"/>
-              </a:ext>
-            </a:extLst>
-          </p:cNvPr>
-          <p:cNvPicPr>
-            <a:picLocks noChangeAspect="1"/>
-          </p:cNvPicPr>
-          <p:nvPr/>
-        </p:nvPicPr>
-        <p:blipFill>
-          <a:blip r:embed="rId6">
-            <a:extLst>
-              <a:ext uri="{28A0092B-C50C-407E-A947-70E740481C1C}">
-                <a14:useLocalDpi xmlns:a14="http://schemas.microsoft.com/office/drawing/2010/main" val="0"/>
-              </a:ext>
-              <a:ext uri="{96DAC541-7B7A-43D3-8B79-37D633B846F1}">
-                <asvg:svgBlip xmlns:asvg="http://schemas.microsoft.com/office/drawing/2016/SVG/main" r:embed="rId7"/>
-              </a:ext>
-            </a:extLst>
-          </a:blip>
-          <a:stretch>
-            <a:fillRect/>
-          </a:stretch>
-        </p:blipFill>
-        <p:spPr>
-          <a:xfrm>
-            <a:off x="5314120" y="599175"/>
-            <a:ext cx="1688459" cy="1688459"/>
-          </a:xfrm>
-          <a:prstGeom prst="rect">
-            <a:avLst/>
-          </a:prstGeom>
-        </p:spPr>
-      </p:pic>
-      <p:pic>
-        <p:nvPicPr>
-          <p:cNvPr id="13" name="Graphic 12" descr="Moon and stars outline">
-            <a:extLst>
-              <a:ext uri="{FF2B5EF4-FFF2-40B4-BE49-F238E27FC236}">
-                <a16:creationId xmlns:a16="http://schemas.microsoft.com/office/drawing/2014/main" id="{6BA2180B-AC38-469D-91E3-2EBB133BE3B8}"/>
-              </a:ext>
-            </a:extLst>
-          </p:cNvPr>
-          <p:cNvPicPr>
-            <a:picLocks noChangeAspect="1"/>
-          </p:cNvPicPr>
-          <p:nvPr/>
-        </p:nvPicPr>
-        <p:blipFill>
-          <a:blip r:embed="rId8">
-            <a:extLst>
-              <a:ext uri="{28A0092B-C50C-407E-A947-70E740481C1C}">
-                <a14:useLocalDpi xmlns:a14="http://schemas.microsoft.com/office/drawing/2010/main" val="0"/>
-              </a:ext>
-              <a:ext uri="{96DAC541-7B7A-43D3-8B79-37D633B846F1}">
-                <asvg:svgBlip xmlns:asvg="http://schemas.microsoft.com/office/drawing/2016/SVG/main" r:embed="rId9"/>
-              </a:ext>
-            </a:extLst>
-          </a:blip>
-          <a:stretch>
-            <a:fillRect/>
-          </a:stretch>
-        </p:blipFill>
-        <p:spPr>
-          <a:xfrm>
-            <a:off x="5314121" y="4164990"/>
-            <a:ext cx="1688458" cy="1688458"/>
-          </a:xfrm>
-          <a:prstGeom prst="rect">
-            <a:avLst/>
-          </a:prstGeom>
-        </p:spPr>
-      </p:pic>
-      <p:sp>
-        <p:nvSpPr>
-          <p:cNvPr id="14" name="TextBox 13">
-            <a:extLst>
-              <a:ext uri="{FF2B5EF4-FFF2-40B4-BE49-F238E27FC236}">
-                <a16:creationId xmlns:a16="http://schemas.microsoft.com/office/drawing/2014/main" id="{9679B4A6-A80B-4FC7-852F-9D492EA5CE16}"/>
-              </a:ext>
-            </a:extLst>
-          </p:cNvPr>
-          <p:cNvSpPr txBox="1"/>
-          <p:nvPr/>
-        </p:nvSpPr>
-        <p:spPr>
-          <a:xfrm>
-            <a:off x="7243805" y="1120238"/>
-            <a:ext cx="2393680" cy="646331"/>
-          </a:xfrm>
-          <a:prstGeom prst="rect">
-            <a:avLst/>
-          </a:prstGeom>
-          <a:noFill/>
-        </p:spPr>
-        <p:txBody>
-          <a:bodyPr wrap="square" rtlCol="0">
-            <a:spAutoFit/>
-          </a:bodyPr>
-          <a:lstStyle/>
-          <a:p>
-            <a:pPr marL="285750" indent="-285750">
-              <a:buFont typeface="Arial" panose="020B0604020202020204" pitchFamily="34" charset="0"/>
-              <a:buChar char="•"/>
-            </a:pPr>
-            <a:r>
-              <a:rPr lang="en-US" dirty="0"/>
-              <a:t>population density</a:t>
-            </a:r>
-          </a:p>
-          <a:p>
-            <a:pPr marL="285750" indent="-285750">
-              <a:buFont typeface="Arial" panose="020B0604020202020204" pitchFamily="34" charset="0"/>
-              <a:buChar char="•"/>
-            </a:pPr>
-            <a:r>
-              <a:rPr lang="en-US" dirty="0"/>
-              <a:t>type of terrain</a:t>
-            </a:r>
-            <a:endParaRPr lang="en-GB" dirty="0"/>
-          </a:p>
-        </p:txBody>
-      </p:sp>
-      <p:sp>
-        <p:nvSpPr>
-          <p:cNvPr id="15" name="TextBox 14">
-            <a:extLst>
-              <a:ext uri="{FF2B5EF4-FFF2-40B4-BE49-F238E27FC236}">
-                <a16:creationId xmlns:a16="http://schemas.microsoft.com/office/drawing/2014/main" id="{A2D5A220-0343-4672-A78C-8C56CC98D02B}"/>
-              </a:ext>
-            </a:extLst>
-          </p:cNvPr>
-          <p:cNvSpPr txBox="1"/>
-          <p:nvPr/>
-        </p:nvSpPr>
-        <p:spPr>
-          <a:xfrm>
-            <a:off x="7243805" y="2808696"/>
-            <a:ext cx="3035375" cy="646331"/>
-          </a:xfrm>
-          <a:prstGeom prst="rect">
-            <a:avLst/>
-          </a:prstGeom>
-          <a:noFill/>
-        </p:spPr>
-        <p:txBody>
-          <a:bodyPr wrap="square" rtlCol="0">
-            <a:spAutoFit/>
-          </a:bodyPr>
-          <a:lstStyle/>
-          <a:p>
-            <a:pPr marL="285750" indent="-285750">
-              <a:buFont typeface="Arial" panose="020B0604020202020204" pitchFamily="34" charset="0"/>
-              <a:buChar char="•"/>
-            </a:pPr>
-            <a:r>
-              <a:rPr lang="en-US" dirty="0"/>
-              <a:t>temperature</a:t>
-            </a:r>
-            <a:endParaRPr lang="en-GB" dirty="0"/>
-          </a:p>
-          <a:p>
-            <a:pPr marL="285750" indent="-285750">
-              <a:buFont typeface="Arial" panose="020B0604020202020204" pitchFamily="34" charset="0"/>
-              <a:buChar char="•"/>
-            </a:pPr>
-            <a:r>
-              <a:rPr lang="en-GB" dirty="0"/>
-              <a:t>wind speed</a:t>
-            </a:r>
-          </a:p>
-        </p:txBody>
-      </p:sp>
-      <p:sp>
-        <p:nvSpPr>
-          <p:cNvPr id="16" name="TextBox 15">
-            <a:extLst>
-              <a:ext uri="{FF2B5EF4-FFF2-40B4-BE49-F238E27FC236}">
-                <a16:creationId xmlns:a16="http://schemas.microsoft.com/office/drawing/2014/main" id="{05EB242D-84A3-410C-B41C-1B76F0DC69B0}"/>
-              </a:ext>
-            </a:extLst>
-          </p:cNvPr>
-          <p:cNvSpPr txBox="1"/>
-          <p:nvPr/>
-        </p:nvSpPr>
-        <p:spPr>
-          <a:xfrm>
-            <a:off x="7243805" y="4686053"/>
-            <a:ext cx="2086378" cy="646331"/>
-          </a:xfrm>
-          <a:prstGeom prst="rect">
-            <a:avLst/>
-          </a:prstGeom>
-          <a:noFill/>
-        </p:spPr>
-        <p:txBody>
-          <a:bodyPr wrap="square" rtlCol="0">
-            <a:spAutoFit/>
-          </a:bodyPr>
-          <a:lstStyle/>
-          <a:p>
-            <a:pPr marL="285750" indent="-285750">
-              <a:buFont typeface="Arial" panose="020B0604020202020204" pitchFamily="34" charset="0"/>
-              <a:buChar char="•"/>
-            </a:pPr>
-            <a:r>
-              <a:rPr lang="en-US" dirty="0"/>
-              <a:t>hour</a:t>
-            </a:r>
-          </a:p>
-          <a:p>
-            <a:pPr marL="285750" indent="-285750">
-              <a:buFont typeface="Arial" panose="020B0604020202020204" pitchFamily="34" charset="0"/>
-              <a:buChar char="•"/>
-            </a:pPr>
-            <a:r>
-              <a:rPr lang="en-GB" dirty="0"/>
-              <a:t>season</a:t>
-            </a:r>
-          </a:p>
-        </p:txBody>
-      </p:sp>
-      <p:cxnSp>
-        <p:nvCxnSpPr>
-          <p:cNvPr id="21" name="Straight Arrow Connector 20">
-            <a:extLst>
-              <a:ext uri="{FF2B5EF4-FFF2-40B4-BE49-F238E27FC236}">
-                <a16:creationId xmlns:a16="http://schemas.microsoft.com/office/drawing/2014/main" id="{B6198720-A8A6-4F33-B4B7-19CCFF2A7F06}"/>
-              </a:ext>
-            </a:extLst>
-          </p:cNvPr>
-          <p:cNvCxnSpPr>
-            <a:cxnSpLocks/>
-            <a:stCxn id="11" idx="1"/>
-          </p:cNvCxnSpPr>
-          <p:nvPr/>
-        </p:nvCxnSpPr>
-        <p:spPr>
-          <a:xfrm flipH="1">
-            <a:off x="3606801" y="1443405"/>
-            <a:ext cx="1707319" cy="932926"/>
-          </a:xfrm>
-          <a:prstGeom prst="straightConnector1">
-            <a:avLst/>
-          </a:prstGeom>
-          <a:ln w="38100">
-            <a:headEnd type="none" w="med" len="med"/>
-            <a:tailEnd type="arrow" w="med" len="med"/>
-          </a:ln>
-        </p:spPr>
-        <p:style>
-          <a:lnRef idx="3">
-            <a:schemeClr val="dk1"/>
-          </a:lnRef>
-          <a:fillRef idx="0">
-            <a:schemeClr val="dk1"/>
-          </a:fillRef>
-          <a:effectRef idx="2">
-            <a:schemeClr val="dk1"/>
-          </a:effectRef>
-          <a:fontRef idx="minor">
-            <a:schemeClr val="tx1"/>
-          </a:fontRef>
-        </p:style>
-      </p:cxnSp>
-      <p:cxnSp>
-        <p:nvCxnSpPr>
-          <p:cNvPr id="23" name="Straight Arrow Connector 22">
-            <a:extLst>
-              <a:ext uri="{FF2B5EF4-FFF2-40B4-BE49-F238E27FC236}">
-                <a16:creationId xmlns:a16="http://schemas.microsoft.com/office/drawing/2014/main" id="{64A7E426-B36B-4BA1-B10A-B5A975180C5C}"/>
-              </a:ext>
-            </a:extLst>
-          </p:cNvPr>
-          <p:cNvCxnSpPr>
-            <a:cxnSpLocks/>
-            <a:stCxn id="9" idx="1"/>
-          </p:cNvCxnSpPr>
-          <p:nvPr/>
-        </p:nvCxnSpPr>
-        <p:spPr>
-          <a:xfrm flipH="1">
-            <a:off x="3606801" y="3215225"/>
-            <a:ext cx="1707319" cy="0"/>
-          </a:xfrm>
-          <a:prstGeom prst="straightConnector1">
-            <a:avLst/>
-          </a:prstGeom>
-          <a:ln w="38100">
-            <a:headEnd type="none" w="med" len="med"/>
-            <a:tailEnd type="arrow" w="med" len="med"/>
-          </a:ln>
-        </p:spPr>
-        <p:style>
-          <a:lnRef idx="3">
-            <a:schemeClr val="dk1"/>
-          </a:lnRef>
-          <a:fillRef idx="0">
-            <a:schemeClr val="dk1"/>
-          </a:fillRef>
-          <a:effectRef idx="2">
-            <a:schemeClr val="dk1"/>
-          </a:effectRef>
-          <a:fontRef idx="minor">
-            <a:schemeClr val="tx1"/>
-          </a:fontRef>
-        </p:style>
-      </p:cxnSp>
-      <p:cxnSp>
-        <p:nvCxnSpPr>
-          <p:cNvPr id="25" name="Straight Arrow Connector 24">
-            <a:extLst>
-              <a:ext uri="{FF2B5EF4-FFF2-40B4-BE49-F238E27FC236}">
-                <a16:creationId xmlns:a16="http://schemas.microsoft.com/office/drawing/2014/main" id="{F7A6C9DE-F38B-4AE3-8426-F1741E247911}"/>
-              </a:ext>
-            </a:extLst>
-          </p:cNvPr>
-          <p:cNvCxnSpPr>
-            <a:cxnSpLocks/>
-            <a:stCxn id="13" idx="1"/>
-          </p:cNvCxnSpPr>
-          <p:nvPr/>
-        </p:nvCxnSpPr>
-        <p:spPr>
-          <a:xfrm flipH="1" flipV="1">
-            <a:off x="3653858" y="3953918"/>
-            <a:ext cx="1660263" cy="1055301"/>
-          </a:xfrm>
-          <a:prstGeom prst="straightConnector1">
-            <a:avLst/>
-          </a:prstGeom>
-          <a:ln w="38100">
-            <a:headEnd type="none" w="med" len="med"/>
-            <a:tailEnd type="arrow" w="med" len="med"/>
-          </a:ln>
-        </p:spPr>
-        <p:style>
-          <a:lnRef idx="3">
-            <a:schemeClr val="dk1"/>
-          </a:lnRef>
-          <a:fillRef idx="0">
-            <a:schemeClr val="dk1"/>
-          </a:fillRef>
-          <a:effectRef idx="2">
-            <a:schemeClr val="dk1"/>
-          </a:effectRef>
-          <a:fontRef idx="minor">
-            <a:schemeClr val="tx1"/>
-          </a:fontRef>
-        </p:style>
-      </p:cxnSp>
-    </p:spTree>
-    <p:extLst>
-      <p:ext uri="{BB962C8B-B14F-4D97-AF65-F5344CB8AC3E}">
-        <p14:creationId xmlns:p14="http://schemas.microsoft.com/office/powerpoint/2010/main" val="2524681519"/>
-      </p:ext>
-    </p:extLst>
-  </p:cSld>
-  <p:clrMapOvr>
-    <a:masterClrMapping/>
-  </p:clrMapOvr>
-</p:sld>
-</file>
-
-<file path=ppt/slides/slide3.xml><?xml version="1.0" encoding="utf-8"?>
-<p:sld xmlns:a="http://schemas.openxmlformats.org/drawingml/2006/main" xmlns:r="http://schemas.openxmlformats.org/officeDocument/2006/relationships" xmlns:p="http://schemas.openxmlformats.org/presentationml/2006/main">
-  <p:cSld>
-    <p:spTree>
-      <p:nvGrpSpPr>
-        <p:cNvPr id="1" name=""/>
-        <p:cNvGrpSpPr/>
-        <p:nvPr/>
-      </p:nvGrpSpPr>
-      <p:grpSpPr>
-        <a:xfrm>
-          <a:off x="0" y="0"/>
-          <a:ext cx="0" cy="0"/>
-          <a:chOff x="0" y="0"/>
-          <a:chExt cx="0" cy="0"/>
-        </a:xfrm>
-      </p:grpSpPr>
-      <p:sp>
-        <p:nvSpPr>
-          <p:cNvPr id="5" name="Title 1">
-            <a:extLst>
-              <a:ext uri="{FF2B5EF4-FFF2-40B4-BE49-F238E27FC236}">
-                <a16:creationId xmlns:a16="http://schemas.microsoft.com/office/drawing/2014/main" id="{694DC60D-F1B4-4023-AC4E-6CE3A7991193}"/>
-              </a:ext>
-            </a:extLst>
-          </p:cNvPr>
-          <p:cNvSpPr txBox="1">
-            <a:spLocks/>
-          </p:cNvSpPr>
-          <p:nvPr/>
-        </p:nvSpPr>
-        <p:spPr>
-          <a:xfrm>
-            <a:off x="8103883" y="5594468"/>
-            <a:ext cx="3130216" cy="730501"/>
-          </a:xfrm>
-          <a:prstGeom prst="rect">
-            <a:avLst/>
-          </a:prstGeom>
-        </p:spPr>
-        <p:txBody>
-          <a:bodyPr/>
-          <a:lstStyle>
-            <a:lvl1pPr algn="l" defTabSz="914400" rtl="0" eaLnBrk="1" latinLnBrk="0" hangingPunct="1">
-              <a:lnSpc>
-                <a:spcPct val="90000"/>
-              </a:lnSpc>
-              <a:spcBef>
-                <a:spcPct val="0"/>
-              </a:spcBef>
-              <a:buNone/>
-              <a:defRPr sz="4400" kern="1200">
-                <a:solidFill>
-                  <a:schemeClr val="tx1"/>
-                </a:solidFill>
-                <a:latin typeface="+mj-lt"/>
-                <a:ea typeface="+mj-ea"/>
-                <a:cs typeface="+mj-cs"/>
-              </a:defRPr>
-            </a:lvl1pPr>
-          </a:lstStyle>
-          <a:p>
-            <a:pPr algn="r"/>
-            <a:r>
-              <a:rPr lang="en-US" sz="6000" dirty="0"/>
-              <a:t>goal &lt;</a:t>
-            </a:r>
-            <a:endParaRPr lang="en-GB" sz="6000" dirty="0"/>
-          </a:p>
-        </p:txBody>
-      </p:sp>
-      <p:pic>
-        <p:nvPicPr>
-          <p:cNvPr id="7" name="Picture 6">
-            <a:extLst>
-              <a:ext uri="{FF2B5EF4-FFF2-40B4-BE49-F238E27FC236}">
-                <a16:creationId xmlns:a16="http://schemas.microsoft.com/office/drawing/2014/main" id="{4DD025F5-6DB3-4966-80FD-4037BCA04E69}"/>
-              </a:ext>
-            </a:extLst>
-          </p:cNvPr>
-          <p:cNvPicPr>
-            <a:picLocks noChangeAspect="1"/>
-          </p:cNvPicPr>
-          <p:nvPr/>
-        </p:nvPicPr>
-        <p:blipFill rotWithShape="1">
-          <a:blip r:embed="rId3">
-            <a:extLst>
-              <a:ext uri="{28A0092B-C50C-407E-A947-70E740481C1C}">
-                <a14:useLocalDpi xmlns:a14="http://schemas.microsoft.com/office/drawing/2010/main" val="0"/>
-              </a:ext>
-            </a:extLst>
-          </a:blip>
-          <a:srcRect l="30389" t="44924" r="17041"/>
-          <a:stretch/>
-        </p:blipFill>
-        <p:spPr>
-          <a:xfrm>
-            <a:off x="2075546" y="1899394"/>
-            <a:ext cx="2518229" cy="2638293"/>
-          </a:xfrm>
-          <a:prstGeom prst="rect">
-            <a:avLst/>
-          </a:prstGeom>
-        </p:spPr>
-      </p:pic>
-      <p:pic>
-        <p:nvPicPr>
-          <p:cNvPr id="9" name="Graphic 8" descr="Compass outline">
-            <a:extLst>
-              <a:ext uri="{FF2B5EF4-FFF2-40B4-BE49-F238E27FC236}">
-                <a16:creationId xmlns:a16="http://schemas.microsoft.com/office/drawing/2014/main" id="{C5B230DC-665B-46FC-B6DF-1B0CDAEC5471}"/>
-              </a:ext>
-            </a:extLst>
-          </p:cNvPr>
-          <p:cNvPicPr>
-            <a:picLocks noChangeAspect="1"/>
-          </p:cNvPicPr>
-          <p:nvPr/>
-        </p:nvPicPr>
-        <p:blipFill>
-          <a:blip r:embed="rId4">
-            <a:extLst>
-              <a:ext uri="{28A0092B-C50C-407E-A947-70E740481C1C}">
-                <a14:useLocalDpi xmlns:a14="http://schemas.microsoft.com/office/drawing/2010/main" val="0"/>
-              </a:ext>
-              <a:ext uri="{96DAC541-7B7A-43D3-8B79-37D633B846F1}">
-                <asvg:svgBlip xmlns:asvg="http://schemas.microsoft.com/office/drawing/2016/SVG/main" r:embed="rId5"/>
-              </a:ext>
-            </a:extLst>
-          </a:blip>
-          <a:stretch>
-            <a:fillRect/>
-          </a:stretch>
-        </p:blipFill>
-        <p:spPr>
-          <a:xfrm>
-            <a:off x="7598227" y="2231570"/>
-            <a:ext cx="1973943" cy="1973943"/>
-          </a:xfrm>
-          <a:prstGeom prst="rect">
-            <a:avLst/>
-          </a:prstGeom>
-        </p:spPr>
-      </p:pic>
-      <p:cxnSp>
-        <p:nvCxnSpPr>
-          <p:cNvPr id="11" name="Straight Arrow Connector 10">
-            <a:extLst>
-              <a:ext uri="{FF2B5EF4-FFF2-40B4-BE49-F238E27FC236}">
-                <a16:creationId xmlns:a16="http://schemas.microsoft.com/office/drawing/2014/main" id="{55A77AAF-0AA3-456B-AA74-B817D9304BE1}"/>
-              </a:ext>
-            </a:extLst>
-          </p:cNvPr>
-          <p:cNvCxnSpPr>
-            <a:cxnSpLocks/>
-            <a:stCxn id="7" idx="3"/>
-          </p:cNvCxnSpPr>
-          <p:nvPr/>
-        </p:nvCxnSpPr>
-        <p:spPr>
-          <a:xfrm>
-            <a:off x="4593775" y="3218541"/>
-            <a:ext cx="2510968" cy="0"/>
-          </a:xfrm>
-          <a:prstGeom prst="straightConnector1">
-            <a:avLst/>
-          </a:prstGeom>
-          <a:ln w="76200">
-            <a:solidFill>
-              <a:schemeClr val="tx1"/>
-            </a:solidFill>
-            <a:headEnd type="arrow" w="med" len="med"/>
-            <a:tailEnd type="arrow" w="med" len="med"/>
-          </a:ln>
-        </p:spPr>
-        <p:style>
-          <a:lnRef idx="3">
-            <a:schemeClr val="accent6"/>
-          </a:lnRef>
-          <a:fillRef idx="0">
-            <a:schemeClr val="accent6"/>
-          </a:fillRef>
-          <a:effectRef idx="2">
-            <a:schemeClr val="accent6"/>
-          </a:effectRef>
-          <a:fontRef idx="minor">
-            <a:schemeClr val="tx1"/>
-          </a:fontRef>
-        </p:style>
-      </p:cxnSp>
-    </p:spTree>
-    <p:extLst>
-      <p:ext uri="{BB962C8B-B14F-4D97-AF65-F5344CB8AC3E}">
-        <p14:creationId xmlns:p14="http://schemas.microsoft.com/office/powerpoint/2010/main" val="3433460728"/>
-      </p:ext>
-    </p:extLst>
-  </p:cSld>
-  <p:clrMapOvr>
-    <a:masterClrMapping/>
-  </p:clrMapOvr>
-</p:sld>
-</file>
-
-<file path=ppt/slides/slide4.xml><?xml version="1.0" encoding="utf-8"?>
-<p:sld xmlns:a="http://schemas.openxmlformats.org/drawingml/2006/main" xmlns:r="http://schemas.openxmlformats.org/officeDocument/2006/relationships" xmlns:p="http://schemas.openxmlformats.org/presentationml/2006/main">
-  <p:cSld>
-    <p:spTree>
-      <p:nvGrpSpPr>
-        <p:cNvPr id="1" name=""/>
-        <p:cNvGrpSpPr/>
-        <p:nvPr/>
-      </p:nvGrpSpPr>
-      <p:grpSpPr>
-        <a:xfrm>
-          <a:off x="0" y="0"/>
-          <a:ext cx="0" cy="0"/>
-          <a:chOff x="0" y="0"/>
-          <a:chExt cx="0" cy="0"/>
-        </a:xfrm>
-      </p:grpSpPr>
-      <p:sp>
-        <p:nvSpPr>
-          <p:cNvPr id="3" name="Title 1">
-            <a:extLst>
-              <a:ext uri="{FF2B5EF4-FFF2-40B4-BE49-F238E27FC236}">
-                <a16:creationId xmlns:a16="http://schemas.microsoft.com/office/drawing/2014/main" id="{A4C5A205-A5C3-40D4-8619-DAE9136F39AA}"/>
-              </a:ext>
-            </a:extLst>
-          </p:cNvPr>
-          <p:cNvSpPr txBox="1">
-            <a:spLocks/>
-          </p:cNvSpPr>
-          <p:nvPr/>
-        </p:nvSpPr>
-        <p:spPr>
-          <a:xfrm>
-            <a:off x="8103883" y="5594468"/>
-            <a:ext cx="3130216" cy="730501"/>
-          </a:xfrm>
-          <a:prstGeom prst="rect">
-            <a:avLst/>
-          </a:prstGeom>
-        </p:spPr>
-        <p:txBody>
-          <a:bodyPr/>
-          <a:lstStyle>
-            <a:lvl1pPr algn="l" defTabSz="914400" rtl="0" eaLnBrk="1" latinLnBrk="0" hangingPunct="1">
-              <a:lnSpc>
-                <a:spcPct val="90000"/>
-              </a:lnSpc>
-              <a:spcBef>
-                <a:spcPct val="0"/>
-              </a:spcBef>
-              <a:buNone/>
-              <a:defRPr sz="4400" kern="1200">
-                <a:solidFill>
-                  <a:schemeClr val="tx1"/>
-                </a:solidFill>
-                <a:latin typeface="+mj-lt"/>
-                <a:ea typeface="+mj-ea"/>
-                <a:cs typeface="+mj-cs"/>
-              </a:defRPr>
-            </a:lvl1pPr>
-          </a:lstStyle>
-          <a:p>
-            <a:pPr algn="r"/>
-            <a:r>
-              <a:rPr lang="en-US" sz="6000" dirty="0"/>
-              <a:t>dataset &lt;</a:t>
-            </a:r>
-            <a:endParaRPr lang="en-GB" sz="6000" dirty="0"/>
-          </a:p>
-        </p:txBody>
-      </p:sp>
-      <p:sp>
-        <p:nvSpPr>
-          <p:cNvPr id="4" name="TextBox 3">
-            <a:extLst>
-              <a:ext uri="{FF2B5EF4-FFF2-40B4-BE49-F238E27FC236}">
-                <a16:creationId xmlns:a16="http://schemas.microsoft.com/office/drawing/2014/main" id="{EED74BDB-59C2-4CE6-A6B7-7380E5A13F67}"/>
-              </a:ext>
-            </a:extLst>
-          </p:cNvPr>
-          <p:cNvSpPr txBox="1"/>
-          <p:nvPr/>
-        </p:nvSpPr>
-        <p:spPr>
-          <a:xfrm>
-            <a:off x="790601" y="458956"/>
-            <a:ext cx="10850710" cy="5940088"/>
-          </a:xfrm>
-          <a:prstGeom prst="rect">
-            <a:avLst/>
-          </a:prstGeom>
-          <a:noFill/>
-        </p:spPr>
-        <p:txBody>
-          <a:bodyPr wrap="square" rtlCol="0">
-            <a:spAutoFit/>
-          </a:bodyPr>
-          <a:lstStyle/>
-          <a:p>
-            <a:pPr marL="285750" indent="-285750">
-              <a:buFont typeface="Arial" panose="020B0604020202020204" pitchFamily="34" charset="0"/>
-              <a:buChar char="•"/>
-            </a:pPr>
-            <a:r>
-              <a:rPr lang="en-US" sz="2000" b="1" dirty="0" err="1">
-                <a:latin typeface="Consolas" panose="020B0609020204030204" pitchFamily="49" charset="0"/>
-              </a:rPr>
-              <a:t>Pokèmon</a:t>
-            </a:r>
-            <a:r>
-              <a:rPr lang="en-US" sz="2000" b="1" dirty="0">
-                <a:latin typeface="Consolas" panose="020B0609020204030204" pitchFamily="49" charset="0"/>
-              </a:rPr>
-              <a:t> ID [1:151]</a:t>
-            </a:r>
-          </a:p>
-          <a:p>
-            <a:pPr marL="742950" lvl="1" indent="-285750">
-              <a:buFont typeface="Arial" panose="020B0604020202020204" pitchFamily="34" charset="0"/>
-              <a:buChar char="•"/>
-            </a:pPr>
-            <a:r>
-              <a:rPr lang="en-US" sz="2000" dirty="0">
-                <a:latin typeface="Consolas" panose="020B0609020204030204" pitchFamily="49" charset="0"/>
-              </a:rPr>
-              <a:t>fixed attribute (attack, defense, speed, ...)</a:t>
-            </a:r>
-          </a:p>
-          <a:p>
-            <a:pPr marL="742950" lvl="1" indent="-285750">
-              <a:buFont typeface="Arial" panose="020B0604020202020204" pitchFamily="34" charset="0"/>
-              <a:buChar char="•"/>
-            </a:pPr>
-            <a:r>
-              <a:rPr lang="en-GB" sz="2000" dirty="0">
-                <a:latin typeface="Consolas" panose="020B0609020204030204" pitchFamily="49" charset="0"/>
-              </a:rPr>
-              <a:t>variable a</a:t>
-            </a:r>
-            <a:r>
-              <a:rPr lang="en-US" sz="2000" dirty="0" err="1">
-                <a:latin typeface="Consolas" panose="020B0609020204030204" pitchFamily="49" charset="0"/>
-              </a:rPr>
-              <a:t>ttribute</a:t>
-            </a:r>
-            <a:r>
-              <a:rPr lang="en-US" sz="2000" dirty="0">
-                <a:latin typeface="Consolas" panose="020B0609020204030204" pitchFamily="49" charset="0"/>
-              </a:rPr>
-              <a:t> (weight, height, level, ...)</a:t>
-            </a:r>
-          </a:p>
-          <a:p>
-            <a:pPr lvl="1"/>
-            <a:endParaRPr lang="en-GB" sz="2000" dirty="0">
-              <a:latin typeface="Consolas" panose="020B0609020204030204" pitchFamily="49" charset="0"/>
-            </a:endParaRPr>
-          </a:p>
-          <a:p>
-            <a:pPr marL="285750" indent="-285750">
-              <a:buFont typeface="Arial" panose="020B0604020202020204" pitchFamily="34" charset="0"/>
-              <a:buChar char="•"/>
-            </a:pPr>
-            <a:r>
-              <a:rPr lang="en-GB" sz="2000" b="1" dirty="0">
-                <a:latin typeface="Consolas" panose="020B0609020204030204" pitchFamily="49" charset="0"/>
-              </a:rPr>
-              <a:t>(Date, Time)</a:t>
-            </a:r>
-          </a:p>
-          <a:p>
-            <a:pPr marL="742950" lvl="1" indent="-285750">
-              <a:buFont typeface="Arial" panose="020B0604020202020204" pitchFamily="34" charset="0"/>
-              <a:buChar char="•"/>
-            </a:pPr>
-            <a:r>
-              <a:rPr lang="en-GB" sz="2000" dirty="0">
-                <a:latin typeface="Consolas" panose="020B0609020204030204" pitchFamily="49" charset="0"/>
-              </a:rPr>
-              <a:t>hour : (morning | afternoon | evening | night)</a:t>
-            </a:r>
-          </a:p>
-          <a:p>
-            <a:pPr marL="742950" lvl="1" indent="-285750">
-              <a:buFont typeface="Arial" panose="020B0604020202020204" pitchFamily="34" charset="0"/>
-              <a:buChar char="•"/>
-            </a:pPr>
-            <a:r>
-              <a:rPr lang="en-GB" sz="2000" dirty="0">
-                <a:latin typeface="Consolas" panose="020B0609020204030204" pitchFamily="49" charset="0"/>
-              </a:rPr>
-              <a:t>month : (spring | summer | fall | winter)</a:t>
-            </a:r>
-          </a:p>
-          <a:p>
-            <a:pPr lvl="1"/>
-            <a:endParaRPr lang="en-GB" sz="2000" dirty="0">
-              <a:latin typeface="Consolas" panose="020B0609020204030204" pitchFamily="49" charset="0"/>
-            </a:endParaRPr>
-          </a:p>
-          <a:p>
-            <a:pPr marL="285750" indent="-285750">
-              <a:buFont typeface="Arial" panose="020B0604020202020204" pitchFamily="34" charset="0"/>
-              <a:buChar char="•"/>
-            </a:pPr>
-            <a:r>
-              <a:rPr lang="en-GB" sz="2000" b="1" dirty="0">
-                <a:latin typeface="Consolas" panose="020B0609020204030204" pitchFamily="49" charset="0"/>
-              </a:rPr>
-              <a:t>(Latitude, Longitude)</a:t>
-            </a:r>
-            <a:endParaRPr lang="en-GB" sz="2000" dirty="0">
-              <a:latin typeface="Consolas" panose="020B0609020204030204" pitchFamily="49" charset="0"/>
-            </a:endParaRPr>
-          </a:p>
-          <a:p>
-            <a:pPr marL="742950" lvl="1" indent="-285750">
-              <a:buFont typeface="Arial" panose="020B0604020202020204" pitchFamily="34" charset="0"/>
-              <a:buChar char="•"/>
-            </a:pPr>
-            <a:r>
-              <a:rPr lang="en-GB" sz="2000" dirty="0">
-                <a:latin typeface="Consolas" panose="020B0609020204030204" pitchFamily="49" charset="0"/>
-              </a:rPr>
-              <a:t>distance from fixed-position game spot (gym, villain,</a:t>
-            </a:r>
-            <a:r>
-              <a:rPr lang="en-US" sz="2000" dirty="0">
-                <a:latin typeface="Consolas" panose="020B0609020204030204" pitchFamily="49" charset="0"/>
-              </a:rPr>
-              <a:t> ...</a:t>
-            </a:r>
-            <a:r>
-              <a:rPr lang="en-GB" sz="2000" dirty="0">
-                <a:latin typeface="Consolas" panose="020B0609020204030204" pitchFamily="49" charset="0"/>
-              </a:rPr>
-              <a:t>)</a:t>
-            </a:r>
-            <a:endParaRPr lang="en-GB" sz="2000" b="1" dirty="0">
-              <a:latin typeface="Consolas" panose="020B0609020204030204" pitchFamily="49" charset="0"/>
-            </a:endParaRPr>
-          </a:p>
-          <a:p>
-            <a:pPr marL="742950" lvl="1" indent="-285750">
-              <a:buFont typeface="Arial" panose="020B0604020202020204" pitchFamily="34" charset="0"/>
-              <a:buChar char="•"/>
-            </a:pPr>
-            <a:r>
-              <a:rPr lang="en-GB" sz="2000" dirty="0">
-                <a:latin typeface="Consolas" panose="020B0609020204030204" pitchFamily="49" charset="0"/>
-              </a:rPr>
-              <a:t>lakes, rivers, </a:t>
-            </a:r>
-            <a:r>
-              <a:rPr lang="en-US" sz="2000" dirty="0">
-                <a:latin typeface="Consolas" panose="020B0609020204030204" pitchFamily="49" charset="0"/>
-              </a:rPr>
-              <a:t>...</a:t>
-            </a:r>
-            <a:endParaRPr lang="en-GB" sz="2000" dirty="0">
-              <a:latin typeface="Consolas" panose="020B0609020204030204" pitchFamily="49" charset="0"/>
-            </a:endParaRPr>
-          </a:p>
-          <a:p>
-            <a:pPr marL="742950" lvl="1" indent="-285750">
-              <a:buFont typeface="Arial" panose="020B0604020202020204" pitchFamily="34" charset="0"/>
-              <a:buChar char="•"/>
-            </a:pPr>
-            <a:r>
-              <a:rPr lang="en-GB" sz="2000" dirty="0">
-                <a:latin typeface="Consolas" panose="020B0609020204030204" pitchFamily="49" charset="0"/>
-              </a:rPr>
-              <a:t>population density : (urban | suburban | rural)</a:t>
-            </a:r>
-          </a:p>
-          <a:p>
-            <a:pPr lvl="1"/>
-            <a:endParaRPr lang="en-GB" sz="2000" dirty="0">
-              <a:latin typeface="Consolas" panose="020B0609020204030204" pitchFamily="49" charset="0"/>
-            </a:endParaRPr>
-          </a:p>
-          <a:p>
-            <a:pPr marL="285750" indent="-285750">
-              <a:buFont typeface="Arial" panose="020B0604020202020204" pitchFamily="34" charset="0"/>
-              <a:buChar char="•"/>
-            </a:pPr>
-            <a:r>
-              <a:rPr lang="en-GB" sz="2000" b="1" dirty="0">
-                <a:latin typeface="Consolas" panose="020B0609020204030204" pitchFamily="49" charset="0"/>
-              </a:rPr>
-              <a:t>(Date, Time) + (Latitude, Longitude)</a:t>
-            </a:r>
-          </a:p>
-          <a:p>
-            <a:pPr marL="742950" lvl="1" indent="-285750">
-              <a:buFont typeface="Arial" panose="020B0604020202020204" pitchFamily="34" charset="0"/>
-              <a:buChar char="•"/>
-            </a:pPr>
-            <a:r>
-              <a:rPr lang="en-GB" sz="2000" dirty="0">
-                <a:latin typeface="Consolas" panose="020B0609020204030204" pitchFamily="49" charset="0"/>
-              </a:rPr>
-              <a:t>wind speed</a:t>
-            </a:r>
-          </a:p>
-          <a:p>
-            <a:pPr marL="742950" lvl="1" indent="-285750">
-              <a:buFont typeface="Arial" panose="020B0604020202020204" pitchFamily="34" charset="0"/>
-              <a:buChar char="•"/>
-            </a:pPr>
-            <a:r>
-              <a:rPr lang="en-GB" sz="2000" dirty="0">
-                <a:latin typeface="Consolas" panose="020B0609020204030204" pitchFamily="49" charset="0"/>
-              </a:rPr>
-              <a:t>pressure</a:t>
-            </a:r>
-          </a:p>
-          <a:p>
-            <a:pPr marL="742950" lvl="1" indent="-285750">
-              <a:buFont typeface="Arial" panose="020B0604020202020204" pitchFamily="34" charset="0"/>
-              <a:buChar char="•"/>
-            </a:pPr>
-            <a:r>
-              <a:rPr lang="en-GB" sz="2000" dirty="0">
-                <a:latin typeface="Consolas" panose="020B0609020204030204" pitchFamily="49" charset="0"/>
-              </a:rPr>
-              <a:t>clouds, fog</a:t>
-            </a:r>
-          </a:p>
-          <a:p>
-            <a:pPr marL="742950" lvl="1" indent="-285750">
-              <a:buFont typeface="Arial" panose="020B0604020202020204" pitchFamily="34" charset="0"/>
-              <a:buChar char="•"/>
-            </a:pPr>
-            <a:r>
-              <a:rPr lang="en-GB" sz="2000" dirty="0">
-                <a:latin typeface="Consolas" panose="020B0609020204030204" pitchFamily="49" charset="0"/>
-              </a:rPr>
-              <a:t>rain</a:t>
-            </a:r>
-          </a:p>
-          <a:p>
-            <a:pPr marL="742950" lvl="1" indent="-285750">
-              <a:buFont typeface="Arial" panose="020B0604020202020204" pitchFamily="34" charset="0"/>
-              <a:buChar char="•"/>
-            </a:pPr>
-            <a:r>
-              <a:rPr lang="en-US" sz="2000" dirty="0">
-                <a:latin typeface="Consolas" panose="020B0609020204030204" pitchFamily="49" charset="0"/>
-              </a:rPr>
-              <a:t>sunset, sunrise</a:t>
-            </a:r>
-          </a:p>
-        </p:txBody>
-      </p:sp>
-    </p:spTree>
-    <p:extLst>
-      <p:ext uri="{BB962C8B-B14F-4D97-AF65-F5344CB8AC3E}">
-        <p14:creationId xmlns:p14="http://schemas.microsoft.com/office/powerpoint/2010/main" val="2735075858"/>
-      </p:ext>
-    </p:extLst>
-  </p:cSld>
-  <p:clrMapOvr>
-    <a:masterClrMapping/>
-  </p:clrMapOvr>
-</p:sld>
-</file>
-
-<file path=ppt/slides/slide5.xml><?xml version="1.0" encoding="utf-8"?>
-<p:sld xmlns:a="http://schemas.openxmlformats.org/drawingml/2006/main" xmlns:r="http://schemas.openxmlformats.org/officeDocument/2006/relationships" xmlns:p="http://schemas.openxmlformats.org/presentationml/2006/main">
-  <p:cSld>
-    <p:spTree>
-      <p:nvGrpSpPr>
-        <p:cNvPr id="1" name=""/>
-        <p:cNvGrpSpPr/>
-        <p:nvPr/>
-      </p:nvGrpSpPr>
-      <p:grpSpPr>
-        <a:xfrm>
-          <a:off x="0" y="0"/>
-          <a:ext cx="0" cy="0"/>
-          <a:chOff x="0" y="0"/>
-          <a:chExt cx="0" cy="0"/>
-        </a:xfrm>
-      </p:grpSpPr>
-      <p:sp>
-        <p:nvSpPr>
-          <p:cNvPr id="3" name="Title 1">
-            <a:extLst>
-              <a:ext uri="{FF2B5EF4-FFF2-40B4-BE49-F238E27FC236}">
-                <a16:creationId xmlns:a16="http://schemas.microsoft.com/office/drawing/2014/main" id="{CBC71E42-536D-4624-AC70-B5B66085E968}"/>
-              </a:ext>
-            </a:extLst>
-          </p:cNvPr>
-          <p:cNvSpPr txBox="1">
-            <a:spLocks/>
-          </p:cNvSpPr>
-          <p:nvPr/>
-        </p:nvSpPr>
-        <p:spPr>
-          <a:xfrm>
-            <a:off x="3122645" y="5594468"/>
-            <a:ext cx="8111454" cy="730501"/>
-          </a:xfrm>
-          <a:prstGeom prst="rect">
-            <a:avLst/>
-          </a:prstGeom>
-        </p:spPr>
-        <p:txBody>
-          <a:bodyPr/>
-          <a:lstStyle>
-            <a:lvl1pPr algn="l" defTabSz="914400" rtl="0" eaLnBrk="1" latinLnBrk="0" hangingPunct="1">
-              <a:lnSpc>
-                <a:spcPct val="90000"/>
-              </a:lnSpc>
-              <a:spcBef>
-                <a:spcPct val="0"/>
-              </a:spcBef>
-              <a:buNone/>
-              <a:defRPr sz="4400" kern="1200">
-                <a:solidFill>
-                  <a:schemeClr val="tx1"/>
-                </a:solidFill>
-                <a:latin typeface="+mj-lt"/>
-                <a:ea typeface="+mj-ea"/>
-                <a:cs typeface="+mj-cs"/>
-              </a:defRPr>
-            </a:lvl1pPr>
-          </a:lstStyle>
-          <a:p>
-            <a:pPr algn="r"/>
-            <a:r>
-              <a:rPr lang="en-US" sz="6000" dirty="0" err="1"/>
-              <a:t>dimens-reduct</a:t>
-            </a:r>
-            <a:r>
-              <a:rPr lang="en-US" sz="6000" dirty="0"/>
-              <a:t> &lt;</a:t>
-            </a:r>
-            <a:endParaRPr lang="en-GB" sz="6000" dirty="0"/>
-          </a:p>
-        </p:txBody>
-      </p:sp>
-      <p:sp>
-        <p:nvSpPr>
-          <p:cNvPr id="6" name="TextBox 5">
-            <a:extLst>
-              <a:ext uri="{FF2B5EF4-FFF2-40B4-BE49-F238E27FC236}">
-                <a16:creationId xmlns:a16="http://schemas.microsoft.com/office/drawing/2014/main" id="{4662D79A-7992-4C64-AAC6-B11F61127486}"/>
-              </a:ext>
-            </a:extLst>
-          </p:cNvPr>
-          <p:cNvSpPr txBox="1"/>
-          <p:nvPr/>
-        </p:nvSpPr>
-        <p:spPr>
-          <a:xfrm>
-            <a:off x="4760241" y="138896"/>
-            <a:ext cx="2671517" cy="523220"/>
-          </a:xfrm>
-          <a:prstGeom prst="rect">
-            <a:avLst/>
-          </a:prstGeom>
-          <a:noFill/>
-        </p:spPr>
-        <p:txBody>
-          <a:bodyPr wrap="square" rtlCol="0">
-            <a:spAutoFit/>
-          </a:bodyPr>
-          <a:lstStyle/>
-          <a:p>
-            <a:pPr algn="ctr"/>
-            <a:r>
-              <a:rPr lang="en-US" sz="2800" b="1" dirty="0"/>
-              <a:t>151</a:t>
-            </a:r>
-            <a:r>
-              <a:rPr lang="en-US" sz="2800" dirty="0"/>
-              <a:t> </a:t>
-            </a:r>
-            <a:r>
-              <a:rPr lang="en-US" sz="2800" dirty="0" err="1"/>
-              <a:t>pokémon</a:t>
-            </a:r>
-            <a:endParaRPr lang="en-GB" sz="2800" dirty="0"/>
-          </a:p>
-        </p:txBody>
-      </p:sp>
-      <p:sp>
-        <p:nvSpPr>
-          <p:cNvPr id="7" name="TextBox 6">
-            <a:extLst>
-              <a:ext uri="{FF2B5EF4-FFF2-40B4-BE49-F238E27FC236}">
-                <a16:creationId xmlns:a16="http://schemas.microsoft.com/office/drawing/2014/main" id="{6B938EC4-AA26-4D9D-A7CB-F6D55003175D}"/>
-              </a:ext>
-            </a:extLst>
-          </p:cNvPr>
-          <p:cNvSpPr txBox="1"/>
-          <p:nvPr/>
-        </p:nvSpPr>
-        <p:spPr>
-          <a:xfrm>
-            <a:off x="2458891" y="1108969"/>
-            <a:ext cx="7269096" cy="523220"/>
-          </a:xfrm>
-          <a:prstGeom prst="rect">
-            <a:avLst/>
-          </a:prstGeom>
-          <a:noFill/>
-        </p:spPr>
-        <p:txBody>
-          <a:bodyPr wrap="square" rtlCol="0">
-            <a:spAutoFit/>
-          </a:bodyPr>
-          <a:lstStyle/>
-          <a:p>
-            <a:pPr algn="ctr"/>
-            <a:r>
-              <a:rPr lang="en-US" sz="2800" b="1" dirty="0"/>
-              <a:t>26</a:t>
-            </a:r>
-            <a:r>
-              <a:rPr lang="en-US" sz="2800" dirty="0"/>
-              <a:t> observable features (18 binary + 8 numeric)</a:t>
-            </a:r>
-            <a:endParaRPr lang="en-GB" sz="2800" dirty="0"/>
-          </a:p>
-        </p:txBody>
-      </p:sp>
-      <p:sp>
-        <p:nvSpPr>
-          <p:cNvPr id="8" name="TextBox 7">
-            <a:extLst>
-              <a:ext uri="{FF2B5EF4-FFF2-40B4-BE49-F238E27FC236}">
-                <a16:creationId xmlns:a16="http://schemas.microsoft.com/office/drawing/2014/main" id="{03E2A72E-2CC2-450F-8926-5677C94C17FD}"/>
-              </a:ext>
-            </a:extLst>
-          </p:cNvPr>
-          <p:cNvSpPr txBox="1"/>
-          <p:nvPr/>
-        </p:nvSpPr>
-        <p:spPr>
-          <a:xfrm>
-            <a:off x="4426575" y="2905780"/>
-            <a:ext cx="3338849" cy="523220"/>
-          </a:xfrm>
-          <a:prstGeom prst="rect">
-            <a:avLst/>
-          </a:prstGeom>
-          <a:noFill/>
-        </p:spPr>
-        <p:txBody>
-          <a:bodyPr wrap="square" rtlCol="0">
-            <a:spAutoFit/>
-          </a:bodyPr>
-          <a:lstStyle/>
-          <a:p>
-            <a:pPr algn="ctr"/>
-            <a:r>
-              <a:rPr lang="en-US" sz="2800" b="1" dirty="0"/>
-              <a:t>2 </a:t>
-            </a:r>
-            <a:r>
-              <a:rPr lang="en-US" sz="2800" dirty="0"/>
-              <a:t>or</a:t>
-            </a:r>
-            <a:r>
-              <a:rPr lang="en-US" sz="2800" b="1" dirty="0"/>
-              <a:t> 3</a:t>
-            </a:r>
-            <a:r>
-              <a:rPr lang="en-US" sz="2800" dirty="0"/>
-              <a:t> dimensions</a:t>
-            </a:r>
-            <a:endParaRPr lang="en-GB" sz="2800" dirty="0"/>
-          </a:p>
-        </p:txBody>
-      </p:sp>
-      <p:sp>
-        <p:nvSpPr>
-          <p:cNvPr id="9" name="TextBox 8">
-            <a:extLst>
-              <a:ext uri="{FF2B5EF4-FFF2-40B4-BE49-F238E27FC236}">
-                <a16:creationId xmlns:a16="http://schemas.microsoft.com/office/drawing/2014/main" id="{F0692461-AD2F-4A3A-B078-A35EA449DB15}"/>
-              </a:ext>
-            </a:extLst>
-          </p:cNvPr>
-          <p:cNvSpPr txBox="1"/>
-          <p:nvPr/>
-        </p:nvSpPr>
-        <p:spPr>
-          <a:xfrm>
-            <a:off x="4914802" y="3813711"/>
-            <a:ext cx="2362393" cy="523220"/>
-          </a:xfrm>
-          <a:prstGeom prst="rect">
-            <a:avLst/>
-          </a:prstGeom>
-          <a:noFill/>
-        </p:spPr>
-        <p:txBody>
-          <a:bodyPr wrap="square" rtlCol="0">
-            <a:spAutoFit/>
-          </a:bodyPr>
-          <a:lstStyle/>
-          <a:p>
-            <a:pPr algn="ctr"/>
-            <a:r>
-              <a:rPr lang="en-US" sz="2800" b="1" i="1" dirty="0"/>
-              <a:t>clustering</a:t>
-            </a:r>
-            <a:endParaRPr lang="en-GB" sz="2800" b="1" i="1" dirty="0"/>
-          </a:p>
-        </p:txBody>
-      </p:sp>
-      <p:sp>
-        <p:nvSpPr>
-          <p:cNvPr id="10" name="TextBox 9">
-            <a:extLst>
-              <a:ext uri="{FF2B5EF4-FFF2-40B4-BE49-F238E27FC236}">
-                <a16:creationId xmlns:a16="http://schemas.microsoft.com/office/drawing/2014/main" id="{04C4AECA-052A-433C-B19C-54BA6FB60C60}"/>
-              </a:ext>
-            </a:extLst>
-          </p:cNvPr>
-          <p:cNvSpPr txBox="1"/>
-          <p:nvPr/>
-        </p:nvSpPr>
-        <p:spPr>
-          <a:xfrm>
-            <a:off x="3235311" y="4686537"/>
-            <a:ext cx="5721378" cy="523220"/>
-          </a:xfrm>
-          <a:prstGeom prst="rect">
-            <a:avLst/>
-          </a:prstGeom>
-          <a:noFill/>
-        </p:spPr>
-        <p:txBody>
-          <a:bodyPr wrap="square" rtlCol="0">
-            <a:spAutoFit/>
-          </a:bodyPr>
-          <a:lstStyle/>
-          <a:p>
-            <a:pPr algn="ctr"/>
-            <a:r>
-              <a:rPr lang="en-US" sz="2800" b="1" dirty="0"/>
-              <a:t>5</a:t>
-            </a:r>
-            <a:r>
-              <a:rPr lang="en-US" sz="2800" dirty="0"/>
-              <a:t> or </a:t>
-            </a:r>
-            <a:r>
-              <a:rPr lang="en-US" sz="2800" b="1" dirty="0"/>
-              <a:t>6</a:t>
-            </a:r>
-            <a:r>
-              <a:rPr lang="en-US" sz="2800" dirty="0"/>
-              <a:t> group of </a:t>
-            </a:r>
-            <a:r>
-              <a:rPr lang="en-US" sz="2800" dirty="0" err="1"/>
-              <a:t>pokémon</a:t>
-            </a:r>
-            <a:endParaRPr lang="en-GB" sz="2800" dirty="0"/>
-          </a:p>
-        </p:txBody>
-      </p:sp>
-      <p:sp>
-        <p:nvSpPr>
-          <p:cNvPr id="12" name="TextBox 11">
-            <a:extLst>
-              <a:ext uri="{FF2B5EF4-FFF2-40B4-BE49-F238E27FC236}">
-                <a16:creationId xmlns:a16="http://schemas.microsoft.com/office/drawing/2014/main" id="{9D8063F0-54EB-45BF-8037-A93CA60025CC}"/>
-              </a:ext>
-            </a:extLst>
-          </p:cNvPr>
-          <p:cNvSpPr txBox="1"/>
-          <p:nvPr/>
-        </p:nvSpPr>
-        <p:spPr>
-          <a:xfrm>
-            <a:off x="3520124" y="2052105"/>
-            <a:ext cx="5151746" cy="523220"/>
-          </a:xfrm>
-          <a:prstGeom prst="rect">
-            <a:avLst/>
-          </a:prstGeom>
-          <a:noFill/>
-        </p:spPr>
-        <p:txBody>
-          <a:bodyPr wrap="square" rtlCol="0">
-            <a:spAutoFit/>
-          </a:bodyPr>
-          <a:lstStyle/>
-          <a:p>
-            <a:pPr algn="ctr"/>
-            <a:r>
-              <a:rPr lang="en-US" sz="2800" b="1" i="1" dirty="0"/>
-              <a:t>principal component analysis </a:t>
-            </a:r>
-            <a:endParaRPr lang="en-GB" sz="2800" i="1" dirty="0"/>
-          </a:p>
-        </p:txBody>
-      </p:sp>
-      <p:cxnSp>
-        <p:nvCxnSpPr>
-          <p:cNvPr id="14" name="Straight Arrow Connector 13">
-            <a:extLst>
-              <a:ext uri="{FF2B5EF4-FFF2-40B4-BE49-F238E27FC236}">
-                <a16:creationId xmlns:a16="http://schemas.microsoft.com/office/drawing/2014/main" id="{A4B682D1-9D88-4974-94D6-0BDD6B57D76C}"/>
-              </a:ext>
-            </a:extLst>
-          </p:cNvPr>
-          <p:cNvCxnSpPr>
-            <a:cxnSpLocks/>
-            <a:stCxn id="6" idx="2"/>
-            <a:endCxn id="7" idx="0"/>
-          </p:cNvCxnSpPr>
-          <p:nvPr/>
-        </p:nvCxnSpPr>
-        <p:spPr>
-          <a:xfrm flipH="1">
-            <a:off x="6093439" y="662116"/>
-            <a:ext cx="2561" cy="446853"/>
-          </a:xfrm>
-          <a:prstGeom prst="straightConnector1">
-            <a:avLst/>
-          </a:prstGeom>
-          <a:ln w="38100" cap="flat" cmpd="sng" algn="ctr">
-            <a:solidFill>
-              <a:schemeClr val="dk1"/>
-            </a:solidFill>
-            <a:prstDash val="solid"/>
-            <a:round/>
-            <a:headEnd type="none" w="med" len="med"/>
-            <a:tailEnd type="arrow" w="med" len="med"/>
-          </a:ln>
-        </p:spPr>
-        <p:style>
-          <a:lnRef idx="0">
-            <a:scrgbClr r="0" g="0" b="0"/>
-          </a:lnRef>
-          <a:fillRef idx="0">
-            <a:scrgbClr r="0" g="0" b="0"/>
-          </a:fillRef>
-          <a:effectRef idx="0">
-            <a:scrgbClr r="0" g="0" b="0"/>
-          </a:effectRef>
-          <a:fontRef idx="minor">
-            <a:schemeClr val="tx1"/>
-          </a:fontRef>
-        </p:style>
-      </p:cxnSp>
-      <p:cxnSp>
-        <p:nvCxnSpPr>
-          <p:cNvPr id="16" name="Straight Arrow Connector 15">
-            <a:extLst>
-              <a:ext uri="{FF2B5EF4-FFF2-40B4-BE49-F238E27FC236}">
-                <a16:creationId xmlns:a16="http://schemas.microsoft.com/office/drawing/2014/main" id="{911FFFF8-E538-4AB3-B545-6BAB411C745C}"/>
-              </a:ext>
-            </a:extLst>
-          </p:cNvPr>
-          <p:cNvCxnSpPr>
-            <a:cxnSpLocks/>
-            <a:stCxn id="7" idx="2"/>
-            <a:endCxn id="12" idx="0"/>
-          </p:cNvCxnSpPr>
-          <p:nvPr/>
-        </p:nvCxnSpPr>
-        <p:spPr>
-          <a:xfrm>
-            <a:off x="6093439" y="1632189"/>
-            <a:ext cx="2558" cy="419916"/>
-          </a:xfrm>
-          <a:prstGeom prst="straightConnector1">
-            <a:avLst/>
-          </a:prstGeom>
-          <a:ln w="38100" cap="flat" cmpd="sng" algn="ctr">
-            <a:solidFill>
-              <a:schemeClr val="dk1"/>
-            </a:solidFill>
-            <a:prstDash val="solid"/>
-            <a:round/>
-            <a:headEnd type="none" w="med" len="med"/>
-            <a:tailEnd type="arrow" w="med" len="med"/>
-          </a:ln>
-        </p:spPr>
-        <p:style>
-          <a:lnRef idx="0">
-            <a:scrgbClr r="0" g="0" b="0"/>
-          </a:lnRef>
-          <a:fillRef idx="0">
-            <a:scrgbClr r="0" g="0" b="0"/>
-          </a:fillRef>
-          <a:effectRef idx="0">
-            <a:scrgbClr r="0" g="0" b="0"/>
-          </a:effectRef>
-          <a:fontRef idx="minor">
-            <a:schemeClr val="tx1"/>
-          </a:fontRef>
-        </p:style>
-      </p:cxnSp>
-      <p:cxnSp>
-        <p:nvCxnSpPr>
-          <p:cNvPr id="20" name="Straight Arrow Connector 19">
-            <a:extLst>
-              <a:ext uri="{FF2B5EF4-FFF2-40B4-BE49-F238E27FC236}">
-                <a16:creationId xmlns:a16="http://schemas.microsoft.com/office/drawing/2014/main" id="{ADD4C587-1A76-4307-8D56-D8544B69D08D}"/>
-              </a:ext>
-            </a:extLst>
-          </p:cNvPr>
-          <p:cNvCxnSpPr>
-            <a:cxnSpLocks/>
-            <a:stCxn id="12" idx="2"/>
-            <a:endCxn id="8" idx="0"/>
-          </p:cNvCxnSpPr>
-          <p:nvPr/>
-        </p:nvCxnSpPr>
-        <p:spPr>
-          <a:xfrm>
-            <a:off x="6095997" y="2575325"/>
-            <a:ext cx="3" cy="330455"/>
-          </a:xfrm>
-          <a:prstGeom prst="straightConnector1">
-            <a:avLst/>
-          </a:prstGeom>
-          <a:ln w="38100" cap="flat" cmpd="sng" algn="ctr">
-            <a:solidFill>
-              <a:schemeClr val="dk1"/>
-            </a:solidFill>
-            <a:prstDash val="solid"/>
-            <a:round/>
-            <a:headEnd type="none" w="med" len="med"/>
-            <a:tailEnd type="arrow" w="med" len="med"/>
-          </a:ln>
-        </p:spPr>
-        <p:style>
-          <a:lnRef idx="0">
-            <a:scrgbClr r="0" g="0" b="0"/>
-          </a:lnRef>
-          <a:fillRef idx="0">
-            <a:scrgbClr r="0" g="0" b="0"/>
-          </a:fillRef>
-          <a:effectRef idx="0">
-            <a:scrgbClr r="0" g="0" b="0"/>
-          </a:effectRef>
-          <a:fontRef idx="minor">
-            <a:schemeClr val="tx1"/>
-          </a:fontRef>
-        </p:style>
-      </p:cxnSp>
-      <p:cxnSp>
-        <p:nvCxnSpPr>
-          <p:cNvPr id="27" name="Straight Arrow Connector 26">
-            <a:extLst>
-              <a:ext uri="{FF2B5EF4-FFF2-40B4-BE49-F238E27FC236}">
-                <a16:creationId xmlns:a16="http://schemas.microsoft.com/office/drawing/2014/main" id="{C5C4874E-4BAE-440B-8D54-47DE21EECFCF}"/>
-              </a:ext>
-            </a:extLst>
-          </p:cNvPr>
-          <p:cNvCxnSpPr>
-            <a:cxnSpLocks/>
-            <a:stCxn id="8" idx="2"/>
-            <a:endCxn id="9" idx="0"/>
-          </p:cNvCxnSpPr>
-          <p:nvPr/>
-        </p:nvCxnSpPr>
-        <p:spPr>
-          <a:xfrm flipH="1">
-            <a:off x="6095999" y="3429000"/>
-            <a:ext cx="1" cy="384711"/>
-          </a:xfrm>
-          <a:prstGeom prst="straightConnector1">
-            <a:avLst/>
-          </a:prstGeom>
-          <a:ln w="38100" cap="flat" cmpd="sng" algn="ctr">
-            <a:solidFill>
-              <a:schemeClr val="dk1"/>
-            </a:solidFill>
-            <a:prstDash val="solid"/>
-            <a:round/>
-            <a:headEnd type="none" w="med" len="med"/>
-            <a:tailEnd type="arrow" w="med" len="med"/>
-          </a:ln>
-        </p:spPr>
-        <p:style>
-          <a:lnRef idx="0">
-            <a:scrgbClr r="0" g="0" b="0"/>
-          </a:lnRef>
-          <a:fillRef idx="0">
-            <a:scrgbClr r="0" g="0" b="0"/>
-          </a:fillRef>
-          <a:effectRef idx="0">
-            <a:scrgbClr r="0" g="0" b="0"/>
-          </a:effectRef>
-          <a:fontRef idx="minor">
-            <a:schemeClr val="tx1"/>
-          </a:fontRef>
-        </p:style>
-      </p:cxnSp>
-      <p:cxnSp>
-        <p:nvCxnSpPr>
-          <p:cNvPr id="31" name="Straight Arrow Connector 30">
-            <a:extLst>
-              <a:ext uri="{FF2B5EF4-FFF2-40B4-BE49-F238E27FC236}">
-                <a16:creationId xmlns:a16="http://schemas.microsoft.com/office/drawing/2014/main" id="{79596946-3680-4245-8453-39B8EFA2EAC5}"/>
-              </a:ext>
-            </a:extLst>
-          </p:cNvPr>
-          <p:cNvCxnSpPr>
-            <a:cxnSpLocks/>
-            <a:stCxn id="9" idx="2"/>
-            <a:endCxn id="10" idx="0"/>
-          </p:cNvCxnSpPr>
-          <p:nvPr/>
-        </p:nvCxnSpPr>
-        <p:spPr>
-          <a:xfrm>
-            <a:off x="6095999" y="4336931"/>
-            <a:ext cx="1" cy="349606"/>
-          </a:xfrm>
-          <a:prstGeom prst="straightConnector1">
-            <a:avLst/>
-          </a:prstGeom>
-          <a:ln w="38100" cap="flat" cmpd="sng" algn="ctr">
-            <a:solidFill>
-              <a:schemeClr val="dk1"/>
-            </a:solidFill>
-            <a:prstDash val="solid"/>
-            <a:round/>
-            <a:headEnd type="none" w="med" len="med"/>
-            <a:tailEnd type="arrow" w="med" len="med"/>
-          </a:ln>
-        </p:spPr>
-        <p:style>
-          <a:lnRef idx="0">
-            <a:scrgbClr r="0" g="0" b="0"/>
-          </a:lnRef>
-          <a:fillRef idx="0">
-            <a:scrgbClr r="0" g="0" b="0"/>
-          </a:fillRef>
-          <a:effectRef idx="0">
-            <a:scrgbClr r="0" g="0" b="0"/>
-          </a:effectRef>
-          <a:fontRef idx="minor">
-            <a:schemeClr val="tx1"/>
-          </a:fontRef>
-        </p:style>
-      </p:cxnSp>
-    </p:spTree>
-    <p:extLst>
-      <p:ext uri="{BB962C8B-B14F-4D97-AF65-F5344CB8AC3E}">
-        <p14:creationId xmlns:p14="http://schemas.microsoft.com/office/powerpoint/2010/main" val="3130351343"/>
-      </p:ext>
-    </p:extLst>
-  </p:cSld>
-  <p:clrMapOvr>
-    <a:masterClrMapping/>
-  </p:clrMapOvr>
-</p:sld>
-</file>
-
-<file path=ppt/slides/slide6.xml><?xml version="1.0" encoding="utf-8"?>
-<p:sld xmlns:a="http://schemas.openxmlformats.org/drawingml/2006/main" xmlns:r="http://schemas.openxmlformats.org/officeDocument/2006/relationships" xmlns:p="http://schemas.openxmlformats.org/presentationml/2006/main">
-  <p:cSld>
-    <p:spTree>
-      <p:nvGrpSpPr>
-        <p:cNvPr id="1" name=""/>
-        <p:cNvGrpSpPr/>
-        <p:nvPr/>
-      </p:nvGrpSpPr>
-      <p:grpSpPr>
-        <a:xfrm>
-          <a:off x="0" y="0"/>
-          <a:ext cx="0" cy="0"/>
-          <a:chOff x="0" y="0"/>
-          <a:chExt cx="0" cy="0"/>
-        </a:xfrm>
-      </p:grpSpPr>
-      <p:pic>
-        <p:nvPicPr>
-          <p:cNvPr id="3" name="Picture 2">
-            <a:extLst>
-              <a:ext uri="{FF2B5EF4-FFF2-40B4-BE49-F238E27FC236}">
-                <a16:creationId xmlns:a16="http://schemas.microsoft.com/office/drawing/2014/main" id="{E9D15EAC-2F81-4DF6-A660-4931BFECA2D9}"/>
-              </a:ext>
-            </a:extLst>
-          </p:cNvPr>
-          <p:cNvPicPr>
-            <a:picLocks noChangeAspect="1"/>
-          </p:cNvPicPr>
-          <p:nvPr/>
-        </p:nvPicPr>
-        <p:blipFill>
-          <a:blip r:embed="rId3"/>
-          <a:stretch>
-            <a:fillRect/>
-          </a:stretch>
-        </p:blipFill>
-        <p:spPr>
-          <a:xfrm>
-            <a:off x="1444590" y="533031"/>
-            <a:ext cx="7342631" cy="4991789"/>
-          </a:xfrm>
-          <a:prstGeom prst="rect">
-            <a:avLst/>
-          </a:prstGeom>
-        </p:spPr>
-      </p:pic>
-      <p:sp>
-        <p:nvSpPr>
-          <p:cNvPr id="5" name="Title 1">
-            <a:extLst>
-              <a:ext uri="{FF2B5EF4-FFF2-40B4-BE49-F238E27FC236}">
-                <a16:creationId xmlns:a16="http://schemas.microsoft.com/office/drawing/2014/main" id="{6D72213C-7CF2-4608-AE0C-9EB58ED5A79F}"/>
-              </a:ext>
-            </a:extLst>
-          </p:cNvPr>
-          <p:cNvSpPr txBox="1">
-            <a:spLocks/>
-          </p:cNvSpPr>
-          <p:nvPr/>
-        </p:nvSpPr>
-        <p:spPr>
-          <a:xfrm>
-            <a:off x="5442857" y="5594468"/>
-            <a:ext cx="5791242" cy="730501"/>
-          </a:xfrm>
-          <a:prstGeom prst="rect">
-            <a:avLst/>
-          </a:prstGeom>
-        </p:spPr>
-        <p:txBody>
-          <a:bodyPr/>
-          <a:lstStyle>
-            <a:lvl1pPr algn="l" defTabSz="914400" rtl="0" eaLnBrk="1" latinLnBrk="0" hangingPunct="1">
-              <a:lnSpc>
-                <a:spcPct val="90000"/>
-              </a:lnSpc>
-              <a:spcBef>
-                <a:spcPct val="0"/>
-              </a:spcBef>
-              <a:buNone/>
-              <a:defRPr sz="4400" kern="1200">
-                <a:solidFill>
-                  <a:schemeClr val="tx1"/>
-                </a:solidFill>
-                <a:latin typeface="+mj-lt"/>
-                <a:ea typeface="+mj-ea"/>
-                <a:cs typeface="+mj-cs"/>
-              </a:defRPr>
-            </a:lvl1pPr>
-          </a:lstStyle>
-          <a:p>
-            <a:pPr algn="r"/>
-            <a:r>
-              <a:rPr lang="en-US" sz="6000" dirty="0" err="1"/>
-              <a:t>princ</a:t>
-            </a:r>
-            <a:r>
-              <a:rPr lang="en-US" sz="6000" dirty="0"/>
-              <a:t>-comp &lt;</a:t>
-            </a:r>
-            <a:endParaRPr lang="en-GB" sz="6000" dirty="0"/>
-          </a:p>
-        </p:txBody>
-      </p:sp>
-    </p:spTree>
-    <p:extLst>
-      <p:ext uri="{BB962C8B-B14F-4D97-AF65-F5344CB8AC3E}">
-        <p14:creationId xmlns:p14="http://schemas.microsoft.com/office/powerpoint/2010/main" val="1587184479"/>
-      </p:ext>
-    </p:extLst>
-  </p:cSld>
-  <p:clrMapOvr>
-    <a:masterClrMapping/>
-  </p:clrMapOvr>
-</p:sld>
-</file>
-
-<file path=ppt/slides/slide7.xml><?xml version="1.0" encoding="utf-8"?>
-<p:sld xmlns:a="http://schemas.openxmlformats.org/drawingml/2006/main" xmlns:r="http://schemas.openxmlformats.org/officeDocument/2006/relationships" xmlns:p="http://schemas.openxmlformats.org/presentationml/2006/main">
-  <p:cSld>
-    <p:spTree>
-      <p:nvGrpSpPr>
-        <p:cNvPr id="1" name=""/>
-        <p:cNvGrpSpPr/>
-        <p:nvPr/>
-      </p:nvGrpSpPr>
-      <p:grpSpPr>
-        <a:xfrm>
-          <a:off x="0" y="0"/>
-          <a:ext cx="0" cy="0"/>
-          <a:chOff x="0" y="0"/>
-          <a:chExt cx="0" cy="0"/>
-        </a:xfrm>
-      </p:grpSpPr>
-      <p:sp>
-        <p:nvSpPr>
-          <p:cNvPr id="3" name="Title 1">
-            <a:extLst>
-              <a:ext uri="{FF2B5EF4-FFF2-40B4-BE49-F238E27FC236}">
-                <a16:creationId xmlns:a16="http://schemas.microsoft.com/office/drawing/2014/main" id="{EF9B5A2E-DCF7-497B-A411-FD55436ECF07}"/>
-              </a:ext>
-            </a:extLst>
-          </p:cNvPr>
-          <p:cNvSpPr txBox="1">
-            <a:spLocks/>
-          </p:cNvSpPr>
-          <p:nvPr/>
-        </p:nvSpPr>
-        <p:spPr>
-          <a:xfrm>
-            <a:off x="8004629" y="5594468"/>
-            <a:ext cx="3229470" cy="730501"/>
-          </a:xfrm>
-          <a:prstGeom prst="rect">
-            <a:avLst/>
-          </a:prstGeom>
-        </p:spPr>
-        <p:txBody>
-          <a:bodyPr/>
-          <a:lstStyle>
-            <a:lvl1pPr algn="l" defTabSz="914400" rtl="0" eaLnBrk="1" latinLnBrk="0" hangingPunct="1">
-              <a:lnSpc>
-                <a:spcPct val="90000"/>
-              </a:lnSpc>
-              <a:spcBef>
-                <a:spcPct val="0"/>
-              </a:spcBef>
-              <a:buNone/>
-              <a:defRPr sz="4400" kern="1200">
-                <a:solidFill>
-                  <a:schemeClr val="tx1"/>
-                </a:solidFill>
-                <a:latin typeface="+mj-lt"/>
-                <a:ea typeface="+mj-ea"/>
-                <a:cs typeface="+mj-cs"/>
-              </a:defRPr>
-            </a:lvl1pPr>
-          </a:lstStyle>
-          <a:p>
-            <a:pPr algn="r"/>
-            <a:r>
-              <a:rPr lang="en-US" sz="6000" dirty="0" err="1"/>
-              <a:t>db</a:t>
-            </a:r>
-            <a:r>
-              <a:rPr lang="en-US" sz="6000" dirty="0"/>
-              <a:t>-scan &lt;</a:t>
-            </a:r>
-            <a:endParaRPr lang="en-GB" sz="6000" dirty="0"/>
-          </a:p>
-        </p:txBody>
-      </p:sp>
-      <p:pic>
-        <p:nvPicPr>
-          <p:cNvPr id="5" name="Picture 4">
-            <a:extLst>
-              <a:ext uri="{FF2B5EF4-FFF2-40B4-BE49-F238E27FC236}">
-                <a16:creationId xmlns:a16="http://schemas.microsoft.com/office/drawing/2014/main" id="{D1D2F85B-170E-4F67-B756-9E72822B5729}"/>
-              </a:ext>
-            </a:extLst>
-          </p:cNvPr>
-          <p:cNvPicPr>
-            <a:picLocks noChangeAspect="1"/>
-          </p:cNvPicPr>
-          <p:nvPr/>
-        </p:nvPicPr>
-        <p:blipFill>
-          <a:blip r:embed="rId2"/>
-          <a:stretch>
-            <a:fillRect/>
-          </a:stretch>
-        </p:blipFill>
-        <p:spPr>
-          <a:xfrm>
-            <a:off x="93392" y="854485"/>
-            <a:ext cx="3514617" cy="3463516"/>
-          </a:xfrm>
-          <a:prstGeom prst="rect">
-            <a:avLst/>
-          </a:prstGeom>
-        </p:spPr>
-      </p:pic>
-      <p:pic>
-        <p:nvPicPr>
-          <p:cNvPr id="7" name="Picture 6">
-            <a:extLst>
-              <a:ext uri="{FF2B5EF4-FFF2-40B4-BE49-F238E27FC236}">
-                <a16:creationId xmlns:a16="http://schemas.microsoft.com/office/drawing/2014/main" id="{77966C29-C8B2-450D-B19C-4814E20D8944}"/>
-              </a:ext>
-            </a:extLst>
-          </p:cNvPr>
-          <p:cNvPicPr>
-            <a:picLocks noChangeAspect="1"/>
-          </p:cNvPicPr>
-          <p:nvPr/>
-        </p:nvPicPr>
-        <p:blipFill>
-          <a:blip r:embed="rId3"/>
-          <a:stretch>
-            <a:fillRect/>
-          </a:stretch>
-        </p:blipFill>
-        <p:spPr>
-          <a:xfrm>
-            <a:off x="4128705" y="854485"/>
-            <a:ext cx="3555417" cy="3463516"/>
-          </a:xfrm>
-          <a:prstGeom prst="rect">
-            <a:avLst/>
-          </a:prstGeom>
-        </p:spPr>
-      </p:pic>
-      <p:pic>
-        <p:nvPicPr>
-          <p:cNvPr id="9" name="Picture 8">
-            <a:extLst>
-              <a:ext uri="{FF2B5EF4-FFF2-40B4-BE49-F238E27FC236}">
-                <a16:creationId xmlns:a16="http://schemas.microsoft.com/office/drawing/2014/main" id="{B21AC4EF-1915-4218-9DD0-198A719D31B1}"/>
-              </a:ext>
-            </a:extLst>
-          </p:cNvPr>
-          <p:cNvPicPr>
-            <a:picLocks noChangeAspect="1"/>
-          </p:cNvPicPr>
-          <p:nvPr/>
-        </p:nvPicPr>
-        <p:blipFill>
-          <a:blip r:embed="rId4"/>
-          <a:stretch>
-            <a:fillRect/>
-          </a:stretch>
-        </p:blipFill>
-        <p:spPr>
-          <a:xfrm>
-            <a:off x="8208396" y="854485"/>
-            <a:ext cx="3578583" cy="3463516"/>
-          </a:xfrm>
-          <a:prstGeom prst="rect">
-            <a:avLst/>
-          </a:prstGeom>
-        </p:spPr>
-      </p:pic>
-    </p:spTree>
-    <p:extLst>
-      <p:ext uri="{BB962C8B-B14F-4D97-AF65-F5344CB8AC3E}">
-        <p14:creationId xmlns:p14="http://schemas.microsoft.com/office/powerpoint/2010/main" val="1759874401"/>
-      </p:ext>
-    </p:extLst>
-  </p:cSld>
-  <p:clrMapOvr>
-    <a:masterClrMapping/>
-  </p:clrMapOvr>
-</p:sld>
-</file>
-
-<file path=ppt/slides/slide8.xml><?xml version="1.0" encoding="utf-8"?>
-<p:sld xmlns:a="http://schemas.openxmlformats.org/drawingml/2006/main" xmlns:r="http://schemas.openxmlformats.org/officeDocument/2006/relationships" xmlns:p="http://schemas.openxmlformats.org/presentationml/2006/main">
-  <p:cSld>
-    <p:spTree>
-      <p:nvGrpSpPr>
-        <p:cNvPr id="1" name=""/>
-        <p:cNvGrpSpPr/>
-        <p:nvPr/>
-      </p:nvGrpSpPr>
-      <p:grpSpPr>
-        <a:xfrm>
-          <a:off x="0" y="0"/>
-          <a:ext cx="0" cy="0"/>
-          <a:chOff x="0" y="0"/>
-          <a:chExt cx="0" cy="0"/>
-        </a:xfrm>
-      </p:grpSpPr>
-      <p:sp>
-        <p:nvSpPr>
-          <p:cNvPr id="3" name="Title 1">
-            <a:extLst>
-              <a:ext uri="{FF2B5EF4-FFF2-40B4-BE49-F238E27FC236}">
-                <a16:creationId xmlns:a16="http://schemas.microsoft.com/office/drawing/2014/main" id="{40F4D27B-927D-4679-A5BC-067207328F17}"/>
-              </a:ext>
-            </a:extLst>
-          </p:cNvPr>
-          <p:cNvSpPr txBox="1">
-            <a:spLocks/>
-          </p:cNvSpPr>
-          <p:nvPr/>
-        </p:nvSpPr>
-        <p:spPr>
-          <a:xfrm>
-            <a:off x="5044751" y="5594468"/>
-            <a:ext cx="6189348" cy="730501"/>
-          </a:xfrm>
-          <a:prstGeom prst="rect">
-            <a:avLst/>
-          </a:prstGeom>
-        </p:spPr>
-        <p:txBody>
-          <a:bodyPr/>
-          <a:lstStyle>
-            <a:lvl1pPr algn="l" defTabSz="914400" rtl="0" eaLnBrk="1" latinLnBrk="0" hangingPunct="1">
-              <a:lnSpc>
-                <a:spcPct val="90000"/>
-              </a:lnSpc>
-              <a:spcBef>
-                <a:spcPct val="0"/>
-              </a:spcBef>
-              <a:buNone/>
-              <a:defRPr sz="4400" kern="1200">
-                <a:solidFill>
-                  <a:schemeClr val="tx1"/>
-                </a:solidFill>
-                <a:latin typeface="+mj-lt"/>
-                <a:ea typeface="+mj-ea"/>
-                <a:cs typeface="+mj-cs"/>
-              </a:defRPr>
-            </a:lvl1pPr>
-          </a:lstStyle>
-          <a:p>
-            <a:pPr algn="r"/>
-            <a:r>
-              <a:rPr lang="en-US" sz="6000" dirty="0"/>
-              <a:t>goal &lt;</a:t>
-            </a:r>
-            <a:endParaRPr lang="en-GB" sz="6000" dirty="0"/>
-          </a:p>
-        </p:txBody>
-      </p:sp>
-      <p:pic>
-        <p:nvPicPr>
-          <p:cNvPr id="5" name="Picture 4">
-            <a:extLst>
-              <a:ext uri="{FF2B5EF4-FFF2-40B4-BE49-F238E27FC236}">
-                <a16:creationId xmlns:a16="http://schemas.microsoft.com/office/drawing/2014/main" id="{73BFC95C-80A8-4FA3-8020-70E520245889}"/>
-              </a:ext>
-            </a:extLst>
-          </p:cNvPr>
-          <p:cNvPicPr>
-            <a:picLocks noChangeAspect="1"/>
-          </p:cNvPicPr>
-          <p:nvPr/>
-        </p:nvPicPr>
-        <p:blipFill rotWithShape="1">
-          <a:blip r:embed="rId3">
-            <a:extLst>
-              <a:ext uri="{28A0092B-C50C-407E-A947-70E740481C1C}">
-                <a14:useLocalDpi xmlns:a14="http://schemas.microsoft.com/office/drawing/2010/main" val="0"/>
-              </a:ext>
-            </a:extLst>
-          </a:blip>
-          <a:srcRect l="30389" t="44924" r="22495" b="9737"/>
-          <a:stretch/>
-        </p:blipFill>
-        <p:spPr>
-          <a:xfrm>
-            <a:off x="2090065" y="1950195"/>
-            <a:ext cx="2256968" cy="2171863"/>
-          </a:xfrm>
-          <a:prstGeom prst="rect">
-            <a:avLst/>
-          </a:prstGeom>
-        </p:spPr>
-      </p:pic>
-      <p:pic>
-        <p:nvPicPr>
-          <p:cNvPr id="12" name="Picture 11">
-            <a:extLst>
-              <a:ext uri="{FF2B5EF4-FFF2-40B4-BE49-F238E27FC236}">
-                <a16:creationId xmlns:a16="http://schemas.microsoft.com/office/drawing/2014/main" id="{76A3C472-1DA8-4879-A073-78794084FF6E}"/>
-              </a:ext>
-            </a:extLst>
-          </p:cNvPr>
-          <p:cNvPicPr>
-            <a:picLocks noChangeAspect="1"/>
-          </p:cNvPicPr>
-          <p:nvPr/>
-        </p:nvPicPr>
-        <p:blipFill rotWithShape="1">
-          <a:blip r:embed="rId4">
-            <a:extLst>
-              <a:ext uri="{BEBA8EAE-BF5A-486C-A8C5-ECC9F3942E4B}">
-                <a14:imgProps xmlns:a14="http://schemas.microsoft.com/office/drawing/2010/main">
-                  <a14:imgLayer r:embed="rId5">
-                    <a14:imgEffect>
-                      <a14:artisticChalkSketch/>
-                    </a14:imgEffect>
-                  </a14:imgLayer>
-                </a14:imgProps>
-              </a:ext>
-              <a:ext uri="{28A0092B-C50C-407E-A947-70E740481C1C}">
-                <a14:useLocalDpi xmlns:a14="http://schemas.microsoft.com/office/drawing/2010/main" val="0"/>
-              </a:ext>
-            </a:extLst>
-          </a:blip>
-          <a:srcRect l="30389" t="44924" r="52341" b="9737"/>
-          <a:stretch/>
-        </p:blipFill>
-        <p:spPr>
-          <a:xfrm>
-            <a:off x="2090065" y="1950195"/>
-            <a:ext cx="827310" cy="2171863"/>
-          </a:xfrm>
-          <a:prstGeom prst="rect">
-            <a:avLst/>
-          </a:prstGeom>
-        </p:spPr>
-      </p:pic>
-      <p:pic>
-        <p:nvPicPr>
-          <p:cNvPr id="14" name="Graphic 13" descr="Compass outline">
-            <a:extLst>
-              <a:ext uri="{FF2B5EF4-FFF2-40B4-BE49-F238E27FC236}">
-                <a16:creationId xmlns:a16="http://schemas.microsoft.com/office/drawing/2014/main" id="{A678B9BE-A528-42D0-8128-D30CDA0E201F}"/>
-              </a:ext>
-            </a:extLst>
-          </p:cNvPr>
-          <p:cNvPicPr>
-            <a:picLocks noChangeAspect="1"/>
-          </p:cNvPicPr>
-          <p:nvPr/>
-        </p:nvPicPr>
-        <p:blipFill>
-          <a:blip r:embed="rId6">
-            <a:extLst>
-              <a:ext uri="{28A0092B-C50C-407E-A947-70E740481C1C}">
-                <a14:useLocalDpi xmlns:a14="http://schemas.microsoft.com/office/drawing/2010/main" val="0"/>
-              </a:ext>
-              <a:ext uri="{96DAC541-7B7A-43D3-8B79-37D633B846F1}">
-                <asvg:svgBlip xmlns:asvg="http://schemas.microsoft.com/office/drawing/2016/SVG/main" r:embed="rId7"/>
-              </a:ext>
-            </a:extLst>
-          </a:blip>
-          <a:stretch>
-            <a:fillRect/>
-          </a:stretch>
-        </p:blipFill>
-        <p:spPr>
-          <a:xfrm>
-            <a:off x="7598227" y="2231570"/>
-            <a:ext cx="1973943" cy="1973943"/>
-          </a:xfrm>
-          <a:prstGeom prst="rect">
-            <a:avLst/>
-          </a:prstGeom>
-        </p:spPr>
-      </p:pic>
-      <p:cxnSp>
-        <p:nvCxnSpPr>
-          <p:cNvPr id="16" name="Straight Arrow Connector 15">
-            <a:extLst>
-              <a:ext uri="{FF2B5EF4-FFF2-40B4-BE49-F238E27FC236}">
-                <a16:creationId xmlns:a16="http://schemas.microsoft.com/office/drawing/2014/main" id="{23006383-6526-4856-B465-52B3EEFD8F17}"/>
-              </a:ext>
-            </a:extLst>
-          </p:cNvPr>
-          <p:cNvCxnSpPr>
-            <a:cxnSpLocks/>
-          </p:cNvCxnSpPr>
-          <p:nvPr/>
-        </p:nvCxnSpPr>
-        <p:spPr>
-          <a:xfrm>
-            <a:off x="4593775" y="3218541"/>
-            <a:ext cx="2510968" cy="0"/>
-          </a:xfrm>
-          <a:prstGeom prst="straightConnector1">
-            <a:avLst/>
-          </a:prstGeom>
-          <a:ln w="76200">
-            <a:solidFill>
-              <a:schemeClr val="tx1"/>
-            </a:solidFill>
-            <a:headEnd type="arrow" w="med" len="med"/>
-            <a:tailEnd type="arrow" w="med" len="med"/>
-          </a:ln>
-        </p:spPr>
-        <p:style>
-          <a:lnRef idx="3">
-            <a:schemeClr val="accent6"/>
-          </a:lnRef>
-          <a:fillRef idx="0">
-            <a:schemeClr val="accent6"/>
-          </a:fillRef>
-          <a:effectRef idx="2">
-            <a:schemeClr val="accent6"/>
-          </a:effectRef>
-          <a:fontRef idx="minor">
-            <a:schemeClr val="tx1"/>
-          </a:fontRef>
-        </p:style>
-      </p:cxnSp>
-    </p:spTree>
-    <p:extLst>
-      <p:ext uri="{BB962C8B-B14F-4D97-AF65-F5344CB8AC3E}">
-        <p14:creationId xmlns:p14="http://schemas.microsoft.com/office/powerpoint/2010/main" val="2765306690"/>
-      </p:ext>
-    </p:extLst>
-  </p:cSld>
-  <p:clrMapOvr>
-    <a:masterClrMapping/>
-  </p:clrMapOvr>
-</p:sld>
-</file>
-
-<file path=ppt/slides/slide9.xml><?xml version="1.0" encoding="utf-8"?>
-<p:sld xmlns:a="http://schemas.openxmlformats.org/drawingml/2006/main" xmlns:r="http://schemas.openxmlformats.org/officeDocument/2006/relationships" xmlns:p="http://schemas.openxmlformats.org/presentationml/2006/main">
-  <p:cSld>
-    <p:spTree>
-      <p:nvGrpSpPr>
-        <p:cNvPr id="1" name=""/>
-        <p:cNvGrpSpPr/>
-        <p:nvPr/>
-      </p:nvGrpSpPr>
-      <p:grpSpPr>
-        <a:xfrm>
-          <a:off x="0" y="0"/>
-          <a:ext cx="0" cy="0"/>
-          <a:chOff x="0" y="0"/>
-          <a:chExt cx="0" cy="0"/>
-        </a:xfrm>
-      </p:grpSpPr>
-      <p:sp>
-        <p:nvSpPr>
-          <p:cNvPr id="3" name="Title 1">
-            <a:extLst>
-              <a:ext uri="{FF2B5EF4-FFF2-40B4-BE49-F238E27FC236}">
-                <a16:creationId xmlns:a16="http://schemas.microsoft.com/office/drawing/2014/main" id="{DD8A818C-478E-41AF-801E-5410933889A7}"/>
-              </a:ext>
-            </a:extLst>
-          </p:cNvPr>
-          <p:cNvSpPr txBox="1">
-            <a:spLocks/>
-          </p:cNvSpPr>
-          <p:nvPr/>
-        </p:nvSpPr>
-        <p:spPr>
-          <a:xfrm>
-            <a:off x="5044751" y="5594468"/>
-            <a:ext cx="6189348" cy="730501"/>
-          </a:xfrm>
-          <a:prstGeom prst="rect">
-            <a:avLst/>
-          </a:prstGeom>
-        </p:spPr>
-        <p:txBody>
-          <a:bodyPr/>
-          <a:lstStyle>
-            <a:lvl1pPr algn="l" defTabSz="914400" rtl="0" eaLnBrk="1" latinLnBrk="0" hangingPunct="1">
-              <a:lnSpc>
-                <a:spcPct val="90000"/>
-              </a:lnSpc>
-              <a:spcBef>
-                <a:spcPct val="0"/>
-              </a:spcBef>
-              <a:buNone/>
-              <a:defRPr sz="4400" kern="1200">
-                <a:solidFill>
-                  <a:schemeClr val="tx1"/>
-                </a:solidFill>
-                <a:latin typeface="+mj-lt"/>
-                <a:ea typeface="+mj-ea"/>
-                <a:cs typeface="+mj-cs"/>
-              </a:defRPr>
-            </a:lvl1pPr>
-          </a:lstStyle>
-          <a:p>
-            <a:pPr algn="r"/>
-            <a:r>
-              <a:rPr lang="en-US" sz="6000" dirty="0"/>
-              <a:t>log-reg &lt;</a:t>
-            </a:r>
-            <a:endParaRPr lang="en-GB" sz="6000" dirty="0"/>
-          </a:p>
-        </p:txBody>
-      </p:sp>
-      <p:cxnSp>
-        <p:nvCxnSpPr>
-          <p:cNvPr id="5" name="Straight Arrow Connector 4">
-            <a:extLst>
-              <a:ext uri="{FF2B5EF4-FFF2-40B4-BE49-F238E27FC236}">
-                <a16:creationId xmlns:a16="http://schemas.microsoft.com/office/drawing/2014/main" id="{C1497737-1180-433B-8DD4-B606E98EDD5E}"/>
-              </a:ext>
-            </a:extLst>
-          </p:cNvPr>
-          <p:cNvCxnSpPr>
-            <a:cxnSpLocks/>
-          </p:cNvCxnSpPr>
-          <p:nvPr/>
-        </p:nvCxnSpPr>
-        <p:spPr>
-          <a:xfrm>
-            <a:off x="4593775" y="3218541"/>
-            <a:ext cx="2510968" cy="0"/>
-          </a:xfrm>
-          <a:prstGeom prst="straightConnector1">
-            <a:avLst/>
-          </a:prstGeom>
-          <a:ln w="76200">
-            <a:solidFill>
-              <a:schemeClr val="tx1"/>
-            </a:solidFill>
-            <a:headEnd type="arrow" w="med" len="med"/>
-            <a:tailEnd type="arrow" w="med" len="med"/>
-          </a:ln>
-        </p:spPr>
-        <p:style>
-          <a:lnRef idx="3">
-            <a:schemeClr val="accent6"/>
-          </a:lnRef>
-          <a:fillRef idx="0">
-            <a:schemeClr val="accent6"/>
-          </a:fillRef>
-          <a:effectRef idx="2">
-            <a:schemeClr val="accent6"/>
-          </a:effectRef>
-          <a:fontRef idx="minor">
-            <a:schemeClr val="tx1"/>
-          </a:fontRef>
-        </p:style>
-      </p:cxnSp>
-      <p:pic>
-        <p:nvPicPr>
-          <p:cNvPr id="7" name="Graphic 6" descr="Vacation outline">
-            <a:extLst>
-              <a:ext uri="{FF2B5EF4-FFF2-40B4-BE49-F238E27FC236}">
-                <a16:creationId xmlns:a16="http://schemas.microsoft.com/office/drawing/2014/main" id="{75C45FF3-502C-45D7-A099-6FB2D4FC2668}"/>
-              </a:ext>
-            </a:extLst>
-          </p:cNvPr>
-          <p:cNvPicPr>
-            <a:picLocks noChangeAspect="1"/>
-          </p:cNvPicPr>
-          <p:nvPr/>
-        </p:nvPicPr>
-        <p:blipFill>
-          <a:blip r:embed="rId2">
-            <a:extLst>
-              <a:ext uri="{28A0092B-C50C-407E-A947-70E740481C1C}">
-                <a14:useLocalDpi xmlns:a14="http://schemas.microsoft.com/office/drawing/2010/main" val="0"/>
-              </a:ext>
-              <a:ext uri="{96DAC541-7B7A-43D3-8B79-37D633B846F1}">
-                <asvg:svgBlip xmlns:asvg="http://schemas.microsoft.com/office/drawing/2016/SVG/main" r:embed="rId3"/>
-              </a:ext>
-            </a:extLst>
-          </a:blip>
-          <a:stretch>
-            <a:fillRect/>
-          </a:stretch>
-        </p:blipFill>
-        <p:spPr>
-          <a:xfrm>
-            <a:off x="7389137" y="2021795"/>
-            <a:ext cx="2233836" cy="2233836"/>
-          </a:xfrm>
-          <a:prstGeom prst="rect">
-            <a:avLst/>
-          </a:prstGeom>
-        </p:spPr>
-      </p:pic>
-      <p:pic>
-        <p:nvPicPr>
-          <p:cNvPr id="13" name="Picture 12" descr="A picture containing lamp&#10;&#10;Description automatically generated">
-            <a:extLst>
-              <a:ext uri="{FF2B5EF4-FFF2-40B4-BE49-F238E27FC236}">
-                <a16:creationId xmlns:a16="http://schemas.microsoft.com/office/drawing/2014/main" id="{5C2A76F2-8830-4F0A-9EEF-6EC717D3D420}"/>
-              </a:ext>
-            </a:extLst>
-          </p:cNvPr>
-          <p:cNvPicPr>
-            <a:picLocks noChangeAspect="1"/>
-          </p:cNvPicPr>
-          <p:nvPr/>
-        </p:nvPicPr>
-        <p:blipFill>
-          <a:blip r:embed="rId4">
-            <a:extLst>
-              <a:ext uri="{28A0092B-C50C-407E-A947-70E740481C1C}">
-                <a14:useLocalDpi xmlns:a14="http://schemas.microsoft.com/office/drawing/2010/main" val="0"/>
-              </a:ext>
-            </a:extLst>
-          </a:blip>
-          <a:stretch>
-            <a:fillRect/>
-          </a:stretch>
-        </p:blipFill>
-        <p:spPr>
-          <a:xfrm>
-            <a:off x="2075545" y="2101623"/>
-            <a:ext cx="2233836" cy="2233836"/>
-          </a:xfrm>
-          <a:prstGeom prst="rect">
-            <a:avLst/>
-          </a:prstGeom>
-        </p:spPr>
-      </p:pic>
-    </p:spTree>
-    <p:extLst>
-      <p:ext uri="{BB962C8B-B14F-4D97-AF65-F5344CB8AC3E}">
-        <p14:creationId xmlns:p14="http://schemas.microsoft.com/office/powerpoint/2010/main" val="879326975"/>
       </p:ext>
     </p:extLst>
   </p:cSld>

--- a/presentation.pptx
+++ b/presentation.pptx
@@ -5,8 +5,11 @@
     <p:sldMasterId id="2147483648" r:id="rId1"/>
   </p:sldMasterIdLst>
   <p:notesMasterIdLst>
-    <p:notesMasterId r:id="rId20"/>
+    <p:notesMasterId r:id="rId19"/>
   </p:notesMasterIdLst>
+  <p:handoutMasterIdLst>
+    <p:handoutMasterId r:id="rId20"/>
+  </p:handoutMasterIdLst>
   <p:sldIdLst>
     <p:sldId id="256" r:id="rId2"/>
     <p:sldId id="257" r:id="rId3"/>
@@ -25,7 +28,6 @@
     <p:sldId id="268" r:id="rId16"/>
     <p:sldId id="275" r:id="rId17"/>
     <p:sldId id="258" r:id="rId18"/>
-    <p:sldId id="262" r:id="rId19"/>
   </p:sldIdLst>
   <p:sldSz cx="12192000" cy="6858000"/>
   <p:notesSz cx="6858000" cy="9144000"/>
@@ -146,7 +148,6 @@
             <p14:sldId id="268"/>
             <p14:sldId id="275"/>
             <p14:sldId id="258"/>
-            <p14:sldId id="262"/>
           </p14:sldIdLst>
         </p14:section>
       </p14:sectionLst>
@@ -177,6 +178,196 @@
 </p1510:revInfo>
 </file>
 
+<file path=ppt/handoutMasters/handoutMaster1.xml><?xml version="1.0" encoding="utf-8"?>
+<p:handoutMaster xmlns:a="http://schemas.openxmlformats.org/drawingml/2006/main" xmlns:r="http://schemas.openxmlformats.org/officeDocument/2006/relationships" xmlns:p="http://schemas.openxmlformats.org/presentationml/2006/main">
+  <p:cSld>
+    <p:bg>
+      <p:bgRef idx="1001">
+        <a:schemeClr val="bg1"/>
+      </p:bgRef>
+    </p:bg>
+    <p:spTree>
+      <p:nvGrpSpPr>
+        <p:cNvPr id="1" name=""/>
+        <p:cNvGrpSpPr/>
+        <p:nvPr/>
+      </p:nvGrpSpPr>
+      <p:grpSpPr>
+        <a:xfrm>
+          <a:off x="0" y="0"/>
+          <a:ext cx="0" cy="0"/>
+          <a:chOff x="0" y="0"/>
+          <a:chExt cx="0" cy="0"/>
+        </a:xfrm>
+      </p:grpSpPr>
+      <p:sp>
+        <p:nvSpPr>
+          <p:cNvPr id="2" name="Header Placeholder 1">
+            <a:extLst>
+              <a:ext uri="{FF2B5EF4-FFF2-40B4-BE49-F238E27FC236}">
+                <a16:creationId xmlns:a16="http://schemas.microsoft.com/office/drawing/2014/main" id="{64E66FE3-147B-4A5E-958D-6BC7153FEE15}"/>
+              </a:ext>
+            </a:extLst>
+          </p:cNvPr>
+          <p:cNvSpPr>
+            <a:spLocks noGrp="1"/>
+          </p:cNvSpPr>
+          <p:nvPr>
+            <p:ph type="hdr" sz="quarter"/>
+          </p:nvPr>
+        </p:nvSpPr>
+        <p:spPr>
+          <a:xfrm>
+            <a:off x="0" y="0"/>
+            <a:ext cx="2971800" cy="458788"/>
+          </a:xfrm>
+          <a:prstGeom prst="rect">
+            <a:avLst/>
+          </a:prstGeom>
+        </p:spPr>
+        <p:txBody>
+          <a:bodyPr vert="horz" lIns="91440" tIns="45720" rIns="91440" bIns="45720" rtlCol="0"/>
+          <a:lstStyle>
+            <a:lvl1pPr algn="l">
+              <a:defRPr sz="1200"/>
+            </a:lvl1pPr>
+          </a:lstStyle>
+          <a:p>
+            <a:endParaRPr lang="en-GB"/>
+          </a:p>
+        </p:txBody>
+      </p:sp>
+      <p:sp>
+        <p:nvSpPr>
+          <p:cNvPr id="3" name="Date Placeholder 2">
+            <a:extLst>
+              <a:ext uri="{FF2B5EF4-FFF2-40B4-BE49-F238E27FC236}">
+                <a16:creationId xmlns:a16="http://schemas.microsoft.com/office/drawing/2014/main" id="{923E5712-715B-430C-A516-C48E63D8DDA3}"/>
+              </a:ext>
+            </a:extLst>
+          </p:cNvPr>
+          <p:cNvSpPr>
+            <a:spLocks noGrp="1"/>
+          </p:cNvSpPr>
+          <p:nvPr>
+            <p:ph type="dt" sz="quarter" idx="1"/>
+          </p:nvPr>
+        </p:nvSpPr>
+        <p:spPr>
+          <a:xfrm>
+            <a:off x="3884613" y="0"/>
+            <a:ext cx="2971800" cy="458788"/>
+          </a:xfrm>
+          <a:prstGeom prst="rect">
+            <a:avLst/>
+          </a:prstGeom>
+        </p:spPr>
+        <p:txBody>
+          <a:bodyPr vert="horz" lIns="91440" tIns="45720" rIns="91440" bIns="45720" rtlCol="0"/>
+          <a:lstStyle>
+            <a:lvl1pPr algn="r">
+              <a:defRPr sz="1200"/>
+            </a:lvl1pPr>
+          </a:lstStyle>
+          <a:p>
+            <a:fld id="{0D36DC1A-DAD0-4E56-9954-4531FD8479C1}" type="datetimeFigureOut">
+              <a:rPr lang="en-GB" smtClean="0"/>
+              <a:t>19/01/2022</a:t>
+            </a:fld>
+            <a:endParaRPr lang="en-GB"/>
+          </a:p>
+        </p:txBody>
+      </p:sp>
+      <p:sp>
+        <p:nvSpPr>
+          <p:cNvPr id="4" name="Footer Placeholder 3">
+            <a:extLst>
+              <a:ext uri="{FF2B5EF4-FFF2-40B4-BE49-F238E27FC236}">
+                <a16:creationId xmlns:a16="http://schemas.microsoft.com/office/drawing/2014/main" id="{C77F3ACB-FF57-4B23-8DC1-A3886C8B1405}"/>
+              </a:ext>
+            </a:extLst>
+          </p:cNvPr>
+          <p:cNvSpPr>
+            <a:spLocks noGrp="1"/>
+          </p:cNvSpPr>
+          <p:nvPr>
+            <p:ph type="ftr" sz="quarter" idx="2"/>
+          </p:nvPr>
+        </p:nvSpPr>
+        <p:spPr>
+          <a:xfrm>
+            <a:off x="0" y="8685213"/>
+            <a:ext cx="2971800" cy="458787"/>
+          </a:xfrm>
+          <a:prstGeom prst="rect">
+            <a:avLst/>
+          </a:prstGeom>
+        </p:spPr>
+        <p:txBody>
+          <a:bodyPr vert="horz" lIns="91440" tIns="45720" rIns="91440" bIns="45720" rtlCol="0" anchor="b"/>
+          <a:lstStyle>
+            <a:lvl1pPr algn="l">
+              <a:defRPr sz="1200"/>
+            </a:lvl1pPr>
+          </a:lstStyle>
+          <a:p>
+            <a:endParaRPr lang="en-GB"/>
+          </a:p>
+        </p:txBody>
+      </p:sp>
+      <p:sp>
+        <p:nvSpPr>
+          <p:cNvPr id="5" name="Slide Number Placeholder 4">
+            <a:extLst>
+              <a:ext uri="{FF2B5EF4-FFF2-40B4-BE49-F238E27FC236}">
+                <a16:creationId xmlns:a16="http://schemas.microsoft.com/office/drawing/2014/main" id="{B3C004CF-A3A7-4F33-8A44-C468B5DC5A9B}"/>
+              </a:ext>
+            </a:extLst>
+          </p:cNvPr>
+          <p:cNvSpPr>
+            <a:spLocks noGrp="1"/>
+          </p:cNvSpPr>
+          <p:nvPr>
+            <p:ph type="sldNum" sz="quarter" idx="3"/>
+          </p:nvPr>
+        </p:nvSpPr>
+        <p:spPr>
+          <a:xfrm>
+            <a:off x="3884613" y="8685213"/>
+            <a:ext cx="2971800" cy="458787"/>
+          </a:xfrm>
+          <a:prstGeom prst="rect">
+            <a:avLst/>
+          </a:prstGeom>
+        </p:spPr>
+        <p:txBody>
+          <a:bodyPr vert="horz" lIns="91440" tIns="45720" rIns="91440" bIns="45720" rtlCol="0" anchor="b"/>
+          <a:lstStyle>
+            <a:lvl1pPr algn="r">
+              <a:defRPr sz="1200"/>
+            </a:lvl1pPr>
+          </a:lstStyle>
+          <a:p>
+            <a:fld id="{6429CEFD-3CB2-41D0-928E-92F7859164B6}" type="slidenum">
+              <a:rPr lang="en-GB" smtClean="0"/>
+              <a:t>‹#›</a:t>
+            </a:fld>
+            <a:endParaRPr lang="en-GB"/>
+          </a:p>
+        </p:txBody>
+      </p:sp>
+    </p:spTree>
+    <p:extLst>
+      <p:ext uri="{BB962C8B-B14F-4D97-AF65-F5344CB8AC3E}">
+        <p14:creationId xmlns:p14="http://schemas.microsoft.com/office/powerpoint/2010/main" val="1325513441"/>
+      </p:ext>
+    </p:extLst>
+  </p:cSld>
+  <p:clrMap bg1="lt1" tx1="dk1" bg2="lt2" tx2="dk2" accent1="accent1" accent2="accent2" accent3="accent3" accent4="accent4" accent5="accent5" accent6="accent6" hlink="hlink" folHlink="folHlink"/>
+  <p:hf sldNum="0" hdr="0" ftr="0" dt="0"/>
+</p:handoutMaster>
+</file>
+
 <file path=ppt/notesMasters/notesMaster1.xml><?xml version="1.0" encoding="utf-8"?>
 <p:notesMaster xmlns:a="http://schemas.openxmlformats.org/drawingml/2006/main" xmlns:r="http://schemas.openxmlformats.org/officeDocument/2006/relationships" xmlns:p="http://schemas.openxmlformats.org/presentationml/2006/main">
   <p:cSld>
@@ -259,7 +450,7 @@
           <a:p>
             <a:fld id="{FDFDA55C-4601-4537-BB70-D29DC1815E10}" type="datetimeFigureOut">
               <a:rPr lang="en-GB" smtClean="0"/>
-              <a:t>17/01/2022</a:t>
+              <a:t>19/01/2022</a:t>
             </a:fld>
             <a:endParaRPr lang="en-GB"/>
           </a:p>
@@ -432,6 +623,7 @@
     </p:extLst>
   </p:cSld>
   <p:clrMap bg1="lt1" tx1="dk1" bg2="lt2" tx2="dk2" accent1="accent1" accent2="accent2" accent3="accent3" accent4="accent4" accent5="accent5" accent6="accent6" hlink="hlink" folHlink="folHlink"/>
+  <p:hf sldNum="0" hdr="0" ftr="0" dt="0"/>
   <p:notesStyle>
     <a:lvl1pPr marL="0" algn="l" defTabSz="914400" rtl="0" eaLnBrk="1" latinLnBrk="0" hangingPunct="1">
       <a:defRPr sz="1200" kern="1200">
@@ -571,51 +763,99 @@
           <a:bodyPr/>
           <a:lstStyle/>
           <a:p>
-            <a:r>
-              <a:rPr lang="en-US" dirty="0"/>
-              <a:t>In this project I tried to exploit the spawning algorithm behind the famous platform game Pokémon GO.</a:t>
-            </a:r>
-          </a:p>
-          <a:p>
-            <a:r>
-              <a:rPr lang="en-US" dirty="0"/>
+            <a:pPr>
+              <a:lnSpc>
+                <a:spcPct val="107000"/>
+              </a:lnSpc>
+              <a:spcAft>
+                <a:spcPts val="800"/>
+              </a:spcAft>
+            </a:pPr>
+            <a:r>
+              <a:rPr lang="en-GB" sz="1800" dirty="0">
+                <a:effectLst/>
+                <a:latin typeface="Calibri" panose="020F0502020204030204" pitchFamily="34" charset="0"/>
+                <a:ea typeface="Calibri" panose="020F0502020204030204" pitchFamily="34" charset="0"/>
+                <a:cs typeface="Times New Roman" panose="02020603050405020304" pitchFamily="18" charset="0"/>
+              </a:rPr>
+              <a:t>In this project I tried to exploit the spawning algorithm behind the famous platform game, Pokémon GO.</a:t>
+            </a:r>
+          </a:p>
+          <a:p>
+            <a:pPr>
+              <a:lnSpc>
+                <a:spcPct val="107000"/>
+              </a:lnSpc>
+              <a:spcAft>
+                <a:spcPts val="800"/>
+              </a:spcAft>
+            </a:pPr>
+            <a:r>
+              <a:rPr lang="en-GB" sz="1800" dirty="0">
+                <a:effectLst/>
+                <a:latin typeface="Calibri" panose="020F0502020204030204" pitchFamily="34" charset="0"/>
+                <a:ea typeface="Calibri" panose="020F0502020204030204" pitchFamily="34" charset="0"/>
+                <a:cs typeface="Times New Roman" panose="02020603050405020304" pitchFamily="18" charset="0"/>
+              </a:rPr>
               <a:t>I guess that everybody knowns what Pokémon Go is,</a:t>
             </a:r>
           </a:p>
           <a:p>
-            <a:r>
-              <a:rPr lang="en-US" dirty="0"/>
-              <a:t>in short, in this mobile game, the player should collect different monsters called Pokémon, and these Pokémon spawns in different places and condition.</a:t>
-            </a:r>
-          </a:p>
-          <a:p>
-            <a:r>
-              <a:rPr lang="en-US" dirty="0"/>
-              <a:t>First of all, generally, a spawning algorithm is the generative process that point out which kind of element should appear based on the context of the game.</a:t>
-            </a:r>
-          </a:p>
-        </p:txBody>
-      </p:sp>
-      <p:sp>
-        <p:nvSpPr>
-          <p:cNvPr id="4" name="Slide Number Placeholder 3"/>
-          <p:cNvSpPr>
-            <a:spLocks noGrp="1"/>
-          </p:cNvSpPr>
-          <p:nvPr>
-            <p:ph type="sldNum" sz="quarter" idx="5"/>
-          </p:nvPr>
-        </p:nvSpPr>
-        <p:spPr/>
-        <p:txBody>
-          <a:bodyPr/>
-          <a:lstStyle/>
-          <a:p>
-            <a:fld id="{71085349-C73D-4010-B699-EBD45FD09117}" type="slidenum">
-              <a:rPr lang="en-GB" smtClean="0"/>
-              <a:t>1</a:t>
-            </a:fld>
-            <a:endParaRPr lang="en-GB"/>
+            <a:pPr>
+              <a:lnSpc>
+                <a:spcPct val="107000"/>
+              </a:lnSpc>
+              <a:spcAft>
+                <a:spcPts val="800"/>
+              </a:spcAft>
+            </a:pPr>
+            <a:r>
+              <a:rPr lang="en-GB" sz="1800" dirty="0">
+                <a:effectLst/>
+                <a:latin typeface="Calibri" panose="020F0502020204030204" pitchFamily="34" charset="0"/>
+                <a:ea typeface="Calibri" panose="020F0502020204030204" pitchFamily="34" charset="0"/>
+                <a:cs typeface="Times New Roman" panose="02020603050405020304" pitchFamily="18" charset="0"/>
+              </a:rPr>
+              <a:t>But in short, in this mobile game, the player should collect different monsters called Pokémon, and these Pokémon spawns in different places and at different condition.</a:t>
+            </a:r>
+          </a:p>
+          <a:p>
+            <a:pPr>
+              <a:lnSpc>
+                <a:spcPct val="107000"/>
+              </a:lnSpc>
+              <a:spcAft>
+                <a:spcPts val="800"/>
+              </a:spcAft>
+            </a:pPr>
+            <a:endParaRPr lang="en-GB" sz="1800" dirty="0">
+              <a:effectLst/>
+              <a:latin typeface="Calibri" panose="020F0502020204030204" pitchFamily="34" charset="0"/>
+              <a:ea typeface="Calibri" panose="020F0502020204030204" pitchFamily="34" charset="0"/>
+              <a:cs typeface="Times New Roman" panose="02020603050405020304" pitchFamily="18" charset="0"/>
+            </a:endParaRPr>
+          </a:p>
+          <a:p>
+            <a:pPr>
+              <a:lnSpc>
+                <a:spcPct val="107000"/>
+              </a:lnSpc>
+              <a:spcAft>
+                <a:spcPts val="800"/>
+              </a:spcAft>
+            </a:pPr>
+            <a:r>
+              <a:rPr lang="en-GB" sz="1800" dirty="0">
+                <a:effectLst/>
+                <a:latin typeface="Calibri" panose="020F0502020204030204" pitchFamily="34" charset="0"/>
+                <a:ea typeface="Calibri" panose="020F0502020204030204" pitchFamily="34" charset="0"/>
+                <a:cs typeface="Times New Roman" panose="02020603050405020304" pitchFamily="18" charset="0"/>
+              </a:rPr>
+              <a:t>Generally, a spawning algorithm is the generative process that point out which kind of element should appear, based on the context of the game.</a:t>
+            </a:r>
+          </a:p>
+          <a:p>
+            <a:endParaRPr lang="en-US" dirty="0"/>
           </a:p>
         </p:txBody>
       </p:sp>
@@ -676,41 +916,166 @@
           <a:bodyPr/>
           <a:lstStyle/>
           <a:p>
-            <a:r>
-              <a:rPr lang="en-US" dirty="0"/>
-              <a:t>Correspondence analysis results</a:t>
-            </a:r>
-            <a:endParaRPr lang="en-GB" dirty="0"/>
-          </a:p>
-        </p:txBody>
-      </p:sp>
-      <p:sp>
-        <p:nvSpPr>
-          <p:cNvPr id="4" name="Slide Number Placeholder 3"/>
-          <p:cNvSpPr>
-            <a:spLocks noGrp="1"/>
-          </p:cNvSpPr>
-          <p:nvPr>
-            <p:ph type="sldNum" sz="quarter" idx="5"/>
-          </p:nvPr>
-        </p:nvSpPr>
-        <p:spPr/>
-        <p:txBody>
-          <a:bodyPr/>
-          <a:lstStyle/>
-          <a:p>
-            <a:fld id="{71085349-C73D-4010-B699-EBD45FD09117}" type="slidenum">
-              <a:rPr lang="en-GB" smtClean="0"/>
-              <a:t>11</a:t>
-            </a:fld>
-            <a:endParaRPr lang="en-GB"/>
+            <a:pPr>
+              <a:lnSpc>
+                <a:spcPct val="107000"/>
+              </a:lnSpc>
+              <a:spcAft>
+                <a:spcPts val="800"/>
+              </a:spcAft>
+            </a:pPr>
+            <a:r>
+              <a:rPr lang="en-US" sz="1800" dirty="0" err="1">
+                <a:effectLst/>
+                <a:latin typeface="Calibri" panose="020F0502020204030204" pitchFamily="34" charset="0"/>
+                <a:ea typeface="Calibri" panose="020F0502020204030204" pitchFamily="34" charset="0"/>
+                <a:cs typeface="Times New Roman" panose="02020603050405020304" pitchFamily="18" charset="0"/>
+              </a:rPr>
+              <a:t>So,multiple</a:t>
+            </a:r>
+            <a:r>
+              <a:rPr lang="en-US" sz="1800" dirty="0">
+                <a:effectLst/>
+                <a:latin typeface="Calibri" panose="020F0502020204030204" pitchFamily="34" charset="0"/>
+                <a:ea typeface="Calibri" panose="020F0502020204030204" pitchFamily="34" charset="0"/>
+                <a:cs typeface="Times New Roman" panose="02020603050405020304" pitchFamily="18" charset="0"/>
+              </a:rPr>
+              <a:t> correspondence analysis could be our superhero,</a:t>
+            </a:r>
+          </a:p>
+          <a:p>
+            <a:pPr>
+              <a:lnSpc>
+                <a:spcPct val="107000"/>
+              </a:lnSpc>
+              <a:spcAft>
+                <a:spcPts val="800"/>
+              </a:spcAft>
+            </a:pPr>
+            <a:r>
+              <a:rPr lang="en-US" sz="1800" dirty="0">
+                <a:effectLst/>
+                <a:latin typeface="Calibri" panose="020F0502020204030204" pitchFamily="34" charset="0"/>
+                <a:ea typeface="Calibri" panose="020F0502020204030204" pitchFamily="34" charset="0"/>
+                <a:cs typeface="Times New Roman" panose="02020603050405020304" pitchFamily="18" charset="0"/>
+              </a:rPr>
+              <a:t>at least for nominal features,</a:t>
+            </a:r>
+          </a:p>
+          <a:p>
+            <a:pPr>
+              <a:lnSpc>
+                <a:spcPct val="107000"/>
+              </a:lnSpc>
+              <a:spcAft>
+                <a:spcPts val="800"/>
+              </a:spcAft>
+            </a:pPr>
+            <a:endParaRPr lang="en-GB" sz="1800" dirty="0">
+              <a:effectLst/>
+              <a:latin typeface="Calibri" panose="020F0502020204030204" pitchFamily="34" charset="0"/>
+              <a:ea typeface="Calibri" panose="020F0502020204030204" pitchFamily="34" charset="0"/>
+              <a:cs typeface="Times New Roman" panose="02020603050405020304" pitchFamily="18" charset="0"/>
+            </a:endParaRPr>
+          </a:p>
+          <a:p>
+            <a:pPr>
+              <a:lnSpc>
+                <a:spcPct val="107000"/>
+              </a:lnSpc>
+              <a:spcAft>
+                <a:spcPts val="800"/>
+              </a:spcAft>
+            </a:pPr>
+            <a:r>
+              <a:rPr lang="en-US" sz="1800" dirty="0">
+                <a:effectLst/>
+                <a:latin typeface="Calibri" panose="020F0502020204030204" pitchFamily="34" charset="0"/>
+                <a:ea typeface="Calibri" panose="020F0502020204030204" pitchFamily="34" charset="0"/>
+                <a:cs typeface="Times New Roman" panose="02020603050405020304" pitchFamily="18" charset="0"/>
+              </a:rPr>
+              <a:t>but that’s not a big deal,</a:t>
+            </a:r>
+          </a:p>
+          <a:p>
+            <a:pPr>
+              <a:lnSpc>
+                <a:spcPct val="107000"/>
+              </a:lnSpc>
+              <a:spcAft>
+                <a:spcPts val="800"/>
+              </a:spcAft>
+            </a:pPr>
+            <a:r>
+              <a:rPr lang="en-US" sz="1800" dirty="0">
+                <a:effectLst/>
+                <a:latin typeface="Calibri" panose="020F0502020204030204" pitchFamily="34" charset="0"/>
+                <a:ea typeface="Calibri" panose="020F0502020204030204" pitchFamily="34" charset="0"/>
+                <a:cs typeface="Times New Roman" panose="02020603050405020304" pitchFamily="18" charset="0"/>
+              </a:rPr>
+              <a:t>for example, here,</a:t>
+            </a:r>
+          </a:p>
+          <a:p>
+            <a:pPr>
+              <a:lnSpc>
+                <a:spcPct val="107000"/>
+              </a:lnSpc>
+              <a:spcAft>
+                <a:spcPts val="800"/>
+              </a:spcAft>
+            </a:pPr>
+            <a:endParaRPr lang="en-US" sz="1800" dirty="0">
+              <a:effectLst/>
+              <a:latin typeface="Calibri" panose="020F0502020204030204" pitchFamily="34" charset="0"/>
+              <a:ea typeface="Calibri" panose="020F0502020204030204" pitchFamily="34" charset="0"/>
+              <a:cs typeface="Times New Roman" panose="02020603050405020304" pitchFamily="18" charset="0"/>
+            </a:endParaRPr>
+          </a:p>
+          <a:p>
+            <a:pPr>
+              <a:lnSpc>
+                <a:spcPct val="107000"/>
+              </a:lnSpc>
+              <a:spcAft>
+                <a:spcPts val="800"/>
+              </a:spcAft>
+            </a:pPr>
+            <a:r>
+              <a:rPr lang="en-GB" sz="1800" dirty="0">
+                <a:effectLst/>
+                <a:latin typeface="Calibri" panose="020F0502020204030204" pitchFamily="34" charset="0"/>
+                <a:ea typeface="Calibri" panose="020F0502020204030204" pitchFamily="34" charset="0"/>
+                <a:cs typeface="Times New Roman" panose="02020603050405020304" pitchFamily="18" charset="0"/>
+              </a:rPr>
+              <a:t>density population was discretised and put together to the other features</a:t>
+            </a:r>
+          </a:p>
+          <a:p>
+            <a:pPr>
+              <a:lnSpc>
+                <a:spcPct val="107000"/>
+              </a:lnSpc>
+              <a:spcAft>
+                <a:spcPts val="800"/>
+              </a:spcAft>
+            </a:pPr>
+            <a:r>
+              <a:rPr lang="en-GB" sz="1800" dirty="0">
+                <a:effectLst/>
+                <a:latin typeface="Calibri" panose="020F0502020204030204" pitchFamily="34" charset="0"/>
+                <a:ea typeface="Calibri" panose="020F0502020204030204" pitchFamily="34" charset="0"/>
+                <a:cs typeface="Times New Roman" panose="02020603050405020304" pitchFamily="18" charset="0"/>
+              </a:rPr>
+              <a:t>so, let me zoom for you the most appealing cluster</a:t>
+            </a:r>
           </a:p>
         </p:txBody>
       </p:sp>
     </p:spTree>
     <p:extLst>
       <p:ext uri="{BB962C8B-B14F-4D97-AF65-F5344CB8AC3E}">
-        <p14:creationId xmlns:p14="http://schemas.microsoft.com/office/powerpoint/2010/main" val="3492016482"/>
+        <p14:creationId xmlns:p14="http://schemas.microsoft.com/office/powerpoint/2010/main" val="2460350789"/>
       </p:ext>
     </p:extLst>
   </p:cSld>
@@ -764,45 +1129,199 @@
           <a:bodyPr/>
           <a:lstStyle/>
           <a:p>
-            <a:r>
-              <a:rPr lang="en-US" dirty="0"/>
-              <a:t>Canonical correlation </a:t>
-            </a:r>
-            <a:r>
-              <a:rPr lang="en-US" dirty="0" err="1"/>
-              <a:t>analisys</a:t>
-            </a:r>
-            <a:endParaRPr lang="en-GB" dirty="0"/>
-          </a:p>
-        </p:txBody>
-      </p:sp>
-      <p:sp>
-        <p:nvSpPr>
-          <p:cNvPr id="4" name="Slide Number Placeholder 3"/>
-          <p:cNvSpPr>
-            <a:spLocks noGrp="1"/>
-          </p:cNvSpPr>
-          <p:nvPr>
-            <p:ph type="sldNum" sz="quarter" idx="5"/>
-          </p:nvPr>
-        </p:nvSpPr>
-        <p:spPr/>
-        <p:txBody>
-          <a:bodyPr/>
-          <a:lstStyle/>
-          <a:p>
-            <a:fld id="{71085349-C73D-4010-B699-EBD45FD09117}" type="slidenum">
-              <a:rPr lang="en-GB" smtClean="0"/>
-              <a:t>12</a:t>
-            </a:fld>
-            <a:endParaRPr lang="en-GB"/>
+            <a:pPr marL="0" marR="0" lvl="0" indent="0" algn="l" defTabSz="914400" rtl="0" eaLnBrk="1" fontAlgn="auto" latinLnBrk="0" hangingPunct="1">
+              <a:lnSpc>
+                <a:spcPct val="100000"/>
+              </a:lnSpc>
+              <a:spcBef>
+                <a:spcPts val="0"/>
+              </a:spcBef>
+              <a:spcAft>
+                <a:spcPts val="0"/>
+              </a:spcAft>
+              <a:buClrTx/>
+              <a:buSzTx/>
+              <a:buFontTx/>
+              <a:buNone/>
+              <a:tabLst/>
+              <a:defRPr/>
+            </a:pPr>
+            <a:r>
+              <a:rPr lang="en-GB" sz="1800" dirty="0">
+                <a:effectLst/>
+                <a:latin typeface="Calibri" panose="020F0502020204030204" pitchFamily="34" charset="0"/>
+                <a:ea typeface="Calibri" panose="020F0502020204030204" pitchFamily="34" charset="0"/>
+                <a:cs typeface="Times New Roman" panose="02020603050405020304" pitchFamily="18" charset="0"/>
+              </a:rPr>
+              <a:t>as we can see (..ii..)</a:t>
+            </a:r>
+          </a:p>
+          <a:p>
+            <a:pPr marL="0" marR="0" lvl="0" indent="0" algn="l" defTabSz="914400" rtl="0" eaLnBrk="1" fontAlgn="auto" latinLnBrk="0" hangingPunct="1">
+              <a:lnSpc>
+                <a:spcPct val="100000"/>
+              </a:lnSpc>
+              <a:spcBef>
+                <a:spcPts val="0"/>
+              </a:spcBef>
+              <a:spcAft>
+                <a:spcPts val="0"/>
+              </a:spcAft>
+              <a:buClrTx/>
+              <a:buSzTx/>
+              <a:buFontTx/>
+              <a:buNone/>
+              <a:tabLst/>
+              <a:defRPr/>
+            </a:pPr>
+            <a:endParaRPr lang="en-GB" sz="1800" dirty="0">
+              <a:effectLst/>
+              <a:latin typeface="Calibri" panose="020F0502020204030204" pitchFamily="34" charset="0"/>
+              <a:ea typeface="Calibri" panose="020F0502020204030204" pitchFamily="34" charset="0"/>
+              <a:cs typeface="Times New Roman" panose="02020603050405020304" pitchFamily="18" charset="0"/>
+            </a:endParaRPr>
+          </a:p>
+          <a:p>
+            <a:pPr marL="0" marR="0" lvl="0" indent="0" algn="l" defTabSz="914400" rtl="0" eaLnBrk="1" fontAlgn="auto" latinLnBrk="0" hangingPunct="1">
+              <a:lnSpc>
+                <a:spcPct val="100000"/>
+              </a:lnSpc>
+              <a:spcBef>
+                <a:spcPts val="0"/>
+              </a:spcBef>
+              <a:spcAft>
+                <a:spcPts val="0"/>
+              </a:spcAft>
+              <a:buClrTx/>
+              <a:buSzTx/>
+              <a:buFontTx/>
+              <a:buNone/>
+              <a:tabLst/>
+              <a:defRPr/>
+            </a:pPr>
+            <a:endParaRPr lang="en-GB" sz="1800" dirty="0">
+              <a:effectLst/>
+              <a:latin typeface="Calibri" panose="020F0502020204030204" pitchFamily="34" charset="0"/>
+              <a:ea typeface="Calibri" panose="020F0502020204030204" pitchFamily="34" charset="0"/>
+              <a:cs typeface="Times New Roman" panose="02020603050405020304" pitchFamily="18" charset="0"/>
+            </a:endParaRPr>
+          </a:p>
+          <a:p>
+            <a:pPr marL="0" marR="0" lvl="0" indent="0" algn="l" defTabSz="914400" rtl="0" eaLnBrk="1" fontAlgn="auto" latinLnBrk="0" hangingPunct="1">
+              <a:lnSpc>
+                <a:spcPct val="100000"/>
+              </a:lnSpc>
+              <a:spcBef>
+                <a:spcPts val="0"/>
+              </a:spcBef>
+              <a:spcAft>
+                <a:spcPts val="0"/>
+              </a:spcAft>
+              <a:buClrTx/>
+              <a:buSzTx/>
+              <a:buFontTx/>
+              <a:buNone/>
+              <a:tabLst/>
+              <a:defRPr/>
+            </a:pPr>
+            <a:r>
+              <a:rPr lang="en-GB" sz="1800" dirty="0">
+                <a:effectLst/>
+                <a:latin typeface="Calibri" panose="020F0502020204030204" pitchFamily="34" charset="0"/>
+                <a:ea typeface="Calibri" panose="020F0502020204030204" pitchFamily="34" charset="0"/>
+                <a:cs typeface="Times New Roman" panose="02020603050405020304" pitchFamily="18" charset="0"/>
+              </a:rPr>
+              <a:t>&lt;&lt;&lt;&lt;&lt;&lt;&lt;&lt;&lt;&lt;&lt;&lt;&lt;&lt;</a:t>
+            </a:r>
+          </a:p>
+          <a:p>
+            <a:pPr>
+              <a:lnSpc>
+                <a:spcPct val="107000"/>
+              </a:lnSpc>
+              <a:spcAft>
+                <a:spcPts val="800"/>
+              </a:spcAft>
+            </a:pPr>
+            <a:r>
+              <a:rPr lang="en-GB" sz="1800" dirty="0">
+                <a:effectLst/>
+                <a:latin typeface="Calibri" panose="020F0502020204030204" pitchFamily="34" charset="0"/>
+                <a:ea typeface="Calibri" panose="020F0502020204030204" pitchFamily="34" charset="0"/>
+                <a:cs typeface="Times New Roman" panose="02020603050405020304" pitchFamily="18" charset="0"/>
+              </a:rPr>
+              <a:t>We said that fire Pokémon are likely to spawn during the night</a:t>
+            </a:r>
+          </a:p>
+          <a:p>
+            <a:pPr>
+              <a:lnSpc>
+                <a:spcPct val="107000"/>
+              </a:lnSpc>
+              <a:spcAft>
+                <a:spcPts val="800"/>
+              </a:spcAft>
+            </a:pPr>
+            <a:r>
+              <a:rPr lang="en-GB" sz="1800" dirty="0">
+                <a:effectLst/>
+                <a:latin typeface="Calibri" panose="020F0502020204030204" pitchFamily="34" charset="0"/>
+                <a:ea typeface="Calibri" panose="020F0502020204030204" pitchFamily="34" charset="0"/>
+                <a:cs typeface="Times New Roman" panose="02020603050405020304" pitchFamily="18" charset="0"/>
+              </a:rPr>
+              <a:t>and we obviously known that night is typically cold,</a:t>
+            </a:r>
+          </a:p>
+          <a:p>
+            <a:pPr>
+              <a:lnSpc>
+                <a:spcPct val="107000"/>
+              </a:lnSpc>
+              <a:spcAft>
+                <a:spcPts val="800"/>
+              </a:spcAft>
+            </a:pPr>
+            <a:r>
+              <a:rPr lang="en-GB" sz="1800" dirty="0">
+                <a:effectLst/>
+                <a:latin typeface="Calibri" panose="020F0502020204030204" pitchFamily="34" charset="0"/>
+                <a:ea typeface="Calibri" panose="020F0502020204030204" pitchFamily="34" charset="0"/>
+                <a:cs typeface="Times New Roman" panose="02020603050405020304" pitchFamily="18" charset="0"/>
+              </a:rPr>
+              <a:t>same for rural areas</a:t>
+            </a:r>
+          </a:p>
+          <a:p>
+            <a:pPr marL="0" marR="0" lvl="0" indent="0" algn="l" defTabSz="914400" rtl="0" eaLnBrk="1" fontAlgn="auto" latinLnBrk="0" hangingPunct="1">
+              <a:lnSpc>
+                <a:spcPct val="100000"/>
+              </a:lnSpc>
+              <a:spcBef>
+                <a:spcPts val="0"/>
+              </a:spcBef>
+              <a:spcAft>
+                <a:spcPts val="0"/>
+              </a:spcAft>
+              <a:buClrTx/>
+              <a:buSzTx/>
+              <a:buFontTx/>
+              <a:buNone/>
+              <a:tabLst/>
+              <a:defRPr/>
+            </a:pPr>
+            <a:endParaRPr lang="en-GB" sz="1800" dirty="0">
+              <a:effectLst/>
+              <a:latin typeface="Calibri" panose="020F0502020204030204" pitchFamily="34" charset="0"/>
+              <a:ea typeface="Calibri" panose="020F0502020204030204" pitchFamily="34" charset="0"/>
+              <a:cs typeface="Times New Roman" panose="02020603050405020304" pitchFamily="18" charset="0"/>
+            </a:endParaRPr>
           </a:p>
         </p:txBody>
       </p:sp>
     </p:spTree>
     <p:extLst>
       <p:ext uri="{BB962C8B-B14F-4D97-AF65-F5344CB8AC3E}">
-        <p14:creationId xmlns:p14="http://schemas.microsoft.com/office/powerpoint/2010/main" val="4121817675"/>
+        <p14:creationId xmlns:p14="http://schemas.microsoft.com/office/powerpoint/2010/main" val="3492016482"/>
       </p:ext>
     </p:extLst>
   </p:cSld>
@@ -856,41 +1375,87 @@
           <a:bodyPr/>
           <a:lstStyle/>
           <a:p>
-            <a:r>
-              <a:rPr lang="en-US" dirty="0"/>
-              <a:t>Canonical correlation results</a:t>
-            </a:r>
-            <a:endParaRPr lang="en-GB" dirty="0"/>
-          </a:p>
-        </p:txBody>
-      </p:sp>
-      <p:sp>
-        <p:nvSpPr>
-          <p:cNvPr id="4" name="Slide Number Placeholder 3"/>
-          <p:cNvSpPr>
-            <a:spLocks noGrp="1"/>
-          </p:cNvSpPr>
-          <p:nvPr>
-            <p:ph type="sldNum" sz="quarter" idx="5"/>
-          </p:nvPr>
-        </p:nvSpPr>
-        <p:spPr/>
-        <p:txBody>
-          <a:bodyPr/>
-          <a:lstStyle/>
-          <a:p>
-            <a:fld id="{71085349-C73D-4010-B699-EBD45FD09117}" type="slidenum">
-              <a:rPr lang="en-GB" smtClean="0"/>
-              <a:t>13</a:t>
-            </a:fld>
-            <a:endParaRPr lang="en-GB"/>
+            <a:pPr>
+              <a:lnSpc>
+                <a:spcPct val="107000"/>
+              </a:lnSpc>
+              <a:spcAft>
+                <a:spcPts val="800"/>
+              </a:spcAft>
+            </a:pPr>
+            <a:r>
+              <a:rPr lang="en-GB" sz="1800" dirty="0">
+                <a:effectLst/>
+                <a:latin typeface="Calibri" panose="020F0502020204030204" pitchFamily="34" charset="0"/>
+                <a:ea typeface="Calibri" panose="020F0502020204030204" pitchFamily="34" charset="0"/>
+                <a:cs typeface="Times New Roman" panose="02020603050405020304" pitchFamily="18" charset="0"/>
+              </a:rPr>
+              <a:t>last but not least,</a:t>
+            </a:r>
+          </a:p>
+          <a:p>
+            <a:pPr>
+              <a:lnSpc>
+                <a:spcPct val="107000"/>
+              </a:lnSpc>
+              <a:spcAft>
+                <a:spcPts val="800"/>
+              </a:spcAft>
+            </a:pPr>
+            <a:r>
+              <a:rPr lang="en-GB" sz="1800" dirty="0">
+                <a:effectLst/>
+                <a:latin typeface="Calibri" panose="020F0502020204030204" pitchFamily="34" charset="0"/>
+                <a:ea typeface="Calibri" panose="020F0502020204030204" pitchFamily="34" charset="0"/>
+                <a:cs typeface="Times New Roman" panose="02020603050405020304" pitchFamily="18" charset="0"/>
+              </a:rPr>
+              <a:t>I gave also a try to canonical correlation</a:t>
+            </a:r>
+          </a:p>
+          <a:p>
+            <a:pPr>
+              <a:lnSpc>
+                <a:spcPct val="107000"/>
+              </a:lnSpc>
+              <a:spcAft>
+                <a:spcPts val="800"/>
+              </a:spcAft>
+            </a:pPr>
+            <a:r>
+              <a:rPr lang="en-GB" sz="1800" dirty="0">
+                <a:effectLst/>
+                <a:latin typeface="Calibri" panose="020F0502020204030204" pitchFamily="34" charset="0"/>
+                <a:ea typeface="Calibri" panose="020F0502020204030204" pitchFamily="34" charset="0"/>
+                <a:cs typeface="Times New Roman" panose="02020603050405020304" pitchFamily="18" charset="0"/>
+              </a:rPr>
+              <a:t>to let continuous features shine their power</a:t>
+            </a:r>
+          </a:p>
+          <a:p>
+            <a:pPr>
+              <a:lnSpc>
+                <a:spcPct val="107000"/>
+              </a:lnSpc>
+              <a:spcAft>
+                <a:spcPts val="800"/>
+              </a:spcAft>
+            </a:pPr>
+            <a:r>
+              <a:rPr lang="en-GB" sz="1800" dirty="0">
+                <a:effectLst/>
+                <a:latin typeface="Calibri" panose="020F0502020204030204" pitchFamily="34" charset="0"/>
+                <a:ea typeface="Calibri" panose="020F0502020204030204" pitchFamily="34" charset="0"/>
+                <a:cs typeface="Times New Roman" panose="02020603050405020304" pitchFamily="18" charset="0"/>
+              </a:rPr>
+              <a:t>Let me zoom again</a:t>
+            </a:r>
           </a:p>
         </p:txBody>
       </p:sp>
     </p:spTree>
     <p:extLst>
       <p:ext uri="{BB962C8B-B14F-4D97-AF65-F5344CB8AC3E}">
-        <p14:creationId xmlns:p14="http://schemas.microsoft.com/office/powerpoint/2010/main" val="3010423829"/>
+        <p14:creationId xmlns:p14="http://schemas.microsoft.com/office/powerpoint/2010/main" val="4121817675"/>
       </p:ext>
     </p:extLst>
   </p:cSld>
@@ -944,37 +1509,187 @@
           <a:bodyPr/>
           <a:lstStyle/>
           <a:p>
+            <a:pPr>
+              <a:lnSpc>
+                <a:spcPct val="107000"/>
+              </a:lnSpc>
+              <a:spcAft>
+                <a:spcPts val="800"/>
+              </a:spcAft>
+            </a:pPr>
+            <a:r>
+              <a:rPr lang="en-GB" sz="1800" dirty="0">
+                <a:effectLst/>
+                <a:latin typeface="Calibri" panose="020F0502020204030204" pitchFamily="34" charset="0"/>
+                <a:ea typeface="Calibri" panose="020F0502020204030204" pitchFamily="34" charset="0"/>
+                <a:cs typeface="Times New Roman" panose="02020603050405020304" pitchFamily="18" charset="0"/>
+              </a:rPr>
+              <a:t>so, I won’t trust at all these results because, for example, distances are  not </a:t>
+            </a:r>
+            <a:r>
+              <a:rPr lang="en-US" sz="1800" dirty="0">
+                <a:effectLst/>
+                <a:latin typeface="Calibri" panose="020F0502020204030204" pitchFamily="34" charset="0"/>
+                <a:ea typeface="Calibri" panose="020F0502020204030204" pitchFamily="34" charset="0"/>
+                <a:cs typeface="Times New Roman" panose="02020603050405020304" pitchFamily="18" charset="0"/>
+              </a:rPr>
+              <a:t>obviously</a:t>
+            </a:r>
+            <a:r>
+              <a:rPr lang="en-GB" sz="1800" dirty="0">
+                <a:effectLst/>
+                <a:latin typeface="Calibri" panose="020F0502020204030204" pitchFamily="34" charset="0"/>
+                <a:ea typeface="Calibri" panose="020F0502020204030204" pitchFamily="34" charset="0"/>
+                <a:cs typeface="Times New Roman" panose="02020603050405020304" pitchFamily="18" charset="0"/>
+              </a:rPr>
+              <a:t> normally distributed, </a:t>
+            </a:r>
+          </a:p>
+          <a:p>
+            <a:pPr>
+              <a:lnSpc>
+                <a:spcPct val="107000"/>
+              </a:lnSpc>
+              <a:spcAft>
+                <a:spcPts val="800"/>
+              </a:spcAft>
+            </a:pPr>
+            <a:r>
+              <a:rPr lang="en-GB" sz="1800" dirty="0">
+                <a:effectLst/>
+                <a:latin typeface="Calibri" panose="020F0502020204030204" pitchFamily="34" charset="0"/>
+                <a:ea typeface="Calibri" panose="020F0502020204030204" pitchFamily="34" charset="0"/>
+                <a:cs typeface="Times New Roman" panose="02020603050405020304" pitchFamily="18" charset="0"/>
+              </a:rPr>
+              <a:t>But they still look pretty nice,</a:t>
+            </a:r>
+          </a:p>
+          <a:p>
+            <a:pPr>
+              <a:lnSpc>
+                <a:spcPct val="107000"/>
+              </a:lnSpc>
+              <a:spcAft>
+                <a:spcPts val="800"/>
+              </a:spcAft>
+            </a:pPr>
+            <a:endParaRPr lang="en-GB" sz="1800" dirty="0">
+              <a:effectLst/>
+              <a:latin typeface="Calibri" panose="020F0502020204030204" pitchFamily="34" charset="0"/>
+              <a:ea typeface="Calibri" panose="020F0502020204030204" pitchFamily="34" charset="0"/>
+              <a:cs typeface="Times New Roman" panose="02020603050405020304" pitchFamily="18" charset="0"/>
+            </a:endParaRPr>
+          </a:p>
+          <a:p>
+            <a:pPr>
+              <a:lnSpc>
+                <a:spcPct val="107000"/>
+              </a:lnSpc>
+              <a:spcAft>
+                <a:spcPts val="800"/>
+              </a:spcAft>
+            </a:pPr>
+            <a:r>
+              <a:rPr lang="en-GB" sz="1800" dirty="0">
+                <a:effectLst/>
+                <a:latin typeface="Calibri" panose="020F0502020204030204" pitchFamily="34" charset="0"/>
+                <a:ea typeface="Calibri" panose="020F0502020204030204" pitchFamily="34" charset="0"/>
+                <a:cs typeface="Times New Roman" panose="02020603050405020304" pitchFamily="18" charset="0"/>
+              </a:rPr>
+              <a:t>for example,</a:t>
+            </a:r>
+          </a:p>
+          <a:p>
+            <a:pPr>
+              <a:lnSpc>
+                <a:spcPct val="107000"/>
+              </a:lnSpc>
+              <a:spcAft>
+                <a:spcPts val="800"/>
+              </a:spcAft>
+            </a:pPr>
+            <a:r>
+              <a:rPr lang="en-GB" sz="1800" dirty="0">
+                <a:effectLst/>
+                <a:latin typeface="Calibri" panose="020F0502020204030204" pitchFamily="34" charset="0"/>
+                <a:ea typeface="Calibri" panose="020F0502020204030204" pitchFamily="34" charset="0"/>
+                <a:cs typeface="Times New Roman" panose="02020603050405020304" pitchFamily="18" charset="0"/>
+              </a:rPr>
+              <a:t>gamers believe that fire Pokémon spawns to “heat up” the gamer when it’s cold, </a:t>
+            </a:r>
+          </a:p>
+          <a:p>
+            <a:pPr>
+              <a:lnSpc>
+                <a:spcPct val="107000"/>
+              </a:lnSpc>
+              <a:spcAft>
+                <a:spcPts val="800"/>
+              </a:spcAft>
+            </a:pPr>
+            <a:r>
+              <a:rPr lang="en-GB" sz="1800" dirty="0">
+                <a:effectLst/>
+                <a:latin typeface="Calibri" panose="020F0502020204030204" pitchFamily="34" charset="0"/>
+                <a:ea typeface="Calibri" panose="020F0502020204030204" pitchFamily="34" charset="0"/>
+                <a:cs typeface="Times New Roman" panose="02020603050405020304" pitchFamily="18" charset="0"/>
+              </a:rPr>
+              <a:t>and if you look at this fire–temperature correlation</a:t>
+            </a:r>
+          </a:p>
+          <a:p>
+            <a:pPr>
+              <a:lnSpc>
+                <a:spcPct val="107000"/>
+              </a:lnSpc>
+              <a:spcAft>
+                <a:spcPts val="800"/>
+              </a:spcAft>
+            </a:pPr>
+            <a:r>
+              <a:rPr lang="en-GB" sz="1800" dirty="0">
+                <a:effectLst/>
+                <a:latin typeface="Calibri" panose="020F0502020204030204" pitchFamily="34" charset="0"/>
+                <a:ea typeface="Calibri" panose="020F0502020204030204" pitchFamily="34" charset="0"/>
+                <a:cs typeface="Times New Roman" panose="02020603050405020304" pitchFamily="18" charset="0"/>
+              </a:rPr>
+              <a:t>this belief can be confirmed by looking at our correspondence analysis </a:t>
+            </a:r>
+          </a:p>
+          <a:p>
+            <a:r>
+              <a:rPr lang="en-GB" sz="1800" dirty="0" err="1">
+                <a:effectLst/>
+                <a:latin typeface="Calibri" panose="020F0502020204030204" pitchFamily="34" charset="0"/>
+                <a:ea typeface="Calibri" panose="020F0502020204030204" pitchFamily="34" charset="0"/>
+                <a:cs typeface="Times New Roman" panose="02020603050405020304" pitchFamily="18" charset="0"/>
+              </a:rPr>
+              <a:t>wheeeere</a:t>
+            </a:r>
+            <a:endParaRPr lang="en-GB" sz="1800" dirty="0">
+              <a:effectLst/>
+              <a:latin typeface="Calibri" panose="020F0502020204030204" pitchFamily="34" charset="0"/>
+              <a:ea typeface="Calibri" panose="020F0502020204030204" pitchFamily="34" charset="0"/>
+              <a:cs typeface="Times New Roman" panose="02020603050405020304" pitchFamily="18" charset="0"/>
+            </a:endParaRPr>
+          </a:p>
+          <a:p>
+            <a:r>
+              <a:rPr lang="en-GB" sz="1800" dirty="0">
+                <a:effectLst/>
+                <a:latin typeface="Calibri" panose="020F0502020204030204" pitchFamily="34" charset="0"/>
+                <a:cs typeface="Times New Roman" panose="02020603050405020304" pitchFamily="18" charset="0"/>
+              </a:rPr>
+              <a:t>&lt;&lt;&lt;&lt;&lt;&lt;&lt;&lt;&lt;&lt;&lt;&lt;</a:t>
+            </a:r>
             <a:endParaRPr lang="en-GB" dirty="0"/>
-          </a:p>
-        </p:txBody>
-      </p:sp>
-      <p:sp>
-        <p:nvSpPr>
-          <p:cNvPr id="4" name="Slide Number Placeholder 3"/>
-          <p:cNvSpPr>
-            <a:spLocks noGrp="1"/>
-          </p:cNvSpPr>
-          <p:nvPr>
-            <p:ph type="sldNum" sz="quarter" idx="5"/>
-          </p:nvPr>
-        </p:nvSpPr>
-        <p:spPr/>
-        <p:txBody>
-          <a:bodyPr/>
-          <a:lstStyle/>
-          <a:p>
-            <a:fld id="{71085349-C73D-4010-B699-EBD45FD09117}" type="slidenum">
-              <a:rPr lang="en-GB" smtClean="0"/>
-              <a:t>16</a:t>
-            </a:fld>
-            <a:endParaRPr lang="en-GB"/>
           </a:p>
         </p:txBody>
       </p:sp>
     </p:spTree>
     <p:extLst>
       <p:ext uri="{BB962C8B-B14F-4D97-AF65-F5344CB8AC3E}">
-        <p14:creationId xmlns:p14="http://schemas.microsoft.com/office/powerpoint/2010/main" val="1890061632"/>
+        <p14:creationId xmlns:p14="http://schemas.microsoft.com/office/powerpoint/2010/main" val="3010423829"/>
       </p:ext>
     </p:extLst>
   </p:cSld>
@@ -1028,37 +1743,123 @@
           <a:bodyPr/>
           <a:lstStyle/>
           <a:p>
-            <a:endParaRPr lang="en-US" dirty="0"/>
-          </a:p>
-        </p:txBody>
-      </p:sp>
-      <p:sp>
-        <p:nvSpPr>
-          <p:cNvPr id="4" name="Slide Number Placeholder 3"/>
-          <p:cNvSpPr>
-            <a:spLocks noGrp="1"/>
-          </p:cNvSpPr>
-          <p:nvPr>
-            <p:ph type="sldNum" sz="quarter" idx="5"/>
-          </p:nvPr>
-        </p:nvSpPr>
-        <p:spPr/>
-        <p:txBody>
-          <a:bodyPr/>
-          <a:lstStyle/>
-          <a:p>
-            <a:fld id="{71085349-C73D-4010-B699-EBD45FD09117}" type="slidenum">
-              <a:rPr lang="en-GB" smtClean="0"/>
-              <a:t>17</a:t>
-            </a:fld>
-            <a:endParaRPr lang="en-GB"/>
+            <a:pPr marL="0" marR="0" lvl="0" indent="0" algn="l" defTabSz="914400" rtl="0" eaLnBrk="1" fontAlgn="auto" latinLnBrk="0" hangingPunct="1">
+              <a:lnSpc>
+                <a:spcPct val="100000"/>
+              </a:lnSpc>
+              <a:spcBef>
+                <a:spcPts val="0"/>
+              </a:spcBef>
+              <a:spcAft>
+                <a:spcPts val="0"/>
+              </a:spcAft>
+              <a:buClrTx/>
+              <a:buSzTx/>
+              <a:buFontTx/>
+              <a:buNone/>
+              <a:tabLst/>
+              <a:defRPr/>
+            </a:pPr>
+            <a:r>
+              <a:rPr lang="en-GB" sz="1800" dirty="0">
+                <a:effectLst/>
+                <a:latin typeface="Calibri" panose="020F0502020204030204" pitchFamily="34" charset="0"/>
+                <a:ea typeface="Calibri" panose="020F0502020204030204" pitchFamily="34" charset="0"/>
+                <a:cs typeface="Times New Roman" panose="02020603050405020304" pitchFamily="18" charset="0"/>
+              </a:rPr>
+              <a:t>so, that’s all</a:t>
+            </a:r>
+          </a:p>
+          <a:p>
+            <a:pPr marL="0" marR="0" lvl="0" indent="0" algn="l" defTabSz="914400" rtl="0" eaLnBrk="1" fontAlgn="auto" latinLnBrk="0" hangingPunct="1">
+              <a:lnSpc>
+                <a:spcPct val="100000"/>
+              </a:lnSpc>
+              <a:spcBef>
+                <a:spcPts val="0"/>
+              </a:spcBef>
+              <a:spcAft>
+                <a:spcPts val="0"/>
+              </a:spcAft>
+              <a:buClrTx/>
+              <a:buSzTx/>
+              <a:buFontTx/>
+              <a:buNone/>
+              <a:tabLst/>
+              <a:defRPr/>
+            </a:pPr>
+            <a:r>
+              <a:rPr lang="en-GB" sz="1800" dirty="0">
+                <a:effectLst/>
+                <a:latin typeface="Calibri" panose="020F0502020204030204" pitchFamily="34" charset="0"/>
+                <a:ea typeface="Calibri" panose="020F0502020204030204" pitchFamily="34" charset="0"/>
+                <a:cs typeface="Times New Roman" panose="02020603050405020304" pitchFamily="18" charset="0"/>
+              </a:rPr>
+              <a:t>I hope you enjoyed this small adventure inside this</a:t>
+            </a:r>
+          </a:p>
+          <a:p>
+            <a:pPr marL="0" marR="0" lvl="0" indent="0" algn="l" defTabSz="914400" rtl="0" eaLnBrk="1" fontAlgn="auto" latinLnBrk="0" hangingPunct="1">
+              <a:lnSpc>
+                <a:spcPct val="100000"/>
+              </a:lnSpc>
+              <a:spcBef>
+                <a:spcPts val="0"/>
+              </a:spcBef>
+              <a:spcAft>
+                <a:spcPts val="0"/>
+              </a:spcAft>
+              <a:buClrTx/>
+              <a:buSzTx/>
+              <a:buFontTx/>
+              <a:buNone/>
+              <a:tabLst/>
+              <a:defRPr/>
+            </a:pPr>
+            <a:r>
+              <a:rPr lang="en-GB" sz="1800" dirty="0">
+                <a:effectLst/>
+                <a:latin typeface="Calibri" panose="020F0502020204030204" pitchFamily="34" charset="0"/>
+                <a:ea typeface="Calibri" panose="020F0502020204030204" pitchFamily="34" charset="0"/>
+                <a:cs typeface="Times New Roman" panose="02020603050405020304" pitchFamily="18" charset="0"/>
+              </a:rPr>
+              <a:t>mix of analysis.</a:t>
+            </a:r>
+          </a:p>
+          <a:p>
+            <a:pPr marL="0" marR="0" lvl="0" indent="0" algn="l" defTabSz="914400" rtl="0" eaLnBrk="1" fontAlgn="auto" latinLnBrk="0" hangingPunct="1">
+              <a:lnSpc>
+                <a:spcPct val="100000"/>
+              </a:lnSpc>
+              <a:spcBef>
+                <a:spcPts val="0"/>
+              </a:spcBef>
+              <a:spcAft>
+                <a:spcPts val="0"/>
+              </a:spcAft>
+              <a:buClrTx/>
+              <a:buSzTx/>
+              <a:buFontTx/>
+              <a:buNone/>
+              <a:tabLst/>
+              <a:defRPr/>
+            </a:pPr>
+            <a:r>
+              <a:rPr lang="en-GB" sz="1800" dirty="0">
+                <a:effectLst/>
+                <a:latin typeface="Calibri" panose="020F0502020204030204" pitchFamily="34" charset="0"/>
+                <a:ea typeface="Calibri" panose="020F0502020204030204" pitchFamily="34" charset="0"/>
+                <a:cs typeface="Times New Roman" panose="02020603050405020304" pitchFamily="18" charset="0"/>
+              </a:rPr>
+              <a:t>thanks</a:t>
+            </a:r>
           </a:p>
         </p:txBody>
       </p:sp>
     </p:spTree>
     <p:extLst>
       <p:ext uri="{BB962C8B-B14F-4D97-AF65-F5344CB8AC3E}">
-        <p14:creationId xmlns:p14="http://schemas.microsoft.com/office/powerpoint/2010/main" val="638300114"/>
+        <p14:creationId xmlns:p14="http://schemas.microsoft.com/office/powerpoint/2010/main" val="1444468487"/>
       </p:ext>
     </p:extLst>
   </p:cSld>
@@ -1112,22 +1913,60 @@
           <a:bodyPr/>
           <a:lstStyle/>
           <a:p>
-            <a:r>
-              <a:rPr lang="en-US" dirty="0"/>
-              <a:t>Correspondence analysis idea</a:t>
-            </a:r>
             <a:endParaRPr lang="en-GB" dirty="0"/>
           </a:p>
         </p:txBody>
       </p:sp>
-      <p:sp>
-        <p:nvSpPr>
-          <p:cNvPr id="4" name="Slide Number Placeholder 3"/>
+    </p:spTree>
+    <p:extLst>
+      <p:ext uri="{BB962C8B-B14F-4D97-AF65-F5344CB8AC3E}">
+        <p14:creationId xmlns:p14="http://schemas.microsoft.com/office/powerpoint/2010/main" val="1890061632"/>
+      </p:ext>
+    </p:extLst>
+  </p:cSld>
+  <p:clrMapOvr>
+    <a:masterClrMapping/>
+  </p:clrMapOvr>
+</p:notes>
+</file>
+
+<file path=ppt/notesSlides/notesSlide16.xml><?xml version="1.0" encoding="utf-8"?>
+<p:notes xmlns:a="http://schemas.openxmlformats.org/drawingml/2006/main" xmlns:r="http://schemas.openxmlformats.org/officeDocument/2006/relationships" xmlns:p="http://schemas.openxmlformats.org/presentationml/2006/main">
+  <p:cSld>
+    <p:spTree>
+      <p:nvGrpSpPr>
+        <p:cNvPr id="1" name=""/>
+        <p:cNvGrpSpPr/>
+        <p:nvPr/>
+      </p:nvGrpSpPr>
+      <p:grpSpPr>
+        <a:xfrm>
+          <a:off x="0" y="0"/>
+          <a:ext cx="0" cy="0"/>
+          <a:chOff x="0" y="0"/>
+          <a:chExt cx="0" cy="0"/>
+        </a:xfrm>
+      </p:grpSpPr>
+      <p:sp>
+        <p:nvSpPr>
+          <p:cNvPr id="2" name="Slide Image Placeholder 1"/>
+          <p:cNvSpPr>
+            <a:spLocks noGrp="1" noRot="1" noChangeAspect="1"/>
+          </p:cNvSpPr>
+          <p:nvPr>
+            <p:ph type="sldImg"/>
+          </p:nvPr>
+        </p:nvSpPr>
+        <p:spPr/>
+      </p:sp>
+      <p:sp>
+        <p:nvSpPr>
+          <p:cNvPr id="3" name="Notes Placeholder 2"/>
           <p:cNvSpPr>
             <a:spLocks noGrp="1"/>
           </p:cNvSpPr>
           <p:nvPr>
-            <p:ph type="sldNum" sz="quarter" idx="5"/>
+            <p:ph type="body" idx="1"/>
           </p:nvPr>
         </p:nvSpPr>
         <p:spPr/>
@@ -1135,18 +1974,14 @@
           <a:bodyPr/>
           <a:lstStyle/>
           <a:p>
-            <a:fld id="{71085349-C73D-4010-B699-EBD45FD09117}" type="slidenum">
-              <a:rPr lang="en-GB" smtClean="0"/>
-              <a:t>18</a:t>
-            </a:fld>
-            <a:endParaRPr lang="en-GB"/>
+            <a:endParaRPr lang="en-US" dirty="0"/>
           </a:p>
         </p:txBody>
       </p:sp>
     </p:spTree>
     <p:extLst>
       <p:ext uri="{BB962C8B-B14F-4D97-AF65-F5344CB8AC3E}">
-        <p14:creationId xmlns:p14="http://schemas.microsoft.com/office/powerpoint/2010/main" val="4040486307"/>
+        <p14:creationId xmlns:p14="http://schemas.microsoft.com/office/powerpoint/2010/main" val="638300114"/>
       </p:ext>
     </p:extLst>
   </p:cSld>
@@ -1200,6 +2035,168 @@
           <a:bodyPr/>
           <a:lstStyle/>
           <a:p>
+            <a:pPr>
+              <a:lnSpc>
+                <a:spcPct val="107000"/>
+              </a:lnSpc>
+              <a:spcAft>
+                <a:spcPts val="800"/>
+              </a:spcAft>
+            </a:pPr>
+            <a:r>
+              <a:rPr lang="en-GB" sz="1800" dirty="0">
+                <a:effectLst/>
+                <a:latin typeface="Calibri" panose="020F0502020204030204" pitchFamily="34" charset="0"/>
+                <a:ea typeface="Calibri" panose="020F0502020204030204" pitchFamily="34" charset="0"/>
+                <a:cs typeface="Times New Roman" panose="02020603050405020304" pitchFamily="18" charset="0"/>
+              </a:rPr>
+              <a:t>So, in our case the spawning algorithm will compute the values that the Pokémon that will spawn should have.</a:t>
+            </a:r>
+          </a:p>
+          <a:p>
+            <a:pPr>
+              <a:lnSpc>
+                <a:spcPct val="107000"/>
+              </a:lnSpc>
+              <a:spcAft>
+                <a:spcPts val="800"/>
+              </a:spcAft>
+            </a:pPr>
+            <a:endParaRPr lang="en-GB" sz="1800" dirty="0">
+              <a:effectLst/>
+              <a:latin typeface="Calibri" panose="020F0502020204030204" pitchFamily="34" charset="0"/>
+              <a:ea typeface="Calibri" panose="020F0502020204030204" pitchFamily="34" charset="0"/>
+              <a:cs typeface="Times New Roman" panose="02020603050405020304" pitchFamily="18" charset="0"/>
+            </a:endParaRPr>
+          </a:p>
+          <a:p>
+            <a:pPr>
+              <a:lnSpc>
+                <a:spcPct val="107000"/>
+              </a:lnSpc>
+              <a:spcAft>
+                <a:spcPts val="800"/>
+              </a:spcAft>
+            </a:pPr>
+            <a:r>
+              <a:rPr lang="en-GB" sz="1800" dirty="0">
+                <a:effectLst/>
+                <a:latin typeface="Calibri" panose="020F0502020204030204" pitchFamily="34" charset="0"/>
+                <a:ea typeface="Calibri" panose="020F0502020204030204" pitchFamily="34" charset="0"/>
+                <a:cs typeface="Times New Roman" panose="02020603050405020304" pitchFamily="18" charset="0"/>
+              </a:rPr>
+              <a:t>Basically, the generative model, inside Pokémon Go, takes in input many data from the real-world context like,</a:t>
+            </a:r>
+          </a:p>
+          <a:p>
+            <a:pPr>
+              <a:lnSpc>
+                <a:spcPct val="107000"/>
+              </a:lnSpc>
+              <a:spcAft>
+                <a:spcPts val="800"/>
+              </a:spcAft>
+            </a:pPr>
+            <a:r>
+              <a:rPr lang="en-GB" sz="1800" dirty="0">
+                <a:effectLst/>
+                <a:latin typeface="Calibri" panose="020F0502020204030204" pitchFamily="34" charset="0"/>
+                <a:ea typeface="Calibri" panose="020F0502020204030204" pitchFamily="34" charset="0"/>
+                <a:cs typeface="Times New Roman" panose="02020603050405020304" pitchFamily="18" charset="0"/>
+              </a:rPr>
+              <a:t>what’s the weather like, or in which kind of neighbourhood the player is located,</a:t>
+            </a:r>
+          </a:p>
+          <a:p>
+            <a:pPr>
+              <a:lnSpc>
+                <a:spcPct val="107000"/>
+              </a:lnSpc>
+              <a:spcAft>
+                <a:spcPts val="800"/>
+              </a:spcAft>
+            </a:pPr>
+            <a:endParaRPr lang="en-GB" sz="1800" dirty="0">
+              <a:effectLst/>
+              <a:latin typeface="Calibri" panose="020F0502020204030204" pitchFamily="34" charset="0"/>
+              <a:ea typeface="Calibri" panose="020F0502020204030204" pitchFamily="34" charset="0"/>
+              <a:cs typeface="Times New Roman" panose="02020603050405020304" pitchFamily="18" charset="0"/>
+            </a:endParaRPr>
+          </a:p>
+          <a:p>
+            <a:pPr>
+              <a:lnSpc>
+                <a:spcPct val="107000"/>
+              </a:lnSpc>
+              <a:spcAft>
+                <a:spcPts val="800"/>
+              </a:spcAft>
+            </a:pPr>
+            <a:r>
+              <a:rPr lang="en-GB" sz="1800" dirty="0">
+                <a:effectLst/>
+                <a:latin typeface="Calibri" panose="020F0502020204030204" pitchFamily="34" charset="0"/>
+                <a:ea typeface="Calibri" panose="020F0502020204030204" pitchFamily="34" charset="0"/>
+                <a:cs typeface="Times New Roman" panose="02020603050405020304" pitchFamily="18" charset="0"/>
+              </a:rPr>
+              <a:t>and it outputs the identification number of one, of the hundreds Pokémon,</a:t>
+            </a:r>
+          </a:p>
+          <a:p>
+            <a:pPr>
+              <a:lnSpc>
+                <a:spcPct val="107000"/>
+              </a:lnSpc>
+              <a:spcAft>
+                <a:spcPts val="800"/>
+              </a:spcAft>
+            </a:pPr>
+            <a:r>
+              <a:rPr lang="en-GB" sz="1800" dirty="0">
+                <a:effectLst/>
+                <a:latin typeface="Calibri" panose="020F0502020204030204" pitchFamily="34" charset="0"/>
+                <a:ea typeface="Calibri" panose="020F0502020204030204" pitchFamily="34" charset="0"/>
+                <a:cs typeface="Times New Roman" panose="02020603050405020304" pitchFamily="18" charset="0"/>
+              </a:rPr>
+              <a:t>plus some not-fixed attribute that could vary in a certain range.</a:t>
+            </a:r>
+          </a:p>
+          <a:p>
+            <a:pPr>
+              <a:lnSpc>
+                <a:spcPct val="107000"/>
+              </a:lnSpc>
+              <a:spcAft>
+                <a:spcPts val="800"/>
+              </a:spcAft>
+            </a:pPr>
+            <a:endParaRPr lang="en-GB" sz="1800" dirty="0">
+              <a:effectLst/>
+              <a:latin typeface="Calibri" panose="020F0502020204030204" pitchFamily="34" charset="0"/>
+              <a:ea typeface="Calibri" panose="020F0502020204030204" pitchFamily="34" charset="0"/>
+              <a:cs typeface="Times New Roman" panose="02020603050405020304" pitchFamily="18" charset="0"/>
+            </a:endParaRPr>
+          </a:p>
+          <a:p>
+            <a:pPr>
+              <a:lnSpc>
+                <a:spcPct val="107000"/>
+              </a:lnSpc>
+              <a:spcAft>
+                <a:spcPts val="800"/>
+              </a:spcAft>
+            </a:pPr>
+            <a:r>
+              <a:rPr lang="en-GB" sz="1800" dirty="0">
+                <a:effectLst/>
+                <a:latin typeface="Calibri" panose="020F0502020204030204" pitchFamily="34" charset="0"/>
+                <a:ea typeface="Calibri" panose="020F0502020204030204" pitchFamily="34" charset="0"/>
+                <a:cs typeface="Times New Roman" panose="02020603050405020304" pitchFamily="18" charset="0"/>
+              </a:rPr>
+              <a:t>We don’t know how the generative model works, for sure it is very complex, but this project tried to provide some analyses of how it should work, trough statistical methods</a:t>
+            </a:r>
+          </a:p>
+          <a:p>
             <a:pPr marL="0" marR="0" lvl="0" indent="0" algn="l" defTabSz="914400" rtl="0" eaLnBrk="1" fontAlgn="auto" latinLnBrk="0" hangingPunct="1">
               <a:lnSpc>
                 <a:spcPct val="100000"/>
@@ -1217,65 +2214,7 @@
               <a:tabLst/>
               <a:defRPr/>
             </a:pPr>
-            <a:r>
-              <a:rPr lang="en-US" dirty="0"/>
-              <a:t>So, in our case the spawning algorithm will compute the features that the Pokémon that will spawn should have</a:t>
-            </a:r>
-          </a:p>
-          <a:p>
             <a:endParaRPr lang="en-US" dirty="0"/>
-          </a:p>
-          <a:p>
-            <a:r>
-              <a:rPr lang="en-US" dirty="0"/>
-              <a:t>Basically, the generative model inside </a:t>
-            </a:r>
-            <a:r>
-              <a:rPr lang="en-US" dirty="0" err="1"/>
-              <a:t>Pokemon</a:t>
-            </a:r>
-            <a:r>
-              <a:rPr lang="en-US" dirty="0"/>
-              <a:t> Go takes in input many data from the real-world context like what’s the weather like or in which kind of neighborhood the player is located,</a:t>
-            </a:r>
-          </a:p>
-          <a:p>
-            <a:r>
-              <a:rPr lang="en-US" dirty="0"/>
-              <a:t>and it outputs the identification number of one of the hundreds Pokémon, plus some not-fixed attribute that could vary in a certain range.</a:t>
-            </a:r>
-          </a:p>
-          <a:p>
-            <a:endParaRPr lang="en-US" dirty="0"/>
-          </a:p>
-          <a:p>
-            <a:r>
-              <a:rPr lang="en-US" dirty="0"/>
-              <a:t>We don’t know how the generative model is, for sure it is very complex, but this project tried to provide an analysis of how should it work, trough statistical methods</a:t>
-            </a:r>
-          </a:p>
-        </p:txBody>
-      </p:sp>
-      <p:sp>
-        <p:nvSpPr>
-          <p:cNvPr id="4" name="Slide Number Placeholder 3"/>
-          <p:cNvSpPr>
-            <a:spLocks noGrp="1"/>
-          </p:cNvSpPr>
-          <p:nvPr>
-            <p:ph type="sldNum" sz="quarter" idx="5"/>
-          </p:nvPr>
-        </p:nvSpPr>
-        <p:spPr/>
-        <p:txBody>
-          <a:bodyPr/>
-          <a:lstStyle/>
-          <a:p>
-            <a:fld id="{71085349-C73D-4010-B699-EBD45FD09117}" type="slidenum">
-              <a:rPr lang="en-GB" smtClean="0"/>
-              <a:t>2</a:t>
-            </a:fld>
-            <a:endParaRPr lang="en-GB"/>
           </a:p>
         </p:txBody>
       </p:sp>
@@ -1336,95 +2275,368 @@
           <a:bodyPr/>
           <a:lstStyle/>
           <a:p>
-            <a:r>
-              <a:rPr lang="en-US" dirty="0"/>
-              <a:t>The analyses were computed over a database of 300 of thousand of observation collected around the world during August 2016</a:t>
-            </a:r>
-          </a:p>
-          <a:p>
-            <a:r>
-              <a:rPr lang="en-US" dirty="0"/>
-              <a:t>The dataset has three main features:</a:t>
-            </a:r>
-          </a:p>
-          <a:p>
-            <a:pPr marL="171450" indent="-171450">
-              <a:buFontTx/>
-              <a:buChar char="-"/>
-            </a:pPr>
-            <a:r>
-              <a:rPr lang="en-US" dirty="0"/>
+            <a:pPr>
+              <a:lnSpc>
+                <a:spcPct val="107000"/>
+              </a:lnSpc>
+              <a:spcAft>
+                <a:spcPts val="800"/>
+              </a:spcAft>
+            </a:pPr>
+            <a:r>
+              <a:rPr lang="en-GB" sz="1800" dirty="0">
+                <a:effectLst/>
+                <a:latin typeface="Calibri" panose="020F0502020204030204" pitchFamily="34" charset="0"/>
+                <a:ea typeface="Calibri" panose="020F0502020204030204" pitchFamily="34" charset="0"/>
+                <a:cs typeface="Times New Roman" panose="02020603050405020304" pitchFamily="18" charset="0"/>
+              </a:rPr>
+              <a:t>The analyses were computed over a dataset of 3 hundred of thousand of observations collected around the world during August </a:t>
+            </a:r>
+            <a:r>
+              <a:rPr lang="en-GB" sz="1800" dirty="0" err="1">
+                <a:effectLst/>
+                <a:latin typeface="Calibri" panose="020F0502020204030204" pitchFamily="34" charset="0"/>
+                <a:ea typeface="Calibri" panose="020F0502020204030204" pitchFamily="34" charset="0"/>
+                <a:cs typeface="Times New Roman" panose="02020603050405020304" pitchFamily="18" charset="0"/>
+              </a:rPr>
+              <a:t>TwentySixTeen</a:t>
+            </a:r>
+            <a:endParaRPr lang="en-GB" sz="1800" dirty="0">
+              <a:effectLst/>
+              <a:latin typeface="Calibri" panose="020F0502020204030204" pitchFamily="34" charset="0"/>
+              <a:ea typeface="Calibri" panose="020F0502020204030204" pitchFamily="34" charset="0"/>
+              <a:cs typeface="Times New Roman" panose="02020603050405020304" pitchFamily="18" charset="0"/>
+            </a:endParaRPr>
+          </a:p>
+          <a:p>
+            <a:pPr>
+              <a:lnSpc>
+                <a:spcPct val="107000"/>
+              </a:lnSpc>
+              <a:spcAft>
+                <a:spcPts val="800"/>
+              </a:spcAft>
+            </a:pPr>
+            <a:endParaRPr lang="en-GB" sz="1800" dirty="0">
+              <a:effectLst/>
+              <a:latin typeface="Calibri" panose="020F0502020204030204" pitchFamily="34" charset="0"/>
+              <a:ea typeface="Calibri" panose="020F0502020204030204" pitchFamily="34" charset="0"/>
+              <a:cs typeface="Times New Roman" panose="02020603050405020304" pitchFamily="18" charset="0"/>
+            </a:endParaRPr>
+          </a:p>
+          <a:p>
+            <a:pPr>
+              <a:lnSpc>
+                <a:spcPct val="107000"/>
+              </a:lnSpc>
+              <a:spcAft>
+                <a:spcPts val="800"/>
+              </a:spcAft>
+            </a:pPr>
+            <a:r>
+              <a:rPr lang="en-GB" sz="1800" dirty="0">
+                <a:effectLst/>
+                <a:latin typeface="Calibri" panose="020F0502020204030204" pitchFamily="34" charset="0"/>
+                <a:ea typeface="Calibri" panose="020F0502020204030204" pitchFamily="34" charset="0"/>
+                <a:cs typeface="Times New Roman" panose="02020603050405020304" pitchFamily="18" charset="0"/>
+              </a:rPr>
+              <a:t>The dataset has three main variables:</a:t>
+            </a:r>
+          </a:p>
+          <a:p>
+            <a:pPr>
+              <a:lnSpc>
+                <a:spcPct val="107000"/>
+              </a:lnSpc>
+              <a:spcAft>
+                <a:spcPts val="800"/>
+              </a:spcAft>
+            </a:pPr>
+            <a:r>
+              <a:rPr lang="en-GB" sz="1800" dirty="0">
+                <a:effectLst/>
+                <a:latin typeface="Calibri" panose="020F0502020204030204" pitchFamily="34" charset="0"/>
+                <a:ea typeface="Calibri" panose="020F0502020204030204" pitchFamily="34" charset="0"/>
+                <a:cs typeface="Times New Roman" panose="02020603050405020304" pitchFamily="18" charset="0"/>
+              </a:rPr>
               <a:t>the id of the extracted Pokémon</a:t>
             </a:r>
           </a:p>
           <a:p>
-            <a:pPr marL="171450" indent="-171450">
-              <a:buFontTx/>
-              <a:buChar char="-"/>
-            </a:pPr>
-            <a:r>
-              <a:rPr lang="en-US" dirty="0"/>
+            <a:pPr>
+              <a:lnSpc>
+                <a:spcPct val="107000"/>
+              </a:lnSpc>
+              <a:spcAft>
+                <a:spcPts val="800"/>
+              </a:spcAft>
+            </a:pPr>
+            <a:r>
+              <a:rPr lang="en-GB" sz="1800" dirty="0">
+                <a:effectLst/>
+                <a:latin typeface="Calibri" panose="020F0502020204030204" pitchFamily="34" charset="0"/>
+                <a:ea typeface="Calibri" panose="020F0502020204030204" pitchFamily="34" charset="0"/>
+                <a:cs typeface="Times New Roman" panose="02020603050405020304" pitchFamily="18" charset="0"/>
+              </a:rPr>
               <a:t>the geolocation, expressed with latitude and longitude, where the Pokémon spawn</a:t>
             </a:r>
           </a:p>
           <a:p>
-            <a:pPr marL="171450" indent="-171450">
-              <a:buFontTx/>
-              <a:buChar char="-"/>
-            </a:pPr>
-            <a:r>
-              <a:rPr lang="en-US" dirty="0"/>
+            <a:pPr>
+              <a:lnSpc>
+                <a:spcPct val="107000"/>
+              </a:lnSpc>
+              <a:spcAft>
+                <a:spcPts val="800"/>
+              </a:spcAft>
+            </a:pPr>
+            <a:r>
+              <a:rPr lang="en-GB" sz="1800" dirty="0">
+                <a:effectLst/>
+                <a:latin typeface="Calibri" panose="020F0502020204030204" pitchFamily="34" charset="0"/>
+                <a:ea typeface="Calibri" panose="020F0502020204030204" pitchFamily="34" charset="0"/>
+                <a:cs typeface="Times New Roman" panose="02020603050405020304" pitchFamily="18" charset="0"/>
+              </a:rPr>
               <a:t>And the local timestamp, so the hour and the day of the event</a:t>
             </a:r>
           </a:p>
           <a:p>
-            <a:pPr marL="171450" indent="-171450">
-              <a:buFontTx/>
-              <a:buChar char="-"/>
-            </a:pPr>
-            <a:endParaRPr lang="en-US" dirty="0"/>
-          </a:p>
-          <a:p>
-            <a:pPr marL="0" indent="0">
-              <a:buFontTx/>
-              <a:buNone/>
-            </a:pPr>
-            <a:r>
-              <a:rPr lang="en-US" dirty="0"/>
-              <a:t>Thanks to this main features we can derive other features (..bro </a:t>
-            </a:r>
-            <a:r>
-              <a:rPr lang="en-US" dirty="0" err="1"/>
-              <a:t>improvvisa</a:t>
-            </a:r>
-            <a:r>
-              <a:rPr lang="en-US" dirty="0"/>
-              <a:t>..)</a:t>
-            </a:r>
+            <a:pPr>
+              <a:lnSpc>
+                <a:spcPct val="107000"/>
+              </a:lnSpc>
+              <a:spcAft>
+                <a:spcPts val="800"/>
+              </a:spcAft>
+            </a:pPr>
+            <a:endParaRPr lang="en-GB" sz="1800" dirty="0">
+              <a:effectLst/>
+              <a:latin typeface="Calibri" panose="020F0502020204030204" pitchFamily="34" charset="0"/>
+              <a:ea typeface="Calibri" panose="020F0502020204030204" pitchFamily="34" charset="0"/>
+              <a:cs typeface="Times New Roman" panose="02020603050405020304" pitchFamily="18" charset="0"/>
+            </a:endParaRPr>
+          </a:p>
+          <a:p>
+            <a:pPr>
+              <a:lnSpc>
+                <a:spcPct val="107000"/>
+              </a:lnSpc>
+              <a:spcAft>
+                <a:spcPts val="800"/>
+              </a:spcAft>
+            </a:pPr>
+            <a:r>
+              <a:rPr lang="en-GB" sz="1800" dirty="0">
+                <a:effectLst/>
+                <a:latin typeface="Calibri" panose="020F0502020204030204" pitchFamily="34" charset="0"/>
+                <a:ea typeface="Calibri" panose="020F0502020204030204" pitchFamily="34" charset="0"/>
+                <a:cs typeface="Times New Roman" panose="02020603050405020304" pitchFamily="18" charset="0"/>
+              </a:rPr>
+              <a:t>Thanks to this three main information we can derive other variables,</a:t>
+            </a:r>
+          </a:p>
+          <a:p>
+            <a:pPr>
+              <a:lnSpc>
+                <a:spcPct val="107000"/>
+              </a:lnSpc>
+              <a:spcAft>
+                <a:spcPts val="800"/>
+              </a:spcAft>
+            </a:pPr>
+            <a:r>
+              <a:rPr lang="en-GB" sz="1800" dirty="0">
+                <a:effectLst/>
+                <a:latin typeface="Calibri" panose="020F0502020204030204" pitchFamily="34" charset="0"/>
+                <a:ea typeface="Calibri" panose="020F0502020204030204" pitchFamily="34" charset="0"/>
+                <a:cs typeface="Times New Roman" panose="02020603050405020304" pitchFamily="18" charset="0"/>
+              </a:rPr>
+              <a:t>those ones that are really used by the generative model</a:t>
+            </a:r>
+          </a:p>
+          <a:p>
+            <a:pPr>
+              <a:lnSpc>
+                <a:spcPct val="107000"/>
+              </a:lnSpc>
+              <a:spcAft>
+                <a:spcPts val="800"/>
+              </a:spcAft>
+            </a:pPr>
+            <a:endParaRPr lang="en-GB" sz="1800" dirty="0">
+              <a:effectLst/>
+              <a:latin typeface="Calibri" panose="020F0502020204030204" pitchFamily="34" charset="0"/>
+              <a:ea typeface="Calibri" panose="020F0502020204030204" pitchFamily="34" charset="0"/>
+              <a:cs typeface="Times New Roman" panose="02020603050405020304" pitchFamily="18" charset="0"/>
+            </a:endParaRPr>
+          </a:p>
+          <a:p>
+            <a:pPr>
+              <a:lnSpc>
+                <a:spcPct val="107000"/>
+              </a:lnSpc>
+              <a:spcAft>
+                <a:spcPts val="800"/>
+              </a:spcAft>
+            </a:pPr>
+            <a:r>
+              <a:rPr lang="en-GB" sz="1800" dirty="0">
+                <a:effectLst/>
+                <a:latin typeface="Calibri" panose="020F0502020204030204" pitchFamily="34" charset="0"/>
+                <a:ea typeface="Calibri" panose="020F0502020204030204" pitchFamily="34" charset="0"/>
+                <a:cs typeface="Times New Roman" panose="02020603050405020304" pitchFamily="18" charset="0"/>
+              </a:rPr>
+              <a:t>so we can retrieve weather conditions,</a:t>
+            </a:r>
+          </a:p>
+          <a:p>
+            <a:pPr>
+              <a:lnSpc>
+                <a:spcPct val="107000"/>
+              </a:lnSpc>
+              <a:spcAft>
+                <a:spcPts val="800"/>
+              </a:spcAft>
+            </a:pPr>
+            <a:r>
+              <a:rPr lang="en-GB" sz="1800" dirty="0">
+                <a:effectLst/>
+                <a:latin typeface="Calibri" panose="020F0502020204030204" pitchFamily="34" charset="0"/>
+                <a:ea typeface="Calibri" panose="020F0502020204030204" pitchFamily="34" charset="0"/>
+                <a:cs typeface="Times New Roman" panose="02020603050405020304" pitchFamily="18" charset="0"/>
+              </a:rPr>
+              <a:t>seasonal changes like the end of the day or of the night,</a:t>
+            </a:r>
+          </a:p>
+          <a:p>
+            <a:pPr>
+              <a:lnSpc>
+                <a:spcPct val="107000"/>
+              </a:lnSpc>
+              <a:spcAft>
+                <a:spcPts val="800"/>
+              </a:spcAft>
+            </a:pPr>
+            <a:r>
+              <a:rPr lang="en-GB" sz="1800" dirty="0">
+                <a:effectLst/>
+                <a:latin typeface="Calibri" panose="020F0502020204030204" pitchFamily="34" charset="0"/>
+                <a:ea typeface="Calibri" panose="020F0502020204030204" pitchFamily="34" charset="0"/>
+                <a:cs typeface="Times New Roman" panose="02020603050405020304" pitchFamily="18" charset="0"/>
+              </a:rPr>
+              <a:t>if the Pokémon is located in a rural or urban context, if there is a river or a lake near the player, … and all stuff like that</a:t>
+            </a:r>
+          </a:p>
+          <a:p>
+            <a:pPr>
+              <a:lnSpc>
+                <a:spcPct val="107000"/>
+              </a:lnSpc>
+              <a:spcAft>
+                <a:spcPts val="800"/>
+              </a:spcAft>
+            </a:pPr>
+            <a:endParaRPr lang="en-GB" sz="1800" dirty="0">
+              <a:effectLst/>
+              <a:latin typeface="Calibri" panose="020F0502020204030204" pitchFamily="34" charset="0"/>
+              <a:ea typeface="Calibri" panose="020F0502020204030204" pitchFamily="34" charset="0"/>
+              <a:cs typeface="Times New Roman" panose="02020603050405020304" pitchFamily="18" charset="0"/>
+            </a:endParaRPr>
+          </a:p>
+          <a:p>
+            <a:pPr>
+              <a:lnSpc>
+                <a:spcPct val="107000"/>
+              </a:lnSpc>
+              <a:spcAft>
+                <a:spcPts val="800"/>
+              </a:spcAft>
+            </a:pPr>
+            <a:r>
+              <a:rPr lang="en-GB" sz="1800" dirty="0">
+                <a:effectLst/>
+                <a:latin typeface="Calibri" panose="020F0502020204030204" pitchFamily="34" charset="0"/>
+                <a:ea typeface="Calibri" panose="020F0502020204030204" pitchFamily="34" charset="0"/>
+                <a:cs typeface="Times New Roman" panose="02020603050405020304" pitchFamily="18" charset="0"/>
+              </a:rPr>
+              <a:t>so, on the output side, the generative model will mix all the input,</a:t>
+            </a:r>
+          </a:p>
+          <a:p>
+            <a:pPr>
+              <a:lnSpc>
+                <a:spcPct val="107000"/>
+              </a:lnSpc>
+              <a:spcAft>
+                <a:spcPts val="800"/>
+              </a:spcAft>
+            </a:pPr>
+            <a:r>
+              <a:rPr lang="en-GB" sz="1800" dirty="0">
+                <a:effectLst/>
+                <a:latin typeface="Calibri" panose="020F0502020204030204" pitchFamily="34" charset="0"/>
+                <a:ea typeface="Calibri" panose="020F0502020204030204" pitchFamily="34" charset="0"/>
+                <a:cs typeface="Times New Roman" panose="02020603050405020304" pitchFamily="18" charset="0"/>
+              </a:rPr>
+              <a:t>to obtain a set of fixed and variable attributes,</a:t>
+            </a:r>
+          </a:p>
+          <a:p>
+            <a:pPr>
+              <a:lnSpc>
+                <a:spcPct val="107000"/>
+              </a:lnSpc>
+              <a:spcAft>
+                <a:spcPts val="800"/>
+              </a:spcAft>
+            </a:pPr>
+            <a:r>
+              <a:rPr lang="en-GB" sz="1800" dirty="0">
+                <a:effectLst/>
+                <a:latin typeface="Calibri" panose="020F0502020204030204" pitchFamily="34" charset="0"/>
+                <a:ea typeface="Calibri" panose="020F0502020204030204" pitchFamily="34" charset="0"/>
+                <a:cs typeface="Times New Roman" panose="02020603050405020304" pitchFamily="18" charset="0"/>
+              </a:rPr>
+              <a:t>that the Pokémon should have,</a:t>
+            </a:r>
+          </a:p>
+          <a:p>
+            <a:pPr>
+              <a:lnSpc>
+                <a:spcPct val="107000"/>
+              </a:lnSpc>
+              <a:spcAft>
+                <a:spcPts val="800"/>
+              </a:spcAft>
+            </a:pPr>
+            <a:endParaRPr lang="en-GB" sz="1800" dirty="0">
+              <a:effectLst/>
+              <a:latin typeface="Calibri" panose="020F0502020204030204" pitchFamily="34" charset="0"/>
+              <a:ea typeface="Calibri" panose="020F0502020204030204" pitchFamily="34" charset="0"/>
+              <a:cs typeface="Times New Roman" panose="02020603050405020304" pitchFamily="18" charset="0"/>
+            </a:endParaRPr>
+          </a:p>
+          <a:p>
+            <a:pPr>
+              <a:lnSpc>
+                <a:spcPct val="107000"/>
+              </a:lnSpc>
+              <a:spcAft>
+                <a:spcPts val="800"/>
+              </a:spcAft>
+            </a:pPr>
+            <a:r>
+              <a:rPr lang="en-GB" sz="1800" dirty="0">
+                <a:effectLst/>
+                <a:latin typeface="Calibri" panose="020F0502020204030204" pitchFamily="34" charset="0"/>
+                <a:ea typeface="Calibri" panose="020F0502020204030204" pitchFamily="34" charset="0"/>
+                <a:cs typeface="Times New Roman" panose="02020603050405020304" pitchFamily="18" charset="0"/>
+              </a:rPr>
+              <a:t>and it will choose a Pokémon that is likely to match those attributes</a:t>
+            </a:r>
+          </a:p>
+          <a:p>
             <a:endParaRPr lang="en-GB" dirty="0"/>
-          </a:p>
-        </p:txBody>
-      </p:sp>
-      <p:sp>
-        <p:nvSpPr>
-          <p:cNvPr id="4" name="Slide Number Placeholder 3"/>
-          <p:cNvSpPr>
-            <a:spLocks noGrp="1"/>
-          </p:cNvSpPr>
-          <p:nvPr>
-            <p:ph type="sldNum" sz="quarter" idx="5"/>
-          </p:nvPr>
-        </p:nvSpPr>
-        <p:spPr/>
-        <p:txBody>
-          <a:bodyPr/>
-          <a:lstStyle/>
-          <a:p>
-            <a:fld id="{71085349-C73D-4010-B699-EBD45FD09117}" type="slidenum">
-              <a:rPr lang="en-GB" smtClean="0"/>
-              <a:t>3</a:t>
-            </a:fld>
-            <a:endParaRPr lang="en-GB"/>
           </a:p>
         </p:txBody>
       </p:sp>
@@ -1485,34 +2697,197 @@
           <a:bodyPr/>
           <a:lstStyle/>
           <a:p>
-            <a:r>
-              <a:rPr lang="en-US" dirty="0"/>
-              <a:t>Dimensionality reduction idea</a:t>
-            </a:r>
+            <a:pPr>
+              <a:lnSpc>
+                <a:spcPct val="107000"/>
+              </a:lnSpc>
+              <a:spcAft>
+                <a:spcPts val="800"/>
+              </a:spcAft>
+            </a:pPr>
+            <a:r>
+              <a:rPr lang="en-GB" sz="1800" dirty="0">
+                <a:effectLst/>
+                <a:latin typeface="Calibri" panose="020F0502020204030204" pitchFamily="34" charset="0"/>
+                <a:ea typeface="Calibri" panose="020F0502020204030204" pitchFamily="34" charset="0"/>
+                <a:cs typeface="Times New Roman" panose="02020603050405020304" pitchFamily="18" charset="0"/>
+              </a:rPr>
+              <a:t>So, a big issue is that, the Pokémon ID is obviously a nominal variable,</a:t>
+            </a:r>
+          </a:p>
+          <a:p>
+            <a:pPr>
+              <a:lnSpc>
+                <a:spcPct val="107000"/>
+              </a:lnSpc>
+              <a:spcAft>
+                <a:spcPts val="800"/>
+              </a:spcAft>
+            </a:pPr>
+            <a:r>
+              <a:rPr lang="en-GB" sz="1800" dirty="0">
+                <a:effectLst/>
+                <a:latin typeface="Calibri" panose="020F0502020204030204" pitchFamily="34" charset="0"/>
+                <a:ea typeface="Calibri" panose="020F0502020204030204" pitchFamily="34" charset="0"/>
+                <a:cs typeface="Times New Roman" panose="02020603050405020304" pitchFamily="18" charset="0"/>
+              </a:rPr>
+              <a:t>but with one hundred and fifty possible values</a:t>
+            </a:r>
+          </a:p>
+          <a:p>
+            <a:pPr>
+              <a:lnSpc>
+                <a:spcPct val="107000"/>
+              </a:lnSpc>
+              <a:spcAft>
+                <a:spcPts val="800"/>
+              </a:spcAft>
+            </a:pPr>
+            <a:endParaRPr lang="en-GB" sz="1800" dirty="0">
+              <a:effectLst/>
+              <a:latin typeface="Calibri" panose="020F0502020204030204" pitchFamily="34" charset="0"/>
+              <a:ea typeface="Calibri" panose="020F0502020204030204" pitchFamily="34" charset="0"/>
+              <a:cs typeface="Times New Roman" panose="02020603050405020304" pitchFamily="18" charset="0"/>
+            </a:endParaRPr>
+          </a:p>
+          <a:p>
+            <a:pPr>
+              <a:lnSpc>
+                <a:spcPct val="107000"/>
+              </a:lnSpc>
+              <a:spcAft>
+                <a:spcPts val="800"/>
+              </a:spcAft>
+            </a:pPr>
+            <a:r>
+              <a:rPr lang="en-GB" sz="1800" dirty="0">
+                <a:effectLst/>
+                <a:latin typeface="Calibri" panose="020F0502020204030204" pitchFamily="34" charset="0"/>
+                <a:ea typeface="Calibri" panose="020F0502020204030204" pitchFamily="34" charset="0"/>
+                <a:cs typeface="Times New Roman" panose="02020603050405020304" pitchFamily="18" charset="0"/>
+              </a:rPr>
+              <a:t>And if we consider the variable of each Pokémon like</a:t>
+            </a:r>
+          </a:p>
+          <a:p>
+            <a:pPr>
+              <a:lnSpc>
+                <a:spcPct val="107000"/>
+              </a:lnSpc>
+              <a:spcAft>
+                <a:spcPts val="800"/>
+              </a:spcAft>
+            </a:pPr>
+            <a:r>
+              <a:rPr lang="en-GB" sz="1800" dirty="0">
+                <a:effectLst/>
+                <a:latin typeface="Calibri" panose="020F0502020204030204" pitchFamily="34" charset="0"/>
+                <a:ea typeface="Calibri" panose="020F0502020204030204" pitchFamily="34" charset="0"/>
+                <a:cs typeface="Times New Roman" panose="02020603050405020304" pitchFamily="18" charset="0"/>
+              </a:rPr>
+              <a:t>a sort of coordinates in a multivariate space, things are not going to be easier.</a:t>
+            </a:r>
+          </a:p>
+          <a:p>
+            <a:pPr>
+              <a:lnSpc>
+                <a:spcPct val="107000"/>
+              </a:lnSpc>
+              <a:spcAft>
+                <a:spcPts val="800"/>
+              </a:spcAft>
+            </a:pPr>
+            <a:endParaRPr lang="en-GB" sz="1800" dirty="0">
+              <a:effectLst/>
+              <a:latin typeface="Calibri" panose="020F0502020204030204" pitchFamily="34" charset="0"/>
+              <a:ea typeface="Calibri" panose="020F0502020204030204" pitchFamily="34" charset="0"/>
+              <a:cs typeface="Times New Roman" panose="02020603050405020304" pitchFamily="18" charset="0"/>
+            </a:endParaRPr>
+          </a:p>
+          <a:p>
+            <a:pPr>
+              <a:lnSpc>
+                <a:spcPct val="107000"/>
+              </a:lnSpc>
+              <a:spcAft>
+                <a:spcPts val="800"/>
+              </a:spcAft>
+            </a:pPr>
+            <a:r>
+              <a:rPr lang="en-GB" sz="1800" dirty="0">
+                <a:effectLst/>
+                <a:latin typeface="Calibri" panose="020F0502020204030204" pitchFamily="34" charset="0"/>
+                <a:ea typeface="Calibri" panose="020F0502020204030204" pitchFamily="34" charset="0"/>
+                <a:cs typeface="Times New Roman" panose="02020603050405020304" pitchFamily="18" charset="0"/>
+              </a:rPr>
+              <a:t>Because each Pokémon is described by 8 numeric features and 18 dummy variables</a:t>
+            </a:r>
+          </a:p>
+          <a:p>
+            <a:pPr>
+              <a:lnSpc>
+                <a:spcPct val="107000"/>
+              </a:lnSpc>
+              <a:spcAft>
+                <a:spcPts val="800"/>
+              </a:spcAft>
+            </a:pPr>
+            <a:endParaRPr lang="en-GB" sz="1800" dirty="0">
+              <a:effectLst/>
+              <a:latin typeface="Calibri" panose="020F0502020204030204" pitchFamily="34" charset="0"/>
+              <a:ea typeface="Calibri" panose="020F0502020204030204" pitchFamily="34" charset="0"/>
+              <a:cs typeface="Times New Roman" panose="02020603050405020304" pitchFamily="18" charset="0"/>
+            </a:endParaRPr>
+          </a:p>
+          <a:p>
+            <a:pPr>
+              <a:lnSpc>
+                <a:spcPct val="107000"/>
+              </a:lnSpc>
+              <a:spcAft>
+                <a:spcPts val="800"/>
+              </a:spcAft>
+            </a:pPr>
+            <a:r>
+              <a:rPr lang="en-GB" sz="1800" dirty="0" err="1">
+                <a:effectLst/>
+                <a:latin typeface="Calibri" panose="020F0502020204030204" pitchFamily="34" charset="0"/>
+                <a:ea typeface="Calibri" panose="020F0502020204030204" pitchFamily="34" charset="0"/>
+                <a:cs typeface="Times New Roman" panose="02020603050405020304" pitchFamily="18" charset="0"/>
+              </a:rPr>
+              <a:t>Scinànighen</a:t>
+            </a:r>
+            <a:r>
+              <a:rPr lang="en-GB" sz="1800" dirty="0">
+                <a:effectLst/>
+                <a:latin typeface="Calibri" panose="020F0502020204030204" pitchFamily="34" charset="0"/>
+                <a:ea typeface="Calibri" panose="020F0502020204030204" pitchFamily="34" charset="0"/>
+                <a:cs typeface="Times New Roman" panose="02020603050405020304" pitchFamily="18" charset="0"/>
+              </a:rPr>
+              <a:t>(,) we can apply the principal component analysis to reduce the number of dimensions,</a:t>
+            </a:r>
+          </a:p>
+          <a:p>
+            <a:pPr>
+              <a:lnSpc>
+                <a:spcPct val="107000"/>
+              </a:lnSpc>
+              <a:spcAft>
+                <a:spcPts val="800"/>
+              </a:spcAft>
+            </a:pPr>
+            <a:r>
+              <a:rPr lang="en-GB" sz="1800" dirty="0">
+                <a:effectLst/>
+                <a:latin typeface="Calibri" panose="020F0502020204030204" pitchFamily="34" charset="0"/>
+                <a:ea typeface="Calibri" panose="020F0502020204030204" pitchFamily="34" charset="0"/>
+                <a:cs typeface="Times New Roman" panose="02020603050405020304" pitchFamily="18" charset="0"/>
+              </a:rPr>
+              <a:t>then, apply a clustering technique and so reduce 150 labels to a bunch of labels that represent few homogeneous groups</a:t>
+            </a:r>
+          </a:p>
+          <a:p>
             <a:endParaRPr lang="en-GB" dirty="0"/>
-          </a:p>
-        </p:txBody>
-      </p:sp>
-      <p:sp>
-        <p:nvSpPr>
-          <p:cNvPr id="4" name="Slide Number Placeholder 3"/>
-          <p:cNvSpPr>
-            <a:spLocks noGrp="1"/>
-          </p:cNvSpPr>
-          <p:nvPr>
-            <p:ph type="sldNum" sz="quarter" idx="5"/>
-          </p:nvPr>
-        </p:nvSpPr>
-        <p:spPr/>
-        <p:txBody>
-          <a:bodyPr/>
-          <a:lstStyle/>
-          <a:p>
-            <a:fld id="{71085349-C73D-4010-B699-EBD45FD09117}" type="slidenum">
-              <a:rPr lang="en-GB" smtClean="0"/>
-              <a:t>4</a:t>
-            </a:fld>
-            <a:endParaRPr lang="en-GB"/>
           </a:p>
         </p:txBody>
       </p:sp>
@@ -1573,38 +2948,95 @@
           <a:bodyPr/>
           <a:lstStyle/>
           <a:p>
-            <a:r>
-              <a:rPr lang="en-US" dirty="0" err="1"/>
-              <a:t>Dimensioanlity</a:t>
-            </a:r>
-            <a:r>
-              <a:rPr lang="en-US" dirty="0"/>
-              <a:t> reduction results</a:t>
-            </a:r>
-            <a:endParaRPr lang="en-GB" dirty="0"/>
-          </a:p>
-        </p:txBody>
-      </p:sp>
-      <p:sp>
-        <p:nvSpPr>
-          <p:cNvPr id="4" name="Slide Number Placeholder 3"/>
-          <p:cNvSpPr>
-            <a:spLocks noGrp="1"/>
-          </p:cNvSpPr>
-          <p:nvPr>
-            <p:ph type="sldNum" sz="quarter" idx="5"/>
-          </p:nvPr>
-        </p:nvSpPr>
-        <p:spPr/>
-        <p:txBody>
-          <a:bodyPr/>
-          <a:lstStyle/>
-          <a:p>
-            <a:fld id="{71085349-C73D-4010-B699-EBD45FD09117}" type="slidenum">
-              <a:rPr lang="en-GB" smtClean="0"/>
-              <a:t>5</a:t>
-            </a:fld>
-            <a:endParaRPr lang="en-GB"/>
+            <a:pPr>
+              <a:lnSpc>
+                <a:spcPct val="107000"/>
+              </a:lnSpc>
+              <a:spcAft>
+                <a:spcPts val="800"/>
+              </a:spcAft>
+            </a:pPr>
+            <a:r>
+              <a:rPr lang="en-GB" sz="1800" dirty="0">
+                <a:effectLst/>
+                <a:latin typeface="Calibri" panose="020F0502020204030204" pitchFamily="34" charset="0"/>
+                <a:ea typeface="Calibri" panose="020F0502020204030204" pitchFamily="34" charset="0"/>
+                <a:cs typeface="Times New Roman" panose="02020603050405020304" pitchFamily="18" charset="0"/>
+              </a:rPr>
+              <a:t>so, here we got the result of the PCA with two components, but not so much appealing, </a:t>
+            </a:r>
+          </a:p>
+          <a:p>
+            <a:pPr>
+              <a:lnSpc>
+                <a:spcPct val="107000"/>
+              </a:lnSpc>
+              <a:spcAft>
+                <a:spcPts val="800"/>
+              </a:spcAft>
+            </a:pPr>
+            <a:endParaRPr lang="en-GB" sz="1800" dirty="0">
+              <a:effectLst/>
+              <a:latin typeface="Calibri" panose="020F0502020204030204" pitchFamily="34" charset="0"/>
+              <a:ea typeface="Calibri" panose="020F0502020204030204" pitchFamily="34" charset="0"/>
+              <a:cs typeface="Times New Roman" panose="02020603050405020304" pitchFamily="18" charset="0"/>
+            </a:endParaRPr>
+          </a:p>
+          <a:p>
+            <a:pPr>
+              <a:lnSpc>
+                <a:spcPct val="107000"/>
+              </a:lnSpc>
+              <a:spcAft>
+                <a:spcPts val="800"/>
+              </a:spcAft>
+            </a:pPr>
+            <a:r>
+              <a:rPr lang="en-GB" sz="1800" dirty="0">
+                <a:effectLst/>
+                <a:latin typeface="Calibri" panose="020F0502020204030204" pitchFamily="34" charset="0"/>
+                <a:ea typeface="Calibri" panose="020F0502020204030204" pitchFamily="34" charset="0"/>
+                <a:cs typeface="Times New Roman" panose="02020603050405020304" pitchFamily="18" charset="0"/>
+              </a:rPr>
+              <a:t>(Kaiser was pretty low) (proportion of variance of the fists few component was not </a:t>
+            </a:r>
+            <a:r>
+              <a:rPr lang="en-US" sz="1800" dirty="0">
+                <a:effectLst/>
+                <a:latin typeface="Calibri" panose="020F0502020204030204" pitchFamily="34" charset="0"/>
+                <a:ea typeface="Calibri" panose="020F0502020204030204" pitchFamily="34" charset="0"/>
+                <a:cs typeface="Times New Roman" panose="02020603050405020304" pitchFamily="18" charset="0"/>
+              </a:rPr>
+              <a:t>enough</a:t>
+            </a:r>
+            <a:r>
+              <a:rPr lang="en-GB" sz="1800" dirty="0">
+                <a:effectLst/>
+                <a:latin typeface="Calibri" panose="020F0502020204030204" pitchFamily="34" charset="0"/>
+                <a:ea typeface="Calibri" panose="020F0502020204030204" pitchFamily="34" charset="0"/>
+                <a:cs typeface="Times New Roman" panose="02020603050405020304" pitchFamily="18" charset="0"/>
+              </a:rPr>
+              <a:t>)</a:t>
+            </a:r>
+          </a:p>
+          <a:p>
+            <a:pPr>
+              <a:lnSpc>
+                <a:spcPct val="107000"/>
+              </a:lnSpc>
+              <a:spcAft>
+                <a:spcPts val="800"/>
+              </a:spcAft>
+            </a:pPr>
+            <a:r>
+              <a:rPr lang="en-GB" sz="1800" dirty="0">
+                <a:effectLst/>
+                <a:latin typeface="Calibri" panose="020F0502020204030204" pitchFamily="34" charset="0"/>
+                <a:ea typeface="Calibri" panose="020F0502020204030204" pitchFamily="34" charset="0"/>
+                <a:cs typeface="Times New Roman" panose="02020603050405020304" pitchFamily="18" charset="0"/>
+              </a:rPr>
+              <a:t>I also tried to keep 3 components, but the result did not change matter, moreover three-dimensional plot did not give a better clear view.</a:t>
+            </a:r>
           </a:p>
         </p:txBody>
       </p:sp>
@@ -1665,37 +3097,251 @@
           <a:bodyPr/>
           <a:lstStyle/>
           <a:p>
-            <a:endParaRPr lang="en-GB" dirty="0"/>
-          </a:p>
-        </p:txBody>
-      </p:sp>
-      <p:sp>
-        <p:nvSpPr>
-          <p:cNvPr id="4" name="Slide Number Placeholder 3"/>
-          <p:cNvSpPr>
-            <a:spLocks noGrp="1"/>
-          </p:cNvSpPr>
-          <p:nvPr>
-            <p:ph type="sldNum" sz="quarter" idx="5"/>
-          </p:nvPr>
-        </p:nvSpPr>
-        <p:spPr/>
-        <p:txBody>
-          <a:bodyPr/>
-          <a:lstStyle/>
-          <a:p>
-            <a:fld id="{71085349-C73D-4010-B699-EBD45FD09117}" type="slidenum">
-              <a:rPr lang="en-GB" smtClean="0"/>
-              <a:t>7</a:t>
-            </a:fld>
-            <a:endParaRPr lang="en-GB"/>
+            <a:pPr>
+              <a:lnSpc>
+                <a:spcPct val="107000"/>
+              </a:lnSpc>
+              <a:spcAft>
+                <a:spcPts val="800"/>
+              </a:spcAft>
+            </a:pPr>
+            <a:r>
+              <a:rPr lang="en-GB" sz="1800" dirty="0">
+                <a:effectLst/>
+                <a:latin typeface="Calibri" panose="020F0502020204030204" pitchFamily="34" charset="0"/>
+                <a:ea typeface="Calibri" panose="020F0502020204030204" pitchFamily="34" charset="0"/>
+                <a:cs typeface="Times New Roman" panose="02020603050405020304" pitchFamily="18" charset="0"/>
+              </a:rPr>
+              <a:t>For the sake of science I applied DB SCAN,</a:t>
+            </a:r>
+          </a:p>
+          <a:p>
+            <a:pPr>
+              <a:lnSpc>
+                <a:spcPct val="107000"/>
+              </a:lnSpc>
+              <a:spcAft>
+                <a:spcPts val="800"/>
+              </a:spcAft>
+            </a:pPr>
+            <a:r>
+              <a:rPr lang="en-GB" sz="1800" dirty="0">
+                <a:effectLst/>
+                <a:latin typeface="Calibri" panose="020F0502020204030204" pitchFamily="34" charset="0"/>
+                <a:ea typeface="Calibri" panose="020F0502020204030204" pitchFamily="34" charset="0"/>
+                <a:cs typeface="Times New Roman" panose="02020603050405020304" pitchFamily="18" charset="0"/>
+              </a:rPr>
+              <a:t>that’s because I was expecting that, most of the Pokémon, somehow, would form dense groups,</a:t>
+            </a:r>
+          </a:p>
+          <a:p>
+            <a:pPr>
+              <a:lnSpc>
+                <a:spcPct val="107000"/>
+              </a:lnSpc>
+              <a:spcAft>
+                <a:spcPts val="800"/>
+              </a:spcAft>
+            </a:pPr>
+            <a:r>
+              <a:rPr lang="en-GB" sz="1800" dirty="0">
+                <a:effectLst/>
+                <a:latin typeface="Calibri" panose="020F0502020204030204" pitchFamily="34" charset="0"/>
+                <a:ea typeface="Calibri" panose="020F0502020204030204" pitchFamily="34" charset="0"/>
+                <a:cs typeface="Times New Roman" panose="02020603050405020304" pitchFamily="18" charset="0"/>
+              </a:rPr>
+              <a:t>and instead, few of particular Pokémon would lies between those clusters.</a:t>
+            </a:r>
+          </a:p>
+          <a:p>
+            <a:pPr marL="0" marR="0" lvl="0" indent="0" algn="l" defTabSz="914400" rtl="0" eaLnBrk="1" fontAlgn="auto" latinLnBrk="0" hangingPunct="1">
+              <a:lnSpc>
+                <a:spcPct val="100000"/>
+              </a:lnSpc>
+              <a:spcBef>
+                <a:spcPts val="0"/>
+              </a:spcBef>
+              <a:spcAft>
+                <a:spcPts val="0"/>
+              </a:spcAft>
+              <a:buClrTx/>
+              <a:buSzTx/>
+              <a:buFontTx/>
+              <a:buNone/>
+              <a:tabLst/>
+              <a:defRPr/>
+            </a:pPr>
+            <a:endParaRPr lang="en-GB" sz="1800" dirty="0">
+              <a:effectLst/>
+              <a:latin typeface="Calibri" panose="020F0502020204030204" pitchFamily="34" charset="0"/>
+              <a:ea typeface="Calibri" panose="020F0502020204030204" pitchFamily="34" charset="0"/>
+              <a:cs typeface="Times New Roman" panose="02020603050405020304" pitchFamily="18" charset="0"/>
+            </a:endParaRPr>
+          </a:p>
+          <a:p>
+            <a:pPr marL="0" marR="0" lvl="0" indent="0" algn="l" defTabSz="914400" rtl="0" eaLnBrk="1" fontAlgn="auto" latinLnBrk="0" hangingPunct="1">
+              <a:lnSpc>
+                <a:spcPct val="100000"/>
+              </a:lnSpc>
+              <a:spcBef>
+                <a:spcPts val="0"/>
+              </a:spcBef>
+              <a:spcAft>
+                <a:spcPts val="0"/>
+              </a:spcAft>
+              <a:buClrTx/>
+              <a:buSzTx/>
+              <a:buFontTx/>
+              <a:buNone/>
+              <a:tabLst/>
+              <a:defRPr/>
+            </a:pPr>
+            <a:r>
+              <a:rPr lang="en-GB" sz="1800" dirty="0">
+                <a:effectLst/>
+                <a:latin typeface="Calibri" panose="020F0502020204030204" pitchFamily="34" charset="0"/>
+                <a:ea typeface="Calibri" panose="020F0502020204030204" pitchFamily="34" charset="0"/>
+                <a:cs typeface="Times New Roman" panose="02020603050405020304" pitchFamily="18" charset="0"/>
+              </a:rPr>
+              <a:t>I tried also to change dynamically the radius </a:t>
+            </a:r>
+            <a:r>
+              <a:rPr lang="en-GB" sz="1800" dirty="0" err="1">
+                <a:effectLst/>
+                <a:latin typeface="Calibri" panose="020F0502020204030204" pitchFamily="34" charset="0"/>
+                <a:ea typeface="Calibri" panose="020F0502020204030204" pitchFamily="34" charset="0"/>
+                <a:cs typeface="Times New Roman" panose="02020603050405020304" pitchFamily="18" charset="0"/>
+              </a:rPr>
+              <a:t>epsailon</a:t>
+            </a:r>
+            <a:r>
+              <a:rPr lang="en-GB" sz="1800" dirty="0">
+                <a:effectLst/>
+                <a:latin typeface="Calibri" panose="020F0502020204030204" pitchFamily="34" charset="0"/>
+                <a:ea typeface="Calibri" panose="020F0502020204030204" pitchFamily="34" charset="0"/>
+                <a:cs typeface="Times New Roman" panose="02020603050405020304" pitchFamily="18" charset="0"/>
+              </a:rPr>
+              <a:t>,</a:t>
+            </a:r>
+          </a:p>
+          <a:p>
+            <a:pPr marL="0" marR="0" lvl="0" indent="0" algn="l" defTabSz="914400" rtl="0" eaLnBrk="1" fontAlgn="auto" latinLnBrk="0" hangingPunct="1">
+              <a:lnSpc>
+                <a:spcPct val="100000"/>
+              </a:lnSpc>
+              <a:spcBef>
+                <a:spcPts val="0"/>
+              </a:spcBef>
+              <a:spcAft>
+                <a:spcPts val="0"/>
+              </a:spcAft>
+              <a:buClrTx/>
+              <a:buSzTx/>
+              <a:buFontTx/>
+              <a:buNone/>
+              <a:tabLst/>
+              <a:defRPr/>
+            </a:pPr>
+            <a:r>
+              <a:rPr lang="en-GB" sz="1800" dirty="0">
+                <a:effectLst/>
+                <a:latin typeface="Calibri" panose="020F0502020204030204" pitchFamily="34" charset="0"/>
+                <a:ea typeface="Calibri" panose="020F0502020204030204" pitchFamily="34" charset="0"/>
+                <a:cs typeface="Times New Roman" panose="02020603050405020304" pitchFamily="18" charset="0"/>
+              </a:rPr>
+              <a:t>but in any case it did not lead to homogeneous clusters,</a:t>
+            </a:r>
+          </a:p>
+          <a:p>
+            <a:pPr marL="0" marR="0" lvl="0" indent="0" algn="l" defTabSz="914400" rtl="0" eaLnBrk="1" fontAlgn="auto" latinLnBrk="0" hangingPunct="1">
+              <a:lnSpc>
+                <a:spcPct val="100000"/>
+              </a:lnSpc>
+              <a:spcBef>
+                <a:spcPts val="0"/>
+              </a:spcBef>
+              <a:spcAft>
+                <a:spcPts val="0"/>
+              </a:spcAft>
+              <a:buClrTx/>
+              <a:buSzTx/>
+              <a:buFontTx/>
+              <a:buNone/>
+              <a:tabLst/>
+              <a:defRPr/>
+            </a:pPr>
+            <a:r>
+              <a:rPr lang="en-GB" sz="1800" dirty="0">
+                <a:effectLst/>
+                <a:latin typeface="Calibri" panose="020F0502020204030204" pitchFamily="34" charset="0"/>
+                <a:ea typeface="Calibri" panose="020F0502020204030204" pitchFamily="34" charset="0"/>
+                <a:cs typeface="Times New Roman" panose="02020603050405020304" pitchFamily="18" charset="0"/>
+              </a:rPr>
+              <a:t>and the noise cluster,</a:t>
+            </a:r>
+          </a:p>
+          <a:p>
+            <a:pPr marL="0" marR="0" lvl="0" indent="0" algn="l" defTabSz="914400" rtl="0" eaLnBrk="1" fontAlgn="auto" latinLnBrk="0" hangingPunct="1">
+              <a:lnSpc>
+                <a:spcPct val="100000"/>
+              </a:lnSpc>
+              <a:spcBef>
+                <a:spcPts val="0"/>
+              </a:spcBef>
+              <a:spcAft>
+                <a:spcPts val="0"/>
+              </a:spcAft>
+              <a:buClrTx/>
+              <a:buSzTx/>
+              <a:buFontTx/>
+              <a:buNone/>
+              <a:tabLst/>
+              <a:defRPr/>
+            </a:pPr>
+            <a:r>
+              <a:rPr lang="en-GB" sz="1800" dirty="0">
+                <a:effectLst/>
+                <a:latin typeface="Calibri" panose="020F0502020204030204" pitchFamily="34" charset="0"/>
+                <a:ea typeface="Calibri" panose="020F0502020204030204" pitchFamily="34" charset="0"/>
+                <a:cs typeface="Times New Roman" panose="02020603050405020304" pitchFamily="18" charset="0"/>
+              </a:rPr>
+              <a:t>, the one labelled with minus 1,</a:t>
+            </a:r>
+          </a:p>
+          <a:p>
+            <a:pPr marL="0" marR="0" lvl="0" indent="0" algn="l" defTabSz="914400" rtl="0" eaLnBrk="1" fontAlgn="auto" latinLnBrk="0" hangingPunct="1">
+              <a:lnSpc>
+                <a:spcPct val="100000"/>
+              </a:lnSpc>
+              <a:spcBef>
+                <a:spcPts val="0"/>
+              </a:spcBef>
+              <a:spcAft>
+                <a:spcPts val="0"/>
+              </a:spcAft>
+              <a:buClrTx/>
+              <a:buSzTx/>
+              <a:buFontTx/>
+              <a:buNone/>
+              <a:tabLst/>
+              <a:defRPr/>
+            </a:pPr>
+            <a:r>
+              <a:rPr lang="en-GB" sz="1800" dirty="0">
+                <a:effectLst/>
+                <a:latin typeface="Calibri" panose="020F0502020204030204" pitchFamily="34" charset="0"/>
+                <a:ea typeface="Calibri" panose="020F0502020204030204" pitchFamily="34" charset="0"/>
+                <a:cs typeface="Times New Roman" panose="02020603050405020304" pitchFamily="18" charset="0"/>
+              </a:rPr>
+              <a:t>was always too large.</a:t>
+            </a:r>
           </a:p>
         </p:txBody>
       </p:sp>
     </p:spTree>
     <p:extLst>
       <p:ext uri="{BB962C8B-B14F-4D97-AF65-F5344CB8AC3E}">
-        <p14:creationId xmlns:p14="http://schemas.microsoft.com/office/powerpoint/2010/main" val="2444561676"/>
+        <p14:creationId xmlns:p14="http://schemas.microsoft.com/office/powerpoint/2010/main" val="1760004816"/>
       </p:ext>
     </p:extLst>
   </p:cSld>
@@ -1749,55 +3395,140 @@
           <a:bodyPr/>
           <a:lstStyle/>
           <a:p>
-            <a:r>
-              <a:rPr lang="en-US" dirty="0"/>
-              <a:t>An first experiment was made it </a:t>
-            </a:r>
-          </a:p>
-          <a:p>
-            <a:r>
-              <a:rPr lang="en-US" dirty="0"/>
-              <a:t>Bootstrapped</a:t>
-            </a:r>
-          </a:p>
-          <a:p>
-            <a:endParaRPr lang="en-US" dirty="0"/>
-          </a:p>
-          <a:p>
-            <a:r>
-              <a:rPr lang="en-US" dirty="0"/>
-              <a:t>How about the other type of Pokémon? </a:t>
-            </a:r>
-          </a:p>
-        </p:txBody>
-      </p:sp>
-      <p:sp>
-        <p:nvSpPr>
-          <p:cNvPr id="4" name="Slide Number Placeholder 3"/>
-          <p:cNvSpPr>
-            <a:spLocks noGrp="1"/>
-          </p:cNvSpPr>
-          <p:nvPr>
-            <p:ph type="sldNum" sz="quarter" idx="5"/>
-          </p:nvPr>
-        </p:nvSpPr>
-        <p:spPr/>
-        <p:txBody>
-          <a:bodyPr/>
-          <a:lstStyle/>
-          <a:p>
-            <a:fld id="{71085349-C73D-4010-B699-EBD45FD09117}" type="slidenum">
-              <a:rPr lang="en-GB" smtClean="0"/>
-              <a:t>8</a:t>
-            </a:fld>
-            <a:endParaRPr lang="en-GB"/>
+            <a:pPr>
+              <a:lnSpc>
+                <a:spcPct val="107000"/>
+              </a:lnSpc>
+              <a:spcAft>
+                <a:spcPts val="800"/>
+              </a:spcAft>
+            </a:pPr>
+            <a:r>
+              <a:rPr lang="en-GB" sz="1800" dirty="0">
+                <a:effectLst/>
+                <a:latin typeface="Calibri" panose="020F0502020204030204" pitchFamily="34" charset="0"/>
+                <a:ea typeface="Calibri" panose="020F0502020204030204" pitchFamily="34" charset="0"/>
+                <a:cs typeface="Times New Roman" panose="02020603050405020304" pitchFamily="18" charset="0"/>
+              </a:rPr>
+              <a:t>So I tried a different approach:</a:t>
+            </a:r>
+          </a:p>
+          <a:p>
+            <a:pPr>
+              <a:lnSpc>
+                <a:spcPct val="107000"/>
+              </a:lnSpc>
+              <a:spcAft>
+                <a:spcPts val="800"/>
+              </a:spcAft>
+            </a:pPr>
+            <a:r>
+              <a:rPr lang="en-GB" sz="1800" dirty="0">
+                <a:effectLst/>
+                <a:latin typeface="Calibri" panose="020F0502020204030204" pitchFamily="34" charset="0"/>
+                <a:ea typeface="Calibri" panose="020F0502020204030204" pitchFamily="34" charset="0"/>
+                <a:cs typeface="Times New Roman" panose="02020603050405020304" pitchFamily="18" charset="0"/>
+              </a:rPr>
+              <a:t>maybe it’s easier to link some single real word variable to the spawn frequency, of a specific in-game variable.</a:t>
+            </a:r>
+          </a:p>
+          <a:p>
+            <a:pPr>
+              <a:lnSpc>
+                <a:spcPct val="107000"/>
+              </a:lnSpc>
+              <a:spcAft>
+                <a:spcPts val="800"/>
+              </a:spcAft>
+            </a:pPr>
+            <a:endParaRPr lang="en-GB" sz="1800" dirty="0">
+              <a:effectLst/>
+              <a:latin typeface="Calibri" panose="020F0502020204030204" pitchFamily="34" charset="0"/>
+              <a:ea typeface="Calibri" panose="020F0502020204030204" pitchFamily="34" charset="0"/>
+              <a:cs typeface="Times New Roman" panose="02020603050405020304" pitchFamily="18" charset="0"/>
+            </a:endParaRPr>
+          </a:p>
+          <a:p>
+            <a:pPr>
+              <a:lnSpc>
+                <a:spcPct val="107000"/>
+              </a:lnSpc>
+              <a:spcAft>
+                <a:spcPts val="800"/>
+              </a:spcAft>
+            </a:pPr>
+            <a:r>
+              <a:rPr lang="en-GB" sz="1800" dirty="0">
+                <a:effectLst/>
+                <a:latin typeface="Calibri" panose="020F0502020204030204" pitchFamily="34" charset="0"/>
+                <a:ea typeface="Calibri" panose="020F0502020204030204" pitchFamily="34" charset="0"/>
+                <a:cs typeface="Times New Roman" panose="02020603050405020304" pitchFamily="18" charset="0"/>
+              </a:rPr>
+              <a:t>Like, for example, I would expect to find near rivers and lakes more Pokémon related to water</a:t>
+            </a:r>
+          </a:p>
+          <a:p>
+            <a:pPr>
+              <a:lnSpc>
+                <a:spcPct val="107000"/>
+              </a:lnSpc>
+              <a:spcAft>
+                <a:spcPts val="800"/>
+              </a:spcAft>
+            </a:pPr>
+            <a:r>
+              <a:rPr lang="en-GB" sz="1800" dirty="0">
+                <a:effectLst/>
+                <a:latin typeface="Calibri" panose="020F0502020204030204" pitchFamily="34" charset="0"/>
+                <a:ea typeface="Calibri" panose="020F0502020204030204" pitchFamily="34" charset="0"/>
+                <a:cs typeface="Times New Roman" panose="02020603050405020304" pitchFamily="18" charset="0"/>
+              </a:rPr>
+              <a:t>,so, Pokémon based on fishes or frogs.</a:t>
+            </a:r>
+          </a:p>
+          <a:p>
+            <a:pPr>
+              <a:lnSpc>
+                <a:spcPct val="107000"/>
+              </a:lnSpc>
+              <a:spcAft>
+                <a:spcPts val="800"/>
+              </a:spcAft>
+            </a:pPr>
+            <a:endParaRPr lang="en-GB" sz="1800" dirty="0">
+              <a:effectLst/>
+              <a:latin typeface="Calibri" panose="020F0502020204030204" pitchFamily="34" charset="0"/>
+              <a:ea typeface="Calibri" panose="020F0502020204030204" pitchFamily="34" charset="0"/>
+              <a:cs typeface="Times New Roman" panose="02020603050405020304" pitchFamily="18" charset="0"/>
+            </a:endParaRPr>
+          </a:p>
+          <a:p>
+            <a:r>
+              <a:rPr lang="en-GB" sz="1800" dirty="0" err="1">
+                <a:effectLst/>
+                <a:latin typeface="Calibri" panose="020F0502020204030204" pitchFamily="34" charset="0"/>
+                <a:ea typeface="Calibri" panose="020F0502020204030204" pitchFamily="34" charset="0"/>
+                <a:cs typeface="Times New Roman" panose="02020603050405020304" pitchFamily="18" charset="0"/>
+              </a:rPr>
+              <a:t>Aand</a:t>
+            </a:r>
+            <a:r>
+              <a:rPr lang="en-GB" sz="1800" dirty="0">
+                <a:effectLst/>
+                <a:latin typeface="Calibri" panose="020F0502020204030204" pitchFamily="34" charset="0"/>
+                <a:ea typeface="Calibri" panose="020F0502020204030204" pitchFamily="34" charset="0"/>
+                <a:cs typeface="Times New Roman" panose="02020603050405020304" pitchFamily="18" charset="0"/>
+              </a:rPr>
+              <a:t>, yeah,</a:t>
+            </a:r>
+            <a:endParaRPr lang="en-GB" dirty="0"/>
           </a:p>
         </p:txBody>
       </p:sp>
     </p:spTree>
     <p:extLst>
       <p:ext uri="{BB962C8B-B14F-4D97-AF65-F5344CB8AC3E}">
-        <p14:creationId xmlns:p14="http://schemas.microsoft.com/office/powerpoint/2010/main" val="2249494945"/>
+        <p14:creationId xmlns:p14="http://schemas.microsoft.com/office/powerpoint/2010/main" val="2444561676"/>
       </p:ext>
     </p:extLst>
   </p:cSld>
@@ -1851,49 +3582,351 @@
           <a:bodyPr/>
           <a:lstStyle/>
           <a:p>
-            <a:r>
-              <a:rPr lang="en-US" dirty="0"/>
-              <a:t>So </a:t>
-            </a:r>
-            <a:r>
-              <a:rPr lang="en-US" dirty="0" err="1"/>
-              <a:t>measurige</a:t>
-            </a:r>
-            <a:r>
-              <a:rPr lang="en-US" dirty="0"/>
-              <a:t> must be made by including as much features as possible without ending up to a multinomial of 17 variables, </a:t>
-            </a:r>
-            <a:endParaRPr lang="en-GB" dirty="0"/>
-          </a:p>
-        </p:txBody>
-      </p:sp>
-      <p:sp>
-        <p:nvSpPr>
-          <p:cNvPr id="4" name="Slide Number Placeholder 3"/>
-          <p:cNvSpPr>
-            <a:spLocks noGrp="1"/>
-          </p:cNvSpPr>
-          <p:nvPr>
-            <p:ph type="sldNum" sz="quarter" idx="5"/>
-          </p:nvPr>
-        </p:nvSpPr>
-        <p:spPr/>
-        <p:txBody>
-          <a:bodyPr/>
-          <a:lstStyle/>
-          <a:p>
-            <a:fld id="{71085349-C73D-4010-B699-EBD45FD09117}" type="slidenum">
-              <a:rPr lang="en-GB" smtClean="0"/>
-              <a:t>9</a:t>
-            </a:fld>
-            <a:endParaRPr lang="en-GB"/>
+            <a:pPr>
+              <a:lnSpc>
+                <a:spcPct val="107000"/>
+              </a:lnSpc>
+              <a:spcAft>
+                <a:spcPts val="800"/>
+              </a:spcAft>
+            </a:pPr>
+            <a:r>
+              <a:rPr lang="en-GB" sz="1800" dirty="0">
+                <a:effectLst/>
+                <a:latin typeface="Calibri" panose="020F0502020204030204" pitchFamily="34" charset="0"/>
+                <a:ea typeface="Calibri" panose="020F0502020204030204" pitchFamily="34" charset="0"/>
+                <a:cs typeface="Times New Roman" panose="02020603050405020304" pitchFamily="18" charset="0"/>
+              </a:rPr>
+              <a:t>, it could work,</a:t>
+            </a:r>
+          </a:p>
+          <a:p>
+            <a:pPr>
+              <a:lnSpc>
+                <a:spcPct val="107000"/>
+              </a:lnSpc>
+              <a:spcAft>
+                <a:spcPts val="800"/>
+              </a:spcAft>
+            </a:pPr>
+            <a:r>
+              <a:rPr lang="en-US" sz="1800" dirty="0">
+                <a:effectLst/>
+                <a:latin typeface="Calibri" panose="020F0502020204030204" pitchFamily="34" charset="0"/>
+                <a:ea typeface="Calibri" panose="020F0502020204030204" pitchFamily="34" charset="0"/>
+                <a:cs typeface="Times New Roman" panose="02020603050405020304" pitchFamily="18" charset="0"/>
+              </a:rPr>
+              <a:t>I made a toy example with a bootstrapped logistic regression,</a:t>
+            </a:r>
+          </a:p>
+          <a:p>
+            <a:pPr>
+              <a:lnSpc>
+                <a:spcPct val="107000"/>
+              </a:lnSpc>
+              <a:spcAft>
+                <a:spcPts val="800"/>
+              </a:spcAft>
+            </a:pPr>
+            <a:r>
+              <a:rPr lang="en-US" sz="1800" dirty="0">
+                <a:effectLst/>
+                <a:latin typeface="Calibri" panose="020F0502020204030204" pitchFamily="34" charset="0"/>
+                <a:ea typeface="Calibri" panose="020F0502020204030204" pitchFamily="34" charset="0"/>
+                <a:cs typeface="Times New Roman" panose="02020603050405020304" pitchFamily="18" charset="0"/>
+              </a:rPr>
+              <a:t>on the left normal Pokémon, and on the right water type Pokémon.</a:t>
+            </a:r>
+          </a:p>
+          <a:p>
+            <a:pPr>
+              <a:lnSpc>
+                <a:spcPct val="107000"/>
+              </a:lnSpc>
+              <a:spcAft>
+                <a:spcPts val="800"/>
+              </a:spcAft>
+            </a:pPr>
+            <a:endParaRPr lang="en-GB" sz="1800" dirty="0">
+              <a:effectLst/>
+              <a:latin typeface="Calibri" panose="020F0502020204030204" pitchFamily="34" charset="0"/>
+              <a:ea typeface="Calibri" panose="020F0502020204030204" pitchFamily="34" charset="0"/>
+              <a:cs typeface="Times New Roman" panose="02020603050405020304" pitchFamily="18" charset="0"/>
+            </a:endParaRPr>
+          </a:p>
+          <a:p>
+            <a:pPr>
+              <a:lnSpc>
+                <a:spcPct val="107000"/>
+              </a:lnSpc>
+              <a:spcAft>
+                <a:spcPts val="800"/>
+              </a:spcAft>
+            </a:pPr>
+            <a:r>
+              <a:rPr lang="en-US" sz="1800" dirty="0">
+                <a:effectLst/>
+                <a:latin typeface="Calibri" panose="020F0502020204030204" pitchFamily="34" charset="0"/>
+                <a:ea typeface="Calibri" panose="020F0502020204030204" pitchFamily="34" charset="0"/>
+                <a:cs typeface="Times New Roman" panose="02020603050405020304" pitchFamily="18" charset="0"/>
+              </a:rPr>
+              <a:t>On the x we got the number of spawning Pokémon of the selected type,</a:t>
+            </a:r>
+            <a:endParaRPr lang="en-GB" sz="1800" dirty="0">
+              <a:effectLst/>
+              <a:latin typeface="Calibri" panose="020F0502020204030204" pitchFamily="34" charset="0"/>
+              <a:ea typeface="Calibri" panose="020F0502020204030204" pitchFamily="34" charset="0"/>
+              <a:cs typeface="Times New Roman" panose="02020603050405020304" pitchFamily="18" charset="0"/>
+            </a:endParaRPr>
+          </a:p>
+          <a:p>
+            <a:pPr>
+              <a:lnSpc>
+                <a:spcPct val="107000"/>
+              </a:lnSpc>
+              <a:spcAft>
+                <a:spcPts val="800"/>
+              </a:spcAft>
+            </a:pPr>
+            <a:r>
+              <a:rPr lang="en-US" sz="1800" dirty="0">
+                <a:effectLst/>
+                <a:latin typeface="Calibri" panose="020F0502020204030204" pitchFamily="34" charset="0"/>
+                <a:ea typeface="Calibri" panose="020F0502020204030204" pitchFamily="34" charset="0"/>
+                <a:cs typeface="Times New Roman" panose="02020603050405020304" pitchFamily="18" charset="0"/>
+              </a:rPr>
+              <a:t>And, as binary response, if the player was near or not to some kind of water venue,</a:t>
+            </a:r>
+          </a:p>
+          <a:p>
+            <a:pPr>
+              <a:lnSpc>
+                <a:spcPct val="107000"/>
+              </a:lnSpc>
+              <a:spcAft>
+                <a:spcPts val="800"/>
+              </a:spcAft>
+            </a:pPr>
+            <a:r>
+              <a:rPr lang="en-US" sz="1800" dirty="0">
+                <a:effectLst/>
+                <a:latin typeface="Calibri" panose="020F0502020204030204" pitchFamily="34" charset="0"/>
+                <a:ea typeface="Calibri" panose="020F0502020204030204" pitchFamily="34" charset="0"/>
+                <a:cs typeface="Times New Roman" panose="02020603050405020304" pitchFamily="18" charset="0"/>
+              </a:rPr>
+              <a:t>in a range of one hundred meters.</a:t>
+            </a:r>
+          </a:p>
+          <a:p>
+            <a:pPr>
+              <a:lnSpc>
+                <a:spcPct val="107000"/>
+              </a:lnSpc>
+              <a:spcAft>
+                <a:spcPts val="800"/>
+              </a:spcAft>
+            </a:pPr>
+            <a:endParaRPr lang="en-GB" sz="1800" dirty="0">
+              <a:effectLst/>
+              <a:latin typeface="Calibri" panose="020F0502020204030204" pitchFamily="34" charset="0"/>
+              <a:ea typeface="Calibri" panose="020F0502020204030204" pitchFamily="34" charset="0"/>
+              <a:cs typeface="Times New Roman" panose="02020603050405020304" pitchFamily="18" charset="0"/>
+            </a:endParaRPr>
+          </a:p>
+          <a:p>
+            <a:pPr>
+              <a:lnSpc>
+                <a:spcPct val="107000"/>
+              </a:lnSpc>
+              <a:spcAft>
+                <a:spcPts val="800"/>
+              </a:spcAft>
+            </a:pPr>
+            <a:r>
+              <a:rPr lang="en-US" sz="1800" dirty="0">
+                <a:effectLst/>
+                <a:latin typeface="Calibri" panose="020F0502020204030204" pitchFamily="34" charset="0"/>
+                <a:ea typeface="Calibri" panose="020F0502020204030204" pitchFamily="34" charset="0"/>
+                <a:cs typeface="Times New Roman" panose="02020603050405020304" pitchFamily="18" charset="0"/>
+              </a:rPr>
+              <a:t>So, the advantages of using a </a:t>
+            </a:r>
+            <a:r>
+              <a:rPr lang="en-US" sz="1800" i="1" dirty="0">
+                <a:effectLst/>
+                <a:latin typeface="Calibri" panose="020F0502020204030204" pitchFamily="34" charset="0"/>
+                <a:ea typeface="Calibri" panose="020F0502020204030204" pitchFamily="34" charset="0"/>
+                <a:cs typeface="Times New Roman" panose="02020603050405020304" pitchFamily="18" charset="0"/>
+              </a:rPr>
+              <a:t>multiple</a:t>
+            </a:r>
+            <a:r>
+              <a:rPr lang="en-US" sz="1800" dirty="0">
+                <a:effectLst/>
+                <a:latin typeface="Calibri" panose="020F0502020204030204" pitchFamily="34" charset="0"/>
+                <a:ea typeface="Calibri" panose="020F0502020204030204" pitchFamily="34" charset="0"/>
+                <a:cs typeface="Times New Roman" panose="02020603050405020304" pitchFamily="18" charset="0"/>
+              </a:rPr>
+              <a:t> logistic regression with </a:t>
+            </a:r>
+            <a:r>
+              <a:rPr lang="en-GB" sz="1800" i="1" dirty="0">
+                <a:effectLst/>
+                <a:latin typeface="Calibri" panose="020F0502020204030204" pitchFamily="34" charset="0"/>
+                <a:ea typeface="Calibri" panose="020F0502020204030204" pitchFamily="34" charset="0"/>
+                <a:cs typeface="Times New Roman" panose="02020603050405020304" pitchFamily="18" charset="0"/>
+              </a:rPr>
+              <a:t>multiple</a:t>
+            </a:r>
+            <a:r>
+              <a:rPr lang="en-GB" sz="1800" dirty="0">
+                <a:effectLst/>
+                <a:latin typeface="Calibri" panose="020F0502020204030204" pitchFamily="34" charset="0"/>
+                <a:ea typeface="Calibri" panose="020F0502020204030204" pitchFamily="34" charset="0"/>
+                <a:cs typeface="Times New Roman" panose="02020603050405020304" pitchFamily="18" charset="0"/>
+              </a:rPr>
+              <a:t> response variables </a:t>
+            </a:r>
+            <a:r>
+              <a:rPr lang="en-US" sz="1800" dirty="0">
+                <a:effectLst/>
+                <a:latin typeface="Calibri" panose="020F0502020204030204" pitchFamily="34" charset="0"/>
+                <a:ea typeface="Calibri" panose="020F0502020204030204" pitchFamily="34" charset="0"/>
+                <a:cs typeface="Times New Roman" panose="02020603050405020304" pitchFamily="18" charset="0"/>
+              </a:rPr>
+              <a:t>are that we can push with no regards all the multivariate input,</a:t>
+            </a:r>
+          </a:p>
+          <a:p>
+            <a:pPr>
+              <a:lnSpc>
+                <a:spcPct val="107000"/>
+              </a:lnSpc>
+              <a:spcAft>
+                <a:spcPts val="800"/>
+              </a:spcAft>
+            </a:pPr>
+            <a:endParaRPr lang="en-GB" sz="1800" dirty="0">
+              <a:effectLst/>
+              <a:latin typeface="Calibri" panose="020F0502020204030204" pitchFamily="34" charset="0"/>
+              <a:ea typeface="Calibri" panose="020F0502020204030204" pitchFamily="34" charset="0"/>
+              <a:cs typeface="Times New Roman" panose="02020603050405020304" pitchFamily="18" charset="0"/>
+            </a:endParaRPr>
+          </a:p>
+          <a:p>
+            <a:pPr>
+              <a:lnSpc>
+                <a:spcPct val="107000"/>
+              </a:lnSpc>
+              <a:spcAft>
+                <a:spcPts val="800"/>
+              </a:spcAft>
+            </a:pPr>
+            <a:r>
+              <a:rPr lang="en-US" sz="1800" dirty="0">
+                <a:effectLst/>
+                <a:latin typeface="Calibri" panose="020F0502020204030204" pitchFamily="34" charset="0"/>
+                <a:ea typeface="Calibri" panose="020F0502020204030204" pitchFamily="34" charset="0"/>
+                <a:cs typeface="Times New Roman" panose="02020603050405020304" pitchFamily="18" charset="0"/>
+              </a:rPr>
+              <a:t>and we can also compute the </a:t>
+            </a:r>
+            <a:r>
+              <a:rPr lang="en-US" sz="1800" i="1" dirty="0">
+                <a:effectLst/>
+                <a:latin typeface="Calibri" panose="020F0502020204030204" pitchFamily="34" charset="0"/>
+                <a:ea typeface="Calibri" panose="020F0502020204030204" pitchFamily="34" charset="0"/>
+                <a:cs typeface="Times New Roman" panose="02020603050405020304" pitchFamily="18" charset="0"/>
+              </a:rPr>
+              <a:t>odds</a:t>
+            </a:r>
+            <a:r>
+              <a:rPr lang="en-US" sz="1800" dirty="0">
+                <a:effectLst/>
+                <a:latin typeface="Calibri" panose="020F0502020204030204" pitchFamily="34" charset="0"/>
+                <a:ea typeface="Calibri" panose="020F0502020204030204" pitchFamily="34" charset="0"/>
+                <a:cs typeface="Times New Roman" panose="02020603050405020304" pitchFamily="18" charset="0"/>
+              </a:rPr>
+              <a:t> that a specific Pokémon will appear under certain condition.</a:t>
+            </a:r>
+          </a:p>
+          <a:p>
+            <a:pPr>
+              <a:lnSpc>
+                <a:spcPct val="107000"/>
+              </a:lnSpc>
+              <a:spcAft>
+                <a:spcPts val="800"/>
+              </a:spcAft>
+            </a:pPr>
+            <a:endParaRPr lang="en-GB" sz="1800" dirty="0">
+              <a:effectLst/>
+              <a:latin typeface="Calibri" panose="020F0502020204030204" pitchFamily="34" charset="0"/>
+              <a:ea typeface="Calibri" panose="020F0502020204030204" pitchFamily="34" charset="0"/>
+              <a:cs typeface="Times New Roman" panose="02020603050405020304" pitchFamily="18" charset="0"/>
+            </a:endParaRPr>
+          </a:p>
+          <a:p>
+            <a:pPr>
+              <a:lnSpc>
+                <a:spcPct val="107000"/>
+              </a:lnSpc>
+              <a:spcAft>
+                <a:spcPts val="800"/>
+              </a:spcAft>
+            </a:pPr>
+            <a:r>
+              <a:rPr lang="en-US" sz="1800" dirty="0">
+                <a:effectLst/>
+                <a:latin typeface="Calibri" panose="020F0502020204030204" pitchFamily="34" charset="0"/>
+                <a:ea typeface="Calibri" panose="020F0502020204030204" pitchFamily="34" charset="0"/>
+                <a:cs typeface="Times New Roman" panose="02020603050405020304" pitchFamily="18" charset="0"/>
+              </a:rPr>
+              <a:t>But in the other hand, many variables should be </a:t>
+            </a:r>
+            <a:r>
+              <a:rPr lang="en-GB" sz="1800" dirty="0">
+                <a:effectLst/>
+                <a:latin typeface="Calibri" panose="020F0502020204030204" pitchFamily="34" charset="0"/>
+                <a:ea typeface="Calibri" panose="020F0502020204030204" pitchFamily="34" charset="0"/>
+                <a:cs typeface="Times New Roman" panose="02020603050405020304" pitchFamily="18" charset="0"/>
+              </a:rPr>
+              <a:t>dichotomized, and we will still end up in a very messy and h</a:t>
+            </a:r>
+            <a:r>
+              <a:rPr lang="en-US" sz="1800" dirty="0" err="1">
+                <a:effectLst/>
+                <a:latin typeface="Calibri" panose="020F0502020204030204" pitchFamily="34" charset="0"/>
+                <a:ea typeface="Calibri" panose="020F0502020204030204" pitchFamily="34" charset="0"/>
+                <a:cs typeface="Times New Roman" panose="02020603050405020304" pitchFamily="18" charset="0"/>
+              </a:rPr>
+              <a:t>eavy</a:t>
+            </a:r>
+            <a:r>
+              <a:rPr lang="en-US" sz="1800" dirty="0">
+                <a:effectLst/>
+                <a:latin typeface="Calibri" panose="020F0502020204030204" pitchFamily="34" charset="0"/>
+                <a:ea typeface="Calibri" panose="020F0502020204030204" pitchFamily="34" charset="0"/>
+                <a:cs typeface="Times New Roman" panose="02020603050405020304" pitchFamily="18" charset="0"/>
+              </a:rPr>
+              <a:t> multinomial output.</a:t>
+            </a:r>
+            <a:endParaRPr lang="en-GB" sz="1800" dirty="0">
+              <a:effectLst/>
+              <a:latin typeface="Calibri" panose="020F0502020204030204" pitchFamily="34" charset="0"/>
+              <a:ea typeface="Calibri" panose="020F0502020204030204" pitchFamily="34" charset="0"/>
+              <a:cs typeface="Times New Roman" panose="02020603050405020304" pitchFamily="18" charset="0"/>
+            </a:endParaRPr>
+          </a:p>
+          <a:p>
+            <a:endParaRPr lang="en-US" dirty="0"/>
           </a:p>
         </p:txBody>
       </p:sp>
     </p:spTree>
     <p:extLst>
       <p:ext uri="{BB962C8B-B14F-4D97-AF65-F5344CB8AC3E}">
-        <p14:creationId xmlns:p14="http://schemas.microsoft.com/office/powerpoint/2010/main" val="108998392"/>
+        <p14:creationId xmlns:p14="http://schemas.microsoft.com/office/powerpoint/2010/main" val="2249494945"/>
       </p:ext>
     </p:extLst>
   </p:cSld>
@@ -1947,55 +3980,96 @@
           <a:bodyPr/>
           <a:lstStyle/>
           <a:p>
-            <a:r>
-              <a:rPr lang="en-US" dirty="0"/>
-              <a:t>categorical values</a:t>
-            </a:r>
-          </a:p>
-          <a:p>
-            <a:r>
-              <a:rPr lang="en-US" dirty="0"/>
-              <a:t>Mostly related to weather</a:t>
-            </a:r>
-            <a:r>
-              <a:rPr lang="en-GB" dirty="0"/>
-              <a:t>, density population  was </a:t>
-            </a:r>
-            <a:r>
-              <a:rPr lang="en-GB" dirty="0" err="1"/>
-              <a:t>discetized</a:t>
-            </a:r>
-            <a:endParaRPr lang="en-US" dirty="0"/>
-          </a:p>
-        </p:txBody>
-      </p:sp>
-      <p:sp>
-        <p:nvSpPr>
-          <p:cNvPr id="4" name="Slide Number Placeholder 3"/>
-          <p:cNvSpPr>
-            <a:spLocks noGrp="1"/>
-          </p:cNvSpPr>
-          <p:nvPr>
-            <p:ph type="sldNum" sz="quarter" idx="5"/>
-          </p:nvPr>
-        </p:nvSpPr>
-        <p:spPr/>
-        <p:txBody>
-          <a:bodyPr/>
-          <a:lstStyle/>
-          <a:p>
-            <a:fld id="{71085349-C73D-4010-B699-EBD45FD09117}" type="slidenum">
-              <a:rPr lang="en-GB" smtClean="0"/>
-              <a:t>10</a:t>
-            </a:fld>
-            <a:endParaRPr lang="en-GB"/>
+            <a:pPr>
+              <a:lnSpc>
+                <a:spcPct val="107000"/>
+              </a:lnSpc>
+              <a:spcAft>
+                <a:spcPts val="800"/>
+              </a:spcAft>
+            </a:pPr>
+            <a:r>
+              <a:rPr lang="en-US" sz="1800" dirty="0">
+                <a:effectLst/>
+                <a:latin typeface="Calibri" panose="020F0502020204030204" pitchFamily="34" charset="0"/>
+                <a:ea typeface="Calibri" panose="020F0502020204030204" pitchFamily="34" charset="0"/>
+                <a:cs typeface="Times New Roman" panose="02020603050405020304" pitchFamily="18" charset="0"/>
+              </a:rPr>
+              <a:t>So at this checkpoint, it’s pretty insane to consider statistical analyses that do require tons of manual manipulation,</a:t>
+            </a:r>
+            <a:endParaRPr lang="en-GB" sz="1800" dirty="0">
+              <a:effectLst/>
+              <a:latin typeface="Calibri" panose="020F0502020204030204" pitchFamily="34" charset="0"/>
+              <a:ea typeface="Calibri" panose="020F0502020204030204" pitchFamily="34" charset="0"/>
+              <a:cs typeface="Times New Roman" panose="02020603050405020304" pitchFamily="18" charset="0"/>
+            </a:endParaRPr>
+          </a:p>
+          <a:p>
+            <a:pPr>
+              <a:lnSpc>
+                <a:spcPct val="107000"/>
+              </a:lnSpc>
+              <a:spcAft>
+                <a:spcPts val="800"/>
+              </a:spcAft>
+            </a:pPr>
+            <a:r>
+              <a:rPr lang="en-US" sz="1800" dirty="0">
+                <a:effectLst/>
+                <a:latin typeface="Calibri" panose="020F0502020204030204" pitchFamily="34" charset="0"/>
+                <a:ea typeface="Calibri" panose="020F0502020204030204" pitchFamily="34" charset="0"/>
+                <a:cs typeface="Times New Roman" panose="02020603050405020304" pitchFamily="18" charset="0"/>
+              </a:rPr>
+              <a:t>or that require a lot computational time, like Bayesian network</a:t>
+            </a:r>
+          </a:p>
+          <a:p>
+            <a:pPr>
+              <a:lnSpc>
+                <a:spcPct val="107000"/>
+              </a:lnSpc>
+              <a:spcAft>
+                <a:spcPts val="800"/>
+              </a:spcAft>
+            </a:pPr>
+            <a:endParaRPr lang="en-GB" sz="1800" dirty="0">
+              <a:effectLst/>
+              <a:latin typeface="Calibri" panose="020F0502020204030204" pitchFamily="34" charset="0"/>
+              <a:ea typeface="Calibri" panose="020F0502020204030204" pitchFamily="34" charset="0"/>
+              <a:cs typeface="Times New Roman" panose="02020603050405020304" pitchFamily="18" charset="0"/>
+            </a:endParaRPr>
+          </a:p>
+          <a:p>
+            <a:pPr>
+              <a:lnSpc>
+                <a:spcPct val="107000"/>
+              </a:lnSpc>
+              <a:spcAft>
+                <a:spcPts val="800"/>
+              </a:spcAft>
+            </a:pPr>
+            <a:r>
+              <a:rPr lang="en-US" sz="1800" dirty="0">
+                <a:effectLst/>
+                <a:latin typeface="Calibri" panose="020F0502020204030204" pitchFamily="34" charset="0"/>
+                <a:ea typeface="Calibri" panose="020F0502020204030204" pitchFamily="34" charset="0"/>
+                <a:cs typeface="Times New Roman" panose="02020603050405020304" pitchFamily="18" charset="0"/>
+              </a:rPr>
+              <a:t>and on mind I still like the idea including not all, but at least as much features as possible, and disentangle relationship between them</a:t>
+            </a:r>
+            <a:endParaRPr lang="en-GB" sz="1800" dirty="0">
+              <a:effectLst/>
+              <a:latin typeface="Calibri" panose="020F0502020204030204" pitchFamily="34" charset="0"/>
+              <a:ea typeface="Calibri" panose="020F0502020204030204" pitchFamily="34" charset="0"/>
+              <a:cs typeface="Times New Roman" panose="02020603050405020304" pitchFamily="18" charset="0"/>
+            </a:endParaRPr>
           </a:p>
         </p:txBody>
       </p:sp>
     </p:spTree>
     <p:extLst>
       <p:ext uri="{BB962C8B-B14F-4D97-AF65-F5344CB8AC3E}">
-        <p14:creationId xmlns:p14="http://schemas.microsoft.com/office/powerpoint/2010/main" val="2460350789"/>
+        <p14:creationId xmlns:p14="http://schemas.microsoft.com/office/powerpoint/2010/main" val="108998392"/>
       </p:ext>
     </p:extLst>
   </p:cSld>
@@ -2152,9 +4226,9 @@
           <a:bodyPr/>
           <a:lstStyle/>
           <a:p>
-            <a:fld id="{9FB048C6-FFC6-4A89-96D6-9E90739D3D55}" type="datetimeFigureOut">
+            <a:fld id="{EA224AB5-8358-4795-9514-0EA06F7907EA}" type="datetime1">
               <a:rPr lang="en-GB" smtClean="0"/>
-              <a:t>17/01/2022</a:t>
+              <a:t>19/01/2022</a:t>
             </a:fld>
             <a:endParaRPr lang="en-GB"/>
           </a:p>
@@ -2352,9 +4426,9 @@
           <a:bodyPr/>
           <a:lstStyle/>
           <a:p>
-            <a:fld id="{9FB048C6-FFC6-4A89-96D6-9E90739D3D55}" type="datetimeFigureOut">
+            <a:fld id="{6BFF9EA4-CFB5-44D8-BA1A-2481662507A7}" type="datetime1">
               <a:rPr lang="en-GB" smtClean="0"/>
-              <a:t>17/01/2022</a:t>
+              <a:t>19/01/2022</a:t>
             </a:fld>
             <a:endParaRPr lang="en-GB"/>
           </a:p>
@@ -2562,9 +4636,9 @@
           <a:bodyPr/>
           <a:lstStyle/>
           <a:p>
-            <a:fld id="{9FB048C6-FFC6-4A89-96D6-9E90739D3D55}" type="datetimeFigureOut">
+            <a:fld id="{98BBA65B-60EC-4BBC-A2FD-6CDFCEEB1B1E}" type="datetime1">
               <a:rPr lang="en-GB" smtClean="0"/>
-              <a:t>17/01/2022</a:t>
+              <a:t>19/01/2022</a:t>
             </a:fld>
             <a:endParaRPr lang="en-GB"/>
           </a:p>
@@ -2762,9 +4836,9 @@
           <a:bodyPr/>
           <a:lstStyle/>
           <a:p>
-            <a:fld id="{9FB048C6-FFC6-4A89-96D6-9E90739D3D55}" type="datetimeFigureOut">
+            <a:fld id="{CCE074A8-86A6-4D83-9776-17C8A56A3671}" type="datetime1">
               <a:rPr lang="en-GB" smtClean="0"/>
-              <a:t>17/01/2022</a:t>
+              <a:t>19/01/2022</a:t>
             </a:fld>
             <a:endParaRPr lang="en-GB"/>
           </a:p>
@@ -3038,9 +5112,9 @@
           <a:bodyPr/>
           <a:lstStyle/>
           <a:p>
-            <a:fld id="{9FB048C6-FFC6-4A89-96D6-9E90739D3D55}" type="datetimeFigureOut">
+            <a:fld id="{7DA4F301-F90B-4C6B-96AC-DC1F25434769}" type="datetime1">
               <a:rPr lang="en-GB" smtClean="0"/>
-              <a:t>17/01/2022</a:t>
+              <a:t>19/01/2022</a:t>
             </a:fld>
             <a:endParaRPr lang="en-GB"/>
           </a:p>
@@ -3306,9 +5380,9 @@
           <a:bodyPr/>
           <a:lstStyle/>
           <a:p>
-            <a:fld id="{9FB048C6-FFC6-4A89-96D6-9E90739D3D55}" type="datetimeFigureOut">
+            <a:fld id="{ADDFA833-F169-49A4-8441-0FA62A8C0323}" type="datetime1">
               <a:rPr lang="en-GB" smtClean="0"/>
-              <a:t>17/01/2022</a:t>
+              <a:t>19/01/2022</a:t>
             </a:fld>
             <a:endParaRPr lang="en-GB"/>
           </a:p>
@@ -3721,9 +5795,9 @@
           <a:bodyPr/>
           <a:lstStyle/>
           <a:p>
-            <a:fld id="{9FB048C6-FFC6-4A89-96D6-9E90739D3D55}" type="datetimeFigureOut">
+            <a:fld id="{7835F998-EBB5-4F10-8131-BCDEBE5E31CE}" type="datetime1">
               <a:rPr lang="en-GB" smtClean="0"/>
-              <a:t>17/01/2022</a:t>
+              <a:t>19/01/2022</a:t>
             </a:fld>
             <a:endParaRPr lang="en-GB"/>
           </a:p>
@@ -3863,9 +5937,9 @@
           <a:bodyPr/>
           <a:lstStyle/>
           <a:p>
-            <a:fld id="{9FB048C6-FFC6-4A89-96D6-9E90739D3D55}" type="datetimeFigureOut">
+            <a:fld id="{A438A8F9-8598-4BAD-847C-0F583D8A3553}" type="datetime1">
               <a:rPr lang="en-GB" smtClean="0"/>
-              <a:t>17/01/2022</a:t>
+              <a:t>19/01/2022</a:t>
             </a:fld>
             <a:endParaRPr lang="en-GB"/>
           </a:p>
@@ -3976,9 +6050,9 @@
           <a:bodyPr/>
           <a:lstStyle/>
           <a:p>
-            <a:fld id="{9FB048C6-FFC6-4A89-96D6-9E90739D3D55}" type="datetimeFigureOut">
+            <a:fld id="{E4BDD3D7-18A9-451E-B7E8-32EDBCE3DDBE}" type="datetime1">
               <a:rPr lang="en-GB" smtClean="0"/>
-              <a:t>17/01/2022</a:t>
+              <a:t>19/01/2022</a:t>
             </a:fld>
             <a:endParaRPr lang="en-GB"/>
           </a:p>
@@ -4289,9 +6363,9 @@
           <a:bodyPr/>
           <a:lstStyle/>
           <a:p>
-            <a:fld id="{9FB048C6-FFC6-4A89-96D6-9E90739D3D55}" type="datetimeFigureOut">
+            <a:fld id="{84D36DB4-C693-4925-A55F-A37896AA2EBE}" type="datetime1">
               <a:rPr lang="en-GB" smtClean="0"/>
-              <a:t>17/01/2022</a:t>
+              <a:t>19/01/2022</a:t>
             </a:fld>
             <a:endParaRPr lang="en-GB"/>
           </a:p>
@@ -4578,9 +6652,9 @@
           <a:bodyPr/>
           <a:lstStyle/>
           <a:p>
-            <a:fld id="{9FB048C6-FFC6-4A89-96D6-9E90739D3D55}" type="datetimeFigureOut">
+            <a:fld id="{2E219292-5DCE-4513-B771-122587D23FCA}" type="datetime1">
               <a:rPr lang="en-GB" smtClean="0"/>
-              <a:t>17/01/2022</a:t>
+              <a:t>19/01/2022</a:t>
             </a:fld>
             <a:endParaRPr lang="en-GB"/>
           </a:p>
@@ -4821,9 +6895,9 @@
             </a:lvl1pPr>
           </a:lstStyle>
           <a:p>
-            <a:fld id="{9FB048C6-FFC6-4A89-96D6-9E90739D3D55}" type="datetimeFigureOut">
+            <a:fld id="{D18EB59C-61DD-4CDD-BD8D-8E12EE6C00FB}" type="datetime1">
               <a:rPr lang="en-GB" smtClean="0"/>
-              <a:t>17/01/2022</a:t>
+              <a:t>19/01/2022</a:t>
             </a:fld>
             <a:endParaRPr lang="en-GB"/>
           </a:p>
@@ -4940,6 +7014,7 @@
     <p:sldLayoutId id="2147483658" r:id="rId10"/>
     <p:sldLayoutId id="2147483659" r:id="rId11"/>
   </p:sldLayoutIdLst>
+  <p:hf sldNum="0" hdr="0" ftr="0" dt="0"/>
   <p:txStyles>
     <p:titleStyle>
       <a:lvl1pPr algn="l" defTabSz="914400" rtl="0" eaLnBrk="1" latinLnBrk="0" hangingPunct="1">
@@ -6907,7 +8982,7 @@
             </a:r>
             <a:r>
               <a:rPr lang="en-GB" sz="2400" dirty="0">
-                <a:hlinkClick r:id="rId2"/>
+                <a:hlinkClick r:id="rId3"/>
               </a:rPr>
               <a:t>github.com/ranieri-unimi/spawn-em-all-manzi-2022</a:t>
             </a:r>
@@ -6920,7 +8995,7 @@
             </a:r>
             <a:r>
               <a:rPr lang="en-GB" sz="2400" dirty="0">
-                <a:hlinkClick r:id="rId3"/>
+                <a:hlinkClick r:id="rId4"/>
               </a:rPr>
               <a:t>kaggle.com/semioniy/predictemall</a:t>
             </a:r>
@@ -6943,7 +9018,7 @@
           <p:nvPr/>
         </p:nvPicPr>
         <p:blipFill>
-          <a:blip r:embed="rId4">
+          <a:blip r:embed="rId5">
             <a:extLst>
               <a:ext uri="{28A0092B-C50C-407E-A947-70E740481C1C}">
                 <a14:useLocalDpi xmlns:a14="http://schemas.microsoft.com/office/drawing/2010/main" val="0"/>
@@ -7345,253 +9420,6 @@
 </p:sld>
 </file>
 
-<file path=ppt/slides/slide18.xml><?xml version="1.0" encoding="utf-8"?>
-<p:sld xmlns:a="http://schemas.openxmlformats.org/drawingml/2006/main" xmlns:r="http://schemas.openxmlformats.org/officeDocument/2006/relationships" xmlns:p="http://schemas.openxmlformats.org/presentationml/2006/main" show="0">
-  <p:cSld>
-    <p:spTree>
-      <p:nvGrpSpPr>
-        <p:cNvPr id="1" name=""/>
-        <p:cNvGrpSpPr/>
-        <p:nvPr/>
-      </p:nvGrpSpPr>
-      <p:grpSpPr>
-        <a:xfrm>
-          <a:off x="0" y="0"/>
-          <a:ext cx="0" cy="0"/>
-          <a:chOff x="0" y="0"/>
-          <a:chExt cx="0" cy="0"/>
-        </a:xfrm>
-      </p:grpSpPr>
-      <p:sp>
-        <p:nvSpPr>
-          <p:cNvPr id="3" name="Title 1">
-            <a:extLst>
-              <a:ext uri="{FF2B5EF4-FFF2-40B4-BE49-F238E27FC236}">
-                <a16:creationId xmlns:a16="http://schemas.microsoft.com/office/drawing/2014/main" id="{40F4D27B-927D-4679-A5BC-067207328F17}"/>
-              </a:ext>
-            </a:extLst>
-          </p:cNvPr>
-          <p:cNvSpPr txBox="1">
-            <a:spLocks/>
-          </p:cNvSpPr>
-          <p:nvPr/>
-        </p:nvSpPr>
-        <p:spPr>
-          <a:xfrm>
-            <a:off x="5044751" y="5594468"/>
-            <a:ext cx="6189348" cy="730501"/>
-          </a:xfrm>
-          <a:prstGeom prst="rect">
-            <a:avLst/>
-          </a:prstGeom>
-        </p:spPr>
-        <p:txBody>
-          <a:bodyPr/>
-          <a:lstStyle>
-            <a:lvl1pPr algn="l" defTabSz="914400" rtl="0" eaLnBrk="1" latinLnBrk="0" hangingPunct="1">
-              <a:lnSpc>
-                <a:spcPct val="90000"/>
-              </a:lnSpc>
-              <a:spcBef>
-                <a:spcPct val="0"/>
-              </a:spcBef>
-              <a:buNone/>
-              <a:defRPr sz="4400" kern="1200">
-                <a:solidFill>
-                  <a:schemeClr val="tx1"/>
-                </a:solidFill>
-                <a:latin typeface="+mj-lt"/>
-                <a:ea typeface="+mj-ea"/>
-                <a:cs typeface="+mj-cs"/>
-              </a:defRPr>
-            </a:lvl1pPr>
-          </a:lstStyle>
-          <a:p>
-            <a:pPr algn="r"/>
-            <a:r>
-              <a:rPr lang="en-US" sz="6000" dirty="0"/>
-              <a:t>goal &lt;</a:t>
-            </a:r>
-            <a:endParaRPr lang="en-GB" sz="6000" dirty="0"/>
-          </a:p>
-        </p:txBody>
-      </p:sp>
-      <p:pic>
-        <p:nvPicPr>
-          <p:cNvPr id="5" name="Picture 4">
-            <a:extLst>
-              <a:ext uri="{FF2B5EF4-FFF2-40B4-BE49-F238E27FC236}">
-                <a16:creationId xmlns:a16="http://schemas.microsoft.com/office/drawing/2014/main" id="{73BFC95C-80A8-4FA3-8020-70E520245889}"/>
-              </a:ext>
-            </a:extLst>
-          </p:cNvPr>
-          <p:cNvPicPr>
-            <a:picLocks noChangeAspect="1"/>
-          </p:cNvPicPr>
-          <p:nvPr/>
-        </p:nvPicPr>
-        <p:blipFill rotWithShape="1">
-          <a:blip r:embed="rId3">
-            <a:extLst>
-              <a:ext uri="{28A0092B-C50C-407E-A947-70E740481C1C}">
-                <a14:useLocalDpi xmlns:a14="http://schemas.microsoft.com/office/drawing/2010/main" val="0"/>
-              </a:ext>
-            </a:extLst>
-          </a:blip>
-          <a:srcRect l="30389" t="44924" r="22495" b="9737"/>
-          <a:stretch/>
-        </p:blipFill>
-        <p:spPr>
-          <a:xfrm>
-            <a:off x="2090065" y="1950195"/>
-            <a:ext cx="2256968" cy="2171863"/>
-          </a:xfrm>
-          <a:prstGeom prst="rect">
-            <a:avLst/>
-          </a:prstGeom>
-        </p:spPr>
-      </p:pic>
-      <p:pic>
-        <p:nvPicPr>
-          <p:cNvPr id="12" name="Picture 11">
-            <a:extLst>
-              <a:ext uri="{FF2B5EF4-FFF2-40B4-BE49-F238E27FC236}">
-                <a16:creationId xmlns:a16="http://schemas.microsoft.com/office/drawing/2014/main" id="{76A3C472-1DA8-4879-A073-78794084FF6E}"/>
-              </a:ext>
-            </a:extLst>
-          </p:cNvPr>
-          <p:cNvPicPr>
-            <a:picLocks noChangeAspect="1"/>
-          </p:cNvPicPr>
-          <p:nvPr/>
-        </p:nvPicPr>
-        <p:blipFill rotWithShape="1">
-          <a:blip r:embed="rId4">
-            <a:extLst>
-              <a:ext uri="{BEBA8EAE-BF5A-486C-A8C5-ECC9F3942E4B}">
-                <a14:imgProps xmlns:a14="http://schemas.microsoft.com/office/drawing/2010/main">
-                  <a14:imgLayer r:embed="rId5">
-                    <a14:imgEffect>
-                      <a14:artisticChalkSketch/>
-                    </a14:imgEffect>
-                  </a14:imgLayer>
-                </a14:imgProps>
-              </a:ext>
-              <a:ext uri="{28A0092B-C50C-407E-A947-70E740481C1C}">
-                <a14:useLocalDpi xmlns:a14="http://schemas.microsoft.com/office/drawing/2010/main" val="0"/>
-              </a:ext>
-            </a:extLst>
-          </a:blip>
-          <a:srcRect l="30389" t="44924" r="52341" b="9737"/>
-          <a:stretch/>
-        </p:blipFill>
-        <p:spPr>
-          <a:xfrm>
-            <a:off x="2090065" y="1950195"/>
-            <a:ext cx="827310" cy="2171863"/>
-          </a:xfrm>
-          <a:prstGeom prst="rect">
-            <a:avLst/>
-          </a:prstGeom>
-        </p:spPr>
-      </p:pic>
-      <p:pic>
-        <p:nvPicPr>
-          <p:cNvPr id="14" name="Graphic 13" descr="Compass outline">
-            <a:extLst>
-              <a:ext uri="{FF2B5EF4-FFF2-40B4-BE49-F238E27FC236}">
-                <a16:creationId xmlns:a16="http://schemas.microsoft.com/office/drawing/2014/main" id="{A678B9BE-A528-42D0-8128-D30CDA0E201F}"/>
-              </a:ext>
-            </a:extLst>
-          </p:cNvPr>
-          <p:cNvPicPr>
-            <a:picLocks noChangeAspect="1"/>
-          </p:cNvPicPr>
-          <p:nvPr/>
-        </p:nvPicPr>
-        <p:blipFill>
-          <a:blip r:embed="rId6">
-            <a:extLst>
-              <a:ext uri="{28A0092B-C50C-407E-A947-70E740481C1C}">
-                <a14:useLocalDpi xmlns:a14="http://schemas.microsoft.com/office/drawing/2010/main" val="0"/>
-              </a:ext>
-              <a:ext uri="{96DAC541-7B7A-43D3-8B79-37D633B846F1}">
-                <asvg:svgBlip xmlns:asvg="http://schemas.microsoft.com/office/drawing/2016/SVG/main" r:embed="rId7"/>
-              </a:ext>
-            </a:extLst>
-          </a:blip>
-          <a:stretch>
-            <a:fillRect/>
-          </a:stretch>
-        </p:blipFill>
-        <p:spPr>
-          <a:xfrm>
-            <a:off x="7598227" y="2231570"/>
-            <a:ext cx="1973943" cy="1973943"/>
-          </a:xfrm>
-          <a:prstGeom prst="rect">
-            <a:avLst/>
-          </a:prstGeom>
-        </p:spPr>
-      </p:pic>
-      <p:cxnSp>
-        <p:nvCxnSpPr>
-          <p:cNvPr id="16" name="Straight Arrow Connector 15">
-            <a:extLst>
-              <a:ext uri="{FF2B5EF4-FFF2-40B4-BE49-F238E27FC236}">
-                <a16:creationId xmlns:a16="http://schemas.microsoft.com/office/drawing/2014/main" id="{23006383-6526-4856-B465-52B3EEFD8F17}"/>
-              </a:ext>
-            </a:extLst>
-          </p:cNvPr>
-          <p:cNvCxnSpPr>
-            <a:cxnSpLocks/>
-          </p:cNvCxnSpPr>
-          <p:nvPr/>
-        </p:nvCxnSpPr>
-        <p:spPr>
-          <a:xfrm>
-            <a:off x="4593775" y="3218541"/>
-            <a:ext cx="2510968" cy="0"/>
-          </a:xfrm>
-          <a:prstGeom prst="straightConnector1">
-            <a:avLst/>
-          </a:prstGeom>
-          <a:ln w="76200">
-            <a:solidFill>
-              <a:schemeClr val="tx1"/>
-            </a:solidFill>
-            <a:headEnd type="arrow" w="med" len="med"/>
-            <a:tailEnd type="arrow" w="med" len="med"/>
-          </a:ln>
-        </p:spPr>
-        <p:style>
-          <a:lnRef idx="3">
-            <a:schemeClr val="accent6"/>
-          </a:lnRef>
-          <a:fillRef idx="0">
-            <a:schemeClr val="accent6"/>
-          </a:fillRef>
-          <a:effectRef idx="2">
-            <a:schemeClr val="accent6"/>
-          </a:effectRef>
-          <a:fontRef idx="minor">
-            <a:schemeClr val="tx1"/>
-          </a:fontRef>
-        </p:style>
-      </p:cxnSp>
-    </p:spTree>
-    <p:extLst>
-      <p:ext uri="{BB962C8B-B14F-4D97-AF65-F5344CB8AC3E}">
-        <p14:creationId xmlns:p14="http://schemas.microsoft.com/office/powerpoint/2010/main" val="2765306690"/>
-      </p:ext>
-    </p:extLst>
-  </p:cSld>
-  <p:clrMapOvr>
-    <a:masterClrMapping/>
-  </p:clrMapOvr>
-</p:sld>
-</file>
-
 <file path=ppt/slides/slide2.xml><?xml version="1.0" encoding="utf-8"?>
 <p:sld xmlns:a="http://schemas.openxmlformats.org/drawingml/2006/main" xmlns:r="http://schemas.openxmlformats.org/officeDocument/2006/relationships" xmlns:p="http://schemas.openxmlformats.org/presentationml/2006/main">
   <p:cSld>
@@ -9260,7 +11088,7 @@
           <p:nvPr/>
         </p:nvPicPr>
         <p:blipFill>
-          <a:blip r:embed="rId2"/>
+          <a:blip r:embed="rId3"/>
           <a:stretch>
             <a:fillRect/>
           </a:stretch>
@@ -9290,7 +11118,7 @@
           <p:nvPr/>
         </p:nvPicPr>
         <p:blipFill>
-          <a:blip r:embed="rId3"/>
+          <a:blip r:embed="rId4"/>
           <a:stretch>
             <a:fillRect/>
           </a:stretch>
@@ -9320,7 +11148,7 @@
           <p:nvPr/>
         </p:nvPicPr>
         <p:blipFill>
-          <a:blip r:embed="rId4"/>
+          <a:blip r:embed="rId5"/>
           <a:stretch>
             <a:fillRect/>
           </a:stretch>
@@ -9851,202 +11679,181 @@
           </a:fontRef>
         </p:style>
       </p:cxnSp>
-      <p:grpSp>
-        <p:nvGrpSpPr>
-          <p:cNvPr id="17" name="Group 16">
-            <a:extLst>
-              <a:ext uri="{FF2B5EF4-FFF2-40B4-BE49-F238E27FC236}">
-                <a16:creationId xmlns:a16="http://schemas.microsoft.com/office/drawing/2014/main" id="{99875A63-BD19-4187-A958-A8A685B0A1EA}"/>
-              </a:ext>
-            </a:extLst>
-          </p:cNvPr>
-          <p:cNvGrpSpPr/>
+      <p:pic>
+        <p:nvPicPr>
+          <p:cNvPr id="5" name="Picture 4">
+            <a:extLst>
+              <a:ext uri="{FF2B5EF4-FFF2-40B4-BE49-F238E27FC236}">
+                <a16:creationId xmlns:a16="http://schemas.microsoft.com/office/drawing/2014/main" id="{73BFC95C-80A8-4FA3-8020-70E520245889}"/>
+              </a:ext>
+            </a:extLst>
+          </p:cNvPr>
+          <p:cNvPicPr>
+            <a:picLocks noChangeAspect="1"/>
+          </p:cNvPicPr>
           <p:nvPr/>
-        </p:nvGrpSpPr>
-        <p:grpSpPr>
+        </p:nvPicPr>
+        <p:blipFill rotWithShape="1">
+          <a:blip r:embed="rId5">
+            <a:extLst>
+              <a:ext uri="{28A0092B-C50C-407E-A947-70E740481C1C}">
+                <a14:useLocalDpi xmlns:a14="http://schemas.microsoft.com/office/drawing/2010/main" val="0"/>
+              </a:ext>
+            </a:extLst>
+          </a:blip>
+          <a:srcRect l="30389" t="44924" r="22495" b="9737"/>
+          <a:stretch/>
+        </p:blipFill>
+        <p:spPr>
           <a:xfrm>
             <a:off x="1875391" y="1912551"/>
-            <a:ext cx="2718383" cy="2611980"/>
-            <a:chOff x="2013177" y="1996839"/>
-            <a:chExt cx="2316239" cy="2254721"/>
+            <a:ext cx="2006403" cy="1905789"/>
           </a:xfrm>
-        </p:grpSpPr>
-        <p:pic>
-          <p:nvPicPr>
-            <p:cNvPr id="5" name="Picture 4">
-              <a:extLst>
-                <a:ext uri="{FF2B5EF4-FFF2-40B4-BE49-F238E27FC236}">
-                  <a16:creationId xmlns:a16="http://schemas.microsoft.com/office/drawing/2014/main" id="{73BFC95C-80A8-4FA3-8020-70E520245889}"/>
-                </a:ext>
-              </a:extLst>
-            </p:cNvPr>
-            <p:cNvPicPr>
-              <a:picLocks noChangeAspect="1"/>
-            </p:cNvPicPr>
-            <p:nvPr/>
-          </p:nvPicPr>
-          <p:blipFill rotWithShape="1">
-            <a:blip r:embed="rId5">
-              <a:extLst>
-                <a:ext uri="{28A0092B-C50C-407E-A947-70E740481C1C}">
-                  <a14:useLocalDpi xmlns:a14="http://schemas.microsoft.com/office/drawing/2010/main" val="0"/>
-                </a:ext>
-              </a:extLst>
-            </a:blip>
-            <a:srcRect l="30389" t="44924" r="22495" b="9737"/>
-            <a:stretch/>
-          </p:blipFill>
-          <p:spPr>
-            <a:xfrm>
-              <a:off x="2013177" y="1996839"/>
-              <a:ext cx="1709586" cy="1645121"/>
-            </a:xfrm>
-            <a:prstGeom prst="rect">
-              <a:avLst/>
-            </a:prstGeom>
-          </p:spPr>
-        </p:pic>
-        <p:pic>
-          <p:nvPicPr>
-            <p:cNvPr id="2" name="Picture 1">
-              <a:extLst>
-                <a:ext uri="{FF2B5EF4-FFF2-40B4-BE49-F238E27FC236}">
-                  <a16:creationId xmlns:a16="http://schemas.microsoft.com/office/drawing/2014/main" id="{B79EBBC9-E2FF-41D0-8689-06E17A524E32}"/>
-                </a:ext>
-              </a:extLst>
-            </p:cNvPr>
-            <p:cNvPicPr>
-              <a:picLocks noChangeAspect="1"/>
-            </p:cNvPicPr>
-            <p:nvPr/>
-          </p:nvPicPr>
-          <p:blipFill rotWithShape="1">
-            <a:blip r:embed="rId5">
-              <a:extLst>
-                <a:ext uri="{28A0092B-C50C-407E-A947-70E740481C1C}">
-                  <a14:useLocalDpi xmlns:a14="http://schemas.microsoft.com/office/drawing/2010/main" val="0"/>
-                </a:ext>
-              </a:extLst>
-            </a:blip>
-            <a:srcRect l="30389" t="44924" r="22495" b="9737"/>
-            <a:stretch/>
-          </p:blipFill>
-          <p:spPr>
-            <a:xfrm>
-              <a:off x="2165577" y="2149239"/>
-              <a:ext cx="1709586" cy="1645121"/>
-            </a:xfrm>
-            <a:prstGeom prst="rect">
-              <a:avLst/>
-            </a:prstGeom>
-          </p:spPr>
-        </p:pic>
-        <p:pic>
-          <p:nvPicPr>
-            <p:cNvPr id="4" name="Picture 3">
-              <a:extLst>
-                <a:ext uri="{FF2B5EF4-FFF2-40B4-BE49-F238E27FC236}">
-                  <a16:creationId xmlns:a16="http://schemas.microsoft.com/office/drawing/2014/main" id="{5AB6ADEF-415F-490F-B0D8-D0070EA9E1BC}"/>
-                </a:ext>
-              </a:extLst>
-            </p:cNvPr>
-            <p:cNvPicPr>
-              <a:picLocks noChangeAspect="1"/>
-            </p:cNvPicPr>
-            <p:nvPr/>
-          </p:nvPicPr>
-          <p:blipFill rotWithShape="1">
-            <a:blip r:embed="rId5">
-              <a:extLst>
-                <a:ext uri="{28A0092B-C50C-407E-A947-70E740481C1C}">
-                  <a14:useLocalDpi xmlns:a14="http://schemas.microsoft.com/office/drawing/2010/main" val="0"/>
-                </a:ext>
-              </a:extLst>
-            </a:blip>
-            <a:srcRect l="30389" t="44924" r="22495" b="9737"/>
-            <a:stretch/>
-          </p:blipFill>
-          <p:spPr>
-            <a:xfrm>
-              <a:off x="2317977" y="2301639"/>
-              <a:ext cx="1709586" cy="1645121"/>
-            </a:xfrm>
-            <a:prstGeom prst="rect">
-              <a:avLst/>
-            </a:prstGeom>
-          </p:spPr>
-        </p:pic>
-        <p:pic>
-          <p:nvPicPr>
-            <p:cNvPr id="6" name="Picture 5">
-              <a:extLst>
-                <a:ext uri="{FF2B5EF4-FFF2-40B4-BE49-F238E27FC236}">
-                  <a16:creationId xmlns:a16="http://schemas.microsoft.com/office/drawing/2014/main" id="{0883E87D-BE52-4888-BC36-2A9C968D8979}"/>
-                </a:ext>
-              </a:extLst>
-            </p:cNvPr>
-            <p:cNvPicPr>
-              <a:picLocks noChangeAspect="1"/>
-            </p:cNvPicPr>
-            <p:nvPr/>
-          </p:nvPicPr>
-          <p:blipFill rotWithShape="1">
-            <a:blip r:embed="rId5">
-              <a:extLst>
-                <a:ext uri="{28A0092B-C50C-407E-A947-70E740481C1C}">
-                  <a14:useLocalDpi xmlns:a14="http://schemas.microsoft.com/office/drawing/2010/main" val="0"/>
-                </a:ext>
-              </a:extLst>
-            </a:blip>
-            <a:srcRect l="30389" t="44924" r="22495" b="9737"/>
-            <a:stretch/>
-          </p:blipFill>
-          <p:spPr>
-            <a:xfrm>
-              <a:off x="2470377" y="2454039"/>
-              <a:ext cx="1709586" cy="1645121"/>
-            </a:xfrm>
-            <a:prstGeom prst="rect">
-              <a:avLst/>
-            </a:prstGeom>
-          </p:spPr>
-        </p:pic>
-        <p:pic>
-          <p:nvPicPr>
-            <p:cNvPr id="8" name="Picture 7">
-              <a:extLst>
-                <a:ext uri="{FF2B5EF4-FFF2-40B4-BE49-F238E27FC236}">
-                  <a16:creationId xmlns:a16="http://schemas.microsoft.com/office/drawing/2014/main" id="{8285188D-B0B1-49D4-B8D7-DB644AB751A9}"/>
-                </a:ext>
-              </a:extLst>
-            </p:cNvPr>
-            <p:cNvPicPr>
-              <a:picLocks noChangeAspect="1"/>
-            </p:cNvPicPr>
-            <p:nvPr/>
-          </p:nvPicPr>
-          <p:blipFill rotWithShape="1">
-            <a:blip r:embed="rId5">
-              <a:extLst>
-                <a:ext uri="{28A0092B-C50C-407E-A947-70E740481C1C}">
-                  <a14:useLocalDpi xmlns:a14="http://schemas.microsoft.com/office/drawing/2010/main" val="0"/>
-                </a:ext>
-              </a:extLst>
-            </a:blip>
-            <a:srcRect l="30389" t="44924" r="22495" b="9737"/>
-            <a:stretch/>
-          </p:blipFill>
-          <p:spPr>
-            <a:xfrm>
-              <a:off x="2619830" y="2606439"/>
-              <a:ext cx="1709586" cy="1645121"/>
-            </a:xfrm>
-            <a:prstGeom prst="rect">
-              <a:avLst/>
-            </a:prstGeom>
-          </p:spPr>
-        </p:pic>
-      </p:grpSp>
+          <a:prstGeom prst="rect">
+            <a:avLst/>
+          </a:prstGeom>
+        </p:spPr>
+      </p:pic>
+      <p:pic>
+        <p:nvPicPr>
+          <p:cNvPr id="2" name="Picture 1">
+            <a:extLst>
+              <a:ext uri="{FF2B5EF4-FFF2-40B4-BE49-F238E27FC236}">
+                <a16:creationId xmlns:a16="http://schemas.microsoft.com/office/drawing/2014/main" id="{B79EBBC9-E2FF-41D0-8689-06E17A524E32}"/>
+              </a:ext>
+            </a:extLst>
+          </p:cNvPr>
+          <p:cNvPicPr>
+            <a:picLocks noChangeAspect="1"/>
+          </p:cNvPicPr>
+          <p:nvPr/>
+        </p:nvPicPr>
+        <p:blipFill rotWithShape="1">
+          <a:blip r:embed="rId5">
+            <a:extLst>
+              <a:ext uri="{28A0092B-C50C-407E-A947-70E740481C1C}">
+                <a14:useLocalDpi xmlns:a14="http://schemas.microsoft.com/office/drawing/2010/main" val="0"/>
+              </a:ext>
+            </a:extLst>
+          </a:blip>
+          <a:srcRect l="30389" t="44924" r="22495" b="9737"/>
+          <a:stretch/>
+        </p:blipFill>
+        <p:spPr>
+          <a:xfrm>
+            <a:off x="2054251" y="2089099"/>
+            <a:ext cx="2006403" cy="1905789"/>
+          </a:xfrm>
+          <a:prstGeom prst="rect">
+            <a:avLst/>
+          </a:prstGeom>
+        </p:spPr>
+      </p:pic>
+      <p:pic>
+        <p:nvPicPr>
+          <p:cNvPr id="4" name="Picture 3">
+            <a:extLst>
+              <a:ext uri="{FF2B5EF4-FFF2-40B4-BE49-F238E27FC236}">
+                <a16:creationId xmlns:a16="http://schemas.microsoft.com/office/drawing/2014/main" id="{5AB6ADEF-415F-490F-B0D8-D0070EA9E1BC}"/>
+              </a:ext>
+            </a:extLst>
+          </p:cNvPr>
+          <p:cNvPicPr>
+            <a:picLocks noChangeAspect="1"/>
+          </p:cNvPicPr>
+          <p:nvPr/>
+        </p:nvPicPr>
+        <p:blipFill rotWithShape="1">
+          <a:blip r:embed="rId5">
+            <a:extLst>
+              <a:ext uri="{28A0092B-C50C-407E-A947-70E740481C1C}">
+                <a14:useLocalDpi xmlns:a14="http://schemas.microsoft.com/office/drawing/2010/main" val="0"/>
+              </a:ext>
+            </a:extLst>
+          </a:blip>
+          <a:srcRect l="30389" t="44924" r="22495" b="9737"/>
+          <a:stretch/>
+        </p:blipFill>
+        <p:spPr>
+          <a:xfrm>
+            <a:off x="2233110" y="2265646"/>
+            <a:ext cx="2006403" cy="1905789"/>
+          </a:xfrm>
+          <a:prstGeom prst="rect">
+            <a:avLst/>
+          </a:prstGeom>
+        </p:spPr>
+      </p:pic>
+      <p:pic>
+        <p:nvPicPr>
+          <p:cNvPr id="6" name="Picture 5">
+            <a:extLst>
+              <a:ext uri="{FF2B5EF4-FFF2-40B4-BE49-F238E27FC236}">
+                <a16:creationId xmlns:a16="http://schemas.microsoft.com/office/drawing/2014/main" id="{0883E87D-BE52-4888-BC36-2A9C968D8979}"/>
+              </a:ext>
+            </a:extLst>
+          </p:cNvPr>
+          <p:cNvPicPr>
+            <a:picLocks noChangeAspect="1"/>
+          </p:cNvPicPr>
+          <p:nvPr/>
+        </p:nvPicPr>
+        <p:blipFill rotWithShape="1">
+          <a:blip r:embed="rId5">
+            <a:extLst>
+              <a:ext uri="{28A0092B-C50C-407E-A947-70E740481C1C}">
+                <a14:useLocalDpi xmlns:a14="http://schemas.microsoft.com/office/drawing/2010/main" val="0"/>
+              </a:ext>
+            </a:extLst>
+          </a:blip>
+          <a:srcRect l="30389" t="44924" r="22495" b="9737"/>
+          <a:stretch/>
+        </p:blipFill>
+        <p:spPr>
+          <a:xfrm>
+            <a:off x="2411970" y="2442194"/>
+            <a:ext cx="2006403" cy="1905789"/>
+          </a:xfrm>
+          <a:prstGeom prst="rect">
+            <a:avLst/>
+          </a:prstGeom>
+        </p:spPr>
+      </p:pic>
+      <p:pic>
+        <p:nvPicPr>
+          <p:cNvPr id="8" name="Picture 7">
+            <a:extLst>
+              <a:ext uri="{FF2B5EF4-FFF2-40B4-BE49-F238E27FC236}">
+                <a16:creationId xmlns:a16="http://schemas.microsoft.com/office/drawing/2014/main" id="{8285188D-B0B1-49D4-B8D7-DB644AB751A9}"/>
+              </a:ext>
+            </a:extLst>
+          </p:cNvPr>
+          <p:cNvPicPr>
+            <a:picLocks noChangeAspect="1"/>
+          </p:cNvPicPr>
+          <p:nvPr/>
+        </p:nvPicPr>
+        <p:blipFill rotWithShape="1">
+          <a:blip r:embed="rId5">
+            <a:extLst>
+              <a:ext uri="{28A0092B-C50C-407E-A947-70E740481C1C}">
+                <a14:useLocalDpi xmlns:a14="http://schemas.microsoft.com/office/drawing/2010/main" val="0"/>
+              </a:ext>
+            </a:extLst>
+          </a:blip>
+          <a:srcRect l="30389" t="44924" r="22495" b="9737"/>
+          <a:stretch/>
+        </p:blipFill>
+        <p:spPr>
+          <a:xfrm>
+            <a:off x="2587371" y="2618742"/>
+            <a:ext cx="2006403" cy="1905789"/>
+          </a:xfrm>
+          <a:prstGeom prst="rect">
+            <a:avLst/>
+          </a:prstGeom>
+        </p:spPr>
+      </p:pic>
     </p:spTree>
     <p:extLst>
       <p:ext uri="{BB962C8B-B14F-4D97-AF65-F5344CB8AC3E}">
@@ -10648,4 +12455,299 @@
     </a:ext>
   </a:extLst>
 </a:theme>
+</file>
+
+<file path=ppt/theme/theme3.xml><?xml version="1.0" encoding="utf-8"?>
+<a:theme xmlns:a="http://schemas.openxmlformats.org/drawingml/2006/main" name="Office Theme">
+  <a:themeElements>
+    <a:clrScheme name="Office">
+      <a:dk1>
+        <a:sysClr val="windowText" lastClr="000000"/>
+      </a:dk1>
+      <a:lt1>
+        <a:sysClr val="window" lastClr="FFFFFF"/>
+      </a:lt1>
+      <a:dk2>
+        <a:srgbClr val="44546A"/>
+      </a:dk2>
+      <a:lt2>
+        <a:srgbClr val="E7E6E6"/>
+      </a:lt2>
+      <a:accent1>
+        <a:srgbClr val="4472C4"/>
+      </a:accent1>
+      <a:accent2>
+        <a:srgbClr val="ED7D31"/>
+      </a:accent2>
+      <a:accent3>
+        <a:srgbClr val="A5A5A5"/>
+      </a:accent3>
+      <a:accent4>
+        <a:srgbClr val="FFC000"/>
+      </a:accent4>
+      <a:accent5>
+        <a:srgbClr val="5B9BD5"/>
+      </a:accent5>
+      <a:accent6>
+        <a:srgbClr val="70AD47"/>
+      </a:accent6>
+      <a:hlink>
+        <a:srgbClr val="0563C1"/>
+      </a:hlink>
+      <a:folHlink>
+        <a:srgbClr val="954F72"/>
+      </a:folHlink>
+    </a:clrScheme>
+    <a:fontScheme name="Office">
+      <a:majorFont>
+        <a:latin typeface="Calibri Light" panose="020F0302020204030204"/>
+        <a:ea typeface=""/>
+        <a:cs typeface=""/>
+        <a:font script="Jpan" typeface="游ゴシック Light"/>
+        <a:font script="Hang" typeface="맑은 고딕"/>
+        <a:font script="Hans" typeface="等线 Light"/>
+        <a:font script="Hant" typeface="新細明體"/>
+        <a:font script="Arab" typeface="Times New Roman"/>
+        <a:font script="Hebr" typeface="Times New Roman"/>
+        <a:font script="Thai" typeface="Angsana New"/>
+        <a:font script="Ethi" typeface="Nyala"/>
+        <a:font script="Beng" typeface="Vrinda"/>
+        <a:font script="Gujr" typeface="Shruti"/>
+        <a:font script="Khmr" typeface="MoolBoran"/>
+        <a:font script="Knda" typeface="Tunga"/>
+        <a:font script="Guru" typeface="Raavi"/>
+        <a:font script="Cans" typeface="Euphemia"/>
+        <a:font script="Cher" typeface="Plantagenet Cherokee"/>
+        <a:font script="Yiii" typeface="Microsoft Yi Baiti"/>
+        <a:font script="Tibt" typeface="Microsoft Himalaya"/>
+        <a:font script="Thaa" typeface="MV Boli"/>
+        <a:font script="Deva" typeface="Mangal"/>
+        <a:font script="Telu" typeface="Gautami"/>
+        <a:font script="Taml" typeface="Latha"/>
+        <a:font script="Syrc" typeface="Estrangelo Edessa"/>
+        <a:font script="Orya" typeface="Kalinga"/>
+        <a:font script="Mlym" typeface="Kartika"/>
+        <a:font script="Laoo" typeface="DokChampa"/>
+        <a:font script="Sinh" typeface="Iskoola Pota"/>
+        <a:font script="Mong" typeface="Mongolian Baiti"/>
+        <a:font script="Viet" typeface="Times New Roman"/>
+        <a:font script="Uigh" typeface="Microsoft Uighur"/>
+        <a:font script="Geor" typeface="Sylfaen"/>
+        <a:font script="Armn" typeface="Arial"/>
+        <a:font script="Bugi" typeface="Leelawadee UI"/>
+        <a:font script="Bopo" typeface="Microsoft JhengHei"/>
+        <a:font script="Java" typeface="Javanese Text"/>
+        <a:font script="Lisu" typeface="Segoe UI"/>
+        <a:font script="Mymr" typeface="Myanmar Text"/>
+        <a:font script="Nkoo" typeface="Ebrima"/>
+        <a:font script="Olck" typeface="Nirmala UI"/>
+        <a:font script="Osma" typeface="Ebrima"/>
+        <a:font script="Phag" typeface="Phagspa"/>
+        <a:font script="Syrn" typeface="Estrangelo Edessa"/>
+        <a:font script="Syrj" typeface="Estrangelo Edessa"/>
+        <a:font script="Syre" typeface="Estrangelo Edessa"/>
+        <a:font script="Sora" typeface="Nirmala UI"/>
+        <a:font script="Tale" typeface="Microsoft Tai Le"/>
+        <a:font script="Talu" typeface="Microsoft New Tai Lue"/>
+        <a:font script="Tfng" typeface="Ebrima"/>
+      </a:majorFont>
+      <a:minorFont>
+        <a:latin typeface="Calibri" panose="020F0502020204030204"/>
+        <a:ea typeface=""/>
+        <a:cs typeface=""/>
+        <a:font script="Jpan" typeface="游ゴシック"/>
+        <a:font script="Hang" typeface="맑은 고딕"/>
+        <a:font script="Hans" typeface="等线"/>
+        <a:font script="Hant" typeface="新細明體"/>
+        <a:font script="Arab" typeface="Arial"/>
+        <a:font script="Hebr" typeface="Arial"/>
+        <a:font script="Thai" typeface="Cordia New"/>
+        <a:font script="Ethi" typeface="Nyala"/>
+        <a:font script="Beng" typeface="Vrinda"/>
+        <a:font script="Gujr" typeface="Shruti"/>
+        <a:font script="Khmr" typeface="DaunPenh"/>
+        <a:font script="Knda" typeface="Tunga"/>
+        <a:font script="Guru" typeface="Raavi"/>
+        <a:font script="Cans" typeface="Euphemia"/>
+        <a:font script="Cher" typeface="Plantagenet Cherokee"/>
+        <a:font script="Yiii" typeface="Microsoft Yi Baiti"/>
+        <a:font script="Tibt" typeface="Microsoft Himalaya"/>
+        <a:font script="Thaa" typeface="MV Boli"/>
+        <a:font script="Deva" typeface="Mangal"/>
+        <a:font script="Telu" typeface="Gautami"/>
+        <a:font script="Taml" typeface="Latha"/>
+        <a:font script="Syrc" typeface="Estrangelo Edessa"/>
+        <a:font script="Orya" typeface="Kalinga"/>
+        <a:font script="Mlym" typeface="Kartika"/>
+        <a:font script="Laoo" typeface="DokChampa"/>
+        <a:font script="Sinh" typeface="Iskoola Pota"/>
+        <a:font script="Mong" typeface="Mongolian Baiti"/>
+        <a:font script="Viet" typeface="Arial"/>
+        <a:font script="Uigh" typeface="Microsoft Uighur"/>
+        <a:font script="Geor" typeface="Sylfaen"/>
+        <a:font script="Armn" typeface="Arial"/>
+        <a:font script="Bugi" typeface="Leelawadee UI"/>
+        <a:font script="Bopo" typeface="Microsoft JhengHei"/>
+        <a:font script="Java" typeface="Javanese Text"/>
+        <a:font script="Lisu" typeface="Segoe UI"/>
+        <a:font script="Mymr" typeface="Myanmar Text"/>
+        <a:font script="Nkoo" typeface="Ebrima"/>
+        <a:font script="Olck" typeface="Nirmala UI"/>
+        <a:font script="Osma" typeface="Ebrima"/>
+        <a:font script="Phag" typeface="Phagspa"/>
+        <a:font script="Syrn" typeface="Estrangelo Edessa"/>
+        <a:font script="Syrj" typeface="Estrangelo Edessa"/>
+        <a:font script="Syre" typeface="Estrangelo Edessa"/>
+        <a:font script="Sora" typeface="Nirmala UI"/>
+        <a:font script="Tale" typeface="Microsoft Tai Le"/>
+        <a:font script="Talu" typeface="Microsoft New Tai Lue"/>
+        <a:font script="Tfng" typeface="Ebrima"/>
+      </a:minorFont>
+    </a:fontScheme>
+    <a:fmtScheme name="Office">
+      <a:fillStyleLst>
+        <a:solidFill>
+          <a:schemeClr val="phClr"/>
+        </a:solidFill>
+        <a:gradFill rotWithShape="1">
+          <a:gsLst>
+            <a:gs pos="0">
+              <a:schemeClr val="phClr">
+                <a:lumMod val="110000"/>
+                <a:satMod val="105000"/>
+                <a:tint val="67000"/>
+              </a:schemeClr>
+            </a:gs>
+            <a:gs pos="50000">
+              <a:schemeClr val="phClr">
+                <a:lumMod val="105000"/>
+                <a:satMod val="103000"/>
+                <a:tint val="73000"/>
+              </a:schemeClr>
+            </a:gs>
+            <a:gs pos="100000">
+              <a:schemeClr val="phClr">
+                <a:lumMod val="105000"/>
+                <a:satMod val="109000"/>
+                <a:tint val="81000"/>
+              </a:schemeClr>
+            </a:gs>
+          </a:gsLst>
+          <a:lin ang="5400000" scaled="0"/>
+        </a:gradFill>
+        <a:gradFill rotWithShape="1">
+          <a:gsLst>
+            <a:gs pos="0">
+              <a:schemeClr val="phClr">
+                <a:satMod val="103000"/>
+                <a:lumMod val="102000"/>
+                <a:tint val="94000"/>
+              </a:schemeClr>
+            </a:gs>
+            <a:gs pos="50000">
+              <a:schemeClr val="phClr">
+                <a:satMod val="110000"/>
+                <a:lumMod val="100000"/>
+                <a:shade val="100000"/>
+              </a:schemeClr>
+            </a:gs>
+            <a:gs pos="100000">
+              <a:schemeClr val="phClr">
+                <a:lumMod val="99000"/>
+                <a:satMod val="120000"/>
+                <a:shade val="78000"/>
+              </a:schemeClr>
+            </a:gs>
+          </a:gsLst>
+          <a:lin ang="5400000" scaled="0"/>
+        </a:gradFill>
+      </a:fillStyleLst>
+      <a:lnStyleLst>
+        <a:ln w="6350" cap="flat" cmpd="sng" algn="ctr">
+          <a:solidFill>
+            <a:schemeClr val="phClr"/>
+          </a:solidFill>
+          <a:prstDash val="solid"/>
+          <a:miter lim="800000"/>
+        </a:ln>
+        <a:ln w="12700" cap="flat" cmpd="sng" algn="ctr">
+          <a:solidFill>
+            <a:schemeClr val="phClr"/>
+          </a:solidFill>
+          <a:prstDash val="solid"/>
+          <a:miter lim="800000"/>
+        </a:ln>
+        <a:ln w="19050" cap="flat" cmpd="sng" algn="ctr">
+          <a:solidFill>
+            <a:schemeClr val="phClr"/>
+          </a:solidFill>
+          <a:prstDash val="solid"/>
+          <a:miter lim="800000"/>
+        </a:ln>
+      </a:lnStyleLst>
+      <a:effectStyleLst>
+        <a:effectStyle>
+          <a:effectLst/>
+        </a:effectStyle>
+        <a:effectStyle>
+          <a:effectLst/>
+        </a:effectStyle>
+        <a:effectStyle>
+          <a:effectLst>
+            <a:outerShdw blurRad="57150" dist="19050" dir="5400000" algn="ctr" rotWithShape="0">
+              <a:srgbClr val="000000">
+                <a:alpha val="63000"/>
+              </a:srgbClr>
+            </a:outerShdw>
+          </a:effectLst>
+        </a:effectStyle>
+      </a:effectStyleLst>
+      <a:bgFillStyleLst>
+        <a:solidFill>
+          <a:schemeClr val="phClr"/>
+        </a:solidFill>
+        <a:solidFill>
+          <a:schemeClr val="phClr">
+            <a:tint val="95000"/>
+            <a:satMod val="170000"/>
+          </a:schemeClr>
+        </a:solidFill>
+        <a:gradFill rotWithShape="1">
+          <a:gsLst>
+            <a:gs pos="0">
+              <a:schemeClr val="phClr">
+                <a:tint val="93000"/>
+                <a:satMod val="150000"/>
+                <a:shade val="98000"/>
+                <a:lumMod val="102000"/>
+              </a:schemeClr>
+            </a:gs>
+            <a:gs pos="50000">
+              <a:schemeClr val="phClr">
+                <a:tint val="98000"/>
+                <a:satMod val="130000"/>
+                <a:shade val="90000"/>
+                <a:lumMod val="103000"/>
+              </a:schemeClr>
+            </a:gs>
+            <a:gs pos="100000">
+              <a:schemeClr val="phClr">
+                <a:shade val="63000"/>
+                <a:satMod val="120000"/>
+              </a:schemeClr>
+            </a:gs>
+          </a:gsLst>
+          <a:lin ang="5400000" scaled="0"/>
+        </a:gradFill>
+      </a:bgFillStyleLst>
+    </a:fmtScheme>
+  </a:themeElements>
+  <a:objectDefaults/>
+  <a:extraClrSchemeLst/>
+  <a:extLst>
+    <a:ext uri="{05A4C25C-085E-4340-85A3-A5531E510DB2}">
+      <thm15:themeFamily xmlns:thm15="http://schemas.microsoft.com/office/thememl/2012/main" name="Office Theme" id="{62F939B6-93AF-4DB8-9C6B-D6C7DFDC589F}" vid="{4A3C46E8-61CC-4603-A589-7422A47A8E4A}"/>
+    </a:ext>
+  </a:extLst>
+</a:theme>
 </file>